--- a/7Week-DevOps-AWS/7w-aws-devops.pptx
+++ b/7Week-DevOps-AWS/7w-aws-devops.pptx
@@ -13,11 +13,17 @@
     <p:sldId id="264" r:id="rId7"/>
     <p:sldId id="265" r:id="rId8"/>
     <p:sldId id="266" r:id="rId9"/>
-    <p:sldId id="267" r:id="rId10"/>
-    <p:sldId id="268" r:id="rId11"/>
-    <p:sldId id="269" r:id="rId12"/>
-    <p:sldId id="257" r:id="rId13"/>
-    <p:sldId id="258" r:id="rId14"/>
+    <p:sldId id="274" r:id="rId10"/>
+    <p:sldId id="275" r:id="rId11"/>
+    <p:sldId id="276" r:id="rId12"/>
+    <p:sldId id="273" r:id="rId13"/>
+    <p:sldId id="272" r:id="rId14"/>
+    <p:sldId id="267" r:id="rId15"/>
+    <p:sldId id="268" r:id="rId16"/>
+    <p:sldId id="269" r:id="rId17"/>
+    <p:sldId id="270" r:id="rId18"/>
+    <p:sldId id="257" r:id="rId19"/>
+    <p:sldId id="258" r:id="rId20"/>
   </p:sldIdLst>
   <p:sldSz cx="12192000" cy="6858000"/>
   <p:notesSz cx="6858000" cy="9144000"/>
@@ -3426,7 +3432,7 @@
           <p:cNvPr id="2" name="Title 1">
             <a:extLst>
               <a:ext uri="{FF2B5EF4-FFF2-40B4-BE49-F238E27FC236}">
-                <a16:creationId xmlns:a16="http://schemas.microsoft.com/office/drawing/2014/main" id="{A179260C-DD91-4D85-8C59-7E0CBF3A7F36}"/>
+                <a16:creationId xmlns:a16="http://schemas.microsoft.com/office/drawing/2014/main" id="{71198F7D-4E3D-43D5-A281-D00A9B585595}"/>
               </a:ext>
             </a:extLst>
           </p:cNvPr>
@@ -3444,55 +3450,336 @@
           <a:p>
             <a:r>
               <a:rPr lang="en-US" dirty="0"/>
-              <a:t>AWS Services</a:t>
-            </a:r>
-          </a:p>
-        </p:txBody>
-      </p:sp>
-      <p:sp>
-        <p:nvSpPr>
-          <p:cNvPr id="3" name="Content Placeholder 2">
-            <a:extLst>
-              <a:ext uri="{FF2B5EF4-FFF2-40B4-BE49-F238E27FC236}">
-                <a16:creationId xmlns:a16="http://schemas.microsoft.com/office/drawing/2014/main" id="{D83F337F-917E-461D-A2FD-94889B0E677F}"/>
-              </a:ext>
-            </a:extLst>
-          </p:cNvPr>
-          <p:cNvSpPr>
-            <a:spLocks noGrp="1"/>
-          </p:cNvSpPr>
-          <p:nvPr>
-            <p:ph idx="1"/>
-          </p:nvPr>
-        </p:nvSpPr>
-        <p:spPr/>
-        <p:txBody>
-          <a:bodyPr/>
-          <a:lstStyle/>
-          <a:p>
-            <a:r>
-              <a:rPr lang="en-US" dirty="0"/>
-              <a:t>S3</a:t>
-            </a:r>
-          </a:p>
-          <a:p>
-            <a:r>
-              <a:rPr lang="en-US" dirty="0"/>
-              <a:t>EC2</a:t>
-            </a:r>
-          </a:p>
-          <a:p>
-            <a:r>
-              <a:rPr lang="en-US" dirty="0"/>
-              <a:t>AMI</a:t>
-            </a:r>
-          </a:p>
-        </p:txBody>
-      </p:sp>
+              <a:t>Java App Deployment (yes Pipeline)</a:t>
+            </a:r>
+          </a:p>
+        </p:txBody>
+      </p:sp>
+      <p:pic>
+        <p:nvPicPr>
+          <p:cNvPr id="5" name="Graphic 4" descr="Laptop">
+            <a:extLst>
+              <a:ext uri="{FF2B5EF4-FFF2-40B4-BE49-F238E27FC236}">
+                <a16:creationId xmlns:a16="http://schemas.microsoft.com/office/drawing/2014/main" id="{EE19F7E3-6DDA-42AE-ABFF-4849F5A4E637}"/>
+              </a:ext>
+            </a:extLst>
+          </p:cNvPr>
+          <p:cNvPicPr>
+            <a:picLocks noChangeAspect="1"/>
+          </p:cNvPicPr>
+          <p:nvPr/>
+        </p:nvPicPr>
+        <p:blipFill>
+          <a:blip r:embed="rId2">
+            <a:extLst>
+              <a:ext uri="{28A0092B-C50C-407E-A947-70E740481C1C}">
+                <a14:useLocalDpi xmlns:a14="http://schemas.microsoft.com/office/drawing/2010/main" val="0"/>
+              </a:ext>
+              <a:ext uri="{96DAC541-7B7A-43D3-8B79-37D633B846F1}">
+                <asvg:svgBlip xmlns:asvg="http://schemas.microsoft.com/office/drawing/2016/SVG/main" r:embed="rId3"/>
+              </a:ext>
+            </a:extLst>
+          </a:blip>
+          <a:stretch>
+            <a:fillRect/>
+          </a:stretch>
+        </p:blipFill>
+        <p:spPr>
+          <a:xfrm>
+            <a:off x="281607" y="2686877"/>
+            <a:ext cx="2938671" cy="2938671"/>
+          </a:xfrm>
+          <a:prstGeom prst="rect">
+            <a:avLst/>
+          </a:prstGeom>
+        </p:spPr>
+      </p:pic>
+      <p:sp>
+        <p:nvSpPr>
+          <p:cNvPr id="7" name="Rectangle 6">
+            <a:extLst>
+              <a:ext uri="{FF2B5EF4-FFF2-40B4-BE49-F238E27FC236}">
+                <a16:creationId xmlns:a16="http://schemas.microsoft.com/office/drawing/2014/main" id="{2248A4F4-6151-4D11-A2A2-A2DBE92E0FB5}"/>
+              </a:ext>
+            </a:extLst>
+          </p:cNvPr>
+          <p:cNvSpPr/>
+          <p:nvPr/>
+        </p:nvSpPr>
+        <p:spPr>
+          <a:xfrm>
+            <a:off x="1179298" y="2125316"/>
+            <a:ext cx="1003852" cy="1123121"/>
+          </a:xfrm>
+          <a:prstGeom prst="rect">
+            <a:avLst/>
+          </a:prstGeom>
+        </p:spPr>
+        <p:style>
+          <a:lnRef idx="2">
+            <a:schemeClr val="accent1">
+              <a:shade val="50000"/>
+            </a:schemeClr>
+          </a:lnRef>
+          <a:fillRef idx="1">
+            <a:schemeClr val="accent1"/>
+          </a:fillRef>
+          <a:effectRef idx="0">
+            <a:schemeClr val="accent1"/>
+          </a:effectRef>
+          <a:fontRef idx="minor">
+            <a:schemeClr val="lt1"/>
+          </a:fontRef>
+        </p:style>
+        <p:txBody>
+          <a:bodyPr rtlCol="0" anchor="ctr"/>
+          <a:lstStyle/>
+          <a:p>
+            <a:pPr algn="ctr"/>
+            <a:r>
+              <a:rPr lang="en-US" dirty="0"/>
+              <a:t>app</a:t>
+            </a:r>
+          </a:p>
+        </p:txBody>
+      </p:sp>
+      <p:pic>
+        <p:nvPicPr>
+          <p:cNvPr id="11" name="Graphic 10" descr="Server">
+            <a:extLst>
+              <a:ext uri="{FF2B5EF4-FFF2-40B4-BE49-F238E27FC236}">
+                <a16:creationId xmlns:a16="http://schemas.microsoft.com/office/drawing/2014/main" id="{BCE2A32A-8CA4-492B-8938-00B22DF5BA35}"/>
+              </a:ext>
+            </a:extLst>
+          </p:cNvPr>
+          <p:cNvPicPr>
+            <a:picLocks noChangeAspect="1"/>
+          </p:cNvPicPr>
+          <p:nvPr/>
+        </p:nvPicPr>
+        <p:blipFill>
+          <a:blip r:embed="rId4">
+            <a:extLst>
+              <a:ext uri="{28A0092B-C50C-407E-A947-70E740481C1C}">
+                <a14:useLocalDpi xmlns:a14="http://schemas.microsoft.com/office/drawing/2010/main" val="0"/>
+              </a:ext>
+              <a:ext uri="{96DAC541-7B7A-43D3-8B79-37D633B846F1}">
+                <asvg:svgBlip xmlns:asvg="http://schemas.microsoft.com/office/drawing/2016/SVG/main" r:embed="rId5"/>
+              </a:ext>
+            </a:extLst>
+          </a:blip>
+          <a:stretch>
+            <a:fillRect/>
+          </a:stretch>
+        </p:blipFill>
+        <p:spPr>
+          <a:xfrm>
+            <a:off x="8971724" y="3066215"/>
+            <a:ext cx="1749287" cy="1749287"/>
+          </a:xfrm>
+          <a:prstGeom prst="rect">
+            <a:avLst/>
+          </a:prstGeom>
+        </p:spPr>
+      </p:pic>
+      <p:sp>
+        <p:nvSpPr>
+          <p:cNvPr id="13" name="Arrow: Right 12">
+            <a:extLst>
+              <a:ext uri="{FF2B5EF4-FFF2-40B4-BE49-F238E27FC236}">
+                <a16:creationId xmlns:a16="http://schemas.microsoft.com/office/drawing/2014/main" id="{7E9DBFC5-4AF4-480A-AC8E-DD972E7F772C}"/>
+              </a:ext>
+            </a:extLst>
+          </p:cNvPr>
+          <p:cNvSpPr/>
+          <p:nvPr/>
+        </p:nvSpPr>
+        <p:spPr>
+          <a:xfrm>
+            <a:off x="3346600" y="2902221"/>
+            <a:ext cx="4999383" cy="1659832"/>
+          </a:xfrm>
+          <a:prstGeom prst="rightArrow">
+            <a:avLst/>
+          </a:prstGeom>
+        </p:spPr>
+        <p:style>
+          <a:lnRef idx="2">
+            <a:schemeClr val="accent1">
+              <a:shade val="50000"/>
+            </a:schemeClr>
+          </a:lnRef>
+          <a:fillRef idx="1">
+            <a:schemeClr val="accent1"/>
+          </a:fillRef>
+          <a:effectRef idx="0">
+            <a:schemeClr val="accent1"/>
+          </a:effectRef>
+          <a:fontRef idx="minor">
+            <a:schemeClr val="lt1"/>
+          </a:fontRef>
+        </p:style>
+        <p:txBody>
+          <a:bodyPr rtlCol="0" anchor="ctr"/>
+          <a:lstStyle/>
+          <a:p>
+            <a:pPr algn="ctr"/>
+            <a:r>
+              <a:rPr lang="en-US" dirty="0"/>
+              <a:t>DevOps Pipeline</a:t>
+            </a:r>
+          </a:p>
+        </p:txBody>
+      </p:sp>
+      <p:sp>
+        <p:nvSpPr>
+          <p:cNvPr id="15" name="Rectangle 14">
+            <a:extLst>
+              <a:ext uri="{FF2B5EF4-FFF2-40B4-BE49-F238E27FC236}">
+                <a16:creationId xmlns:a16="http://schemas.microsoft.com/office/drawing/2014/main" id="{897090B0-EAE2-4D20-85A1-AD45BCE29E71}"/>
+              </a:ext>
+            </a:extLst>
+          </p:cNvPr>
+          <p:cNvSpPr/>
+          <p:nvPr/>
+        </p:nvSpPr>
+        <p:spPr>
+          <a:xfrm>
+            <a:off x="9344441" y="2125315"/>
+            <a:ext cx="1003852" cy="1123121"/>
+          </a:xfrm>
+          <a:prstGeom prst="rect">
+            <a:avLst/>
+          </a:prstGeom>
+        </p:spPr>
+        <p:style>
+          <a:lnRef idx="2">
+            <a:schemeClr val="accent1">
+              <a:shade val="50000"/>
+            </a:schemeClr>
+          </a:lnRef>
+          <a:fillRef idx="1">
+            <a:schemeClr val="accent1"/>
+          </a:fillRef>
+          <a:effectRef idx="0">
+            <a:schemeClr val="accent1"/>
+          </a:effectRef>
+          <a:fontRef idx="minor">
+            <a:schemeClr val="lt1"/>
+          </a:fontRef>
+        </p:style>
+        <p:txBody>
+          <a:bodyPr rtlCol="0" anchor="ctr"/>
+          <a:lstStyle/>
+          <a:p>
+            <a:pPr algn="ctr"/>
+            <a:r>
+              <a:rPr lang="en-US" dirty="0"/>
+              <a:t>app</a:t>
+            </a:r>
+          </a:p>
+        </p:txBody>
+      </p:sp>
+      <p:sp>
+        <p:nvSpPr>
+          <p:cNvPr id="4" name="TextBox 3">
+            <a:extLst>
+              <a:ext uri="{FF2B5EF4-FFF2-40B4-BE49-F238E27FC236}">
+                <a16:creationId xmlns:a16="http://schemas.microsoft.com/office/drawing/2014/main" id="{9DB88F48-58F9-4C8A-A0FD-A3D3A3101B47}"/>
+              </a:ext>
+            </a:extLst>
+          </p:cNvPr>
+          <p:cNvSpPr txBox="1"/>
+          <p:nvPr/>
+        </p:nvSpPr>
+        <p:spPr>
+          <a:xfrm>
+            <a:off x="4242352" y="4310126"/>
+            <a:ext cx="3707296" cy="923330"/>
+          </a:xfrm>
+          <a:prstGeom prst="rect">
+            <a:avLst/>
+          </a:prstGeom>
+          <a:noFill/>
+        </p:spPr>
+        <p:txBody>
+          <a:bodyPr wrap="square" rtlCol="0">
+            <a:spAutoFit/>
+          </a:bodyPr>
+          <a:lstStyle/>
+          <a:p>
+            <a:pPr marL="285750" indent="-285750">
+              <a:buFont typeface="Arial" panose="020B0604020202020204" pitchFamily="34" charset="0"/>
+              <a:buChar char="•"/>
+            </a:pPr>
+            <a:r>
+              <a:rPr lang="en-US" dirty="0"/>
+              <a:t>Push code to repo</a:t>
+            </a:r>
+          </a:p>
+          <a:p>
+            <a:pPr marL="285750" indent="-285750">
+              <a:buFont typeface="Arial" panose="020B0604020202020204" pitchFamily="34" charset="0"/>
+              <a:buChar char="•"/>
+            </a:pPr>
+            <a:r>
+              <a:rPr lang="en-US" dirty="0"/>
+              <a:t>(optionally) press button to build application</a:t>
+            </a:r>
+          </a:p>
+        </p:txBody>
+      </p:sp>
+      <p:pic>
+        <p:nvPicPr>
+          <p:cNvPr id="1026" name="Picture 2" descr="Jenkins Build Pipeline project – DevOps eye">
+            <a:extLst>
+              <a:ext uri="{FF2B5EF4-FFF2-40B4-BE49-F238E27FC236}">
+                <a16:creationId xmlns:a16="http://schemas.microsoft.com/office/drawing/2014/main" id="{1F1C20CF-E51F-4D5C-8CAB-8B6644E2AB9F}"/>
+              </a:ext>
+            </a:extLst>
+          </p:cNvPr>
+          <p:cNvPicPr>
+            <a:picLocks noChangeAspect="1" noChangeArrowheads="1"/>
+          </p:cNvPicPr>
+          <p:nvPr/>
+        </p:nvPicPr>
+        <p:blipFill>
+          <a:blip r:embed="rId6">
+            <a:extLst>
+              <a:ext uri="{28A0092B-C50C-407E-A947-70E740481C1C}">
+                <a14:useLocalDpi xmlns:a14="http://schemas.microsoft.com/office/drawing/2010/main" val="0"/>
+              </a:ext>
+            </a:extLst>
+          </a:blip>
+          <a:srcRect/>
+          <a:stretch>
+            <a:fillRect/>
+          </a:stretch>
+        </p:blipFill>
+        <p:spPr bwMode="auto">
+          <a:xfrm>
+            <a:off x="4606991" y="1621218"/>
+            <a:ext cx="1606690" cy="1606690"/>
+          </a:xfrm>
+          <a:prstGeom prst="rect">
+            <a:avLst/>
+          </a:prstGeom>
+          <a:noFill/>
+          <a:extLst>
+            <a:ext uri="{909E8E84-426E-40DD-AFC4-6F175D3DCCD1}">
+              <a14:hiddenFill xmlns:a14="http://schemas.microsoft.com/office/drawing/2010/main">
+                <a:solidFill>
+                  <a:srgbClr val="FFFFFF"/>
+                </a:solidFill>
+              </a14:hiddenFill>
+            </a:ext>
+          </a:extLst>
+        </p:spPr>
+      </p:pic>
     </p:spTree>
     <p:extLst>
       <p:ext uri="{BB962C8B-B14F-4D97-AF65-F5344CB8AC3E}">
-        <p14:creationId xmlns:p14="http://schemas.microsoft.com/office/powerpoint/2010/main" val="1831061386"/>
+        <p14:creationId xmlns:p14="http://schemas.microsoft.com/office/powerpoint/2010/main" val="1910086632"/>
       </p:ext>
     </p:extLst>
   </p:cSld>
@@ -3524,7 +3811,7 @@
           <p:cNvPr id="2" name="Title 1">
             <a:extLst>
               <a:ext uri="{FF2B5EF4-FFF2-40B4-BE49-F238E27FC236}">
-                <a16:creationId xmlns:a16="http://schemas.microsoft.com/office/drawing/2014/main" id="{AE563304-5376-4678-B925-FF2DFC39F3BF}"/>
+                <a16:creationId xmlns:a16="http://schemas.microsoft.com/office/drawing/2014/main" id="{71198F7D-4E3D-43D5-A281-D00A9B585595}"/>
               </a:ext>
             </a:extLst>
           </p:cNvPr>
@@ -3542,17 +3829,60 @@
           <a:p>
             <a:r>
               <a:rPr lang="en-US" dirty="0"/>
-              <a:t>EC2 and EBS</a:t>
-            </a:r>
-          </a:p>
-        </p:txBody>
-      </p:sp>
-      <p:sp>
-        <p:nvSpPr>
-          <p:cNvPr id="4" name="Rectangle 3">
-            <a:extLst>
-              <a:ext uri="{FF2B5EF4-FFF2-40B4-BE49-F238E27FC236}">
-                <a16:creationId xmlns:a16="http://schemas.microsoft.com/office/drawing/2014/main" id="{FC080E6E-4CEC-4CC4-B91C-466AF4AA9F6E}"/>
+              <a:t>How Jenkins Works</a:t>
+            </a:r>
+            <a:br>
+              <a:rPr lang="en-US" dirty="0"/>
+            </a:br>
+            <a:endParaRPr lang="en-US" dirty="0"/>
+          </a:p>
+        </p:txBody>
+      </p:sp>
+      <p:pic>
+        <p:nvPicPr>
+          <p:cNvPr id="5" name="Graphic 4" descr="Laptop">
+            <a:extLst>
+              <a:ext uri="{FF2B5EF4-FFF2-40B4-BE49-F238E27FC236}">
+                <a16:creationId xmlns:a16="http://schemas.microsoft.com/office/drawing/2014/main" id="{EE19F7E3-6DDA-42AE-ABFF-4849F5A4E637}"/>
+              </a:ext>
+            </a:extLst>
+          </p:cNvPr>
+          <p:cNvPicPr>
+            <a:picLocks noChangeAspect="1"/>
+          </p:cNvPicPr>
+          <p:nvPr/>
+        </p:nvPicPr>
+        <p:blipFill>
+          <a:blip r:embed="rId2">
+            <a:extLst>
+              <a:ext uri="{28A0092B-C50C-407E-A947-70E740481C1C}">
+                <a14:useLocalDpi xmlns:a14="http://schemas.microsoft.com/office/drawing/2010/main" val="0"/>
+              </a:ext>
+              <a:ext uri="{96DAC541-7B7A-43D3-8B79-37D633B846F1}">
+                <asvg:svgBlip xmlns:asvg="http://schemas.microsoft.com/office/drawing/2016/SVG/main" r:embed="rId3"/>
+              </a:ext>
+            </a:extLst>
+          </a:blip>
+          <a:stretch>
+            <a:fillRect/>
+          </a:stretch>
+        </p:blipFill>
+        <p:spPr>
+          <a:xfrm>
+            <a:off x="281607" y="2686877"/>
+            <a:ext cx="2938671" cy="2938671"/>
+          </a:xfrm>
+          <a:prstGeom prst="rect">
+            <a:avLst/>
+          </a:prstGeom>
+        </p:spPr>
+      </p:pic>
+      <p:sp>
+        <p:nvSpPr>
+          <p:cNvPr id="7" name="Rectangle 6">
+            <a:extLst>
+              <a:ext uri="{FF2B5EF4-FFF2-40B4-BE49-F238E27FC236}">
+                <a16:creationId xmlns:a16="http://schemas.microsoft.com/office/drawing/2014/main" id="{2248A4F4-6151-4D11-A2A2-A2DBE92E0FB5}"/>
               </a:ext>
             </a:extLst>
           </p:cNvPr>
@@ -3561,8 +3891,8 @@
         </p:nvSpPr>
         <p:spPr>
           <a:xfrm>
-            <a:off x="1490870" y="2027583"/>
-            <a:ext cx="2385391" cy="1908313"/>
+            <a:off x="1179298" y="2125316"/>
+            <a:ext cx="1003852" cy="1123121"/>
           </a:xfrm>
           <a:prstGeom prst="rect">
             <a:avLst/>
@@ -3591,17 +3921,56 @@
             <a:pPr algn="ctr"/>
             <a:r>
               <a:rPr lang="en-US" dirty="0"/>
-              <a:t>EC2</a:t>
-            </a:r>
-          </a:p>
-        </p:txBody>
-      </p:sp>
-      <p:sp>
-        <p:nvSpPr>
-          <p:cNvPr id="6" name="Rectangle 5">
-            <a:extLst>
-              <a:ext uri="{FF2B5EF4-FFF2-40B4-BE49-F238E27FC236}">
-                <a16:creationId xmlns:a16="http://schemas.microsoft.com/office/drawing/2014/main" id="{8ED83E3F-28BF-4AD8-9841-445039AA77ED}"/>
+              <a:t>app</a:t>
+            </a:r>
+          </a:p>
+        </p:txBody>
+      </p:sp>
+      <p:pic>
+        <p:nvPicPr>
+          <p:cNvPr id="11" name="Graphic 10" descr="Server">
+            <a:extLst>
+              <a:ext uri="{FF2B5EF4-FFF2-40B4-BE49-F238E27FC236}">
+                <a16:creationId xmlns:a16="http://schemas.microsoft.com/office/drawing/2014/main" id="{BCE2A32A-8CA4-492B-8938-00B22DF5BA35}"/>
+              </a:ext>
+            </a:extLst>
+          </p:cNvPr>
+          <p:cNvPicPr>
+            <a:picLocks noChangeAspect="1"/>
+          </p:cNvPicPr>
+          <p:nvPr/>
+        </p:nvPicPr>
+        <p:blipFill>
+          <a:blip r:embed="rId4">
+            <a:extLst>
+              <a:ext uri="{28A0092B-C50C-407E-A947-70E740481C1C}">
+                <a14:useLocalDpi xmlns:a14="http://schemas.microsoft.com/office/drawing/2010/main" val="0"/>
+              </a:ext>
+              <a:ext uri="{96DAC541-7B7A-43D3-8B79-37D633B846F1}">
+                <asvg:svgBlip xmlns:asvg="http://schemas.microsoft.com/office/drawing/2016/SVG/main" r:embed="rId5"/>
+              </a:ext>
+            </a:extLst>
+          </a:blip>
+          <a:stretch>
+            <a:fillRect/>
+          </a:stretch>
+        </p:blipFill>
+        <p:spPr>
+          <a:xfrm>
+            <a:off x="8971724" y="3066215"/>
+            <a:ext cx="1749287" cy="1749287"/>
+          </a:xfrm>
+          <a:prstGeom prst="rect">
+            <a:avLst/>
+          </a:prstGeom>
+        </p:spPr>
+      </p:pic>
+      <p:sp>
+        <p:nvSpPr>
+          <p:cNvPr id="15" name="Rectangle 14">
+            <a:extLst>
+              <a:ext uri="{FF2B5EF4-FFF2-40B4-BE49-F238E27FC236}">
+                <a16:creationId xmlns:a16="http://schemas.microsoft.com/office/drawing/2014/main" id="{897090B0-EAE2-4D20-85A1-AD45BCE29E71}"/>
               </a:ext>
             </a:extLst>
           </p:cNvPr>
@@ -3610,8 +3979,104 @@
         </p:nvSpPr>
         <p:spPr>
           <a:xfrm>
-            <a:off x="1669775" y="3210339"/>
-            <a:ext cx="2027583" cy="589722"/>
+            <a:off x="9344441" y="2125315"/>
+            <a:ext cx="1003852" cy="1123121"/>
+          </a:xfrm>
+          <a:prstGeom prst="rect">
+            <a:avLst/>
+          </a:prstGeom>
+        </p:spPr>
+        <p:style>
+          <a:lnRef idx="2">
+            <a:schemeClr val="accent1">
+              <a:shade val="50000"/>
+            </a:schemeClr>
+          </a:lnRef>
+          <a:fillRef idx="1">
+            <a:schemeClr val="accent1"/>
+          </a:fillRef>
+          <a:effectRef idx="0">
+            <a:schemeClr val="accent1"/>
+          </a:effectRef>
+          <a:fontRef idx="minor">
+            <a:schemeClr val="lt1"/>
+          </a:fontRef>
+        </p:style>
+        <p:txBody>
+          <a:bodyPr rtlCol="0" anchor="ctr"/>
+          <a:lstStyle/>
+          <a:p>
+            <a:pPr algn="ctr"/>
+            <a:r>
+              <a:rPr lang="en-US" dirty="0"/>
+              <a:t>app</a:t>
+            </a:r>
+          </a:p>
+        </p:txBody>
+      </p:sp>
+      <p:pic>
+        <p:nvPicPr>
+          <p:cNvPr id="1026" name="Picture 2" descr="Jenkins Build Pipeline project – DevOps eye">
+            <a:extLst>
+              <a:ext uri="{FF2B5EF4-FFF2-40B4-BE49-F238E27FC236}">
+                <a16:creationId xmlns:a16="http://schemas.microsoft.com/office/drawing/2014/main" id="{1F1C20CF-E51F-4D5C-8CAB-8B6644E2AB9F}"/>
+              </a:ext>
+            </a:extLst>
+          </p:cNvPr>
+          <p:cNvPicPr>
+            <a:picLocks noChangeAspect="1" noChangeArrowheads="1"/>
+          </p:cNvPicPr>
+          <p:nvPr/>
+        </p:nvPicPr>
+        <p:blipFill>
+          <a:blip r:embed="rId6">
+            <a:extLst>
+              <a:ext uri="{28A0092B-C50C-407E-A947-70E740481C1C}">
+                <a14:useLocalDpi xmlns:a14="http://schemas.microsoft.com/office/drawing/2010/main" val="0"/>
+              </a:ext>
+            </a:extLst>
+          </a:blip>
+          <a:srcRect/>
+          <a:stretch>
+            <a:fillRect/>
+          </a:stretch>
+        </p:blipFill>
+        <p:spPr bwMode="auto">
+          <a:xfrm>
+            <a:off x="7876687" y="1912606"/>
+            <a:ext cx="1281396" cy="1281396"/>
+          </a:xfrm>
+          <a:prstGeom prst="rect">
+            <a:avLst/>
+          </a:prstGeom>
+          <a:noFill/>
+          <a:extLst>
+            <a:ext uri="{909E8E84-426E-40DD-AFC4-6F175D3DCCD1}">
+              <a14:hiddenFill xmlns:a14="http://schemas.microsoft.com/office/drawing/2010/main">
+                <a:solidFill>
+                  <a:srgbClr val="FFFFFF"/>
+                </a:solidFill>
+              </a14:hiddenFill>
+            </a:ext>
+          </a:extLst>
+        </p:spPr>
+      </p:pic>
+      <p:sp>
+        <p:nvSpPr>
+          <p:cNvPr id="3" name="Rectangle 2">
+            <a:extLst>
+              <a:ext uri="{FF2B5EF4-FFF2-40B4-BE49-F238E27FC236}">
+                <a16:creationId xmlns:a16="http://schemas.microsoft.com/office/drawing/2014/main" id="{25A160C5-DA0D-4B9E-980D-7C1AC3F44281}"/>
+              </a:ext>
+            </a:extLst>
+          </p:cNvPr>
+          <p:cNvSpPr/>
+          <p:nvPr/>
+        </p:nvSpPr>
+        <p:spPr>
+          <a:xfrm>
+            <a:off x="4918106" y="4629030"/>
+            <a:ext cx="2135835" cy="1622480"/>
           </a:xfrm>
           <a:prstGeom prst="rect">
             <a:avLst/>
@@ -3639,18 +4104,19 @@
           <a:p>
             <a:pPr algn="ctr"/>
             <a:r>
-              <a:rPr lang="en-US" dirty="0"/>
-              <a:t>Root EBS</a:t>
-            </a:r>
-          </a:p>
-        </p:txBody>
-      </p:sp>
-      <p:sp>
-        <p:nvSpPr>
-          <p:cNvPr id="8" name="Rectangle 7">
-            <a:extLst>
-              <a:ext uri="{FF2B5EF4-FFF2-40B4-BE49-F238E27FC236}">
-                <a16:creationId xmlns:a16="http://schemas.microsoft.com/office/drawing/2014/main" id="{C3C0B3B8-73F9-4C71-8E3F-894804E70B98}"/>
+              <a:rPr lang="en-US" dirty="0" err="1"/>
+              <a:t>Github</a:t>
+            </a:r>
+            <a:endParaRPr lang="en-US" dirty="0"/>
+          </a:p>
+        </p:txBody>
+      </p:sp>
+      <p:sp>
+        <p:nvSpPr>
+          <p:cNvPr id="6" name="Arrow: Right 5">
+            <a:extLst>
+              <a:ext uri="{FF2B5EF4-FFF2-40B4-BE49-F238E27FC236}">
+                <a16:creationId xmlns:a16="http://schemas.microsoft.com/office/drawing/2014/main" id="{AA73724C-E178-43FD-8927-FF885587F289}"/>
               </a:ext>
             </a:extLst>
           </p:cNvPr>
@@ -3658,100 +4124,11 @@
           <p:nvPr/>
         </p:nvSpPr>
         <p:spPr>
-          <a:xfrm>
-            <a:off x="4674705" y="2915478"/>
-            <a:ext cx="2027583" cy="589722"/>
-          </a:xfrm>
-          <a:prstGeom prst="rect">
-            <a:avLst/>
-          </a:prstGeom>
-        </p:spPr>
-        <p:style>
-          <a:lnRef idx="2">
-            <a:schemeClr val="accent5">
-              <a:shade val="50000"/>
-            </a:schemeClr>
-          </a:lnRef>
-          <a:fillRef idx="1">
-            <a:schemeClr val="accent5"/>
-          </a:fillRef>
-          <a:effectRef idx="0">
-            <a:schemeClr val="accent5"/>
-          </a:effectRef>
-          <a:fontRef idx="minor">
-            <a:schemeClr val="lt1"/>
-          </a:fontRef>
-        </p:style>
-        <p:txBody>
-          <a:bodyPr rtlCol="0" anchor="ctr"/>
-          <a:lstStyle/>
-          <a:p>
-            <a:pPr algn="ctr"/>
-            <a:r>
-              <a:rPr lang="en-US" dirty="0"/>
-              <a:t>EBS</a:t>
-            </a:r>
-          </a:p>
-        </p:txBody>
-      </p:sp>
-      <p:cxnSp>
-        <p:nvCxnSpPr>
-          <p:cNvPr id="10" name="Straight Connector 9">
-            <a:extLst>
-              <a:ext uri="{FF2B5EF4-FFF2-40B4-BE49-F238E27FC236}">
-                <a16:creationId xmlns:a16="http://schemas.microsoft.com/office/drawing/2014/main" id="{BC4766D7-A4CE-481A-AB1C-9000D0E89F57}"/>
-              </a:ext>
-            </a:extLst>
-          </p:cNvPr>
-          <p:cNvCxnSpPr>
-            <a:cxnSpLocks/>
-            <a:stCxn id="8" idx="3"/>
-            <a:endCxn id="13" idx="1"/>
-          </p:cNvCxnSpPr>
-          <p:nvPr/>
-        </p:nvCxnSpPr>
-        <p:spPr>
-          <a:xfrm flipV="1">
-            <a:off x="6702288" y="2726636"/>
-            <a:ext cx="1987826" cy="483703"/>
-          </a:xfrm>
-          <a:prstGeom prst="line">
-            <a:avLst/>
-          </a:prstGeom>
-        </p:spPr>
-        <p:style>
-          <a:lnRef idx="1">
-            <a:schemeClr val="accent1"/>
-          </a:lnRef>
-          <a:fillRef idx="0">
-            <a:schemeClr val="accent1"/>
-          </a:fillRef>
-          <a:effectRef idx="0">
-            <a:schemeClr val="accent1"/>
-          </a:effectRef>
-          <a:fontRef idx="minor">
-            <a:schemeClr val="tx1"/>
-          </a:fontRef>
-        </p:style>
-      </p:cxnSp>
-      <p:sp>
-        <p:nvSpPr>
-          <p:cNvPr id="13" name="Rectangle 12">
-            <a:extLst>
-              <a:ext uri="{FF2B5EF4-FFF2-40B4-BE49-F238E27FC236}">
-                <a16:creationId xmlns:a16="http://schemas.microsoft.com/office/drawing/2014/main" id="{74DA5D5D-F99F-4AF2-97A8-02556A3043ED}"/>
-              </a:ext>
-            </a:extLst>
-          </p:cNvPr>
-          <p:cNvSpPr/>
-          <p:nvPr/>
-        </p:nvSpPr>
-        <p:spPr>
-          <a:xfrm>
-            <a:off x="8690114" y="1772479"/>
-            <a:ext cx="2385391" cy="1908313"/>
-          </a:xfrm>
-          <a:prstGeom prst="rect">
+          <a:xfrm rot="1952764">
+            <a:off x="3057744" y="4138317"/>
+            <a:ext cx="1707502" cy="914458"/>
+          </a:xfrm>
+          <a:prstGeom prst="rightArrow">
             <a:avLst/>
           </a:prstGeom>
         </p:spPr>
@@ -3778,17 +4155,17 @@
             <a:pPr algn="ctr"/>
             <a:r>
               <a:rPr lang="en-US" dirty="0"/>
-              <a:t>EC2</a:t>
-            </a:r>
-          </a:p>
-        </p:txBody>
-      </p:sp>
-      <p:sp>
-        <p:nvSpPr>
-          <p:cNvPr id="15" name="Rectangle 14">
-            <a:extLst>
-              <a:ext uri="{FF2B5EF4-FFF2-40B4-BE49-F238E27FC236}">
-                <a16:creationId xmlns:a16="http://schemas.microsoft.com/office/drawing/2014/main" id="{ACB06767-905D-4A02-9470-C5A7C691A01A}"/>
+              <a:t>push</a:t>
+            </a:r>
+          </a:p>
+        </p:txBody>
+      </p:sp>
+      <p:sp>
+        <p:nvSpPr>
+          <p:cNvPr id="8" name="Arrow: Right 7">
+            <a:extLst>
+              <a:ext uri="{FF2B5EF4-FFF2-40B4-BE49-F238E27FC236}">
+                <a16:creationId xmlns:a16="http://schemas.microsoft.com/office/drawing/2014/main" id="{00AC68EB-75EA-414C-BD75-1445FE3EE5DF}"/>
               </a:ext>
             </a:extLst>
           </p:cNvPr>
@@ -3796,25 +4173,25 @@
           <p:nvPr/>
         </p:nvSpPr>
         <p:spPr>
-          <a:xfrm>
-            <a:off x="8869019" y="2955235"/>
-            <a:ext cx="2027583" cy="589722"/>
-          </a:xfrm>
-          <a:prstGeom prst="rect">
+          <a:xfrm rot="18901829">
+            <a:off x="7384096" y="4050197"/>
+            <a:ext cx="1707502" cy="914458"/>
+          </a:xfrm>
+          <a:prstGeom prst="rightArrow">
             <a:avLst/>
           </a:prstGeom>
         </p:spPr>
         <p:style>
           <a:lnRef idx="2">
-            <a:schemeClr val="accent5">
+            <a:schemeClr val="accent1">
               <a:shade val="50000"/>
             </a:schemeClr>
           </a:lnRef>
           <a:fillRef idx="1">
-            <a:schemeClr val="accent5"/>
+            <a:schemeClr val="accent1"/>
           </a:fillRef>
           <a:effectRef idx="0">
-            <a:schemeClr val="accent5"/>
+            <a:schemeClr val="accent1"/>
           </a:effectRef>
           <a:fontRef idx="minor">
             <a:schemeClr val="lt1"/>
@@ -3827,7 +4204,219 @@
             <a:pPr algn="ctr"/>
             <a:r>
               <a:rPr lang="en-US" dirty="0"/>
-              <a:t>Root EBS</a:t>
+              <a:t>pull</a:t>
+            </a:r>
+          </a:p>
+        </p:txBody>
+      </p:sp>
+      <p:sp>
+        <p:nvSpPr>
+          <p:cNvPr id="9" name="Rectangle 8">
+            <a:extLst>
+              <a:ext uri="{FF2B5EF4-FFF2-40B4-BE49-F238E27FC236}">
+                <a16:creationId xmlns:a16="http://schemas.microsoft.com/office/drawing/2014/main" id="{B3849F21-ED55-4866-B2AB-3FCCB2225F66}"/>
+              </a:ext>
+            </a:extLst>
+          </p:cNvPr>
+          <p:cNvSpPr/>
+          <p:nvPr/>
+        </p:nvSpPr>
+        <p:spPr>
+          <a:xfrm>
+            <a:off x="8530081" y="400977"/>
+            <a:ext cx="1394937" cy="1325563"/>
+          </a:xfrm>
+          <a:prstGeom prst="rect">
+            <a:avLst/>
+          </a:prstGeom>
+        </p:spPr>
+        <p:style>
+          <a:lnRef idx="2">
+            <a:schemeClr val="accent3">
+              <a:shade val="50000"/>
+            </a:schemeClr>
+          </a:lnRef>
+          <a:fillRef idx="1">
+            <a:schemeClr val="accent3"/>
+          </a:fillRef>
+          <a:effectRef idx="0">
+            <a:schemeClr val="accent3"/>
+          </a:effectRef>
+          <a:fontRef idx="minor">
+            <a:schemeClr val="lt1"/>
+          </a:fontRef>
+        </p:style>
+        <p:txBody>
+          <a:bodyPr rtlCol="0" anchor="ctr"/>
+          <a:lstStyle/>
+          <a:p>
+            <a:pPr algn="ctr"/>
+            <a:r>
+              <a:rPr lang="en-US" dirty="0"/>
+              <a:t>Maven</a:t>
+            </a:r>
+          </a:p>
+        </p:txBody>
+      </p:sp>
+      <p:pic>
+        <p:nvPicPr>
+          <p:cNvPr id="2050" name="Picture 2" descr="An Introduction to Version Control System for Developers ...">
+            <a:extLst>
+              <a:ext uri="{FF2B5EF4-FFF2-40B4-BE49-F238E27FC236}">
+                <a16:creationId xmlns:a16="http://schemas.microsoft.com/office/drawing/2014/main" id="{79DDF1C5-A983-4F76-9C84-AED63F5596FD}"/>
+              </a:ext>
+            </a:extLst>
+          </p:cNvPr>
+          <p:cNvPicPr>
+            <a:picLocks noChangeAspect="1" noChangeArrowheads="1"/>
+          </p:cNvPicPr>
+          <p:nvPr/>
+        </p:nvPicPr>
+        <p:blipFill>
+          <a:blip r:embed="rId7">
+            <a:extLst>
+              <a:ext uri="{28A0092B-C50C-407E-A947-70E740481C1C}">
+                <a14:useLocalDpi xmlns:a14="http://schemas.microsoft.com/office/drawing/2010/main" val="0"/>
+              </a:ext>
+            </a:extLst>
+          </a:blip>
+          <a:srcRect/>
+          <a:stretch>
+            <a:fillRect/>
+          </a:stretch>
+        </p:blipFill>
+        <p:spPr bwMode="auto">
+          <a:xfrm>
+            <a:off x="7415712" y="3366252"/>
+            <a:ext cx="619903" cy="619903"/>
+          </a:xfrm>
+          <a:prstGeom prst="rect">
+            <a:avLst/>
+          </a:prstGeom>
+          <a:noFill/>
+          <a:extLst>
+            <a:ext uri="{909E8E84-426E-40DD-AFC4-6F175D3DCCD1}">
+              <a14:hiddenFill xmlns:a14="http://schemas.microsoft.com/office/drawing/2010/main">
+                <a:solidFill>
+                  <a:srgbClr val="FFFFFF"/>
+                </a:solidFill>
+              </a14:hiddenFill>
+            </a:ext>
+          </a:extLst>
+        </p:spPr>
+      </p:pic>
+      <p:sp>
+        <p:nvSpPr>
+          <p:cNvPr id="12" name="Scroll: Vertical 11">
+            <a:extLst>
+              <a:ext uri="{FF2B5EF4-FFF2-40B4-BE49-F238E27FC236}">
+                <a16:creationId xmlns:a16="http://schemas.microsoft.com/office/drawing/2014/main" id="{661C4AAF-6294-4292-8365-3731D871257D}"/>
+              </a:ext>
+            </a:extLst>
+          </p:cNvPr>
+          <p:cNvSpPr/>
+          <p:nvPr/>
+        </p:nvSpPr>
+        <p:spPr>
+          <a:xfrm>
+            <a:off x="5368642" y="371568"/>
+            <a:ext cx="2938671" cy="2892433"/>
+          </a:xfrm>
+          <a:prstGeom prst="verticalScroll">
+            <a:avLst/>
+          </a:prstGeom>
+        </p:spPr>
+        <p:style>
+          <a:lnRef idx="2">
+            <a:schemeClr val="accent4">
+              <a:shade val="50000"/>
+            </a:schemeClr>
+          </a:lnRef>
+          <a:fillRef idx="1">
+            <a:schemeClr val="accent4"/>
+          </a:fillRef>
+          <a:effectRef idx="0">
+            <a:schemeClr val="accent4"/>
+          </a:effectRef>
+          <a:fontRef idx="minor">
+            <a:schemeClr val="lt1"/>
+          </a:fontRef>
+        </p:style>
+        <p:txBody>
+          <a:bodyPr rtlCol="0" anchor="ctr"/>
+          <a:lstStyle/>
+          <a:p>
+            <a:pPr marL="742950" lvl="1" indent="-285750">
+              <a:buFont typeface="Arial" panose="020B0604020202020204" pitchFamily="34" charset="0"/>
+              <a:buChar char="•"/>
+            </a:pPr>
+            <a:r>
+              <a:rPr lang="en-US" sz="1400" dirty="0"/>
+              <a:t>Watch </a:t>
+            </a:r>
+            <a:r>
+              <a:rPr lang="en-US" sz="1400" dirty="0" err="1"/>
+              <a:t>github</a:t>
+            </a:r>
+            <a:r>
+              <a:rPr lang="en-US" sz="1400" dirty="0"/>
+              <a:t> repo</a:t>
+            </a:r>
+          </a:p>
+          <a:p>
+            <a:pPr marL="742950" lvl="1" indent="-285750">
+              <a:buFont typeface="Arial" panose="020B0604020202020204" pitchFamily="34" charset="0"/>
+              <a:buChar char="•"/>
+            </a:pPr>
+            <a:r>
+              <a:rPr lang="en-US" sz="1400" dirty="0"/>
+              <a:t>Make a new build (</a:t>
+            </a:r>
+            <a:r>
+              <a:rPr lang="en-US" sz="1400" dirty="0" err="1"/>
+              <a:t>mvn</a:t>
+            </a:r>
+            <a:r>
+              <a:rPr lang="en-US" sz="1400" dirty="0"/>
+              <a:t> package)</a:t>
+            </a:r>
+          </a:p>
+          <a:p>
+            <a:pPr marL="742950" lvl="1" indent="-285750">
+              <a:buFont typeface="Arial" panose="020B0604020202020204" pitchFamily="34" charset="0"/>
+              <a:buChar char="•"/>
+            </a:pPr>
+            <a:r>
+              <a:rPr lang="en-US" sz="1400" dirty="0"/>
+              <a:t>Upload to server (</a:t>
+            </a:r>
+            <a:r>
+              <a:rPr lang="en-US" sz="1400" dirty="0" err="1"/>
+              <a:t>scp</a:t>
+            </a:r>
+            <a:r>
+              <a:rPr lang="en-US" sz="1400" dirty="0"/>
+              <a:t> or git)</a:t>
+            </a:r>
+          </a:p>
+          <a:p>
+            <a:pPr marL="742950" lvl="1" indent="-285750">
+              <a:buFont typeface="Arial" panose="020B0604020202020204" pitchFamily="34" charset="0"/>
+              <a:buChar char="•"/>
+            </a:pPr>
+            <a:r>
+              <a:rPr lang="en-US" sz="1400" dirty="0"/>
+              <a:t>Stop/start tomcat server</a:t>
+            </a:r>
+          </a:p>
+          <a:p>
+            <a:pPr marL="742950" lvl="1" indent="-285750">
+              <a:buFont typeface="Arial" panose="020B0604020202020204" pitchFamily="34" charset="0"/>
+              <a:buChar char="•"/>
+            </a:pPr>
+            <a:r>
+              <a:rPr lang="en-US" sz="1400" dirty="0"/>
+              <a:t>Delete old app/ replace with new app</a:t>
             </a:r>
           </a:p>
         </p:txBody>
@@ -3835,7 +4424,7 @@
     </p:spTree>
     <p:extLst>
       <p:ext uri="{BB962C8B-B14F-4D97-AF65-F5344CB8AC3E}">
-        <p14:creationId xmlns:p14="http://schemas.microsoft.com/office/powerpoint/2010/main" val="752696713"/>
+        <p14:creationId xmlns:p14="http://schemas.microsoft.com/office/powerpoint/2010/main" val="2348980590"/>
       </p:ext>
     </p:extLst>
   </p:cSld>
@@ -3867,7 +4456,7 @@
           <p:cNvPr id="2" name="Title 1">
             <a:extLst>
               <a:ext uri="{FF2B5EF4-FFF2-40B4-BE49-F238E27FC236}">
-                <a16:creationId xmlns:a16="http://schemas.microsoft.com/office/drawing/2014/main" id="{0EC4895F-7133-49B2-B0E0-2D558D06378A}"/>
+                <a16:creationId xmlns:a16="http://schemas.microsoft.com/office/drawing/2014/main" id="{F2B94128-BD84-4FC4-B01A-3C8960FC5154}"/>
               </a:ext>
             </a:extLst>
           </p:cNvPr>
@@ -3885,7 +4474,7 @@
           <a:p>
             <a:r>
               <a:rPr lang="en-US" dirty="0"/>
-              <a:t>What we like</a:t>
+              <a:t>DevOps</a:t>
             </a:r>
           </a:p>
         </p:txBody>
@@ -3895,7 +4484,7 @@
           <p:cNvPr id="3" name="Content Placeholder 2">
             <a:extLst>
               <a:ext uri="{FF2B5EF4-FFF2-40B4-BE49-F238E27FC236}">
-                <a16:creationId xmlns:a16="http://schemas.microsoft.com/office/drawing/2014/main" id="{69AD2D4D-EB94-41C1-A6E7-701BF66125FD}"/>
+                <a16:creationId xmlns:a16="http://schemas.microsoft.com/office/drawing/2014/main" id="{F73CE6F1-C89E-4682-A2DE-9D3B05CD53A3}"/>
               </a:ext>
             </a:extLst>
           </p:cNvPr>
@@ -3911,14 +4500,61 @@
           <a:bodyPr/>
           <a:lstStyle/>
           <a:p>
-            <a:endParaRPr lang="en-US"/>
+            <a:r>
+              <a:rPr lang="en-US" dirty="0"/>
+              <a:t>CI (Continuous Integration)</a:t>
+            </a:r>
+          </a:p>
+          <a:p>
+            <a:pPr lvl="1"/>
+            <a:r>
+              <a:rPr lang="en-US" dirty="0"/>
+              <a:t>Practice of as frequently as possible merging your codebase</a:t>
+            </a:r>
+          </a:p>
+          <a:p>
+            <a:r>
+              <a:rPr lang="en-US" dirty="0"/>
+              <a:t>CD (Continuous Delivery)</a:t>
+            </a:r>
+          </a:p>
+          <a:p>
+            <a:pPr lvl="1"/>
+            <a:r>
+              <a:rPr lang="en-US" dirty="0"/>
+              <a:t>Automating your deployment to productions process such that your application can be released to production at the click of a button</a:t>
+            </a:r>
+          </a:p>
+          <a:p>
+            <a:r>
+              <a:rPr lang="en-US" dirty="0"/>
+              <a:t>CD (Continuous Deployment)</a:t>
+            </a:r>
+          </a:p>
+          <a:p>
+            <a:pPr lvl="1"/>
+            <a:r>
+              <a:rPr lang="en-US" dirty="0" err="1"/>
+              <a:t>Cont</a:t>
+            </a:r>
+            <a:r>
+              <a:rPr lang="en-US" dirty="0"/>
+              <a:t>  Delivery + not having to push the button</a:t>
+            </a:r>
+          </a:p>
+          <a:p>
+            <a:pPr lvl="1"/>
+            <a:r>
+              <a:rPr lang="en-US" dirty="0"/>
+              <a:t>No human intervention needed</a:t>
+            </a:r>
           </a:p>
         </p:txBody>
       </p:sp>
     </p:spTree>
     <p:extLst>
       <p:ext uri="{BB962C8B-B14F-4D97-AF65-F5344CB8AC3E}">
-        <p14:creationId xmlns:p14="http://schemas.microsoft.com/office/powerpoint/2010/main" val="3168048497"/>
+        <p14:creationId xmlns:p14="http://schemas.microsoft.com/office/powerpoint/2010/main" val="2712991913"/>
       </p:ext>
     </p:extLst>
   </p:cSld>
@@ -3947,10 +4583,306 @@
       </p:grpSpPr>
       <p:sp>
         <p:nvSpPr>
+          <p:cNvPr id="4" name="Rectangle 3">
+            <a:extLst>
+              <a:ext uri="{FF2B5EF4-FFF2-40B4-BE49-F238E27FC236}">
+                <a16:creationId xmlns:a16="http://schemas.microsoft.com/office/drawing/2014/main" id="{D6883F69-3A6C-45CD-B746-17E0E6E8D154}"/>
+              </a:ext>
+            </a:extLst>
+          </p:cNvPr>
+          <p:cNvSpPr/>
+          <p:nvPr/>
+        </p:nvSpPr>
+        <p:spPr>
+          <a:xfrm>
+            <a:off x="1477347" y="5029199"/>
+            <a:ext cx="8304246" cy="1334278"/>
+          </a:xfrm>
+          <a:prstGeom prst="rect">
+            <a:avLst/>
+          </a:prstGeom>
+        </p:spPr>
+        <p:style>
+          <a:lnRef idx="2">
+            <a:schemeClr val="accent1">
+              <a:shade val="50000"/>
+            </a:schemeClr>
+          </a:lnRef>
+          <a:fillRef idx="1">
+            <a:schemeClr val="accent1"/>
+          </a:fillRef>
+          <a:effectRef idx="0">
+            <a:schemeClr val="accent1"/>
+          </a:effectRef>
+          <a:fontRef idx="minor">
+            <a:schemeClr val="lt1"/>
+          </a:fontRef>
+        </p:style>
+        <p:txBody>
+          <a:bodyPr rtlCol="0" anchor="ctr"/>
+          <a:lstStyle/>
+          <a:p>
+            <a:pPr algn="ctr"/>
+            <a:r>
+              <a:rPr lang="en-US" dirty="0"/>
+              <a:t>Underlying OS</a:t>
+            </a:r>
+          </a:p>
+        </p:txBody>
+      </p:sp>
+      <p:sp>
+        <p:nvSpPr>
+          <p:cNvPr id="6" name="Rectangle 5">
+            <a:extLst>
+              <a:ext uri="{FF2B5EF4-FFF2-40B4-BE49-F238E27FC236}">
+                <a16:creationId xmlns:a16="http://schemas.microsoft.com/office/drawing/2014/main" id="{8CFBABBE-20E1-4D7C-A454-AC4945E088E4}"/>
+              </a:ext>
+            </a:extLst>
+          </p:cNvPr>
+          <p:cNvSpPr/>
+          <p:nvPr/>
+        </p:nvSpPr>
+        <p:spPr>
+          <a:xfrm>
+            <a:off x="1477347" y="4282751"/>
+            <a:ext cx="8304246" cy="746448"/>
+          </a:xfrm>
+          <a:prstGeom prst="rect">
+            <a:avLst/>
+          </a:prstGeom>
+        </p:spPr>
+        <p:style>
+          <a:lnRef idx="2">
+            <a:schemeClr val="accent5">
+              <a:shade val="50000"/>
+            </a:schemeClr>
+          </a:lnRef>
+          <a:fillRef idx="1">
+            <a:schemeClr val="accent5"/>
+          </a:fillRef>
+          <a:effectRef idx="0">
+            <a:schemeClr val="accent5"/>
+          </a:effectRef>
+          <a:fontRef idx="minor">
+            <a:schemeClr val="lt1"/>
+          </a:fontRef>
+        </p:style>
+        <p:txBody>
+          <a:bodyPr rtlCol="0" anchor="ctr"/>
+          <a:lstStyle/>
+          <a:p>
+            <a:pPr algn="ctr"/>
+            <a:r>
+              <a:rPr lang="en-US" dirty="0"/>
+              <a:t>Hypervisor</a:t>
+            </a:r>
+          </a:p>
+        </p:txBody>
+      </p:sp>
+      <p:sp>
+        <p:nvSpPr>
+          <p:cNvPr id="7" name="Rectangle 6">
+            <a:extLst>
+              <a:ext uri="{FF2B5EF4-FFF2-40B4-BE49-F238E27FC236}">
+                <a16:creationId xmlns:a16="http://schemas.microsoft.com/office/drawing/2014/main" id="{39669AE2-C282-4801-A869-8102A4A08643}"/>
+              </a:ext>
+            </a:extLst>
+          </p:cNvPr>
+          <p:cNvSpPr/>
+          <p:nvPr/>
+        </p:nvSpPr>
+        <p:spPr>
+          <a:xfrm>
+            <a:off x="1477347" y="1530220"/>
+            <a:ext cx="2768082" cy="2752531"/>
+          </a:xfrm>
+          <a:prstGeom prst="rect">
+            <a:avLst/>
+          </a:prstGeom>
+        </p:spPr>
+        <p:style>
+          <a:lnRef idx="2">
+            <a:schemeClr val="accent4">
+              <a:shade val="50000"/>
+            </a:schemeClr>
+          </a:lnRef>
+          <a:fillRef idx="1">
+            <a:schemeClr val="accent4"/>
+          </a:fillRef>
+          <a:effectRef idx="0">
+            <a:schemeClr val="accent4"/>
+          </a:effectRef>
+          <a:fontRef idx="minor">
+            <a:schemeClr val="lt1"/>
+          </a:fontRef>
+        </p:style>
+        <p:txBody>
+          <a:bodyPr rtlCol="0" anchor="ctr"/>
+          <a:lstStyle/>
+          <a:p>
+            <a:pPr algn="ctr"/>
+            <a:r>
+              <a:rPr lang="en-US" dirty="0"/>
+              <a:t>Virtual machines</a:t>
+            </a:r>
+          </a:p>
+          <a:p>
+            <a:pPr algn="ctr"/>
+            <a:r>
+              <a:rPr lang="en-US" dirty="0"/>
+              <a:t>(Amazon Linux 2)</a:t>
+            </a:r>
+          </a:p>
+        </p:txBody>
+      </p:sp>
+      <p:sp>
+        <p:nvSpPr>
+          <p:cNvPr id="9" name="Rectangle 8">
+            <a:extLst>
+              <a:ext uri="{FF2B5EF4-FFF2-40B4-BE49-F238E27FC236}">
+                <a16:creationId xmlns:a16="http://schemas.microsoft.com/office/drawing/2014/main" id="{FB70792F-08C4-44C6-B373-C401C6C514A3}"/>
+              </a:ext>
+            </a:extLst>
+          </p:cNvPr>
+          <p:cNvSpPr/>
+          <p:nvPr/>
+        </p:nvSpPr>
+        <p:spPr>
+          <a:xfrm>
+            <a:off x="4245429" y="1530220"/>
+            <a:ext cx="2768082" cy="2752531"/>
+          </a:xfrm>
+          <a:prstGeom prst="rect">
+            <a:avLst/>
+          </a:prstGeom>
+        </p:spPr>
+        <p:style>
+          <a:lnRef idx="2">
+            <a:schemeClr val="accent4">
+              <a:shade val="50000"/>
+            </a:schemeClr>
+          </a:lnRef>
+          <a:fillRef idx="1">
+            <a:schemeClr val="accent4"/>
+          </a:fillRef>
+          <a:effectRef idx="0">
+            <a:schemeClr val="accent4"/>
+          </a:effectRef>
+          <a:fontRef idx="minor">
+            <a:schemeClr val="lt1"/>
+          </a:fontRef>
+        </p:style>
+        <p:txBody>
+          <a:bodyPr rtlCol="0" anchor="ctr"/>
+          <a:lstStyle/>
+          <a:p>
+            <a:pPr algn="ctr"/>
+            <a:r>
+              <a:rPr lang="en-US" dirty="0"/>
+              <a:t>Virtual machines</a:t>
+            </a:r>
+          </a:p>
+          <a:p>
+            <a:pPr algn="ctr"/>
+            <a:r>
+              <a:rPr lang="en-US" dirty="0"/>
+              <a:t>(Ubuntu)</a:t>
+            </a:r>
+          </a:p>
+        </p:txBody>
+      </p:sp>
+      <p:sp>
+        <p:nvSpPr>
+          <p:cNvPr id="11" name="Rectangle 10">
+            <a:extLst>
+              <a:ext uri="{FF2B5EF4-FFF2-40B4-BE49-F238E27FC236}">
+                <a16:creationId xmlns:a16="http://schemas.microsoft.com/office/drawing/2014/main" id="{C48441B6-DC15-49DA-8151-D8BF6272722D}"/>
+              </a:ext>
+            </a:extLst>
+          </p:cNvPr>
+          <p:cNvSpPr/>
+          <p:nvPr/>
+        </p:nvSpPr>
+        <p:spPr>
+          <a:xfrm>
+            <a:off x="7013511" y="1530219"/>
+            <a:ext cx="2768082" cy="2752531"/>
+          </a:xfrm>
+          <a:prstGeom prst="rect">
+            <a:avLst/>
+          </a:prstGeom>
+        </p:spPr>
+        <p:style>
+          <a:lnRef idx="2">
+            <a:schemeClr val="accent4">
+              <a:shade val="50000"/>
+            </a:schemeClr>
+          </a:lnRef>
+          <a:fillRef idx="1">
+            <a:schemeClr val="accent4"/>
+          </a:fillRef>
+          <a:effectRef idx="0">
+            <a:schemeClr val="accent4"/>
+          </a:effectRef>
+          <a:fontRef idx="minor">
+            <a:schemeClr val="lt1"/>
+          </a:fontRef>
+        </p:style>
+        <p:txBody>
+          <a:bodyPr rtlCol="0" anchor="ctr"/>
+          <a:lstStyle/>
+          <a:p>
+            <a:pPr algn="ctr"/>
+            <a:r>
+              <a:rPr lang="en-US" dirty="0"/>
+              <a:t>Virtual machines</a:t>
+            </a:r>
+          </a:p>
+          <a:p>
+            <a:pPr algn="ctr"/>
+            <a:r>
+              <a:rPr lang="en-US" dirty="0"/>
+              <a:t>(Windows)</a:t>
+            </a:r>
+          </a:p>
+        </p:txBody>
+      </p:sp>
+    </p:spTree>
+    <p:extLst>
+      <p:ext uri="{BB962C8B-B14F-4D97-AF65-F5344CB8AC3E}">
+        <p14:creationId xmlns:p14="http://schemas.microsoft.com/office/powerpoint/2010/main" val="262119260"/>
+      </p:ext>
+    </p:extLst>
+  </p:cSld>
+  <p:clrMapOvr>
+    <a:masterClrMapping/>
+  </p:clrMapOvr>
+</p:sld>
+</file>
+
+<file path=ppt/slides/slide14.xml><?xml version="1.0" encoding="utf-8"?>
+<p:sld xmlns:a="http://schemas.openxmlformats.org/drawingml/2006/main" xmlns:r="http://schemas.openxmlformats.org/officeDocument/2006/relationships" xmlns:p="http://schemas.openxmlformats.org/presentationml/2006/main">
+  <p:cSld>
+    <p:spTree>
+      <p:nvGrpSpPr>
+        <p:cNvPr id="1" name=""/>
+        <p:cNvGrpSpPr/>
+        <p:nvPr/>
+      </p:nvGrpSpPr>
+      <p:grpSpPr>
+        <a:xfrm>
+          <a:off x="0" y="0"/>
+          <a:ext cx="0" cy="0"/>
+          <a:chOff x="0" y="0"/>
+          <a:chExt cx="0" cy="0"/>
+        </a:xfrm>
+      </p:grpSpPr>
+      <p:sp>
+        <p:nvSpPr>
           <p:cNvPr id="2" name="Title 1">
             <a:extLst>
               <a:ext uri="{FF2B5EF4-FFF2-40B4-BE49-F238E27FC236}">
-                <a16:creationId xmlns:a16="http://schemas.microsoft.com/office/drawing/2014/main" id="{B621CF05-5EAD-43F3-8BBC-1EDDCD2C0250}"/>
+                <a16:creationId xmlns:a16="http://schemas.microsoft.com/office/drawing/2014/main" id="{CE67CBA7-EB19-420D-B8B3-9B603709730F}"/>
               </a:ext>
             </a:extLst>
           </p:cNvPr>
@@ -3968,7 +4900,721 @@
           <a:p>
             <a:r>
               <a:rPr lang="en-US" dirty="0"/>
-              <a:t>What we do not like</a:t>
+              <a:t>Maven…Jar…War…Tomcat….</a:t>
+            </a:r>
+            <a:r>
+              <a:rPr lang="en-US" dirty="0" err="1"/>
+              <a:t>etc</a:t>
+            </a:r>
+            <a:endParaRPr lang="en-US" dirty="0"/>
+          </a:p>
+        </p:txBody>
+      </p:sp>
+      <p:sp>
+        <p:nvSpPr>
+          <p:cNvPr id="5" name="Rectangle 4">
+            <a:extLst>
+              <a:ext uri="{FF2B5EF4-FFF2-40B4-BE49-F238E27FC236}">
+                <a16:creationId xmlns:a16="http://schemas.microsoft.com/office/drawing/2014/main" id="{5BC440DE-3800-405F-959F-643B8D98D759}"/>
+              </a:ext>
+            </a:extLst>
+          </p:cNvPr>
+          <p:cNvSpPr/>
+          <p:nvPr/>
+        </p:nvSpPr>
+        <p:spPr>
+          <a:xfrm>
+            <a:off x="682341" y="1916594"/>
+            <a:ext cx="1394937" cy="1325563"/>
+          </a:xfrm>
+          <a:prstGeom prst="rect">
+            <a:avLst/>
+          </a:prstGeom>
+        </p:spPr>
+        <p:style>
+          <a:lnRef idx="2">
+            <a:schemeClr val="accent1">
+              <a:shade val="50000"/>
+            </a:schemeClr>
+          </a:lnRef>
+          <a:fillRef idx="1">
+            <a:schemeClr val="accent1"/>
+          </a:fillRef>
+          <a:effectRef idx="0">
+            <a:schemeClr val="accent1"/>
+          </a:effectRef>
+          <a:fontRef idx="minor">
+            <a:schemeClr val="lt1"/>
+          </a:fontRef>
+        </p:style>
+        <p:txBody>
+          <a:bodyPr rtlCol="0" anchor="ctr"/>
+          <a:lstStyle/>
+          <a:p>
+            <a:pPr algn="ctr"/>
+            <a:r>
+              <a:rPr lang="en-US" dirty="0"/>
+              <a:t>app</a:t>
+            </a:r>
+          </a:p>
+        </p:txBody>
+      </p:sp>
+      <p:sp>
+        <p:nvSpPr>
+          <p:cNvPr id="7" name="Rectangle 6">
+            <a:extLst>
+              <a:ext uri="{FF2B5EF4-FFF2-40B4-BE49-F238E27FC236}">
+                <a16:creationId xmlns:a16="http://schemas.microsoft.com/office/drawing/2014/main" id="{1DE3E562-9149-4D81-8621-6A4E590B941E}"/>
+              </a:ext>
+            </a:extLst>
+          </p:cNvPr>
+          <p:cNvSpPr/>
+          <p:nvPr/>
+        </p:nvSpPr>
+        <p:spPr>
+          <a:xfrm>
+            <a:off x="1291942" y="1549811"/>
+            <a:ext cx="626311" cy="552660"/>
+          </a:xfrm>
+          <a:prstGeom prst="rect">
+            <a:avLst/>
+          </a:prstGeom>
+        </p:spPr>
+        <p:style>
+          <a:lnRef idx="2">
+            <a:schemeClr val="accent6">
+              <a:shade val="50000"/>
+            </a:schemeClr>
+          </a:lnRef>
+          <a:fillRef idx="1">
+            <a:schemeClr val="accent6"/>
+          </a:fillRef>
+          <a:effectRef idx="0">
+            <a:schemeClr val="accent6"/>
+          </a:effectRef>
+          <a:fontRef idx="minor">
+            <a:schemeClr val="lt1"/>
+          </a:fontRef>
+        </p:style>
+        <p:txBody>
+          <a:bodyPr rtlCol="0" anchor="ctr"/>
+          <a:lstStyle/>
+          <a:p>
+            <a:pPr algn="ctr"/>
+            <a:r>
+              <a:rPr lang="en-US" dirty="0"/>
+              <a:t>Jar</a:t>
+            </a:r>
+          </a:p>
+        </p:txBody>
+      </p:sp>
+      <p:sp>
+        <p:nvSpPr>
+          <p:cNvPr id="9" name="Rectangle 8">
+            <a:extLst>
+              <a:ext uri="{FF2B5EF4-FFF2-40B4-BE49-F238E27FC236}">
+                <a16:creationId xmlns:a16="http://schemas.microsoft.com/office/drawing/2014/main" id="{CB3E87E2-B9CF-4903-B231-DAC8FA94718B}"/>
+              </a:ext>
+            </a:extLst>
+          </p:cNvPr>
+          <p:cNvSpPr/>
+          <p:nvPr/>
+        </p:nvSpPr>
+        <p:spPr>
+          <a:xfrm>
+            <a:off x="1444342" y="1702211"/>
+            <a:ext cx="626311" cy="552660"/>
+          </a:xfrm>
+          <a:prstGeom prst="rect">
+            <a:avLst/>
+          </a:prstGeom>
+        </p:spPr>
+        <p:style>
+          <a:lnRef idx="2">
+            <a:schemeClr val="accent6">
+              <a:shade val="50000"/>
+            </a:schemeClr>
+          </a:lnRef>
+          <a:fillRef idx="1">
+            <a:schemeClr val="accent6"/>
+          </a:fillRef>
+          <a:effectRef idx="0">
+            <a:schemeClr val="accent6"/>
+          </a:effectRef>
+          <a:fontRef idx="minor">
+            <a:schemeClr val="lt1"/>
+          </a:fontRef>
+        </p:style>
+        <p:txBody>
+          <a:bodyPr rtlCol="0" anchor="ctr"/>
+          <a:lstStyle/>
+          <a:p>
+            <a:pPr algn="ctr"/>
+            <a:r>
+              <a:rPr lang="en-US" dirty="0"/>
+              <a:t>Jar</a:t>
+            </a:r>
+          </a:p>
+        </p:txBody>
+      </p:sp>
+      <p:sp>
+        <p:nvSpPr>
+          <p:cNvPr id="11" name="Rectangle 10">
+            <a:extLst>
+              <a:ext uri="{FF2B5EF4-FFF2-40B4-BE49-F238E27FC236}">
+                <a16:creationId xmlns:a16="http://schemas.microsoft.com/office/drawing/2014/main" id="{20096707-CB51-4263-866E-5CD8BF54DB1B}"/>
+              </a:ext>
+            </a:extLst>
+          </p:cNvPr>
+          <p:cNvSpPr/>
+          <p:nvPr/>
+        </p:nvSpPr>
+        <p:spPr>
+          <a:xfrm>
+            <a:off x="1596742" y="1854611"/>
+            <a:ext cx="626311" cy="552660"/>
+          </a:xfrm>
+          <a:prstGeom prst="rect">
+            <a:avLst/>
+          </a:prstGeom>
+        </p:spPr>
+        <p:style>
+          <a:lnRef idx="2">
+            <a:schemeClr val="accent6">
+              <a:shade val="50000"/>
+            </a:schemeClr>
+          </a:lnRef>
+          <a:fillRef idx="1">
+            <a:schemeClr val="accent6"/>
+          </a:fillRef>
+          <a:effectRef idx="0">
+            <a:schemeClr val="accent6"/>
+          </a:effectRef>
+          <a:fontRef idx="minor">
+            <a:schemeClr val="lt1"/>
+          </a:fontRef>
+        </p:style>
+        <p:txBody>
+          <a:bodyPr rtlCol="0" anchor="ctr"/>
+          <a:lstStyle/>
+          <a:p>
+            <a:pPr algn="ctr"/>
+            <a:r>
+              <a:rPr lang="en-US" dirty="0"/>
+              <a:t>Jar</a:t>
+            </a:r>
+          </a:p>
+        </p:txBody>
+      </p:sp>
+      <p:sp>
+        <p:nvSpPr>
+          <p:cNvPr id="13" name="Rectangle 12">
+            <a:extLst>
+              <a:ext uri="{FF2B5EF4-FFF2-40B4-BE49-F238E27FC236}">
+                <a16:creationId xmlns:a16="http://schemas.microsoft.com/office/drawing/2014/main" id="{526C2C41-CA5A-479F-B1CB-CAF44147C367}"/>
+              </a:ext>
+            </a:extLst>
+          </p:cNvPr>
+          <p:cNvSpPr/>
+          <p:nvPr/>
+        </p:nvSpPr>
+        <p:spPr>
+          <a:xfrm>
+            <a:off x="1749142" y="2007011"/>
+            <a:ext cx="626311" cy="552660"/>
+          </a:xfrm>
+          <a:prstGeom prst="rect">
+            <a:avLst/>
+          </a:prstGeom>
+        </p:spPr>
+        <p:style>
+          <a:lnRef idx="2">
+            <a:schemeClr val="accent6">
+              <a:shade val="50000"/>
+            </a:schemeClr>
+          </a:lnRef>
+          <a:fillRef idx="1">
+            <a:schemeClr val="accent6"/>
+          </a:fillRef>
+          <a:effectRef idx="0">
+            <a:schemeClr val="accent6"/>
+          </a:effectRef>
+          <a:fontRef idx="minor">
+            <a:schemeClr val="lt1"/>
+          </a:fontRef>
+        </p:style>
+        <p:txBody>
+          <a:bodyPr rtlCol="0" anchor="ctr"/>
+          <a:lstStyle/>
+          <a:p>
+            <a:pPr algn="ctr"/>
+            <a:r>
+              <a:rPr lang="en-US" dirty="0"/>
+              <a:t>Jar</a:t>
+            </a:r>
+          </a:p>
+        </p:txBody>
+      </p:sp>
+      <p:sp>
+        <p:nvSpPr>
+          <p:cNvPr id="15" name="Rectangle 14">
+            <a:extLst>
+              <a:ext uri="{FF2B5EF4-FFF2-40B4-BE49-F238E27FC236}">
+                <a16:creationId xmlns:a16="http://schemas.microsoft.com/office/drawing/2014/main" id="{3F61FF13-6C61-4EC8-AA6E-98E1E078C6D3}"/>
+              </a:ext>
+            </a:extLst>
+          </p:cNvPr>
+          <p:cNvSpPr/>
+          <p:nvPr/>
+        </p:nvSpPr>
+        <p:spPr>
+          <a:xfrm>
+            <a:off x="1901542" y="2159411"/>
+            <a:ext cx="626311" cy="552660"/>
+          </a:xfrm>
+          <a:prstGeom prst="rect">
+            <a:avLst/>
+          </a:prstGeom>
+        </p:spPr>
+        <p:style>
+          <a:lnRef idx="2">
+            <a:schemeClr val="accent6">
+              <a:shade val="50000"/>
+            </a:schemeClr>
+          </a:lnRef>
+          <a:fillRef idx="1">
+            <a:schemeClr val="accent6"/>
+          </a:fillRef>
+          <a:effectRef idx="0">
+            <a:schemeClr val="accent6"/>
+          </a:effectRef>
+          <a:fontRef idx="minor">
+            <a:schemeClr val="lt1"/>
+          </a:fontRef>
+        </p:style>
+        <p:txBody>
+          <a:bodyPr rtlCol="0" anchor="ctr"/>
+          <a:lstStyle/>
+          <a:p>
+            <a:pPr algn="ctr"/>
+            <a:r>
+              <a:rPr lang="en-US" dirty="0"/>
+              <a:t>Jar</a:t>
+            </a:r>
+          </a:p>
+        </p:txBody>
+      </p:sp>
+      <p:sp>
+        <p:nvSpPr>
+          <p:cNvPr id="17" name="Rectangle 16">
+            <a:extLst>
+              <a:ext uri="{FF2B5EF4-FFF2-40B4-BE49-F238E27FC236}">
+                <a16:creationId xmlns:a16="http://schemas.microsoft.com/office/drawing/2014/main" id="{237C2C5F-FB2D-4656-B12D-A1B75E9042B6}"/>
+              </a:ext>
+            </a:extLst>
+          </p:cNvPr>
+          <p:cNvSpPr/>
+          <p:nvPr/>
+        </p:nvSpPr>
+        <p:spPr>
+          <a:xfrm>
+            <a:off x="2791166" y="3679133"/>
+            <a:ext cx="1394937" cy="1325563"/>
+          </a:xfrm>
+          <a:prstGeom prst="rect">
+            <a:avLst/>
+          </a:prstGeom>
+        </p:spPr>
+        <p:style>
+          <a:lnRef idx="2">
+            <a:schemeClr val="accent3">
+              <a:shade val="50000"/>
+            </a:schemeClr>
+          </a:lnRef>
+          <a:fillRef idx="1">
+            <a:schemeClr val="accent3"/>
+          </a:fillRef>
+          <a:effectRef idx="0">
+            <a:schemeClr val="accent3"/>
+          </a:effectRef>
+          <a:fontRef idx="minor">
+            <a:schemeClr val="lt1"/>
+          </a:fontRef>
+        </p:style>
+        <p:txBody>
+          <a:bodyPr rtlCol="0" anchor="ctr"/>
+          <a:lstStyle/>
+          <a:p>
+            <a:pPr algn="ctr"/>
+            <a:r>
+              <a:rPr lang="en-US" dirty="0"/>
+              <a:t>Maven</a:t>
+            </a:r>
+          </a:p>
+        </p:txBody>
+      </p:sp>
+      <p:sp>
+        <p:nvSpPr>
+          <p:cNvPr id="19" name="Rectangle 18">
+            <a:extLst>
+              <a:ext uri="{FF2B5EF4-FFF2-40B4-BE49-F238E27FC236}">
+                <a16:creationId xmlns:a16="http://schemas.microsoft.com/office/drawing/2014/main" id="{94350543-1903-442E-93CD-86727806440E}"/>
+              </a:ext>
+            </a:extLst>
+          </p:cNvPr>
+          <p:cNvSpPr/>
+          <p:nvPr/>
+        </p:nvSpPr>
+        <p:spPr>
+          <a:xfrm>
+            <a:off x="9755039" y="1820168"/>
+            <a:ext cx="1598761" cy="1421989"/>
+          </a:xfrm>
+          <a:prstGeom prst="rect">
+            <a:avLst/>
+          </a:prstGeom>
+        </p:spPr>
+        <p:style>
+          <a:lnRef idx="2">
+            <a:schemeClr val="accent4">
+              <a:shade val="50000"/>
+            </a:schemeClr>
+          </a:lnRef>
+          <a:fillRef idx="1">
+            <a:schemeClr val="accent4"/>
+          </a:fillRef>
+          <a:effectRef idx="0">
+            <a:schemeClr val="accent4"/>
+          </a:effectRef>
+          <a:fontRef idx="minor">
+            <a:schemeClr val="lt1"/>
+          </a:fontRef>
+        </p:style>
+        <p:txBody>
+          <a:bodyPr rtlCol="0" anchor="ctr"/>
+          <a:lstStyle/>
+          <a:p>
+            <a:pPr algn="ctr"/>
+            <a:r>
+              <a:rPr lang="en-US" dirty="0"/>
+              <a:t>Tomcat</a:t>
+            </a:r>
+          </a:p>
+          <a:p>
+            <a:pPr algn="ctr"/>
+            <a:r>
+              <a:rPr lang="en-US" dirty="0"/>
+              <a:t>Server</a:t>
+            </a:r>
+          </a:p>
+        </p:txBody>
+      </p:sp>
+      <p:sp>
+        <p:nvSpPr>
+          <p:cNvPr id="20" name="Arrow: Right 19">
+            <a:extLst>
+              <a:ext uri="{FF2B5EF4-FFF2-40B4-BE49-F238E27FC236}">
+                <a16:creationId xmlns:a16="http://schemas.microsoft.com/office/drawing/2014/main" id="{0374C2C2-07C4-45C3-8253-392D1F2B6C4E}"/>
+              </a:ext>
+            </a:extLst>
+          </p:cNvPr>
+          <p:cNvSpPr/>
+          <p:nvPr/>
+        </p:nvSpPr>
+        <p:spPr>
+          <a:xfrm>
+            <a:off x="2915481" y="2193925"/>
+            <a:ext cx="1394937" cy="834886"/>
+          </a:xfrm>
+          <a:prstGeom prst="rightArrow">
+            <a:avLst/>
+          </a:prstGeom>
+        </p:spPr>
+        <p:style>
+          <a:lnRef idx="2">
+            <a:schemeClr val="accent2">
+              <a:shade val="50000"/>
+            </a:schemeClr>
+          </a:lnRef>
+          <a:fillRef idx="1">
+            <a:schemeClr val="accent2"/>
+          </a:fillRef>
+          <a:effectRef idx="0">
+            <a:schemeClr val="accent2"/>
+          </a:effectRef>
+          <a:fontRef idx="minor">
+            <a:schemeClr val="lt1"/>
+          </a:fontRef>
+        </p:style>
+        <p:txBody>
+          <a:bodyPr rtlCol="0" anchor="ctr"/>
+          <a:lstStyle/>
+          <a:p>
+            <a:pPr algn="ctr"/>
+            <a:r>
+              <a:rPr lang="en-US" dirty="0"/>
+              <a:t>package</a:t>
+            </a:r>
+          </a:p>
+        </p:txBody>
+      </p:sp>
+      <p:sp>
+        <p:nvSpPr>
+          <p:cNvPr id="22" name="Rectangle 21">
+            <a:extLst>
+              <a:ext uri="{FF2B5EF4-FFF2-40B4-BE49-F238E27FC236}">
+                <a16:creationId xmlns:a16="http://schemas.microsoft.com/office/drawing/2014/main" id="{9549A2F4-07EB-4761-BAEB-203D735807E8}"/>
+              </a:ext>
+            </a:extLst>
+          </p:cNvPr>
+          <p:cNvSpPr/>
+          <p:nvPr/>
+        </p:nvSpPr>
+        <p:spPr>
+          <a:xfrm>
+            <a:off x="4524533" y="2025578"/>
+            <a:ext cx="1394937" cy="1325563"/>
+          </a:xfrm>
+          <a:prstGeom prst="rect">
+            <a:avLst/>
+          </a:prstGeom>
+        </p:spPr>
+        <p:style>
+          <a:lnRef idx="2">
+            <a:schemeClr val="accent1">
+              <a:shade val="50000"/>
+            </a:schemeClr>
+          </a:lnRef>
+          <a:fillRef idx="1">
+            <a:schemeClr val="accent1"/>
+          </a:fillRef>
+          <a:effectRef idx="0">
+            <a:schemeClr val="accent1"/>
+          </a:effectRef>
+          <a:fontRef idx="minor">
+            <a:schemeClr val="lt1"/>
+          </a:fontRef>
+        </p:style>
+        <p:txBody>
+          <a:bodyPr rtlCol="0" anchor="ctr"/>
+          <a:lstStyle/>
+          <a:p>
+            <a:pPr algn="ctr"/>
+            <a:r>
+              <a:rPr lang="en-US" dirty="0"/>
+              <a:t>WAR</a:t>
+            </a:r>
+          </a:p>
+        </p:txBody>
+      </p:sp>
+      <p:sp>
+        <p:nvSpPr>
+          <p:cNvPr id="24" name="Rectangle 23">
+            <a:extLst>
+              <a:ext uri="{FF2B5EF4-FFF2-40B4-BE49-F238E27FC236}">
+                <a16:creationId xmlns:a16="http://schemas.microsoft.com/office/drawing/2014/main" id="{C90679F6-34EC-46E4-BF6F-864E4C65933D}"/>
+              </a:ext>
+            </a:extLst>
+          </p:cNvPr>
+          <p:cNvSpPr/>
+          <p:nvPr/>
+        </p:nvSpPr>
+        <p:spPr>
+          <a:xfrm>
+            <a:off x="10287000" y="2910766"/>
+            <a:ext cx="738806" cy="662782"/>
+          </a:xfrm>
+          <a:prstGeom prst="rect">
+            <a:avLst/>
+          </a:prstGeom>
+        </p:spPr>
+        <p:style>
+          <a:lnRef idx="2">
+            <a:schemeClr val="accent1">
+              <a:shade val="50000"/>
+            </a:schemeClr>
+          </a:lnRef>
+          <a:fillRef idx="1">
+            <a:schemeClr val="accent1"/>
+          </a:fillRef>
+          <a:effectRef idx="0">
+            <a:schemeClr val="accent1"/>
+          </a:effectRef>
+          <a:fontRef idx="minor">
+            <a:schemeClr val="lt1"/>
+          </a:fontRef>
+        </p:style>
+        <p:txBody>
+          <a:bodyPr rtlCol="0" anchor="ctr"/>
+          <a:lstStyle/>
+          <a:p>
+            <a:pPr algn="ctr"/>
+            <a:r>
+              <a:rPr lang="en-US" dirty="0"/>
+              <a:t>WAR</a:t>
+            </a:r>
+          </a:p>
+        </p:txBody>
+      </p:sp>
+      <p:sp>
+        <p:nvSpPr>
+          <p:cNvPr id="26" name="Arrow: Right 25">
+            <a:extLst>
+              <a:ext uri="{FF2B5EF4-FFF2-40B4-BE49-F238E27FC236}">
+                <a16:creationId xmlns:a16="http://schemas.microsoft.com/office/drawing/2014/main" id="{D4183197-64CA-4EE5-8AA6-A782D8172062}"/>
+              </a:ext>
+            </a:extLst>
+          </p:cNvPr>
+          <p:cNvSpPr/>
+          <p:nvPr/>
+        </p:nvSpPr>
+        <p:spPr>
+          <a:xfrm rot="3315978">
+            <a:off x="8963017" y="692762"/>
+            <a:ext cx="1394937" cy="1330433"/>
+          </a:xfrm>
+          <a:prstGeom prst="rightArrow">
+            <a:avLst/>
+          </a:prstGeom>
+        </p:spPr>
+        <p:style>
+          <a:lnRef idx="2">
+            <a:schemeClr val="accent2">
+              <a:shade val="50000"/>
+            </a:schemeClr>
+          </a:lnRef>
+          <a:fillRef idx="1">
+            <a:schemeClr val="accent2"/>
+          </a:fillRef>
+          <a:effectRef idx="0">
+            <a:schemeClr val="accent2"/>
+          </a:effectRef>
+          <a:fontRef idx="minor">
+            <a:schemeClr val="lt1"/>
+          </a:fontRef>
+        </p:style>
+        <p:txBody>
+          <a:bodyPr rtlCol="0" anchor="ctr"/>
+          <a:lstStyle/>
+          <a:p>
+            <a:pPr algn="ctr"/>
+            <a:r>
+              <a:rPr lang="en-US" dirty="0"/>
+              <a:t>http request</a:t>
+            </a:r>
+          </a:p>
+        </p:txBody>
+      </p:sp>
+      <p:sp>
+        <p:nvSpPr>
+          <p:cNvPr id="28" name="Arrow: Right 27">
+            <a:extLst>
+              <a:ext uri="{FF2B5EF4-FFF2-40B4-BE49-F238E27FC236}">
+                <a16:creationId xmlns:a16="http://schemas.microsoft.com/office/drawing/2014/main" id="{6798B911-F347-40D0-993C-B31E3E7F063F}"/>
+              </a:ext>
+            </a:extLst>
+          </p:cNvPr>
+          <p:cNvSpPr/>
+          <p:nvPr/>
+        </p:nvSpPr>
+        <p:spPr>
+          <a:xfrm>
+            <a:off x="6521213" y="2006045"/>
+            <a:ext cx="2905832" cy="1151886"/>
+          </a:xfrm>
+          <a:prstGeom prst="rightArrow">
+            <a:avLst/>
+          </a:prstGeom>
+        </p:spPr>
+        <p:style>
+          <a:lnRef idx="2">
+            <a:schemeClr val="accent2">
+              <a:shade val="50000"/>
+            </a:schemeClr>
+          </a:lnRef>
+          <a:fillRef idx="1">
+            <a:schemeClr val="accent2"/>
+          </a:fillRef>
+          <a:effectRef idx="0">
+            <a:schemeClr val="accent2"/>
+          </a:effectRef>
+          <a:fontRef idx="minor">
+            <a:schemeClr val="lt1"/>
+          </a:fontRef>
+        </p:style>
+        <p:txBody>
+          <a:bodyPr rtlCol="0" anchor="ctr"/>
+          <a:lstStyle/>
+          <a:p>
+            <a:pPr algn="ctr"/>
+            <a:r>
+              <a:rPr lang="en-US" dirty="0"/>
+              <a:t>Deploy </a:t>
+            </a:r>
+          </a:p>
+          <a:p>
+            <a:pPr algn="ctr"/>
+            <a:r>
+              <a:rPr lang="en-US" dirty="0"/>
+              <a:t>(not maven deploy)</a:t>
+            </a:r>
+          </a:p>
+        </p:txBody>
+      </p:sp>
+    </p:spTree>
+    <p:extLst>
+      <p:ext uri="{BB962C8B-B14F-4D97-AF65-F5344CB8AC3E}">
+        <p14:creationId xmlns:p14="http://schemas.microsoft.com/office/powerpoint/2010/main" val="966824430"/>
+      </p:ext>
+    </p:extLst>
+  </p:cSld>
+  <p:clrMapOvr>
+    <a:masterClrMapping/>
+  </p:clrMapOvr>
+</p:sld>
+</file>
+
+<file path=ppt/slides/slide15.xml><?xml version="1.0" encoding="utf-8"?>
+<p:sld xmlns:a="http://schemas.openxmlformats.org/drawingml/2006/main" xmlns:r="http://schemas.openxmlformats.org/officeDocument/2006/relationships" xmlns:p="http://schemas.openxmlformats.org/presentationml/2006/main">
+  <p:cSld>
+    <p:spTree>
+      <p:nvGrpSpPr>
+        <p:cNvPr id="1" name=""/>
+        <p:cNvGrpSpPr/>
+        <p:nvPr/>
+      </p:nvGrpSpPr>
+      <p:grpSpPr>
+        <a:xfrm>
+          <a:off x="0" y="0"/>
+          <a:ext cx="0" cy="0"/>
+          <a:chOff x="0" y="0"/>
+          <a:chExt cx="0" cy="0"/>
+        </a:xfrm>
+      </p:grpSpPr>
+      <p:sp>
+        <p:nvSpPr>
+          <p:cNvPr id="2" name="Title 1">
+            <a:extLst>
+              <a:ext uri="{FF2B5EF4-FFF2-40B4-BE49-F238E27FC236}">
+                <a16:creationId xmlns:a16="http://schemas.microsoft.com/office/drawing/2014/main" id="{A179260C-DD91-4D85-8C59-7E0CBF3A7F36}"/>
+              </a:ext>
+            </a:extLst>
+          </p:cNvPr>
+          <p:cNvSpPr>
+            <a:spLocks noGrp="1"/>
+          </p:cNvSpPr>
+          <p:nvPr>
+            <p:ph type="title"/>
+          </p:nvPr>
+        </p:nvSpPr>
+        <p:spPr/>
+        <p:txBody>
+          <a:bodyPr/>
+          <a:lstStyle/>
+          <a:p>
+            <a:r>
+              <a:rPr lang="en-US" dirty="0"/>
+              <a:t>AWS Services</a:t>
             </a:r>
           </a:p>
         </p:txBody>
@@ -3978,7 +5624,7 @@
           <p:cNvPr id="3" name="Content Placeholder 2">
             <a:extLst>
               <a:ext uri="{FF2B5EF4-FFF2-40B4-BE49-F238E27FC236}">
-                <a16:creationId xmlns:a16="http://schemas.microsoft.com/office/drawing/2014/main" id="{D6959C29-231A-46E4-9493-47524C03CFAB}"/>
+                <a16:creationId xmlns:a16="http://schemas.microsoft.com/office/drawing/2014/main" id="{D83F337F-917E-461D-A2FD-94889B0E677F}"/>
               </a:ext>
             </a:extLst>
           </p:cNvPr>
@@ -3994,7 +5640,840 @@
           <a:bodyPr/>
           <a:lstStyle/>
           <a:p>
+            <a:r>
+              <a:rPr lang="en-US" dirty="0"/>
+              <a:t>S3</a:t>
+            </a:r>
+          </a:p>
+          <a:p>
+            <a:r>
+              <a:rPr lang="en-US" dirty="0"/>
+              <a:t>EC2</a:t>
+            </a:r>
+          </a:p>
+          <a:p>
+            <a:r>
+              <a:rPr lang="en-US" dirty="0"/>
+              <a:t>AMI</a:t>
+            </a:r>
+          </a:p>
+          <a:p>
+            <a:r>
+              <a:rPr lang="en-US" dirty="0"/>
+              <a:t>EBS</a:t>
+            </a:r>
+          </a:p>
+          <a:p>
+            <a:r>
+              <a:rPr lang="en-US" dirty="0"/>
+              <a:t>Route 53</a:t>
+            </a:r>
+          </a:p>
+        </p:txBody>
+      </p:sp>
+    </p:spTree>
+    <p:extLst>
+      <p:ext uri="{BB962C8B-B14F-4D97-AF65-F5344CB8AC3E}">
+        <p14:creationId xmlns:p14="http://schemas.microsoft.com/office/powerpoint/2010/main" val="1831061386"/>
+      </p:ext>
+    </p:extLst>
+  </p:cSld>
+  <p:clrMapOvr>
+    <a:masterClrMapping/>
+  </p:clrMapOvr>
+</p:sld>
+</file>
+
+<file path=ppt/slides/slide16.xml><?xml version="1.0" encoding="utf-8"?>
+<p:sld xmlns:a="http://schemas.openxmlformats.org/drawingml/2006/main" xmlns:r="http://schemas.openxmlformats.org/officeDocument/2006/relationships" xmlns:p="http://schemas.openxmlformats.org/presentationml/2006/main">
+  <p:cSld>
+    <p:spTree>
+      <p:nvGrpSpPr>
+        <p:cNvPr id="1" name=""/>
+        <p:cNvGrpSpPr/>
+        <p:nvPr/>
+      </p:nvGrpSpPr>
+      <p:grpSpPr>
+        <a:xfrm>
+          <a:off x="0" y="0"/>
+          <a:ext cx="0" cy="0"/>
+          <a:chOff x="0" y="0"/>
+          <a:chExt cx="0" cy="0"/>
+        </a:xfrm>
+      </p:grpSpPr>
+      <p:sp>
+        <p:nvSpPr>
+          <p:cNvPr id="2" name="Title 1">
+            <a:extLst>
+              <a:ext uri="{FF2B5EF4-FFF2-40B4-BE49-F238E27FC236}">
+                <a16:creationId xmlns:a16="http://schemas.microsoft.com/office/drawing/2014/main" id="{AE563304-5376-4678-B925-FF2DFC39F3BF}"/>
+              </a:ext>
+            </a:extLst>
+          </p:cNvPr>
+          <p:cNvSpPr>
+            <a:spLocks noGrp="1"/>
+          </p:cNvSpPr>
+          <p:nvPr>
+            <p:ph type="title"/>
+          </p:nvPr>
+        </p:nvSpPr>
+        <p:spPr/>
+        <p:txBody>
+          <a:bodyPr/>
+          <a:lstStyle/>
+          <a:p>
+            <a:r>
+              <a:rPr lang="en-US" dirty="0"/>
+              <a:t>EC2 and EBS</a:t>
+            </a:r>
+          </a:p>
+        </p:txBody>
+      </p:sp>
+      <p:sp>
+        <p:nvSpPr>
+          <p:cNvPr id="4" name="Rectangle 3">
+            <a:extLst>
+              <a:ext uri="{FF2B5EF4-FFF2-40B4-BE49-F238E27FC236}">
+                <a16:creationId xmlns:a16="http://schemas.microsoft.com/office/drawing/2014/main" id="{FC080E6E-4CEC-4CC4-B91C-466AF4AA9F6E}"/>
+              </a:ext>
+            </a:extLst>
+          </p:cNvPr>
+          <p:cNvSpPr/>
+          <p:nvPr/>
+        </p:nvSpPr>
+        <p:spPr>
+          <a:xfrm>
+            <a:off x="1490870" y="2027583"/>
+            <a:ext cx="2385391" cy="1908313"/>
+          </a:xfrm>
+          <a:prstGeom prst="rect">
+            <a:avLst/>
+          </a:prstGeom>
+        </p:spPr>
+        <p:style>
+          <a:lnRef idx="2">
+            <a:schemeClr val="accent1">
+              <a:shade val="50000"/>
+            </a:schemeClr>
+          </a:lnRef>
+          <a:fillRef idx="1">
+            <a:schemeClr val="accent1"/>
+          </a:fillRef>
+          <a:effectRef idx="0">
+            <a:schemeClr val="accent1"/>
+          </a:effectRef>
+          <a:fontRef idx="minor">
+            <a:schemeClr val="lt1"/>
+          </a:fontRef>
+        </p:style>
+        <p:txBody>
+          <a:bodyPr rtlCol="0" anchor="ctr"/>
+          <a:lstStyle/>
+          <a:p>
+            <a:pPr algn="ctr"/>
+            <a:r>
+              <a:rPr lang="en-US" dirty="0"/>
+              <a:t>EC2</a:t>
+            </a:r>
+          </a:p>
+        </p:txBody>
+      </p:sp>
+      <p:sp>
+        <p:nvSpPr>
+          <p:cNvPr id="6" name="Rectangle 5">
+            <a:extLst>
+              <a:ext uri="{FF2B5EF4-FFF2-40B4-BE49-F238E27FC236}">
+                <a16:creationId xmlns:a16="http://schemas.microsoft.com/office/drawing/2014/main" id="{8ED83E3F-28BF-4AD8-9841-445039AA77ED}"/>
+              </a:ext>
+            </a:extLst>
+          </p:cNvPr>
+          <p:cNvSpPr/>
+          <p:nvPr/>
+        </p:nvSpPr>
+        <p:spPr>
+          <a:xfrm>
+            <a:off x="1669775" y="3210339"/>
+            <a:ext cx="2027583" cy="589722"/>
+          </a:xfrm>
+          <a:prstGeom prst="rect">
+            <a:avLst/>
+          </a:prstGeom>
+        </p:spPr>
+        <p:style>
+          <a:lnRef idx="2">
+            <a:schemeClr val="accent5">
+              <a:shade val="50000"/>
+            </a:schemeClr>
+          </a:lnRef>
+          <a:fillRef idx="1">
+            <a:schemeClr val="accent5"/>
+          </a:fillRef>
+          <a:effectRef idx="0">
+            <a:schemeClr val="accent5"/>
+          </a:effectRef>
+          <a:fontRef idx="minor">
+            <a:schemeClr val="lt1"/>
+          </a:fontRef>
+        </p:style>
+        <p:txBody>
+          <a:bodyPr rtlCol="0" anchor="ctr"/>
+          <a:lstStyle/>
+          <a:p>
+            <a:pPr algn="ctr"/>
+            <a:r>
+              <a:rPr lang="en-US" dirty="0"/>
+              <a:t>Root EBS</a:t>
+            </a:r>
+          </a:p>
+        </p:txBody>
+      </p:sp>
+      <p:sp>
+        <p:nvSpPr>
+          <p:cNvPr id="8" name="Rectangle 7">
+            <a:extLst>
+              <a:ext uri="{FF2B5EF4-FFF2-40B4-BE49-F238E27FC236}">
+                <a16:creationId xmlns:a16="http://schemas.microsoft.com/office/drawing/2014/main" id="{C3C0B3B8-73F9-4C71-8E3F-894804E70B98}"/>
+              </a:ext>
+            </a:extLst>
+          </p:cNvPr>
+          <p:cNvSpPr/>
+          <p:nvPr/>
+        </p:nvSpPr>
+        <p:spPr>
+          <a:xfrm>
+            <a:off x="4674705" y="2915478"/>
+            <a:ext cx="2027583" cy="589722"/>
+          </a:xfrm>
+          <a:prstGeom prst="rect">
+            <a:avLst/>
+          </a:prstGeom>
+        </p:spPr>
+        <p:style>
+          <a:lnRef idx="2">
+            <a:schemeClr val="accent5">
+              <a:shade val="50000"/>
+            </a:schemeClr>
+          </a:lnRef>
+          <a:fillRef idx="1">
+            <a:schemeClr val="accent5"/>
+          </a:fillRef>
+          <a:effectRef idx="0">
+            <a:schemeClr val="accent5"/>
+          </a:effectRef>
+          <a:fontRef idx="minor">
+            <a:schemeClr val="lt1"/>
+          </a:fontRef>
+        </p:style>
+        <p:txBody>
+          <a:bodyPr rtlCol="0" anchor="ctr"/>
+          <a:lstStyle/>
+          <a:p>
+            <a:pPr algn="ctr"/>
+            <a:r>
+              <a:rPr lang="en-US" dirty="0"/>
+              <a:t>EBS</a:t>
+            </a:r>
+          </a:p>
+        </p:txBody>
+      </p:sp>
+      <p:cxnSp>
+        <p:nvCxnSpPr>
+          <p:cNvPr id="10" name="Straight Connector 9">
+            <a:extLst>
+              <a:ext uri="{FF2B5EF4-FFF2-40B4-BE49-F238E27FC236}">
+                <a16:creationId xmlns:a16="http://schemas.microsoft.com/office/drawing/2014/main" id="{BC4766D7-A4CE-481A-AB1C-9000D0E89F57}"/>
+              </a:ext>
+            </a:extLst>
+          </p:cNvPr>
+          <p:cNvCxnSpPr>
+            <a:cxnSpLocks/>
+            <a:stCxn id="8" idx="3"/>
+            <a:endCxn id="13" idx="1"/>
+          </p:cNvCxnSpPr>
+          <p:nvPr/>
+        </p:nvCxnSpPr>
+        <p:spPr>
+          <a:xfrm flipV="1">
+            <a:off x="6702288" y="2726636"/>
+            <a:ext cx="1987826" cy="483703"/>
+          </a:xfrm>
+          <a:prstGeom prst="line">
+            <a:avLst/>
+          </a:prstGeom>
+        </p:spPr>
+        <p:style>
+          <a:lnRef idx="1">
+            <a:schemeClr val="accent1"/>
+          </a:lnRef>
+          <a:fillRef idx="0">
+            <a:schemeClr val="accent1"/>
+          </a:fillRef>
+          <a:effectRef idx="0">
+            <a:schemeClr val="accent1"/>
+          </a:effectRef>
+          <a:fontRef idx="minor">
+            <a:schemeClr val="tx1"/>
+          </a:fontRef>
+        </p:style>
+      </p:cxnSp>
+      <p:sp>
+        <p:nvSpPr>
+          <p:cNvPr id="13" name="Rectangle 12">
+            <a:extLst>
+              <a:ext uri="{FF2B5EF4-FFF2-40B4-BE49-F238E27FC236}">
+                <a16:creationId xmlns:a16="http://schemas.microsoft.com/office/drawing/2014/main" id="{74DA5D5D-F99F-4AF2-97A8-02556A3043ED}"/>
+              </a:ext>
+            </a:extLst>
+          </p:cNvPr>
+          <p:cNvSpPr/>
+          <p:nvPr/>
+        </p:nvSpPr>
+        <p:spPr>
+          <a:xfrm>
+            <a:off x="8690114" y="1772479"/>
+            <a:ext cx="2385391" cy="1908313"/>
+          </a:xfrm>
+          <a:prstGeom prst="rect">
+            <a:avLst/>
+          </a:prstGeom>
+        </p:spPr>
+        <p:style>
+          <a:lnRef idx="2">
+            <a:schemeClr val="accent1">
+              <a:shade val="50000"/>
+            </a:schemeClr>
+          </a:lnRef>
+          <a:fillRef idx="1">
+            <a:schemeClr val="accent1"/>
+          </a:fillRef>
+          <a:effectRef idx="0">
+            <a:schemeClr val="accent1"/>
+          </a:effectRef>
+          <a:fontRef idx="minor">
+            <a:schemeClr val="lt1"/>
+          </a:fontRef>
+        </p:style>
+        <p:txBody>
+          <a:bodyPr rtlCol="0" anchor="ctr"/>
+          <a:lstStyle/>
+          <a:p>
+            <a:pPr algn="ctr"/>
+            <a:r>
+              <a:rPr lang="en-US" dirty="0"/>
+              <a:t>EC2</a:t>
+            </a:r>
+          </a:p>
+        </p:txBody>
+      </p:sp>
+      <p:sp>
+        <p:nvSpPr>
+          <p:cNvPr id="15" name="Rectangle 14">
+            <a:extLst>
+              <a:ext uri="{FF2B5EF4-FFF2-40B4-BE49-F238E27FC236}">
+                <a16:creationId xmlns:a16="http://schemas.microsoft.com/office/drawing/2014/main" id="{ACB06767-905D-4A02-9470-C5A7C691A01A}"/>
+              </a:ext>
+            </a:extLst>
+          </p:cNvPr>
+          <p:cNvSpPr/>
+          <p:nvPr/>
+        </p:nvSpPr>
+        <p:spPr>
+          <a:xfrm>
+            <a:off x="8869019" y="2955235"/>
+            <a:ext cx="2027583" cy="589722"/>
+          </a:xfrm>
+          <a:prstGeom prst="rect">
+            <a:avLst/>
+          </a:prstGeom>
+        </p:spPr>
+        <p:style>
+          <a:lnRef idx="2">
+            <a:schemeClr val="accent5">
+              <a:shade val="50000"/>
+            </a:schemeClr>
+          </a:lnRef>
+          <a:fillRef idx="1">
+            <a:schemeClr val="accent5"/>
+          </a:fillRef>
+          <a:effectRef idx="0">
+            <a:schemeClr val="accent5"/>
+          </a:effectRef>
+          <a:fontRef idx="minor">
+            <a:schemeClr val="lt1"/>
+          </a:fontRef>
+        </p:style>
+        <p:txBody>
+          <a:bodyPr rtlCol="0" anchor="ctr"/>
+          <a:lstStyle/>
+          <a:p>
+            <a:pPr algn="ctr"/>
+            <a:r>
+              <a:rPr lang="en-US" dirty="0"/>
+              <a:t>Root EBS</a:t>
+            </a:r>
+          </a:p>
+        </p:txBody>
+      </p:sp>
+    </p:spTree>
+    <p:extLst>
+      <p:ext uri="{BB962C8B-B14F-4D97-AF65-F5344CB8AC3E}">
+        <p14:creationId xmlns:p14="http://schemas.microsoft.com/office/powerpoint/2010/main" val="752696713"/>
+      </p:ext>
+    </p:extLst>
+  </p:cSld>
+  <p:clrMapOvr>
+    <a:masterClrMapping/>
+  </p:clrMapOvr>
+</p:sld>
+</file>
+
+<file path=ppt/slides/slide17.xml><?xml version="1.0" encoding="utf-8"?>
+<p:sld xmlns:a="http://schemas.openxmlformats.org/drawingml/2006/main" xmlns:r="http://schemas.openxmlformats.org/officeDocument/2006/relationships" xmlns:p="http://schemas.openxmlformats.org/presentationml/2006/main">
+  <p:cSld>
+    <p:spTree>
+      <p:nvGrpSpPr>
+        <p:cNvPr id="1" name=""/>
+        <p:cNvGrpSpPr/>
+        <p:nvPr/>
+      </p:nvGrpSpPr>
+      <p:grpSpPr>
+        <a:xfrm>
+          <a:off x="0" y="0"/>
+          <a:ext cx="0" cy="0"/>
+          <a:chOff x="0" y="0"/>
+          <a:chExt cx="0" cy="0"/>
+        </a:xfrm>
+      </p:grpSpPr>
+      <p:sp>
+        <p:nvSpPr>
+          <p:cNvPr id="2" name="Title 1">
+            <a:extLst>
+              <a:ext uri="{FF2B5EF4-FFF2-40B4-BE49-F238E27FC236}">
+                <a16:creationId xmlns:a16="http://schemas.microsoft.com/office/drawing/2014/main" id="{41CB7181-93B9-4372-8177-3ED0B4548B24}"/>
+              </a:ext>
+            </a:extLst>
+          </p:cNvPr>
+          <p:cNvSpPr>
+            <a:spLocks noGrp="1"/>
+          </p:cNvSpPr>
+          <p:nvPr>
+            <p:ph type="title"/>
+          </p:nvPr>
+        </p:nvSpPr>
+        <p:spPr/>
+        <p:txBody>
+          <a:bodyPr/>
+          <a:lstStyle/>
+          <a:p>
+            <a:r>
+              <a:rPr lang="en-US" dirty="0"/>
+              <a:t>AWS Global Infrastructure</a:t>
+            </a:r>
+          </a:p>
+        </p:txBody>
+      </p:sp>
+      <p:sp>
+        <p:nvSpPr>
+          <p:cNvPr id="3" name="Content Placeholder 2">
+            <a:extLst>
+              <a:ext uri="{FF2B5EF4-FFF2-40B4-BE49-F238E27FC236}">
+                <a16:creationId xmlns:a16="http://schemas.microsoft.com/office/drawing/2014/main" id="{8D7A4442-E549-4FD2-AEAD-5AAF1EE6E78D}"/>
+              </a:ext>
+            </a:extLst>
+          </p:cNvPr>
+          <p:cNvSpPr>
+            <a:spLocks noGrp="1"/>
+          </p:cNvSpPr>
+          <p:nvPr>
+            <p:ph idx="1"/>
+          </p:nvPr>
+        </p:nvSpPr>
+        <p:spPr/>
+        <p:txBody>
+          <a:bodyPr/>
+          <a:lstStyle/>
+          <a:p>
+            <a:r>
+              <a:rPr lang="en-US" dirty="0"/>
+              <a:t>Regions</a:t>
+            </a:r>
+          </a:p>
+          <a:p>
+            <a:r>
+              <a:rPr lang="en-US" dirty="0"/>
+              <a:t>Availability Zones</a:t>
+            </a:r>
+          </a:p>
+          <a:p>
+            <a:r>
+              <a:rPr lang="en-US" dirty="0"/>
+              <a:t>Edge Locations</a:t>
+            </a:r>
+          </a:p>
+        </p:txBody>
+      </p:sp>
+      <p:sp>
+        <p:nvSpPr>
+          <p:cNvPr id="4" name="Oval 3">
+            <a:extLst>
+              <a:ext uri="{FF2B5EF4-FFF2-40B4-BE49-F238E27FC236}">
+                <a16:creationId xmlns:a16="http://schemas.microsoft.com/office/drawing/2014/main" id="{3FEF0771-915F-43A3-B018-A0F932E7A755}"/>
+              </a:ext>
+            </a:extLst>
+          </p:cNvPr>
+          <p:cNvSpPr/>
+          <p:nvPr/>
+        </p:nvSpPr>
+        <p:spPr>
+          <a:xfrm>
+            <a:off x="7091265" y="2463282"/>
+            <a:ext cx="3685592" cy="3573624"/>
+          </a:xfrm>
+          <a:prstGeom prst="ellipse">
+            <a:avLst/>
+          </a:prstGeom>
+        </p:spPr>
+        <p:style>
+          <a:lnRef idx="2">
+            <a:schemeClr val="accent1">
+              <a:shade val="50000"/>
+            </a:schemeClr>
+          </a:lnRef>
+          <a:fillRef idx="1">
+            <a:schemeClr val="accent1"/>
+          </a:fillRef>
+          <a:effectRef idx="0">
+            <a:schemeClr val="accent1"/>
+          </a:effectRef>
+          <a:fontRef idx="minor">
+            <a:schemeClr val="lt1"/>
+          </a:fontRef>
+        </p:style>
+        <p:txBody>
+          <a:bodyPr rtlCol="0" anchor="ctr"/>
+          <a:lstStyle/>
+          <a:p>
+            <a:pPr algn="ctr"/>
+            <a:r>
+              <a:rPr lang="en-US" dirty="0"/>
+              <a:t>Region (us-east-1/ N. Virginia)</a:t>
+            </a:r>
+          </a:p>
+        </p:txBody>
+      </p:sp>
+      <p:sp>
+        <p:nvSpPr>
+          <p:cNvPr id="6" name="Oval 5">
+            <a:extLst>
+              <a:ext uri="{FF2B5EF4-FFF2-40B4-BE49-F238E27FC236}">
+                <a16:creationId xmlns:a16="http://schemas.microsoft.com/office/drawing/2014/main" id="{6324BFB7-76F1-4A3E-930C-726B1230981F}"/>
+              </a:ext>
+            </a:extLst>
+          </p:cNvPr>
+          <p:cNvSpPr/>
+          <p:nvPr/>
+        </p:nvSpPr>
+        <p:spPr>
+          <a:xfrm>
+            <a:off x="6926423" y="1807028"/>
+            <a:ext cx="1651519" cy="1621972"/>
+          </a:xfrm>
+          <a:prstGeom prst="ellipse">
+            <a:avLst/>
+          </a:prstGeom>
+        </p:spPr>
+        <p:style>
+          <a:lnRef idx="2">
+            <a:schemeClr val="accent4">
+              <a:shade val="50000"/>
+            </a:schemeClr>
+          </a:lnRef>
+          <a:fillRef idx="1">
+            <a:schemeClr val="accent4"/>
+          </a:fillRef>
+          <a:effectRef idx="0">
+            <a:schemeClr val="accent4"/>
+          </a:effectRef>
+          <a:fontRef idx="minor">
+            <a:schemeClr val="lt1"/>
+          </a:fontRef>
+        </p:style>
+        <p:txBody>
+          <a:bodyPr rtlCol="0" anchor="ctr"/>
+          <a:lstStyle/>
+          <a:p>
+            <a:pPr algn="ctr"/>
+            <a:r>
+              <a:rPr lang="en-US" dirty="0"/>
+              <a:t>AZ (us-east-1a)</a:t>
+            </a:r>
+          </a:p>
+        </p:txBody>
+      </p:sp>
+      <p:sp>
+        <p:nvSpPr>
+          <p:cNvPr id="8" name="Oval 7">
+            <a:extLst>
+              <a:ext uri="{FF2B5EF4-FFF2-40B4-BE49-F238E27FC236}">
+                <a16:creationId xmlns:a16="http://schemas.microsoft.com/office/drawing/2014/main" id="{F8D7743A-BF08-4084-A12A-DCDABA628E66}"/>
+              </a:ext>
+            </a:extLst>
+          </p:cNvPr>
+          <p:cNvSpPr/>
+          <p:nvPr/>
+        </p:nvSpPr>
+        <p:spPr>
+          <a:xfrm>
+            <a:off x="10115939" y="2520271"/>
+            <a:ext cx="1651519" cy="1621972"/>
+          </a:xfrm>
+          <a:prstGeom prst="ellipse">
+            <a:avLst/>
+          </a:prstGeom>
+        </p:spPr>
+        <p:style>
+          <a:lnRef idx="2">
+            <a:schemeClr val="accent4">
+              <a:shade val="50000"/>
+            </a:schemeClr>
+          </a:lnRef>
+          <a:fillRef idx="1">
+            <a:schemeClr val="accent4"/>
+          </a:fillRef>
+          <a:effectRef idx="0">
+            <a:schemeClr val="accent4"/>
+          </a:effectRef>
+          <a:fontRef idx="minor">
+            <a:schemeClr val="lt1"/>
+          </a:fontRef>
+        </p:style>
+        <p:txBody>
+          <a:bodyPr rtlCol="0" anchor="ctr"/>
+          <a:lstStyle/>
+          <a:p>
+            <a:pPr algn="ctr"/>
+            <a:r>
+              <a:rPr lang="en-US" dirty="0"/>
+              <a:t>AZ (us-east-1c)</a:t>
+            </a:r>
+          </a:p>
+        </p:txBody>
+      </p:sp>
+      <p:sp>
+        <p:nvSpPr>
+          <p:cNvPr id="10" name="Oval 9">
+            <a:extLst>
+              <a:ext uri="{FF2B5EF4-FFF2-40B4-BE49-F238E27FC236}">
+                <a16:creationId xmlns:a16="http://schemas.microsoft.com/office/drawing/2014/main" id="{A943B1BD-6A0D-4120-BAD2-C73AD7B039EA}"/>
+              </a:ext>
+            </a:extLst>
+          </p:cNvPr>
+          <p:cNvSpPr/>
+          <p:nvPr/>
+        </p:nvSpPr>
+        <p:spPr>
+          <a:xfrm>
+            <a:off x="8588050" y="1690688"/>
+            <a:ext cx="1651519" cy="1621972"/>
+          </a:xfrm>
+          <a:prstGeom prst="ellipse">
+            <a:avLst/>
+          </a:prstGeom>
+        </p:spPr>
+        <p:style>
+          <a:lnRef idx="2">
+            <a:schemeClr val="accent4">
+              <a:shade val="50000"/>
+            </a:schemeClr>
+          </a:lnRef>
+          <a:fillRef idx="1">
+            <a:schemeClr val="accent4"/>
+          </a:fillRef>
+          <a:effectRef idx="0">
+            <a:schemeClr val="accent4"/>
+          </a:effectRef>
+          <a:fontRef idx="minor">
+            <a:schemeClr val="lt1"/>
+          </a:fontRef>
+        </p:style>
+        <p:txBody>
+          <a:bodyPr rtlCol="0" anchor="ctr"/>
+          <a:lstStyle/>
+          <a:p>
+            <a:pPr algn="ctr"/>
+            <a:r>
+              <a:rPr lang="en-US" dirty="0"/>
+              <a:t>AZ (us-east-1b)</a:t>
+            </a:r>
+          </a:p>
+        </p:txBody>
+      </p:sp>
+    </p:spTree>
+    <p:extLst>
+      <p:ext uri="{BB962C8B-B14F-4D97-AF65-F5344CB8AC3E}">
+        <p14:creationId xmlns:p14="http://schemas.microsoft.com/office/powerpoint/2010/main" val="1976631391"/>
+      </p:ext>
+    </p:extLst>
+  </p:cSld>
+  <p:clrMapOvr>
+    <a:masterClrMapping/>
+  </p:clrMapOvr>
+</p:sld>
+</file>
+
+<file path=ppt/slides/slide18.xml><?xml version="1.0" encoding="utf-8"?>
+<p:sld xmlns:a="http://schemas.openxmlformats.org/drawingml/2006/main" xmlns:r="http://schemas.openxmlformats.org/officeDocument/2006/relationships" xmlns:p="http://schemas.openxmlformats.org/presentationml/2006/main">
+  <p:cSld>
+    <p:spTree>
+      <p:nvGrpSpPr>
+        <p:cNvPr id="1" name=""/>
+        <p:cNvGrpSpPr/>
+        <p:nvPr/>
+      </p:nvGrpSpPr>
+      <p:grpSpPr>
+        <a:xfrm>
+          <a:off x="0" y="0"/>
+          <a:ext cx="0" cy="0"/>
+          <a:chOff x="0" y="0"/>
+          <a:chExt cx="0" cy="0"/>
+        </a:xfrm>
+      </p:grpSpPr>
+      <p:sp>
+        <p:nvSpPr>
+          <p:cNvPr id="2" name="Title 1">
+            <a:extLst>
+              <a:ext uri="{FF2B5EF4-FFF2-40B4-BE49-F238E27FC236}">
+                <a16:creationId xmlns:a16="http://schemas.microsoft.com/office/drawing/2014/main" id="{0EC4895F-7133-49B2-B0E0-2D558D06378A}"/>
+              </a:ext>
+            </a:extLst>
+          </p:cNvPr>
+          <p:cNvSpPr>
+            <a:spLocks noGrp="1"/>
+          </p:cNvSpPr>
+          <p:nvPr>
+            <p:ph type="title"/>
+          </p:nvPr>
+        </p:nvSpPr>
+        <p:spPr/>
+        <p:txBody>
+          <a:bodyPr/>
+          <a:lstStyle/>
+          <a:p>
+            <a:r>
+              <a:rPr lang="en-US" dirty="0"/>
+              <a:t>What we like</a:t>
+            </a:r>
+          </a:p>
+        </p:txBody>
+      </p:sp>
+      <p:sp>
+        <p:nvSpPr>
+          <p:cNvPr id="3" name="Content Placeholder 2">
+            <a:extLst>
+              <a:ext uri="{FF2B5EF4-FFF2-40B4-BE49-F238E27FC236}">
+                <a16:creationId xmlns:a16="http://schemas.microsoft.com/office/drawing/2014/main" id="{69AD2D4D-EB94-41C1-A6E7-701BF66125FD}"/>
+              </a:ext>
+            </a:extLst>
+          </p:cNvPr>
+          <p:cNvSpPr>
+            <a:spLocks noGrp="1"/>
+          </p:cNvSpPr>
+          <p:nvPr>
+            <p:ph idx="1"/>
+          </p:nvPr>
+        </p:nvSpPr>
+        <p:spPr/>
+        <p:txBody>
+          <a:bodyPr/>
+          <a:lstStyle/>
+          <a:p>
             <a:endParaRPr lang="en-US"/>
+          </a:p>
+        </p:txBody>
+      </p:sp>
+    </p:spTree>
+    <p:extLst>
+      <p:ext uri="{BB962C8B-B14F-4D97-AF65-F5344CB8AC3E}">
+        <p14:creationId xmlns:p14="http://schemas.microsoft.com/office/powerpoint/2010/main" val="3168048497"/>
+      </p:ext>
+    </p:extLst>
+  </p:cSld>
+  <p:clrMapOvr>
+    <a:masterClrMapping/>
+  </p:clrMapOvr>
+</p:sld>
+</file>
+
+<file path=ppt/slides/slide19.xml><?xml version="1.0" encoding="utf-8"?>
+<p:sld xmlns:a="http://schemas.openxmlformats.org/drawingml/2006/main" xmlns:r="http://schemas.openxmlformats.org/officeDocument/2006/relationships" xmlns:p="http://schemas.openxmlformats.org/presentationml/2006/main">
+  <p:cSld>
+    <p:spTree>
+      <p:nvGrpSpPr>
+        <p:cNvPr id="1" name=""/>
+        <p:cNvGrpSpPr/>
+        <p:nvPr/>
+      </p:nvGrpSpPr>
+      <p:grpSpPr>
+        <a:xfrm>
+          <a:off x="0" y="0"/>
+          <a:ext cx="0" cy="0"/>
+          <a:chOff x="0" y="0"/>
+          <a:chExt cx="0" cy="0"/>
+        </a:xfrm>
+      </p:grpSpPr>
+      <p:sp>
+        <p:nvSpPr>
+          <p:cNvPr id="2" name="Title 1">
+            <a:extLst>
+              <a:ext uri="{FF2B5EF4-FFF2-40B4-BE49-F238E27FC236}">
+                <a16:creationId xmlns:a16="http://schemas.microsoft.com/office/drawing/2014/main" id="{B621CF05-5EAD-43F3-8BBC-1EDDCD2C0250}"/>
+              </a:ext>
+            </a:extLst>
+          </p:cNvPr>
+          <p:cNvSpPr>
+            <a:spLocks noGrp="1"/>
+          </p:cNvSpPr>
+          <p:nvPr>
+            <p:ph type="title"/>
+          </p:nvPr>
+        </p:nvSpPr>
+        <p:spPr/>
+        <p:txBody>
+          <a:bodyPr/>
+          <a:lstStyle/>
+          <a:p>
+            <a:r>
+              <a:rPr lang="en-US" dirty="0"/>
+              <a:t>What we do not like</a:t>
+            </a:r>
+          </a:p>
+        </p:txBody>
+      </p:sp>
+      <p:sp>
+        <p:nvSpPr>
+          <p:cNvPr id="3" name="Content Placeholder 2">
+            <a:extLst>
+              <a:ext uri="{FF2B5EF4-FFF2-40B4-BE49-F238E27FC236}">
+                <a16:creationId xmlns:a16="http://schemas.microsoft.com/office/drawing/2014/main" id="{D6959C29-231A-46E4-9493-47524C03CFAB}"/>
+              </a:ext>
+            </a:extLst>
+          </p:cNvPr>
+          <p:cNvSpPr>
+            <a:spLocks noGrp="1"/>
+          </p:cNvSpPr>
+          <p:nvPr>
+            <p:ph idx="1"/>
+          </p:nvPr>
+        </p:nvSpPr>
+        <p:spPr/>
+        <p:txBody>
+          <a:bodyPr/>
+          <a:lstStyle/>
+          <a:p>
+            <a:r>
+              <a:rPr lang="en-US" dirty="0"/>
+              <a:t>Naming conventions (confusing)</a:t>
+            </a:r>
           </a:p>
         </p:txBody>
       </p:sp>
@@ -6302,7 +8781,7 @@
             </a:pPr>
             <a:r>
               <a:rPr lang="en-US" dirty="0"/>
-              <a:t>JRE</a:t>
+              <a:t>Java</a:t>
             </a:r>
           </a:p>
           <a:p>
@@ -6703,7 +9182,7 @@
           <p:cNvPr id="2" name="Title 1">
             <a:extLst>
               <a:ext uri="{FF2B5EF4-FFF2-40B4-BE49-F238E27FC236}">
-                <a16:creationId xmlns:a16="http://schemas.microsoft.com/office/drawing/2014/main" id="{CE67CBA7-EB19-420D-B8B3-9B603709730F}"/>
+                <a16:creationId xmlns:a16="http://schemas.microsoft.com/office/drawing/2014/main" id="{71198F7D-4E3D-43D5-A281-D00A9B585595}"/>
               </a:ext>
             </a:extLst>
           </p:cNvPr>
@@ -6721,22 +9200,56 @@
           <a:p>
             <a:r>
               <a:rPr lang="en-US" dirty="0"/>
-              <a:t>Maven…Jar…War…Tomcat….</a:t>
-            </a:r>
-            <a:r>
-              <a:rPr lang="en-US" dirty="0" err="1"/>
-              <a:t>etc</a:t>
-            </a:r>
-            <a:endParaRPr lang="en-US" dirty="0"/>
-          </a:p>
-        </p:txBody>
-      </p:sp>
-      <p:sp>
-        <p:nvSpPr>
-          <p:cNvPr id="5" name="Rectangle 4">
-            <a:extLst>
-              <a:ext uri="{FF2B5EF4-FFF2-40B4-BE49-F238E27FC236}">
-                <a16:creationId xmlns:a16="http://schemas.microsoft.com/office/drawing/2014/main" id="{5BC440DE-3800-405F-959F-643B8D98D759}"/>
+              <a:t>Java App Deployment (no Pipeline)</a:t>
+            </a:r>
+          </a:p>
+        </p:txBody>
+      </p:sp>
+      <p:pic>
+        <p:nvPicPr>
+          <p:cNvPr id="5" name="Graphic 4" descr="Laptop">
+            <a:extLst>
+              <a:ext uri="{FF2B5EF4-FFF2-40B4-BE49-F238E27FC236}">
+                <a16:creationId xmlns:a16="http://schemas.microsoft.com/office/drawing/2014/main" id="{EE19F7E3-6DDA-42AE-ABFF-4849F5A4E637}"/>
+              </a:ext>
+            </a:extLst>
+          </p:cNvPr>
+          <p:cNvPicPr>
+            <a:picLocks noChangeAspect="1"/>
+          </p:cNvPicPr>
+          <p:nvPr/>
+        </p:nvPicPr>
+        <p:blipFill>
+          <a:blip r:embed="rId2">
+            <a:extLst>
+              <a:ext uri="{28A0092B-C50C-407E-A947-70E740481C1C}">
+                <a14:useLocalDpi xmlns:a14="http://schemas.microsoft.com/office/drawing/2010/main" val="0"/>
+              </a:ext>
+              <a:ext uri="{96DAC541-7B7A-43D3-8B79-37D633B846F1}">
+                <asvg:svgBlip xmlns:asvg="http://schemas.microsoft.com/office/drawing/2016/SVG/main" r:embed="rId3"/>
+              </a:ext>
+            </a:extLst>
+          </a:blip>
+          <a:stretch>
+            <a:fillRect/>
+          </a:stretch>
+        </p:blipFill>
+        <p:spPr>
+          <a:xfrm>
+            <a:off x="281607" y="2686877"/>
+            <a:ext cx="2938671" cy="2938671"/>
+          </a:xfrm>
+          <a:prstGeom prst="rect">
+            <a:avLst/>
+          </a:prstGeom>
+        </p:spPr>
+      </p:pic>
+      <p:sp>
+        <p:nvSpPr>
+          <p:cNvPr id="7" name="Rectangle 6">
+            <a:extLst>
+              <a:ext uri="{FF2B5EF4-FFF2-40B4-BE49-F238E27FC236}">
+                <a16:creationId xmlns:a16="http://schemas.microsoft.com/office/drawing/2014/main" id="{2248A4F4-6151-4D11-A2A2-A2DBE92E0FB5}"/>
               </a:ext>
             </a:extLst>
           </p:cNvPr>
@@ -6745,8 +9258,8 @@
         </p:nvSpPr>
         <p:spPr>
           <a:xfrm>
-            <a:off x="682341" y="1916594"/>
-            <a:ext cx="1394937" cy="1325563"/>
+            <a:off x="1179298" y="2125316"/>
+            <a:ext cx="1003852" cy="1123121"/>
           </a:xfrm>
           <a:prstGeom prst="rect">
             <a:avLst/>
@@ -6780,61 +9293,51 @@
           </a:p>
         </p:txBody>
       </p:sp>
-      <p:sp>
-        <p:nvSpPr>
-          <p:cNvPr id="7" name="Rectangle 6">
-            <a:extLst>
-              <a:ext uri="{FF2B5EF4-FFF2-40B4-BE49-F238E27FC236}">
-                <a16:creationId xmlns:a16="http://schemas.microsoft.com/office/drawing/2014/main" id="{1DE3E562-9149-4D81-8621-6A4E590B941E}"/>
-              </a:ext>
-            </a:extLst>
-          </p:cNvPr>
-          <p:cNvSpPr/>
+      <p:pic>
+        <p:nvPicPr>
+          <p:cNvPr id="11" name="Graphic 10" descr="Server">
+            <a:extLst>
+              <a:ext uri="{FF2B5EF4-FFF2-40B4-BE49-F238E27FC236}">
+                <a16:creationId xmlns:a16="http://schemas.microsoft.com/office/drawing/2014/main" id="{BCE2A32A-8CA4-492B-8938-00B22DF5BA35}"/>
+              </a:ext>
+            </a:extLst>
+          </p:cNvPr>
+          <p:cNvPicPr>
+            <a:picLocks noChangeAspect="1"/>
+          </p:cNvPicPr>
           <p:nvPr/>
-        </p:nvSpPr>
-        <p:spPr>
-          <a:xfrm>
-            <a:off x="1291942" y="1549811"/>
-            <a:ext cx="626311" cy="552660"/>
+        </p:nvPicPr>
+        <p:blipFill>
+          <a:blip r:embed="rId4">
+            <a:extLst>
+              <a:ext uri="{28A0092B-C50C-407E-A947-70E740481C1C}">
+                <a14:useLocalDpi xmlns:a14="http://schemas.microsoft.com/office/drawing/2010/main" val="0"/>
+              </a:ext>
+              <a:ext uri="{96DAC541-7B7A-43D3-8B79-37D633B846F1}">
+                <asvg:svgBlip xmlns:asvg="http://schemas.microsoft.com/office/drawing/2016/SVG/main" r:embed="rId5"/>
+              </a:ext>
+            </a:extLst>
+          </a:blip>
+          <a:stretch>
+            <a:fillRect/>
+          </a:stretch>
+        </p:blipFill>
+        <p:spPr>
+          <a:xfrm>
+            <a:off x="8971724" y="3066215"/>
+            <a:ext cx="1749287" cy="1749287"/>
           </a:xfrm>
           <a:prstGeom prst="rect">
             <a:avLst/>
           </a:prstGeom>
         </p:spPr>
-        <p:style>
-          <a:lnRef idx="2">
-            <a:schemeClr val="accent6">
-              <a:shade val="50000"/>
-            </a:schemeClr>
-          </a:lnRef>
-          <a:fillRef idx="1">
-            <a:schemeClr val="accent6"/>
-          </a:fillRef>
-          <a:effectRef idx="0">
-            <a:schemeClr val="accent6"/>
-          </a:effectRef>
-          <a:fontRef idx="minor">
-            <a:schemeClr val="lt1"/>
-          </a:fontRef>
-        </p:style>
-        <p:txBody>
-          <a:bodyPr rtlCol="0" anchor="ctr"/>
-          <a:lstStyle/>
-          <a:p>
-            <a:pPr algn="ctr"/>
-            <a:r>
-              <a:rPr lang="en-US" dirty="0"/>
-              <a:t>Jar</a:t>
-            </a:r>
-          </a:p>
-        </p:txBody>
-      </p:sp>
-      <p:sp>
-        <p:nvSpPr>
-          <p:cNvPr id="9" name="Rectangle 8">
-            <a:extLst>
-              <a:ext uri="{FF2B5EF4-FFF2-40B4-BE49-F238E27FC236}">
-                <a16:creationId xmlns:a16="http://schemas.microsoft.com/office/drawing/2014/main" id="{CB3E87E2-B9CF-4903-B231-DAC8FA94718B}"/>
+      </p:pic>
+      <p:sp>
+        <p:nvSpPr>
+          <p:cNvPr id="13" name="Arrow: Right 12">
+            <a:extLst>
+              <a:ext uri="{FF2B5EF4-FFF2-40B4-BE49-F238E27FC236}">
+                <a16:creationId xmlns:a16="http://schemas.microsoft.com/office/drawing/2014/main" id="{7E9DBFC5-4AF4-480A-AC8E-DD972E7F772C}"/>
               </a:ext>
             </a:extLst>
           </p:cNvPr>
@@ -6843,360 +9346,10 @@
         </p:nvSpPr>
         <p:spPr>
           <a:xfrm>
-            <a:off x="1444342" y="1702211"/>
-            <a:ext cx="626311" cy="552660"/>
-          </a:xfrm>
-          <a:prstGeom prst="rect">
-            <a:avLst/>
-          </a:prstGeom>
-        </p:spPr>
-        <p:style>
-          <a:lnRef idx="2">
-            <a:schemeClr val="accent6">
-              <a:shade val="50000"/>
-            </a:schemeClr>
-          </a:lnRef>
-          <a:fillRef idx="1">
-            <a:schemeClr val="accent6"/>
-          </a:fillRef>
-          <a:effectRef idx="0">
-            <a:schemeClr val="accent6"/>
-          </a:effectRef>
-          <a:fontRef idx="minor">
-            <a:schemeClr val="lt1"/>
-          </a:fontRef>
-        </p:style>
-        <p:txBody>
-          <a:bodyPr rtlCol="0" anchor="ctr"/>
-          <a:lstStyle/>
-          <a:p>
-            <a:pPr algn="ctr"/>
-            <a:r>
-              <a:rPr lang="en-US" dirty="0"/>
-              <a:t>Jar</a:t>
-            </a:r>
-          </a:p>
-        </p:txBody>
-      </p:sp>
-      <p:sp>
-        <p:nvSpPr>
-          <p:cNvPr id="11" name="Rectangle 10">
-            <a:extLst>
-              <a:ext uri="{FF2B5EF4-FFF2-40B4-BE49-F238E27FC236}">
-                <a16:creationId xmlns:a16="http://schemas.microsoft.com/office/drawing/2014/main" id="{20096707-CB51-4263-866E-5CD8BF54DB1B}"/>
-              </a:ext>
-            </a:extLst>
-          </p:cNvPr>
-          <p:cNvSpPr/>
-          <p:nvPr/>
-        </p:nvSpPr>
-        <p:spPr>
-          <a:xfrm>
-            <a:off x="1596742" y="1854611"/>
-            <a:ext cx="626311" cy="552660"/>
-          </a:xfrm>
-          <a:prstGeom prst="rect">
-            <a:avLst/>
-          </a:prstGeom>
-        </p:spPr>
-        <p:style>
-          <a:lnRef idx="2">
-            <a:schemeClr val="accent6">
-              <a:shade val="50000"/>
-            </a:schemeClr>
-          </a:lnRef>
-          <a:fillRef idx="1">
-            <a:schemeClr val="accent6"/>
-          </a:fillRef>
-          <a:effectRef idx="0">
-            <a:schemeClr val="accent6"/>
-          </a:effectRef>
-          <a:fontRef idx="minor">
-            <a:schemeClr val="lt1"/>
-          </a:fontRef>
-        </p:style>
-        <p:txBody>
-          <a:bodyPr rtlCol="0" anchor="ctr"/>
-          <a:lstStyle/>
-          <a:p>
-            <a:pPr algn="ctr"/>
-            <a:r>
-              <a:rPr lang="en-US" dirty="0"/>
-              <a:t>Jar</a:t>
-            </a:r>
-          </a:p>
-        </p:txBody>
-      </p:sp>
-      <p:sp>
-        <p:nvSpPr>
-          <p:cNvPr id="13" name="Rectangle 12">
-            <a:extLst>
-              <a:ext uri="{FF2B5EF4-FFF2-40B4-BE49-F238E27FC236}">
-                <a16:creationId xmlns:a16="http://schemas.microsoft.com/office/drawing/2014/main" id="{526C2C41-CA5A-479F-B1CB-CAF44147C367}"/>
-              </a:ext>
-            </a:extLst>
-          </p:cNvPr>
-          <p:cNvSpPr/>
-          <p:nvPr/>
-        </p:nvSpPr>
-        <p:spPr>
-          <a:xfrm>
-            <a:off x="1749142" y="2007011"/>
-            <a:ext cx="626311" cy="552660"/>
-          </a:xfrm>
-          <a:prstGeom prst="rect">
-            <a:avLst/>
-          </a:prstGeom>
-        </p:spPr>
-        <p:style>
-          <a:lnRef idx="2">
-            <a:schemeClr val="accent6">
-              <a:shade val="50000"/>
-            </a:schemeClr>
-          </a:lnRef>
-          <a:fillRef idx="1">
-            <a:schemeClr val="accent6"/>
-          </a:fillRef>
-          <a:effectRef idx="0">
-            <a:schemeClr val="accent6"/>
-          </a:effectRef>
-          <a:fontRef idx="minor">
-            <a:schemeClr val="lt1"/>
-          </a:fontRef>
-        </p:style>
-        <p:txBody>
-          <a:bodyPr rtlCol="0" anchor="ctr"/>
-          <a:lstStyle/>
-          <a:p>
-            <a:pPr algn="ctr"/>
-            <a:r>
-              <a:rPr lang="en-US" dirty="0"/>
-              <a:t>Jar</a:t>
-            </a:r>
-          </a:p>
-        </p:txBody>
-      </p:sp>
-      <p:sp>
-        <p:nvSpPr>
-          <p:cNvPr id="15" name="Rectangle 14">
-            <a:extLst>
-              <a:ext uri="{FF2B5EF4-FFF2-40B4-BE49-F238E27FC236}">
-                <a16:creationId xmlns:a16="http://schemas.microsoft.com/office/drawing/2014/main" id="{3F61FF13-6C61-4EC8-AA6E-98E1E078C6D3}"/>
-              </a:ext>
-            </a:extLst>
-          </p:cNvPr>
-          <p:cNvSpPr/>
-          <p:nvPr/>
-        </p:nvSpPr>
-        <p:spPr>
-          <a:xfrm>
-            <a:off x="1901542" y="2159411"/>
-            <a:ext cx="626311" cy="552660"/>
-          </a:xfrm>
-          <a:prstGeom prst="rect">
-            <a:avLst/>
-          </a:prstGeom>
-        </p:spPr>
-        <p:style>
-          <a:lnRef idx="2">
-            <a:schemeClr val="accent6">
-              <a:shade val="50000"/>
-            </a:schemeClr>
-          </a:lnRef>
-          <a:fillRef idx="1">
-            <a:schemeClr val="accent6"/>
-          </a:fillRef>
-          <a:effectRef idx="0">
-            <a:schemeClr val="accent6"/>
-          </a:effectRef>
-          <a:fontRef idx="minor">
-            <a:schemeClr val="lt1"/>
-          </a:fontRef>
-        </p:style>
-        <p:txBody>
-          <a:bodyPr rtlCol="0" anchor="ctr"/>
-          <a:lstStyle/>
-          <a:p>
-            <a:pPr algn="ctr"/>
-            <a:r>
-              <a:rPr lang="en-US" dirty="0"/>
-              <a:t>Jar</a:t>
-            </a:r>
-          </a:p>
-        </p:txBody>
-      </p:sp>
-      <p:sp>
-        <p:nvSpPr>
-          <p:cNvPr id="17" name="Rectangle 16">
-            <a:extLst>
-              <a:ext uri="{FF2B5EF4-FFF2-40B4-BE49-F238E27FC236}">
-                <a16:creationId xmlns:a16="http://schemas.microsoft.com/office/drawing/2014/main" id="{237C2C5F-FB2D-4656-B12D-A1B75E9042B6}"/>
-              </a:ext>
-            </a:extLst>
-          </p:cNvPr>
-          <p:cNvSpPr/>
-          <p:nvPr/>
-        </p:nvSpPr>
-        <p:spPr>
-          <a:xfrm>
-            <a:off x="2791166" y="3679133"/>
-            <a:ext cx="1394937" cy="1325563"/>
-          </a:xfrm>
-          <a:prstGeom prst="rect">
-            <a:avLst/>
-          </a:prstGeom>
-        </p:spPr>
-        <p:style>
-          <a:lnRef idx="2">
-            <a:schemeClr val="accent3">
-              <a:shade val="50000"/>
-            </a:schemeClr>
-          </a:lnRef>
-          <a:fillRef idx="1">
-            <a:schemeClr val="accent3"/>
-          </a:fillRef>
-          <a:effectRef idx="0">
-            <a:schemeClr val="accent3"/>
-          </a:effectRef>
-          <a:fontRef idx="minor">
-            <a:schemeClr val="lt1"/>
-          </a:fontRef>
-        </p:style>
-        <p:txBody>
-          <a:bodyPr rtlCol="0" anchor="ctr"/>
-          <a:lstStyle/>
-          <a:p>
-            <a:pPr algn="ctr"/>
-            <a:r>
-              <a:rPr lang="en-US" dirty="0"/>
-              <a:t>Maven</a:t>
-            </a:r>
-          </a:p>
-        </p:txBody>
-      </p:sp>
-      <p:sp>
-        <p:nvSpPr>
-          <p:cNvPr id="19" name="Rectangle 18">
-            <a:extLst>
-              <a:ext uri="{FF2B5EF4-FFF2-40B4-BE49-F238E27FC236}">
-                <a16:creationId xmlns:a16="http://schemas.microsoft.com/office/drawing/2014/main" id="{94350543-1903-442E-93CD-86727806440E}"/>
-              </a:ext>
-            </a:extLst>
-          </p:cNvPr>
-          <p:cNvSpPr/>
-          <p:nvPr/>
-        </p:nvSpPr>
-        <p:spPr>
-          <a:xfrm>
-            <a:off x="9755039" y="1820168"/>
-            <a:ext cx="1598761" cy="1421989"/>
-          </a:xfrm>
-          <a:prstGeom prst="rect">
-            <a:avLst/>
-          </a:prstGeom>
-        </p:spPr>
-        <p:style>
-          <a:lnRef idx="2">
-            <a:schemeClr val="accent4">
-              <a:shade val="50000"/>
-            </a:schemeClr>
-          </a:lnRef>
-          <a:fillRef idx="1">
-            <a:schemeClr val="accent4"/>
-          </a:fillRef>
-          <a:effectRef idx="0">
-            <a:schemeClr val="accent4"/>
-          </a:effectRef>
-          <a:fontRef idx="minor">
-            <a:schemeClr val="lt1"/>
-          </a:fontRef>
-        </p:style>
-        <p:txBody>
-          <a:bodyPr rtlCol="0" anchor="ctr"/>
-          <a:lstStyle/>
-          <a:p>
-            <a:pPr algn="ctr"/>
-            <a:r>
-              <a:rPr lang="en-US" dirty="0"/>
-              <a:t>Tomcat</a:t>
-            </a:r>
-          </a:p>
-          <a:p>
-            <a:pPr algn="ctr"/>
-            <a:r>
-              <a:rPr lang="en-US" dirty="0"/>
-              <a:t>Server</a:t>
-            </a:r>
-          </a:p>
-        </p:txBody>
-      </p:sp>
-      <p:sp>
-        <p:nvSpPr>
-          <p:cNvPr id="20" name="Arrow: Right 19">
-            <a:extLst>
-              <a:ext uri="{FF2B5EF4-FFF2-40B4-BE49-F238E27FC236}">
-                <a16:creationId xmlns:a16="http://schemas.microsoft.com/office/drawing/2014/main" id="{0374C2C2-07C4-45C3-8253-392D1F2B6C4E}"/>
-              </a:ext>
-            </a:extLst>
-          </p:cNvPr>
-          <p:cNvSpPr/>
-          <p:nvPr/>
-        </p:nvSpPr>
-        <p:spPr>
-          <a:xfrm>
-            <a:off x="2915481" y="2193925"/>
-            <a:ext cx="1394937" cy="834886"/>
+            <a:off x="3346600" y="2902221"/>
+            <a:ext cx="4999383" cy="1659832"/>
           </a:xfrm>
           <a:prstGeom prst="rightArrow">
-            <a:avLst/>
-          </a:prstGeom>
-        </p:spPr>
-        <p:style>
-          <a:lnRef idx="2">
-            <a:schemeClr val="accent2">
-              <a:shade val="50000"/>
-            </a:schemeClr>
-          </a:lnRef>
-          <a:fillRef idx="1">
-            <a:schemeClr val="accent2"/>
-          </a:fillRef>
-          <a:effectRef idx="0">
-            <a:schemeClr val="accent2"/>
-          </a:effectRef>
-          <a:fontRef idx="minor">
-            <a:schemeClr val="lt1"/>
-          </a:fontRef>
-        </p:style>
-        <p:txBody>
-          <a:bodyPr rtlCol="0" anchor="ctr"/>
-          <a:lstStyle/>
-          <a:p>
-            <a:pPr algn="ctr"/>
-            <a:r>
-              <a:rPr lang="en-US" dirty="0"/>
-              <a:t>package</a:t>
-            </a:r>
-          </a:p>
-        </p:txBody>
-      </p:sp>
-      <p:sp>
-        <p:nvSpPr>
-          <p:cNvPr id="22" name="Rectangle 21">
-            <a:extLst>
-              <a:ext uri="{FF2B5EF4-FFF2-40B4-BE49-F238E27FC236}">
-                <a16:creationId xmlns:a16="http://schemas.microsoft.com/office/drawing/2014/main" id="{9549A2F4-07EB-4761-BAEB-203D735807E8}"/>
-              </a:ext>
-            </a:extLst>
-          </p:cNvPr>
-          <p:cNvSpPr/>
-          <p:nvPr/>
-        </p:nvSpPr>
-        <p:spPr>
-          <a:xfrm>
-            <a:off x="4524533" y="2025578"/>
-            <a:ext cx="1394937" cy="1325563"/>
-          </a:xfrm>
-          <a:prstGeom prst="rect">
             <a:avLst/>
           </a:prstGeom>
         </p:spPr>
@@ -7223,17 +9376,17 @@
             <a:pPr algn="ctr"/>
             <a:r>
               <a:rPr lang="en-US" dirty="0"/>
-              <a:t>WAR</a:t>
-            </a:r>
-          </a:p>
-        </p:txBody>
-      </p:sp>
-      <p:sp>
-        <p:nvSpPr>
-          <p:cNvPr id="24" name="Rectangle 23">
-            <a:extLst>
-              <a:ext uri="{FF2B5EF4-FFF2-40B4-BE49-F238E27FC236}">
-                <a16:creationId xmlns:a16="http://schemas.microsoft.com/office/drawing/2014/main" id="{C90679F6-34EC-46E4-BF6F-864E4C65933D}"/>
+              <a:t>Deploy to server</a:t>
+            </a:r>
+          </a:p>
+        </p:txBody>
+      </p:sp>
+      <p:sp>
+        <p:nvSpPr>
+          <p:cNvPr id="15" name="Rectangle 14">
+            <a:extLst>
+              <a:ext uri="{FF2B5EF4-FFF2-40B4-BE49-F238E27FC236}">
+                <a16:creationId xmlns:a16="http://schemas.microsoft.com/office/drawing/2014/main" id="{897090B0-EAE2-4D20-85A1-AD45BCE29E71}"/>
               </a:ext>
             </a:extLst>
           </p:cNvPr>
@@ -7242,8 +9395,8 @@
         </p:nvSpPr>
         <p:spPr>
           <a:xfrm>
-            <a:off x="10287000" y="2910766"/>
-            <a:ext cx="738806" cy="662782"/>
+            <a:off x="9344441" y="2125315"/>
+            <a:ext cx="1003852" cy="1123121"/>
           </a:xfrm>
           <a:prstGeom prst="rect">
             <a:avLst/>
@@ -7272,112 +9425,117 @@
             <a:pPr algn="ctr"/>
             <a:r>
               <a:rPr lang="en-US" dirty="0"/>
-              <a:t>WAR</a:t>
-            </a:r>
-          </a:p>
-        </p:txBody>
-      </p:sp>
-      <p:sp>
-        <p:nvSpPr>
-          <p:cNvPr id="26" name="Arrow: Right 25">
-            <a:extLst>
-              <a:ext uri="{FF2B5EF4-FFF2-40B4-BE49-F238E27FC236}">
-                <a16:creationId xmlns:a16="http://schemas.microsoft.com/office/drawing/2014/main" id="{D4183197-64CA-4EE5-8AA6-A782D8172062}"/>
-              </a:ext>
-            </a:extLst>
-          </p:cNvPr>
-          <p:cNvSpPr/>
+              <a:t>app</a:t>
+            </a:r>
+          </a:p>
+        </p:txBody>
+      </p:sp>
+      <p:sp>
+        <p:nvSpPr>
+          <p:cNvPr id="4" name="TextBox 3">
+            <a:extLst>
+              <a:ext uri="{FF2B5EF4-FFF2-40B4-BE49-F238E27FC236}">
+                <a16:creationId xmlns:a16="http://schemas.microsoft.com/office/drawing/2014/main" id="{9DB88F48-58F9-4C8A-A0FD-A3D3A3101B47}"/>
+              </a:ext>
+            </a:extLst>
+          </p:cNvPr>
+          <p:cNvSpPr txBox="1"/>
           <p:nvPr/>
         </p:nvSpPr>
         <p:spPr>
-          <a:xfrm rot="3315978">
-            <a:off x="8963017" y="692762"/>
-            <a:ext cx="1394937" cy="1330433"/>
-          </a:xfrm>
-          <a:prstGeom prst="rightArrow">
+          <a:xfrm>
+            <a:off x="3673171" y="4347448"/>
+            <a:ext cx="3707296" cy="2308324"/>
+          </a:xfrm>
+          <a:prstGeom prst="rect">
             <a:avLst/>
           </a:prstGeom>
-        </p:spPr>
-        <p:style>
-          <a:lnRef idx="2">
-            <a:schemeClr val="accent2">
-              <a:shade val="50000"/>
-            </a:schemeClr>
-          </a:lnRef>
-          <a:fillRef idx="1">
-            <a:schemeClr val="accent2"/>
-          </a:fillRef>
-          <a:effectRef idx="0">
-            <a:schemeClr val="accent2"/>
-          </a:effectRef>
-          <a:fontRef idx="minor">
-            <a:schemeClr val="lt1"/>
-          </a:fontRef>
-        </p:style>
-        <p:txBody>
-          <a:bodyPr rtlCol="0" anchor="ctr"/>
-          <a:lstStyle/>
-          <a:p>
-            <a:pPr algn="ctr"/>
-            <a:r>
-              <a:rPr lang="en-US" dirty="0"/>
-              <a:t>http request</a:t>
-            </a:r>
-          </a:p>
-        </p:txBody>
-      </p:sp>
-      <p:sp>
-        <p:nvSpPr>
-          <p:cNvPr id="28" name="Arrow: Right 27">
-            <a:extLst>
-              <a:ext uri="{FF2B5EF4-FFF2-40B4-BE49-F238E27FC236}">
-                <a16:creationId xmlns:a16="http://schemas.microsoft.com/office/drawing/2014/main" id="{6798B911-F347-40D0-993C-B31E3E7F063F}"/>
-              </a:ext>
-            </a:extLst>
-          </p:cNvPr>
-          <p:cNvSpPr/>
-          <p:nvPr/>
-        </p:nvSpPr>
-        <p:spPr>
-          <a:xfrm>
-            <a:off x="6521213" y="2006045"/>
-            <a:ext cx="2905832" cy="1151886"/>
-          </a:xfrm>
-          <a:prstGeom prst="rightArrow">
-            <a:avLst/>
-          </a:prstGeom>
-        </p:spPr>
-        <p:style>
-          <a:lnRef idx="2">
-            <a:schemeClr val="accent2">
-              <a:shade val="50000"/>
-            </a:schemeClr>
-          </a:lnRef>
-          <a:fillRef idx="1">
-            <a:schemeClr val="accent2"/>
-          </a:fillRef>
-          <a:effectRef idx="0">
-            <a:schemeClr val="accent2"/>
-          </a:effectRef>
-          <a:fontRef idx="minor">
-            <a:schemeClr val="lt1"/>
-          </a:fontRef>
-        </p:style>
-        <p:txBody>
-          <a:bodyPr rtlCol="0" anchor="ctr"/>
-          <a:lstStyle/>
-          <a:p>
-            <a:pPr algn="ctr"/>
-            <a:r>
-              <a:rPr lang="en-US" dirty="0"/>
-              <a:t>Deploy </a:t>
-            </a:r>
-          </a:p>
-          <a:p>
-            <a:pPr algn="ctr"/>
-            <a:r>
-              <a:rPr lang="en-US" dirty="0"/>
-              <a:t>(not maven deploy)</a:t>
+          <a:noFill/>
+        </p:spPr>
+        <p:txBody>
+          <a:bodyPr wrap="square" rtlCol="0">
+            <a:spAutoFit/>
+          </a:bodyPr>
+          <a:lstStyle/>
+          <a:p>
+            <a:pPr marL="285750" indent="-285750">
+              <a:buFont typeface="Arial" panose="020B0604020202020204" pitchFamily="34" charset="0"/>
+              <a:buChar char="•"/>
+            </a:pPr>
+            <a:r>
+              <a:rPr lang="en-US" dirty="0"/>
+              <a:t>Each time you make changes:</a:t>
+            </a:r>
+          </a:p>
+          <a:p>
+            <a:pPr marL="742950" lvl="1" indent="-285750">
+              <a:buFont typeface="Arial" panose="020B0604020202020204" pitchFamily="34" charset="0"/>
+              <a:buChar char="•"/>
+            </a:pPr>
+            <a:r>
+              <a:rPr lang="en-US" dirty="0"/>
+              <a:t>Push code to </a:t>
+            </a:r>
+            <a:r>
+              <a:rPr lang="en-US" dirty="0" err="1"/>
+              <a:t>github</a:t>
+            </a:r>
+            <a:endParaRPr lang="en-US" dirty="0"/>
+          </a:p>
+          <a:p>
+            <a:pPr marL="742950" lvl="1" indent="-285750">
+              <a:buFont typeface="Arial" panose="020B0604020202020204" pitchFamily="34" charset="0"/>
+              <a:buChar char="•"/>
+            </a:pPr>
+            <a:r>
+              <a:rPr lang="en-US" dirty="0"/>
+              <a:t>Make a new build (</a:t>
+            </a:r>
+            <a:r>
+              <a:rPr lang="en-US" dirty="0" err="1"/>
+              <a:t>mvn</a:t>
+            </a:r>
+            <a:r>
+              <a:rPr lang="en-US" dirty="0"/>
+              <a:t> package)</a:t>
+            </a:r>
+          </a:p>
+          <a:p>
+            <a:pPr marL="742950" lvl="1" indent="-285750">
+              <a:buFont typeface="Arial" panose="020B0604020202020204" pitchFamily="34" charset="0"/>
+              <a:buChar char="•"/>
+            </a:pPr>
+            <a:r>
+              <a:rPr lang="en-US" dirty="0"/>
+              <a:t>Upload to server (</a:t>
+            </a:r>
+            <a:r>
+              <a:rPr lang="en-US" dirty="0" err="1"/>
+              <a:t>scp</a:t>
+            </a:r>
+            <a:r>
+              <a:rPr lang="en-US" dirty="0"/>
+              <a:t> or git)</a:t>
+            </a:r>
+          </a:p>
+          <a:p>
+            <a:pPr marL="742950" lvl="1" indent="-285750">
+              <a:buFont typeface="Arial" panose="020B0604020202020204" pitchFamily="34" charset="0"/>
+              <a:buChar char="•"/>
+            </a:pPr>
+            <a:r>
+              <a:rPr lang="en-US" dirty="0"/>
+              <a:t>Stop/start tomcat server</a:t>
+            </a:r>
+          </a:p>
+          <a:p>
+            <a:pPr marL="742950" lvl="1" indent="-285750">
+              <a:buFont typeface="Arial" panose="020B0604020202020204" pitchFamily="34" charset="0"/>
+              <a:buChar char="•"/>
+            </a:pPr>
+            <a:r>
+              <a:rPr lang="en-US" dirty="0"/>
+              <a:t>Delete old app/ replace with new app</a:t>
             </a:r>
           </a:p>
         </p:txBody>
@@ -7385,7 +9543,7 @@
     </p:spTree>
     <p:extLst>
       <p:ext uri="{BB962C8B-B14F-4D97-AF65-F5344CB8AC3E}">
-        <p14:creationId xmlns:p14="http://schemas.microsoft.com/office/powerpoint/2010/main" val="966824430"/>
+        <p14:creationId xmlns:p14="http://schemas.microsoft.com/office/powerpoint/2010/main" val="3383238956"/>
       </p:ext>
     </p:extLst>
   </p:cSld>

--- a/7Week-DevOps-AWS/7w-aws-devops.pptx
+++ b/7Week-DevOps-AWS/7w-aws-devops.pptx
@@ -19,11 +19,12 @@
     <p:sldId id="273" r:id="rId13"/>
     <p:sldId id="272" r:id="rId14"/>
     <p:sldId id="267" r:id="rId15"/>
-    <p:sldId id="268" r:id="rId16"/>
-    <p:sldId id="269" r:id="rId17"/>
-    <p:sldId id="270" r:id="rId18"/>
-    <p:sldId id="257" r:id="rId19"/>
-    <p:sldId id="258" r:id="rId20"/>
+    <p:sldId id="277" r:id="rId16"/>
+    <p:sldId id="268" r:id="rId17"/>
+    <p:sldId id="269" r:id="rId18"/>
+    <p:sldId id="270" r:id="rId19"/>
+    <p:sldId id="257" r:id="rId20"/>
+    <p:sldId id="258" r:id="rId21"/>
   </p:sldIdLst>
   <p:sldSz cx="12192000" cy="6858000"/>
   <p:notesSz cx="6858000" cy="9144000"/>
@@ -277,7 +278,7 @@
           <a:p>
             <a:fld id="{1C64D3C1-9D59-4EAF-99C9-140065CB43E1}" type="datetimeFigureOut">
               <a:rPr lang="en-US" smtClean="0"/>
-              <a:t>9/30/2020</a:t>
+              <a:t>10/1/2020</a:t>
             </a:fld>
             <a:endParaRPr lang="en-US"/>
           </a:p>
@@ -475,7 +476,7 @@
           <a:p>
             <a:fld id="{1C64D3C1-9D59-4EAF-99C9-140065CB43E1}" type="datetimeFigureOut">
               <a:rPr lang="en-US" smtClean="0"/>
-              <a:t>9/30/2020</a:t>
+              <a:t>10/1/2020</a:t>
             </a:fld>
             <a:endParaRPr lang="en-US"/>
           </a:p>
@@ -683,7 +684,7 @@
           <a:p>
             <a:fld id="{1C64D3C1-9D59-4EAF-99C9-140065CB43E1}" type="datetimeFigureOut">
               <a:rPr lang="en-US" smtClean="0"/>
-              <a:t>9/30/2020</a:t>
+              <a:t>10/1/2020</a:t>
             </a:fld>
             <a:endParaRPr lang="en-US"/>
           </a:p>
@@ -881,7 +882,7 @@
           <a:p>
             <a:fld id="{1C64D3C1-9D59-4EAF-99C9-140065CB43E1}" type="datetimeFigureOut">
               <a:rPr lang="en-US" smtClean="0"/>
-              <a:t>9/30/2020</a:t>
+              <a:t>10/1/2020</a:t>
             </a:fld>
             <a:endParaRPr lang="en-US"/>
           </a:p>
@@ -1156,7 +1157,7 @@
           <a:p>
             <a:fld id="{1C64D3C1-9D59-4EAF-99C9-140065CB43E1}" type="datetimeFigureOut">
               <a:rPr lang="en-US" smtClean="0"/>
-              <a:t>9/30/2020</a:t>
+              <a:t>10/1/2020</a:t>
             </a:fld>
             <a:endParaRPr lang="en-US"/>
           </a:p>
@@ -1421,7 +1422,7 @@
           <a:p>
             <a:fld id="{1C64D3C1-9D59-4EAF-99C9-140065CB43E1}" type="datetimeFigureOut">
               <a:rPr lang="en-US" smtClean="0"/>
-              <a:t>9/30/2020</a:t>
+              <a:t>10/1/2020</a:t>
             </a:fld>
             <a:endParaRPr lang="en-US"/>
           </a:p>
@@ -1833,7 +1834,7 @@
           <a:p>
             <a:fld id="{1C64D3C1-9D59-4EAF-99C9-140065CB43E1}" type="datetimeFigureOut">
               <a:rPr lang="en-US" smtClean="0"/>
-              <a:t>9/30/2020</a:t>
+              <a:t>10/1/2020</a:t>
             </a:fld>
             <a:endParaRPr lang="en-US"/>
           </a:p>
@@ -1974,7 +1975,7 @@
           <a:p>
             <a:fld id="{1C64D3C1-9D59-4EAF-99C9-140065CB43E1}" type="datetimeFigureOut">
               <a:rPr lang="en-US" smtClean="0"/>
-              <a:t>9/30/2020</a:t>
+              <a:t>10/1/2020</a:t>
             </a:fld>
             <a:endParaRPr lang="en-US"/>
           </a:p>
@@ -2087,7 +2088,7 @@
           <a:p>
             <a:fld id="{1C64D3C1-9D59-4EAF-99C9-140065CB43E1}" type="datetimeFigureOut">
               <a:rPr lang="en-US" smtClean="0"/>
-              <a:t>9/30/2020</a:t>
+              <a:t>10/1/2020</a:t>
             </a:fld>
             <a:endParaRPr lang="en-US"/>
           </a:p>
@@ -2398,7 +2399,7 @@
           <a:p>
             <a:fld id="{1C64D3C1-9D59-4EAF-99C9-140065CB43E1}" type="datetimeFigureOut">
               <a:rPr lang="en-US" smtClean="0"/>
-              <a:t>9/30/2020</a:t>
+              <a:t>10/1/2020</a:t>
             </a:fld>
             <a:endParaRPr lang="en-US"/>
           </a:p>
@@ -2686,7 +2687,7 @@
           <a:p>
             <a:fld id="{1C64D3C1-9D59-4EAF-99C9-140065CB43E1}" type="datetimeFigureOut">
               <a:rPr lang="en-US" smtClean="0"/>
-              <a:t>9/30/2020</a:t>
+              <a:t>10/1/2020</a:t>
             </a:fld>
             <a:endParaRPr lang="en-US"/>
           </a:p>
@@ -2927,7 +2928,7 @@
           <a:p>
             <a:fld id="{1C64D3C1-9D59-4EAF-99C9-140065CB43E1}" type="datetimeFigureOut">
               <a:rPr lang="en-US" smtClean="0"/>
-              <a:t>9/30/2020</a:t>
+              <a:t>10/1/2020</a:t>
             </a:fld>
             <a:endParaRPr lang="en-US"/>
           </a:p>
@@ -4319,7 +4320,7 @@
         </p:nvSpPr>
         <p:spPr>
           <a:xfrm>
-            <a:off x="5368642" y="371568"/>
+            <a:off x="5123355" y="384995"/>
             <a:ext cx="2938671" cy="2892433"/>
           </a:xfrm>
           <a:prstGeom prst="verticalScroll">
@@ -4352,15 +4353,7 @@
             </a:pPr>
             <a:r>
               <a:rPr lang="en-US" sz="1400" dirty="0"/>
-              <a:t>Watch </a:t>
-            </a:r>
-            <a:r>
-              <a:rPr lang="en-US" sz="1400" dirty="0" err="1"/>
-              <a:t>github</a:t>
-            </a:r>
-            <a:r>
-              <a:rPr lang="en-US" sz="1400" dirty="0"/>
-              <a:t> repo</a:t>
+              <a:t>Fetch codebase</a:t>
             </a:r>
           </a:p>
           <a:p>
@@ -4370,15 +4363,7 @@
             </a:pPr>
             <a:r>
               <a:rPr lang="en-US" sz="1400" dirty="0"/>
-              <a:t>Make a new build (</a:t>
-            </a:r>
-            <a:r>
-              <a:rPr lang="en-US" sz="1400" dirty="0" err="1"/>
-              <a:t>mvn</a:t>
-            </a:r>
-            <a:r>
-              <a:rPr lang="en-US" sz="1400" dirty="0"/>
-              <a:t> package)</a:t>
+              <a:t>Build app using codebase</a:t>
             </a:r>
           </a:p>
           <a:p>
@@ -4388,35 +4373,7 @@
             </a:pPr>
             <a:r>
               <a:rPr lang="en-US" sz="1400" dirty="0"/>
-              <a:t>Upload to server (</a:t>
-            </a:r>
-            <a:r>
-              <a:rPr lang="en-US" sz="1400" dirty="0" err="1"/>
-              <a:t>scp</a:t>
-            </a:r>
-            <a:r>
-              <a:rPr lang="en-US" sz="1400" dirty="0"/>
-              <a:t> or git)</a:t>
-            </a:r>
-          </a:p>
-          <a:p>
-            <a:pPr marL="742950" lvl="1" indent="-285750">
-              <a:buFont typeface="Arial" panose="020B0604020202020204" pitchFamily="34" charset="0"/>
-              <a:buChar char="•"/>
-            </a:pPr>
-            <a:r>
-              <a:rPr lang="en-US" sz="1400" dirty="0"/>
-              <a:t>Stop/start tomcat server</a:t>
-            </a:r>
-          </a:p>
-          <a:p>
-            <a:pPr marL="742950" lvl="1" indent="-285750">
-              <a:buFont typeface="Arial" panose="020B0604020202020204" pitchFamily="34" charset="0"/>
-              <a:buChar char="•"/>
-            </a:pPr>
-            <a:r>
-              <a:rPr lang="en-US" sz="1400" dirty="0"/>
-              <a:t>Delete old app/ replace with new app</a:t>
+              <a:t>Deploy to tomcat server</a:t>
             </a:r>
           </a:p>
         </p:txBody>
@@ -5593,80 +5550,455 @@
       </p:grpSpPr>
       <p:sp>
         <p:nvSpPr>
-          <p:cNvPr id="2" name="Title 1">
-            <a:extLst>
-              <a:ext uri="{FF2B5EF4-FFF2-40B4-BE49-F238E27FC236}">
-                <a16:creationId xmlns:a16="http://schemas.microsoft.com/office/drawing/2014/main" id="{A179260C-DD91-4D85-8C59-7E0CBF3A7F36}"/>
-              </a:ext>
-            </a:extLst>
-          </p:cNvPr>
-          <p:cNvSpPr>
-            <a:spLocks noGrp="1"/>
-          </p:cNvSpPr>
-          <p:nvPr>
-            <p:ph type="title"/>
-          </p:nvPr>
-        </p:nvSpPr>
-        <p:spPr/>
-        <p:txBody>
-          <a:bodyPr/>
-          <a:lstStyle/>
-          <a:p>
-            <a:r>
-              <a:rPr lang="en-US" dirty="0"/>
-              <a:t>AWS Services</a:t>
-            </a:r>
-          </a:p>
-        </p:txBody>
-      </p:sp>
-      <p:sp>
-        <p:nvSpPr>
-          <p:cNvPr id="3" name="Content Placeholder 2">
-            <a:extLst>
-              <a:ext uri="{FF2B5EF4-FFF2-40B4-BE49-F238E27FC236}">
-                <a16:creationId xmlns:a16="http://schemas.microsoft.com/office/drawing/2014/main" id="{D83F337F-917E-461D-A2FD-94889B0E677F}"/>
-              </a:ext>
-            </a:extLst>
-          </p:cNvPr>
-          <p:cNvSpPr>
-            <a:spLocks noGrp="1"/>
-          </p:cNvSpPr>
-          <p:nvPr>
-            <p:ph idx="1"/>
-          </p:nvPr>
-        </p:nvSpPr>
-        <p:spPr/>
-        <p:txBody>
-          <a:bodyPr/>
-          <a:lstStyle/>
-          <a:p>
-            <a:r>
-              <a:rPr lang="en-US" dirty="0"/>
-              <a:t>S3</a:t>
-            </a:r>
-          </a:p>
-          <a:p>
-            <a:r>
-              <a:rPr lang="en-US" dirty="0"/>
-              <a:t>EC2</a:t>
-            </a:r>
-          </a:p>
-          <a:p>
-            <a:r>
-              <a:rPr lang="en-US" dirty="0"/>
-              <a:t>AMI</a:t>
-            </a:r>
-          </a:p>
-          <a:p>
-            <a:r>
-              <a:rPr lang="en-US" dirty="0"/>
-              <a:t>EBS</a:t>
-            </a:r>
-          </a:p>
-          <a:p>
-            <a:r>
-              <a:rPr lang="en-US" dirty="0"/>
-              <a:t>Route 53</a:t>
+          <p:cNvPr id="5" name="Rectangle 4">
+            <a:extLst>
+              <a:ext uri="{FF2B5EF4-FFF2-40B4-BE49-F238E27FC236}">
+                <a16:creationId xmlns:a16="http://schemas.microsoft.com/office/drawing/2014/main" id="{D42F90AC-AED1-4CF6-BBC8-725656E2A531}"/>
+              </a:ext>
+            </a:extLst>
+          </p:cNvPr>
+          <p:cNvSpPr/>
+          <p:nvPr/>
+        </p:nvSpPr>
+        <p:spPr>
+          <a:xfrm>
+            <a:off x="9428154" y="1820168"/>
+            <a:ext cx="1598761" cy="1421989"/>
+          </a:xfrm>
+          <a:prstGeom prst="rect">
+            <a:avLst/>
+          </a:prstGeom>
+        </p:spPr>
+        <p:style>
+          <a:lnRef idx="2">
+            <a:schemeClr val="accent4">
+              <a:shade val="50000"/>
+            </a:schemeClr>
+          </a:lnRef>
+          <a:fillRef idx="1">
+            <a:schemeClr val="accent4"/>
+          </a:fillRef>
+          <a:effectRef idx="0">
+            <a:schemeClr val="accent4"/>
+          </a:effectRef>
+          <a:fontRef idx="minor">
+            <a:schemeClr val="lt1"/>
+          </a:fontRef>
+        </p:style>
+        <p:txBody>
+          <a:bodyPr rtlCol="0" anchor="ctr"/>
+          <a:lstStyle/>
+          <a:p>
+            <a:pPr algn="ctr"/>
+            <a:r>
+              <a:rPr lang="en-US" dirty="0"/>
+              <a:t>Tomcat</a:t>
+            </a:r>
+          </a:p>
+          <a:p>
+            <a:pPr algn="ctr"/>
+            <a:r>
+              <a:rPr lang="en-US" dirty="0"/>
+              <a:t>Server</a:t>
+            </a:r>
+          </a:p>
+        </p:txBody>
+      </p:sp>
+      <p:sp>
+        <p:nvSpPr>
+          <p:cNvPr id="7" name="Rectangle 6">
+            <a:extLst>
+              <a:ext uri="{FF2B5EF4-FFF2-40B4-BE49-F238E27FC236}">
+                <a16:creationId xmlns:a16="http://schemas.microsoft.com/office/drawing/2014/main" id="{9391A718-96B3-468B-861A-F5CFC62A823D}"/>
+              </a:ext>
+            </a:extLst>
+          </p:cNvPr>
+          <p:cNvSpPr/>
+          <p:nvPr/>
+        </p:nvSpPr>
+        <p:spPr>
+          <a:xfrm>
+            <a:off x="10287000" y="2910766"/>
+            <a:ext cx="738806" cy="662782"/>
+          </a:xfrm>
+          <a:prstGeom prst="rect">
+            <a:avLst/>
+          </a:prstGeom>
+        </p:spPr>
+        <p:style>
+          <a:lnRef idx="2">
+            <a:schemeClr val="accent1">
+              <a:shade val="50000"/>
+            </a:schemeClr>
+          </a:lnRef>
+          <a:fillRef idx="1">
+            <a:schemeClr val="accent1"/>
+          </a:fillRef>
+          <a:effectRef idx="0">
+            <a:schemeClr val="accent1"/>
+          </a:effectRef>
+          <a:fontRef idx="minor">
+            <a:schemeClr val="lt1"/>
+          </a:fontRef>
+        </p:style>
+        <p:txBody>
+          <a:bodyPr rtlCol="0" anchor="ctr"/>
+          <a:lstStyle/>
+          <a:p>
+            <a:pPr algn="ctr"/>
+            <a:r>
+              <a:rPr lang="en-US" dirty="0" err="1"/>
+              <a:t>App.war</a:t>
+            </a:r>
+            <a:endParaRPr lang="en-US" dirty="0"/>
+          </a:p>
+        </p:txBody>
+      </p:sp>
+      <p:sp>
+        <p:nvSpPr>
+          <p:cNvPr id="13" name="Rectangle 12">
+            <a:extLst>
+              <a:ext uri="{FF2B5EF4-FFF2-40B4-BE49-F238E27FC236}">
+                <a16:creationId xmlns:a16="http://schemas.microsoft.com/office/drawing/2014/main" id="{AF9AD738-18BB-4CB6-AFE7-A1E4E802B0B9}"/>
+              </a:ext>
+            </a:extLst>
+          </p:cNvPr>
+          <p:cNvSpPr/>
+          <p:nvPr/>
+        </p:nvSpPr>
+        <p:spPr>
+          <a:xfrm>
+            <a:off x="9385636" y="2924994"/>
+            <a:ext cx="738806" cy="662782"/>
+          </a:xfrm>
+          <a:prstGeom prst="rect">
+            <a:avLst/>
+          </a:prstGeom>
+        </p:spPr>
+        <p:style>
+          <a:lnRef idx="2">
+            <a:schemeClr val="accent1">
+              <a:shade val="50000"/>
+            </a:schemeClr>
+          </a:lnRef>
+          <a:fillRef idx="1">
+            <a:schemeClr val="accent1"/>
+          </a:fillRef>
+          <a:effectRef idx="0">
+            <a:schemeClr val="accent1"/>
+          </a:effectRef>
+          <a:fontRef idx="minor">
+            <a:schemeClr val="lt1"/>
+          </a:fontRef>
+        </p:style>
+        <p:txBody>
+          <a:bodyPr rtlCol="0" anchor="ctr"/>
+          <a:lstStyle/>
+          <a:p>
+            <a:pPr algn="ctr"/>
+            <a:r>
+              <a:rPr lang="en-US" sz="1200" dirty="0" err="1"/>
+              <a:t>Jenkins.war</a:t>
+            </a:r>
+            <a:endParaRPr lang="en-US" sz="1200" dirty="0"/>
+          </a:p>
+        </p:txBody>
+      </p:sp>
+      <p:sp>
+        <p:nvSpPr>
+          <p:cNvPr id="15" name="Rectangle 14">
+            <a:extLst>
+              <a:ext uri="{FF2B5EF4-FFF2-40B4-BE49-F238E27FC236}">
+                <a16:creationId xmlns:a16="http://schemas.microsoft.com/office/drawing/2014/main" id="{269799F9-3BAD-408C-9415-EC33F36E433E}"/>
+              </a:ext>
+            </a:extLst>
+          </p:cNvPr>
+          <p:cNvSpPr/>
+          <p:nvPr/>
+        </p:nvSpPr>
+        <p:spPr>
+          <a:xfrm>
+            <a:off x="825776" y="1935246"/>
+            <a:ext cx="1598761" cy="1421989"/>
+          </a:xfrm>
+          <a:prstGeom prst="rect">
+            <a:avLst/>
+          </a:prstGeom>
+        </p:spPr>
+        <p:style>
+          <a:lnRef idx="2">
+            <a:schemeClr val="accent4">
+              <a:shade val="50000"/>
+            </a:schemeClr>
+          </a:lnRef>
+          <a:fillRef idx="1">
+            <a:schemeClr val="accent4"/>
+          </a:fillRef>
+          <a:effectRef idx="0">
+            <a:schemeClr val="accent4"/>
+          </a:effectRef>
+          <a:fontRef idx="minor">
+            <a:schemeClr val="lt1"/>
+          </a:fontRef>
+        </p:style>
+        <p:txBody>
+          <a:bodyPr rtlCol="0" anchor="ctr"/>
+          <a:lstStyle/>
+          <a:p>
+            <a:pPr algn="ctr"/>
+            <a:r>
+              <a:rPr lang="en-US" dirty="0"/>
+              <a:t>Jetty</a:t>
+            </a:r>
+          </a:p>
+          <a:p>
+            <a:pPr algn="ctr"/>
+            <a:r>
+              <a:rPr lang="en-US" dirty="0"/>
+              <a:t>Server</a:t>
+            </a:r>
+          </a:p>
+        </p:txBody>
+      </p:sp>
+      <p:sp>
+        <p:nvSpPr>
+          <p:cNvPr id="17" name="Rectangle 16">
+            <a:extLst>
+              <a:ext uri="{FF2B5EF4-FFF2-40B4-BE49-F238E27FC236}">
+                <a16:creationId xmlns:a16="http://schemas.microsoft.com/office/drawing/2014/main" id="{724A361E-BB8E-40AD-84FD-9336D44946D0}"/>
+              </a:ext>
+            </a:extLst>
+          </p:cNvPr>
+          <p:cNvSpPr/>
+          <p:nvPr/>
+        </p:nvSpPr>
+        <p:spPr>
+          <a:xfrm>
+            <a:off x="1255753" y="3025844"/>
+            <a:ext cx="738806" cy="662782"/>
+          </a:xfrm>
+          <a:prstGeom prst="rect">
+            <a:avLst/>
+          </a:prstGeom>
+        </p:spPr>
+        <p:style>
+          <a:lnRef idx="2">
+            <a:schemeClr val="accent1">
+              <a:shade val="50000"/>
+            </a:schemeClr>
+          </a:lnRef>
+          <a:fillRef idx="1">
+            <a:schemeClr val="accent1"/>
+          </a:fillRef>
+          <a:effectRef idx="0">
+            <a:schemeClr val="accent1"/>
+          </a:effectRef>
+          <a:fontRef idx="minor">
+            <a:schemeClr val="lt1"/>
+          </a:fontRef>
+        </p:style>
+        <p:txBody>
+          <a:bodyPr rtlCol="0" anchor="ctr"/>
+          <a:lstStyle/>
+          <a:p>
+            <a:pPr algn="ctr"/>
+            <a:r>
+              <a:rPr lang="en-US" sz="1200" dirty="0" err="1"/>
+              <a:t>Jenkins.war</a:t>
+            </a:r>
+            <a:endParaRPr lang="en-US" sz="1200" dirty="0"/>
+          </a:p>
+        </p:txBody>
+      </p:sp>
+      <p:sp>
+        <p:nvSpPr>
+          <p:cNvPr id="19" name="Rectangle 18">
+            <a:extLst>
+              <a:ext uri="{FF2B5EF4-FFF2-40B4-BE49-F238E27FC236}">
+                <a16:creationId xmlns:a16="http://schemas.microsoft.com/office/drawing/2014/main" id="{3B4519CA-0E7E-4EFD-98EA-0449D59B74F4}"/>
+              </a:ext>
+            </a:extLst>
+          </p:cNvPr>
+          <p:cNvSpPr/>
+          <p:nvPr/>
+        </p:nvSpPr>
+        <p:spPr>
+          <a:xfrm>
+            <a:off x="1762716" y="4671141"/>
+            <a:ext cx="1717602" cy="1421989"/>
+          </a:xfrm>
+          <a:prstGeom prst="rect">
+            <a:avLst/>
+          </a:prstGeom>
+        </p:spPr>
+        <p:style>
+          <a:lnRef idx="2">
+            <a:schemeClr val="accent6">
+              <a:shade val="50000"/>
+            </a:schemeClr>
+          </a:lnRef>
+          <a:fillRef idx="1">
+            <a:schemeClr val="accent6"/>
+          </a:fillRef>
+          <a:effectRef idx="0">
+            <a:schemeClr val="accent6"/>
+          </a:effectRef>
+          <a:fontRef idx="minor">
+            <a:schemeClr val="lt1"/>
+          </a:fontRef>
+        </p:style>
+        <p:txBody>
+          <a:bodyPr rtlCol="0" anchor="ctr"/>
+          <a:lstStyle/>
+          <a:p>
+            <a:pPr algn="ctr"/>
+            <a:r>
+              <a:rPr lang="en-US" sz="2000" dirty="0"/>
+              <a:t>Spring boot jar</a:t>
+            </a:r>
+          </a:p>
+        </p:txBody>
+      </p:sp>
+      <p:sp>
+        <p:nvSpPr>
+          <p:cNvPr id="20" name="Arrow: Down 19">
+            <a:extLst>
+              <a:ext uri="{FF2B5EF4-FFF2-40B4-BE49-F238E27FC236}">
+                <a16:creationId xmlns:a16="http://schemas.microsoft.com/office/drawing/2014/main" id="{D7AD2CE4-7FDC-4F62-804A-DE20B7577F4E}"/>
+              </a:ext>
+            </a:extLst>
+          </p:cNvPr>
+          <p:cNvSpPr/>
+          <p:nvPr/>
+        </p:nvSpPr>
+        <p:spPr>
+          <a:xfrm>
+            <a:off x="2150321" y="3770230"/>
+            <a:ext cx="942392" cy="819307"/>
+          </a:xfrm>
+          <a:prstGeom prst="downArrow">
+            <a:avLst/>
+          </a:prstGeom>
+        </p:spPr>
+        <p:style>
+          <a:lnRef idx="2">
+            <a:schemeClr val="accent3">
+              <a:shade val="50000"/>
+            </a:schemeClr>
+          </a:lnRef>
+          <a:fillRef idx="1">
+            <a:schemeClr val="accent3"/>
+          </a:fillRef>
+          <a:effectRef idx="0">
+            <a:schemeClr val="accent3"/>
+          </a:effectRef>
+          <a:fontRef idx="minor">
+            <a:schemeClr val="lt1"/>
+          </a:fontRef>
+        </p:style>
+        <p:txBody>
+          <a:bodyPr rtlCol="0" anchor="ctr"/>
+          <a:lstStyle/>
+          <a:p>
+            <a:pPr algn="ctr"/>
+            <a:endParaRPr lang="en-US"/>
+          </a:p>
+        </p:txBody>
+      </p:sp>
+      <p:sp>
+        <p:nvSpPr>
+          <p:cNvPr id="21" name="Ribbon: Curved and Tilted Down 20">
+            <a:extLst>
+              <a:ext uri="{FF2B5EF4-FFF2-40B4-BE49-F238E27FC236}">
+                <a16:creationId xmlns:a16="http://schemas.microsoft.com/office/drawing/2014/main" id="{5E399F50-C435-4B43-ACF1-2EF50663305F}"/>
+              </a:ext>
+            </a:extLst>
+          </p:cNvPr>
+          <p:cNvSpPr/>
+          <p:nvPr/>
+        </p:nvSpPr>
+        <p:spPr>
+          <a:xfrm>
+            <a:off x="6643397" y="662473"/>
+            <a:ext cx="6652726" cy="1055058"/>
+          </a:xfrm>
+          <a:prstGeom prst="ellipseRibbon">
+            <a:avLst/>
+          </a:prstGeom>
+        </p:spPr>
+        <p:style>
+          <a:lnRef idx="2">
+            <a:schemeClr val="accent5">
+              <a:shade val="50000"/>
+            </a:schemeClr>
+          </a:lnRef>
+          <a:fillRef idx="1">
+            <a:schemeClr val="accent5"/>
+          </a:fillRef>
+          <a:effectRef idx="0">
+            <a:schemeClr val="accent5"/>
+          </a:effectRef>
+          <a:fontRef idx="minor">
+            <a:schemeClr val="lt1"/>
+          </a:fontRef>
+        </p:style>
+        <p:txBody>
+          <a:bodyPr rtlCol="0" anchor="ctr"/>
+          <a:lstStyle/>
+          <a:p>
+            <a:pPr algn="ctr"/>
+            <a:r>
+              <a:rPr lang="en-US" dirty="0"/>
+              <a:t>Architecture for app deployed as war</a:t>
+            </a:r>
+          </a:p>
+        </p:txBody>
+      </p:sp>
+      <p:sp>
+        <p:nvSpPr>
+          <p:cNvPr id="23" name="Ribbon: Curved and Tilted Down 22">
+            <a:extLst>
+              <a:ext uri="{FF2B5EF4-FFF2-40B4-BE49-F238E27FC236}">
+                <a16:creationId xmlns:a16="http://schemas.microsoft.com/office/drawing/2014/main" id="{7D5AAD3D-4253-41C4-B046-34EDBB19F81A}"/>
+              </a:ext>
+            </a:extLst>
+          </p:cNvPr>
+          <p:cNvSpPr/>
+          <p:nvPr/>
+        </p:nvSpPr>
+        <p:spPr>
+          <a:xfrm>
+            <a:off x="-1452464" y="546156"/>
+            <a:ext cx="6652726" cy="1055058"/>
+          </a:xfrm>
+          <a:prstGeom prst="ellipseRibbon">
+            <a:avLst/>
+          </a:prstGeom>
+        </p:spPr>
+        <p:style>
+          <a:lnRef idx="2">
+            <a:schemeClr val="accent5">
+              <a:shade val="50000"/>
+            </a:schemeClr>
+          </a:lnRef>
+          <a:fillRef idx="1">
+            <a:schemeClr val="accent5"/>
+          </a:fillRef>
+          <a:effectRef idx="0">
+            <a:schemeClr val="accent5"/>
+          </a:effectRef>
+          <a:fontRef idx="minor">
+            <a:schemeClr val="lt1"/>
+          </a:fontRef>
+        </p:style>
+        <p:txBody>
+          <a:bodyPr rtlCol="0" anchor="ctr"/>
+          <a:lstStyle/>
+          <a:p>
+            <a:pPr algn="ctr"/>
+            <a:r>
+              <a:rPr lang="en-US" dirty="0"/>
+              <a:t>Architecture for SB app</a:t>
             </a:r>
           </a:p>
         </p:txBody>
@@ -5674,7 +6006,7 @@
     </p:spTree>
     <p:extLst>
       <p:ext uri="{BB962C8B-B14F-4D97-AF65-F5344CB8AC3E}">
-        <p14:creationId xmlns:p14="http://schemas.microsoft.com/office/powerpoint/2010/main" val="1831061386"/>
+        <p14:creationId xmlns:p14="http://schemas.microsoft.com/office/powerpoint/2010/main" val="1321687337"/>
       </p:ext>
     </p:extLst>
   </p:cSld>
@@ -5706,7 +6038,7 @@
           <p:cNvPr id="2" name="Title 1">
             <a:extLst>
               <a:ext uri="{FF2B5EF4-FFF2-40B4-BE49-F238E27FC236}">
-                <a16:creationId xmlns:a16="http://schemas.microsoft.com/office/drawing/2014/main" id="{AE563304-5376-4678-B925-FF2DFC39F3BF}"/>
+                <a16:creationId xmlns:a16="http://schemas.microsoft.com/office/drawing/2014/main" id="{A179260C-DD91-4D85-8C59-7E0CBF3A7F36}"/>
               </a:ext>
             </a:extLst>
           </p:cNvPr>
@@ -5724,292 +6056,59 @@
           <a:p>
             <a:r>
               <a:rPr lang="en-US" dirty="0"/>
-              <a:t>EC2 and EBS</a:t>
-            </a:r>
-          </a:p>
-        </p:txBody>
-      </p:sp>
-      <p:sp>
-        <p:nvSpPr>
-          <p:cNvPr id="4" name="Rectangle 3">
-            <a:extLst>
-              <a:ext uri="{FF2B5EF4-FFF2-40B4-BE49-F238E27FC236}">
-                <a16:creationId xmlns:a16="http://schemas.microsoft.com/office/drawing/2014/main" id="{FC080E6E-4CEC-4CC4-B91C-466AF4AA9F6E}"/>
-              </a:ext>
-            </a:extLst>
-          </p:cNvPr>
-          <p:cNvSpPr/>
-          <p:nvPr/>
-        </p:nvSpPr>
-        <p:spPr>
-          <a:xfrm>
-            <a:off x="1490870" y="2027583"/>
-            <a:ext cx="2385391" cy="1908313"/>
-          </a:xfrm>
-          <a:prstGeom prst="rect">
-            <a:avLst/>
-          </a:prstGeom>
-        </p:spPr>
-        <p:style>
-          <a:lnRef idx="2">
-            <a:schemeClr val="accent1">
-              <a:shade val="50000"/>
-            </a:schemeClr>
-          </a:lnRef>
-          <a:fillRef idx="1">
-            <a:schemeClr val="accent1"/>
-          </a:fillRef>
-          <a:effectRef idx="0">
-            <a:schemeClr val="accent1"/>
-          </a:effectRef>
-          <a:fontRef idx="minor">
-            <a:schemeClr val="lt1"/>
-          </a:fontRef>
-        </p:style>
-        <p:txBody>
-          <a:bodyPr rtlCol="0" anchor="ctr"/>
-          <a:lstStyle/>
-          <a:p>
-            <a:pPr algn="ctr"/>
+              <a:t>AWS Services</a:t>
+            </a:r>
+          </a:p>
+        </p:txBody>
+      </p:sp>
+      <p:sp>
+        <p:nvSpPr>
+          <p:cNvPr id="3" name="Content Placeholder 2">
+            <a:extLst>
+              <a:ext uri="{FF2B5EF4-FFF2-40B4-BE49-F238E27FC236}">
+                <a16:creationId xmlns:a16="http://schemas.microsoft.com/office/drawing/2014/main" id="{D83F337F-917E-461D-A2FD-94889B0E677F}"/>
+              </a:ext>
+            </a:extLst>
+          </p:cNvPr>
+          <p:cNvSpPr>
+            <a:spLocks noGrp="1"/>
+          </p:cNvSpPr>
+          <p:nvPr>
+            <p:ph idx="1"/>
+          </p:nvPr>
+        </p:nvSpPr>
+        <p:spPr/>
+        <p:txBody>
+          <a:bodyPr/>
+          <a:lstStyle/>
+          <a:p>
+            <a:r>
+              <a:rPr lang="en-US" dirty="0"/>
+              <a:t>S3</a:t>
+            </a:r>
+          </a:p>
+          <a:p>
             <a:r>
               <a:rPr lang="en-US" dirty="0"/>
               <a:t>EC2</a:t>
             </a:r>
           </a:p>
-        </p:txBody>
-      </p:sp>
-      <p:sp>
-        <p:nvSpPr>
-          <p:cNvPr id="6" name="Rectangle 5">
-            <a:extLst>
-              <a:ext uri="{FF2B5EF4-FFF2-40B4-BE49-F238E27FC236}">
-                <a16:creationId xmlns:a16="http://schemas.microsoft.com/office/drawing/2014/main" id="{8ED83E3F-28BF-4AD8-9841-445039AA77ED}"/>
-              </a:ext>
-            </a:extLst>
-          </p:cNvPr>
-          <p:cNvSpPr/>
-          <p:nvPr/>
-        </p:nvSpPr>
-        <p:spPr>
-          <a:xfrm>
-            <a:off x="1669775" y="3210339"/>
-            <a:ext cx="2027583" cy="589722"/>
-          </a:xfrm>
-          <a:prstGeom prst="rect">
-            <a:avLst/>
-          </a:prstGeom>
-        </p:spPr>
-        <p:style>
-          <a:lnRef idx="2">
-            <a:schemeClr val="accent5">
-              <a:shade val="50000"/>
-            </a:schemeClr>
-          </a:lnRef>
-          <a:fillRef idx="1">
-            <a:schemeClr val="accent5"/>
-          </a:fillRef>
-          <a:effectRef idx="0">
-            <a:schemeClr val="accent5"/>
-          </a:effectRef>
-          <a:fontRef idx="minor">
-            <a:schemeClr val="lt1"/>
-          </a:fontRef>
-        </p:style>
-        <p:txBody>
-          <a:bodyPr rtlCol="0" anchor="ctr"/>
-          <a:lstStyle/>
-          <a:p>
-            <a:pPr algn="ctr"/>
-            <a:r>
-              <a:rPr lang="en-US" dirty="0"/>
-              <a:t>Root EBS</a:t>
-            </a:r>
-          </a:p>
-        </p:txBody>
-      </p:sp>
-      <p:sp>
-        <p:nvSpPr>
-          <p:cNvPr id="8" name="Rectangle 7">
-            <a:extLst>
-              <a:ext uri="{FF2B5EF4-FFF2-40B4-BE49-F238E27FC236}">
-                <a16:creationId xmlns:a16="http://schemas.microsoft.com/office/drawing/2014/main" id="{C3C0B3B8-73F9-4C71-8E3F-894804E70B98}"/>
-              </a:ext>
-            </a:extLst>
-          </p:cNvPr>
-          <p:cNvSpPr/>
-          <p:nvPr/>
-        </p:nvSpPr>
-        <p:spPr>
-          <a:xfrm>
-            <a:off x="4674705" y="2915478"/>
-            <a:ext cx="2027583" cy="589722"/>
-          </a:xfrm>
-          <a:prstGeom prst="rect">
-            <a:avLst/>
-          </a:prstGeom>
-        </p:spPr>
-        <p:style>
-          <a:lnRef idx="2">
-            <a:schemeClr val="accent5">
-              <a:shade val="50000"/>
-            </a:schemeClr>
-          </a:lnRef>
-          <a:fillRef idx="1">
-            <a:schemeClr val="accent5"/>
-          </a:fillRef>
-          <a:effectRef idx="0">
-            <a:schemeClr val="accent5"/>
-          </a:effectRef>
-          <a:fontRef idx="minor">
-            <a:schemeClr val="lt1"/>
-          </a:fontRef>
-        </p:style>
-        <p:txBody>
-          <a:bodyPr rtlCol="0" anchor="ctr"/>
-          <a:lstStyle/>
-          <a:p>
-            <a:pPr algn="ctr"/>
+          <a:p>
+            <a:r>
+              <a:rPr lang="en-US" dirty="0"/>
+              <a:t>AMI</a:t>
+            </a:r>
+          </a:p>
+          <a:p>
             <a:r>
               <a:rPr lang="en-US" dirty="0"/>
               <a:t>EBS</a:t>
             </a:r>
           </a:p>
-        </p:txBody>
-      </p:sp>
-      <p:cxnSp>
-        <p:nvCxnSpPr>
-          <p:cNvPr id="10" name="Straight Connector 9">
-            <a:extLst>
-              <a:ext uri="{FF2B5EF4-FFF2-40B4-BE49-F238E27FC236}">
-                <a16:creationId xmlns:a16="http://schemas.microsoft.com/office/drawing/2014/main" id="{BC4766D7-A4CE-481A-AB1C-9000D0E89F57}"/>
-              </a:ext>
-            </a:extLst>
-          </p:cNvPr>
-          <p:cNvCxnSpPr>
-            <a:cxnSpLocks/>
-            <a:stCxn id="8" idx="3"/>
-            <a:endCxn id="13" idx="1"/>
-          </p:cNvCxnSpPr>
-          <p:nvPr/>
-        </p:nvCxnSpPr>
-        <p:spPr>
-          <a:xfrm flipV="1">
-            <a:off x="6702288" y="2726636"/>
-            <a:ext cx="1987826" cy="483703"/>
-          </a:xfrm>
-          <a:prstGeom prst="line">
-            <a:avLst/>
-          </a:prstGeom>
-        </p:spPr>
-        <p:style>
-          <a:lnRef idx="1">
-            <a:schemeClr val="accent1"/>
-          </a:lnRef>
-          <a:fillRef idx="0">
-            <a:schemeClr val="accent1"/>
-          </a:fillRef>
-          <a:effectRef idx="0">
-            <a:schemeClr val="accent1"/>
-          </a:effectRef>
-          <a:fontRef idx="minor">
-            <a:schemeClr val="tx1"/>
-          </a:fontRef>
-        </p:style>
-      </p:cxnSp>
-      <p:sp>
-        <p:nvSpPr>
-          <p:cNvPr id="13" name="Rectangle 12">
-            <a:extLst>
-              <a:ext uri="{FF2B5EF4-FFF2-40B4-BE49-F238E27FC236}">
-                <a16:creationId xmlns:a16="http://schemas.microsoft.com/office/drawing/2014/main" id="{74DA5D5D-F99F-4AF2-97A8-02556A3043ED}"/>
-              </a:ext>
-            </a:extLst>
-          </p:cNvPr>
-          <p:cNvSpPr/>
-          <p:nvPr/>
-        </p:nvSpPr>
-        <p:spPr>
-          <a:xfrm>
-            <a:off x="8690114" y="1772479"/>
-            <a:ext cx="2385391" cy="1908313"/>
-          </a:xfrm>
-          <a:prstGeom prst="rect">
-            <a:avLst/>
-          </a:prstGeom>
-        </p:spPr>
-        <p:style>
-          <a:lnRef idx="2">
-            <a:schemeClr val="accent1">
-              <a:shade val="50000"/>
-            </a:schemeClr>
-          </a:lnRef>
-          <a:fillRef idx="1">
-            <a:schemeClr val="accent1"/>
-          </a:fillRef>
-          <a:effectRef idx="0">
-            <a:schemeClr val="accent1"/>
-          </a:effectRef>
-          <a:fontRef idx="minor">
-            <a:schemeClr val="lt1"/>
-          </a:fontRef>
-        </p:style>
-        <p:txBody>
-          <a:bodyPr rtlCol="0" anchor="ctr"/>
-          <a:lstStyle/>
-          <a:p>
-            <a:pPr algn="ctr"/>
-            <a:r>
-              <a:rPr lang="en-US" dirty="0"/>
-              <a:t>EC2</a:t>
-            </a:r>
-          </a:p>
-        </p:txBody>
-      </p:sp>
-      <p:sp>
-        <p:nvSpPr>
-          <p:cNvPr id="15" name="Rectangle 14">
-            <a:extLst>
-              <a:ext uri="{FF2B5EF4-FFF2-40B4-BE49-F238E27FC236}">
-                <a16:creationId xmlns:a16="http://schemas.microsoft.com/office/drawing/2014/main" id="{ACB06767-905D-4A02-9470-C5A7C691A01A}"/>
-              </a:ext>
-            </a:extLst>
-          </p:cNvPr>
-          <p:cNvSpPr/>
-          <p:nvPr/>
-        </p:nvSpPr>
-        <p:spPr>
-          <a:xfrm>
-            <a:off x="8869019" y="2955235"/>
-            <a:ext cx="2027583" cy="589722"/>
-          </a:xfrm>
-          <a:prstGeom prst="rect">
-            <a:avLst/>
-          </a:prstGeom>
-        </p:spPr>
-        <p:style>
-          <a:lnRef idx="2">
-            <a:schemeClr val="accent5">
-              <a:shade val="50000"/>
-            </a:schemeClr>
-          </a:lnRef>
-          <a:fillRef idx="1">
-            <a:schemeClr val="accent5"/>
-          </a:fillRef>
-          <a:effectRef idx="0">
-            <a:schemeClr val="accent5"/>
-          </a:effectRef>
-          <a:fontRef idx="minor">
-            <a:schemeClr val="lt1"/>
-          </a:fontRef>
-        </p:style>
-        <p:txBody>
-          <a:bodyPr rtlCol="0" anchor="ctr"/>
-          <a:lstStyle/>
-          <a:p>
-            <a:pPr algn="ctr"/>
-            <a:r>
-              <a:rPr lang="en-US" dirty="0"/>
-              <a:t>Root EBS</a:t>
+          <a:p>
+            <a:r>
+              <a:rPr lang="en-US" dirty="0"/>
+              <a:t>Route 53</a:t>
             </a:r>
           </a:p>
         </p:txBody>
@@ -6017,7 +6116,7 @@
     </p:spTree>
     <p:extLst>
       <p:ext uri="{BB962C8B-B14F-4D97-AF65-F5344CB8AC3E}">
-        <p14:creationId xmlns:p14="http://schemas.microsoft.com/office/powerpoint/2010/main" val="752696713"/>
+        <p14:creationId xmlns:p14="http://schemas.microsoft.com/office/powerpoint/2010/main" val="1831061386"/>
       </p:ext>
     </p:extLst>
   </p:cSld>
@@ -6049,7 +6148,7 @@
           <p:cNvPr id="2" name="Title 1">
             <a:extLst>
               <a:ext uri="{FF2B5EF4-FFF2-40B4-BE49-F238E27FC236}">
-                <a16:creationId xmlns:a16="http://schemas.microsoft.com/office/drawing/2014/main" id="{41CB7181-93B9-4372-8177-3ED0B4548B24}"/>
+                <a16:creationId xmlns:a16="http://schemas.microsoft.com/office/drawing/2014/main" id="{AE563304-5376-4678-B925-FF2DFC39F3BF}"/>
               </a:ext>
             </a:extLst>
           </p:cNvPr>
@@ -6067,57 +6166,17 @@
           <a:p>
             <a:r>
               <a:rPr lang="en-US" dirty="0"/>
-              <a:t>AWS Global Infrastructure</a:t>
-            </a:r>
-          </a:p>
-        </p:txBody>
-      </p:sp>
-      <p:sp>
-        <p:nvSpPr>
-          <p:cNvPr id="3" name="Content Placeholder 2">
-            <a:extLst>
-              <a:ext uri="{FF2B5EF4-FFF2-40B4-BE49-F238E27FC236}">
-                <a16:creationId xmlns:a16="http://schemas.microsoft.com/office/drawing/2014/main" id="{8D7A4442-E549-4FD2-AEAD-5AAF1EE6E78D}"/>
-              </a:ext>
-            </a:extLst>
-          </p:cNvPr>
-          <p:cNvSpPr>
-            <a:spLocks noGrp="1"/>
-          </p:cNvSpPr>
-          <p:nvPr>
-            <p:ph idx="1"/>
-          </p:nvPr>
-        </p:nvSpPr>
-        <p:spPr/>
-        <p:txBody>
-          <a:bodyPr/>
-          <a:lstStyle/>
-          <a:p>
-            <a:r>
-              <a:rPr lang="en-US" dirty="0"/>
-              <a:t>Regions</a:t>
-            </a:r>
-          </a:p>
-          <a:p>
-            <a:r>
-              <a:rPr lang="en-US" dirty="0"/>
-              <a:t>Availability Zones</a:t>
-            </a:r>
-          </a:p>
-          <a:p>
-            <a:r>
-              <a:rPr lang="en-US" dirty="0"/>
-              <a:t>Edge Locations</a:t>
-            </a:r>
-          </a:p>
-        </p:txBody>
-      </p:sp>
-      <p:sp>
-        <p:nvSpPr>
-          <p:cNvPr id="4" name="Oval 3">
-            <a:extLst>
-              <a:ext uri="{FF2B5EF4-FFF2-40B4-BE49-F238E27FC236}">
-                <a16:creationId xmlns:a16="http://schemas.microsoft.com/office/drawing/2014/main" id="{3FEF0771-915F-43A3-B018-A0F932E7A755}"/>
+              <a:t>EC2 and EBS</a:t>
+            </a:r>
+          </a:p>
+        </p:txBody>
+      </p:sp>
+      <p:sp>
+        <p:nvSpPr>
+          <p:cNvPr id="4" name="Rectangle 3">
+            <a:extLst>
+              <a:ext uri="{FF2B5EF4-FFF2-40B4-BE49-F238E27FC236}">
+                <a16:creationId xmlns:a16="http://schemas.microsoft.com/office/drawing/2014/main" id="{FC080E6E-4CEC-4CC4-B91C-466AF4AA9F6E}"/>
               </a:ext>
             </a:extLst>
           </p:cNvPr>
@@ -6126,10 +6185,10 @@
         </p:nvSpPr>
         <p:spPr>
           <a:xfrm>
-            <a:off x="7091265" y="2463282"/>
-            <a:ext cx="3685592" cy="3573624"/>
-          </a:xfrm>
-          <a:prstGeom prst="ellipse">
+            <a:off x="1490870" y="2027583"/>
+            <a:ext cx="2385391" cy="1908313"/>
+          </a:xfrm>
+          <a:prstGeom prst="rect">
             <a:avLst/>
           </a:prstGeom>
         </p:spPr>
@@ -6156,17 +6215,17 @@
             <a:pPr algn="ctr"/>
             <a:r>
               <a:rPr lang="en-US" dirty="0"/>
-              <a:t>Region (us-east-1/ N. Virginia)</a:t>
-            </a:r>
-          </a:p>
-        </p:txBody>
-      </p:sp>
-      <p:sp>
-        <p:nvSpPr>
-          <p:cNvPr id="6" name="Oval 5">
-            <a:extLst>
-              <a:ext uri="{FF2B5EF4-FFF2-40B4-BE49-F238E27FC236}">
-                <a16:creationId xmlns:a16="http://schemas.microsoft.com/office/drawing/2014/main" id="{6324BFB7-76F1-4A3E-930C-726B1230981F}"/>
+              <a:t>EC2</a:t>
+            </a:r>
+          </a:p>
+        </p:txBody>
+      </p:sp>
+      <p:sp>
+        <p:nvSpPr>
+          <p:cNvPr id="6" name="Rectangle 5">
+            <a:extLst>
+              <a:ext uri="{FF2B5EF4-FFF2-40B4-BE49-F238E27FC236}">
+                <a16:creationId xmlns:a16="http://schemas.microsoft.com/office/drawing/2014/main" id="{8ED83E3F-28BF-4AD8-9841-445039AA77ED}"/>
               </a:ext>
             </a:extLst>
           </p:cNvPr>
@@ -6175,24 +6234,24 @@
         </p:nvSpPr>
         <p:spPr>
           <a:xfrm>
-            <a:off x="6926423" y="1807028"/>
-            <a:ext cx="1651519" cy="1621972"/>
-          </a:xfrm>
-          <a:prstGeom prst="ellipse">
+            <a:off x="1669775" y="3210339"/>
+            <a:ext cx="2027583" cy="589722"/>
+          </a:xfrm>
+          <a:prstGeom prst="rect">
             <a:avLst/>
           </a:prstGeom>
         </p:spPr>
         <p:style>
           <a:lnRef idx="2">
-            <a:schemeClr val="accent4">
+            <a:schemeClr val="accent5">
               <a:shade val="50000"/>
             </a:schemeClr>
           </a:lnRef>
           <a:fillRef idx="1">
-            <a:schemeClr val="accent4"/>
+            <a:schemeClr val="accent5"/>
           </a:fillRef>
           <a:effectRef idx="0">
-            <a:schemeClr val="accent4"/>
+            <a:schemeClr val="accent5"/>
           </a:effectRef>
           <a:fontRef idx="minor">
             <a:schemeClr val="lt1"/>
@@ -6205,17 +6264,17 @@
             <a:pPr algn="ctr"/>
             <a:r>
               <a:rPr lang="en-US" dirty="0"/>
-              <a:t>AZ (us-east-1a)</a:t>
-            </a:r>
-          </a:p>
-        </p:txBody>
-      </p:sp>
-      <p:sp>
-        <p:nvSpPr>
-          <p:cNvPr id="8" name="Oval 7">
-            <a:extLst>
-              <a:ext uri="{FF2B5EF4-FFF2-40B4-BE49-F238E27FC236}">
-                <a16:creationId xmlns:a16="http://schemas.microsoft.com/office/drawing/2014/main" id="{F8D7743A-BF08-4084-A12A-DCDABA628E66}"/>
+              <a:t>Root EBS</a:t>
+            </a:r>
+          </a:p>
+        </p:txBody>
+      </p:sp>
+      <p:sp>
+        <p:nvSpPr>
+          <p:cNvPr id="8" name="Rectangle 7">
+            <a:extLst>
+              <a:ext uri="{FF2B5EF4-FFF2-40B4-BE49-F238E27FC236}">
+                <a16:creationId xmlns:a16="http://schemas.microsoft.com/office/drawing/2014/main" id="{C3C0B3B8-73F9-4C71-8E3F-894804E70B98}"/>
               </a:ext>
             </a:extLst>
           </p:cNvPr>
@@ -6224,24 +6283,24 @@
         </p:nvSpPr>
         <p:spPr>
           <a:xfrm>
-            <a:off x="10115939" y="2520271"/>
-            <a:ext cx="1651519" cy="1621972"/>
-          </a:xfrm>
-          <a:prstGeom prst="ellipse">
+            <a:off x="4674705" y="2915478"/>
+            <a:ext cx="2027583" cy="589722"/>
+          </a:xfrm>
+          <a:prstGeom prst="rect">
             <a:avLst/>
           </a:prstGeom>
         </p:spPr>
         <p:style>
           <a:lnRef idx="2">
-            <a:schemeClr val="accent4">
+            <a:schemeClr val="accent5">
               <a:shade val="50000"/>
             </a:schemeClr>
           </a:lnRef>
           <a:fillRef idx="1">
-            <a:schemeClr val="accent4"/>
+            <a:schemeClr val="accent5"/>
           </a:fillRef>
           <a:effectRef idx="0">
-            <a:schemeClr val="accent4"/>
+            <a:schemeClr val="accent5"/>
           </a:effectRef>
           <a:fontRef idx="minor">
             <a:schemeClr val="lt1"/>
@@ -6254,17 +6313,57 @@
             <a:pPr algn="ctr"/>
             <a:r>
               <a:rPr lang="en-US" dirty="0"/>
-              <a:t>AZ (us-east-1c)</a:t>
-            </a:r>
-          </a:p>
-        </p:txBody>
-      </p:sp>
-      <p:sp>
-        <p:nvSpPr>
-          <p:cNvPr id="10" name="Oval 9">
-            <a:extLst>
-              <a:ext uri="{FF2B5EF4-FFF2-40B4-BE49-F238E27FC236}">
-                <a16:creationId xmlns:a16="http://schemas.microsoft.com/office/drawing/2014/main" id="{A943B1BD-6A0D-4120-BAD2-C73AD7B039EA}"/>
+              <a:t>EBS</a:t>
+            </a:r>
+          </a:p>
+        </p:txBody>
+      </p:sp>
+      <p:cxnSp>
+        <p:nvCxnSpPr>
+          <p:cNvPr id="10" name="Straight Connector 9">
+            <a:extLst>
+              <a:ext uri="{FF2B5EF4-FFF2-40B4-BE49-F238E27FC236}">
+                <a16:creationId xmlns:a16="http://schemas.microsoft.com/office/drawing/2014/main" id="{BC4766D7-A4CE-481A-AB1C-9000D0E89F57}"/>
+              </a:ext>
+            </a:extLst>
+          </p:cNvPr>
+          <p:cNvCxnSpPr>
+            <a:cxnSpLocks/>
+            <a:stCxn id="8" idx="3"/>
+            <a:endCxn id="13" idx="1"/>
+          </p:cNvCxnSpPr>
+          <p:nvPr/>
+        </p:nvCxnSpPr>
+        <p:spPr>
+          <a:xfrm flipV="1">
+            <a:off x="6702288" y="2726636"/>
+            <a:ext cx="1987826" cy="483703"/>
+          </a:xfrm>
+          <a:prstGeom prst="line">
+            <a:avLst/>
+          </a:prstGeom>
+        </p:spPr>
+        <p:style>
+          <a:lnRef idx="1">
+            <a:schemeClr val="accent1"/>
+          </a:lnRef>
+          <a:fillRef idx="0">
+            <a:schemeClr val="accent1"/>
+          </a:fillRef>
+          <a:effectRef idx="0">
+            <a:schemeClr val="accent1"/>
+          </a:effectRef>
+          <a:fontRef idx="minor">
+            <a:schemeClr val="tx1"/>
+          </a:fontRef>
+        </p:style>
+      </p:cxnSp>
+      <p:sp>
+        <p:nvSpPr>
+          <p:cNvPr id="13" name="Rectangle 12">
+            <a:extLst>
+              <a:ext uri="{FF2B5EF4-FFF2-40B4-BE49-F238E27FC236}">
+                <a16:creationId xmlns:a16="http://schemas.microsoft.com/office/drawing/2014/main" id="{74DA5D5D-F99F-4AF2-97A8-02556A3043ED}"/>
               </a:ext>
             </a:extLst>
           </p:cNvPr>
@@ -6273,24 +6372,24 @@
         </p:nvSpPr>
         <p:spPr>
           <a:xfrm>
-            <a:off x="8588050" y="1690688"/>
-            <a:ext cx="1651519" cy="1621972"/>
-          </a:xfrm>
-          <a:prstGeom prst="ellipse">
+            <a:off x="8690114" y="1772479"/>
+            <a:ext cx="2385391" cy="1908313"/>
+          </a:xfrm>
+          <a:prstGeom prst="rect">
             <a:avLst/>
           </a:prstGeom>
         </p:spPr>
         <p:style>
           <a:lnRef idx="2">
-            <a:schemeClr val="accent4">
+            <a:schemeClr val="accent1">
               <a:shade val="50000"/>
             </a:schemeClr>
           </a:lnRef>
           <a:fillRef idx="1">
-            <a:schemeClr val="accent4"/>
+            <a:schemeClr val="accent1"/>
           </a:fillRef>
           <a:effectRef idx="0">
-            <a:schemeClr val="accent4"/>
+            <a:schemeClr val="accent1"/>
           </a:effectRef>
           <a:fontRef idx="minor">
             <a:schemeClr val="lt1"/>
@@ -6303,7 +6402,56 @@
             <a:pPr algn="ctr"/>
             <a:r>
               <a:rPr lang="en-US" dirty="0"/>
-              <a:t>AZ (us-east-1b)</a:t>
+              <a:t>EC2</a:t>
+            </a:r>
+          </a:p>
+        </p:txBody>
+      </p:sp>
+      <p:sp>
+        <p:nvSpPr>
+          <p:cNvPr id="15" name="Rectangle 14">
+            <a:extLst>
+              <a:ext uri="{FF2B5EF4-FFF2-40B4-BE49-F238E27FC236}">
+                <a16:creationId xmlns:a16="http://schemas.microsoft.com/office/drawing/2014/main" id="{ACB06767-905D-4A02-9470-C5A7C691A01A}"/>
+              </a:ext>
+            </a:extLst>
+          </p:cNvPr>
+          <p:cNvSpPr/>
+          <p:nvPr/>
+        </p:nvSpPr>
+        <p:spPr>
+          <a:xfrm>
+            <a:off x="8869019" y="2955235"/>
+            <a:ext cx="2027583" cy="589722"/>
+          </a:xfrm>
+          <a:prstGeom prst="rect">
+            <a:avLst/>
+          </a:prstGeom>
+        </p:spPr>
+        <p:style>
+          <a:lnRef idx="2">
+            <a:schemeClr val="accent5">
+              <a:shade val="50000"/>
+            </a:schemeClr>
+          </a:lnRef>
+          <a:fillRef idx="1">
+            <a:schemeClr val="accent5"/>
+          </a:fillRef>
+          <a:effectRef idx="0">
+            <a:schemeClr val="accent5"/>
+          </a:effectRef>
+          <a:fontRef idx="minor">
+            <a:schemeClr val="lt1"/>
+          </a:fontRef>
+        </p:style>
+        <p:txBody>
+          <a:bodyPr rtlCol="0" anchor="ctr"/>
+          <a:lstStyle/>
+          <a:p>
+            <a:pPr algn="ctr"/>
+            <a:r>
+              <a:rPr lang="en-US" dirty="0"/>
+              <a:t>Root EBS</a:t>
             </a:r>
           </a:p>
         </p:txBody>
@@ -6311,7 +6459,7 @@
     </p:spTree>
     <p:extLst>
       <p:ext uri="{BB962C8B-B14F-4D97-AF65-F5344CB8AC3E}">
-        <p14:creationId xmlns:p14="http://schemas.microsoft.com/office/powerpoint/2010/main" val="1976631391"/>
+        <p14:creationId xmlns:p14="http://schemas.microsoft.com/office/powerpoint/2010/main" val="752696713"/>
       </p:ext>
     </p:extLst>
   </p:cSld>
@@ -6343,7 +6491,7 @@
           <p:cNvPr id="2" name="Title 1">
             <a:extLst>
               <a:ext uri="{FF2B5EF4-FFF2-40B4-BE49-F238E27FC236}">
-                <a16:creationId xmlns:a16="http://schemas.microsoft.com/office/drawing/2014/main" id="{0EC4895F-7133-49B2-B0E0-2D558D06378A}"/>
+                <a16:creationId xmlns:a16="http://schemas.microsoft.com/office/drawing/2014/main" id="{41CB7181-93B9-4372-8177-3ED0B4548B24}"/>
               </a:ext>
             </a:extLst>
           </p:cNvPr>
@@ -6361,7 +6509,7 @@
           <a:p>
             <a:r>
               <a:rPr lang="en-US" dirty="0"/>
-              <a:t>What we like</a:t>
+              <a:t>AWS Global Infrastructure</a:t>
             </a:r>
           </a:p>
         </p:txBody>
@@ -6371,7 +6519,7 @@
           <p:cNvPr id="3" name="Content Placeholder 2">
             <a:extLst>
               <a:ext uri="{FF2B5EF4-FFF2-40B4-BE49-F238E27FC236}">
-                <a16:creationId xmlns:a16="http://schemas.microsoft.com/office/drawing/2014/main" id="{69AD2D4D-EB94-41C1-A6E7-701BF66125FD}"/>
+                <a16:creationId xmlns:a16="http://schemas.microsoft.com/office/drawing/2014/main" id="{8D7A4442-E549-4FD2-AEAD-5AAF1EE6E78D}"/>
               </a:ext>
             </a:extLst>
           </p:cNvPr>
@@ -6387,14 +6535,225 @@
           <a:bodyPr/>
           <a:lstStyle/>
           <a:p>
-            <a:endParaRPr lang="en-US"/>
+            <a:r>
+              <a:rPr lang="en-US" dirty="0"/>
+              <a:t>Regions</a:t>
+            </a:r>
+          </a:p>
+          <a:p>
+            <a:r>
+              <a:rPr lang="en-US" dirty="0"/>
+              <a:t>Availability Zones</a:t>
+            </a:r>
+          </a:p>
+          <a:p>
+            <a:r>
+              <a:rPr lang="en-US" dirty="0"/>
+              <a:t>Edge Locations</a:t>
+            </a:r>
+          </a:p>
+        </p:txBody>
+      </p:sp>
+      <p:sp>
+        <p:nvSpPr>
+          <p:cNvPr id="4" name="Oval 3">
+            <a:extLst>
+              <a:ext uri="{FF2B5EF4-FFF2-40B4-BE49-F238E27FC236}">
+                <a16:creationId xmlns:a16="http://schemas.microsoft.com/office/drawing/2014/main" id="{3FEF0771-915F-43A3-B018-A0F932E7A755}"/>
+              </a:ext>
+            </a:extLst>
+          </p:cNvPr>
+          <p:cNvSpPr/>
+          <p:nvPr/>
+        </p:nvSpPr>
+        <p:spPr>
+          <a:xfrm>
+            <a:off x="7091265" y="2463282"/>
+            <a:ext cx="3685592" cy="3573624"/>
+          </a:xfrm>
+          <a:prstGeom prst="ellipse">
+            <a:avLst/>
+          </a:prstGeom>
+        </p:spPr>
+        <p:style>
+          <a:lnRef idx="2">
+            <a:schemeClr val="accent1">
+              <a:shade val="50000"/>
+            </a:schemeClr>
+          </a:lnRef>
+          <a:fillRef idx="1">
+            <a:schemeClr val="accent1"/>
+          </a:fillRef>
+          <a:effectRef idx="0">
+            <a:schemeClr val="accent1"/>
+          </a:effectRef>
+          <a:fontRef idx="minor">
+            <a:schemeClr val="lt1"/>
+          </a:fontRef>
+        </p:style>
+        <p:txBody>
+          <a:bodyPr rtlCol="0" anchor="ctr"/>
+          <a:lstStyle/>
+          <a:p>
+            <a:pPr algn="ctr"/>
+            <a:r>
+              <a:rPr lang="en-US" dirty="0"/>
+              <a:t>Region (us-east-1/ N. Virginia)</a:t>
+            </a:r>
+          </a:p>
+        </p:txBody>
+      </p:sp>
+      <p:sp>
+        <p:nvSpPr>
+          <p:cNvPr id="6" name="Oval 5">
+            <a:extLst>
+              <a:ext uri="{FF2B5EF4-FFF2-40B4-BE49-F238E27FC236}">
+                <a16:creationId xmlns:a16="http://schemas.microsoft.com/office/drawing/2014/main" id="{6324BFB7-76F1-4A3E-930C-726B1230981F}"/>
+              </a:ext>
+            </a:extLst>
+          </p:cNvPr>
+          <p:cNvSpPr/>
+          <p:nvPr/>
+        </p:nvSpPr>
+        <p:spPr>
+          <a:xfrm>
+            <a:off x="6926423" y="1807028"/>
+            <a:ext cx="1651519" cy="1621972"/>
+          </a:xfrm>
+          <a:prstGeom prst="ellipse">
+            <a:avLst/>
+          </a:prstGeom>
+        </p:spPr>
+        <p:style>
+          <a:lnRef idx="2">
+            <a:schemeClr val="accent4">
+              <a:shade val="50000"/>
+            </a:schemeClr>
+          </a:lnRef>
+          <a:fillRef idx="1">
+            <a:schemeClr val="accent4"/>
+          </a:fillRef>
+          <a:effectRef idx="0">
+            <a:schemeClr val="accent4"/>
+          </a:effectRef>
+          <a:fontRef idx="minor">
+            <a:schemeClr val="lt1"/>
+          </a:fontRef>
+        </p:style>
+        <p:txBody>
+          <a:bodyPr rtlCol="0" anchor="ctr"/>
+          <a:lstStyle/>
+          <a:p>
+            <a:pPr algn="ctr"/>
+            <a:r>
+              <a:rPr lang="en-US" dirty="0"/>
+              <a:t>AZ (us-east-1a)</a:t>
+            </a:r>
+          </a:p>
+        </p:txBody>
+      </p:sp>
+      <p:sp>
+        <p:nvSpPr>
+          <p:cNvPr id="8" name="Oval 7">
+            <a:extLst>
+              <a:ext uri="{FF2B5EF4-FFF2-40B4-BE49-F238E27FC236}">
+                <a16:creationId xmlns:a16="http://schemas.microsoft.com/office/drawing/2014/main" id="{F8D7743A-BF08-4084-A12A-DCDABA628E66}"/>
+              </a:ext>
+            </a:extLst>
+          </p:cNvPr>
+          <p:cNvSpPr/>
+          <p:nvPr/>
+        </p:nvSpPr>
+        <p:spPr>
+          <a:xfrm>
+            <a:off x="10115939" y="2520271"/>
+            <a:ext cx="1651519" cy="1621972"/>
+          </a:xfrm>
+          <a:prstGeom prst="ellipse">
+            <a:avLst/>
+          </a:prstGeom>
+        </p:spPr>
+        <p:style>
+          <a:lnRef idx="2">
+            <a:schemeClr val="accent4">
+              <a:shade val="50000"/>
+            </a:schemeClr>
+          </a:lnRef>
+          <a:fillRef idx="1">
+            <a:schemeClr val="accent4"/>
+          </a:fillRef>
+          <a:effectRef idx="0">
+            <a:schemeClr val="accent4"/>
+          </a:effectRef>
+          <a:fontRef idx="minor">
+            <a:schemeClr val="lt1"/>
+          </a:fontRef>
+        </p:style>
+        <p:txBody>
+          <a:bodyPr rtlCol="0" anchor="ctr"/>
+          <a:lstStyle/>
+          <a:p>
+            <a:pPr algn="ctr"/>
+            <a:r>
+              <a:rPr lang="en-US" dirty="0"/>
+              <a:t>AZ (us-east-1c)</a:t>
+            </a:r>
+          </a:p>
+        </p:txBody>
+      </p:sp>
+      <p:sp>
+        <p:nvSpPr>
+          <p:cNvPr id="10" name="Oval 9">
+            <a:extLst>
+              <a:ext uri="{FF2B5EF4-FFF2-40B4-BE49-F238E27FC236}">
+                <a16:creationId xmlns:a16="http://schemas.microsoft.com/office/drawing/2014/main" id="{A943B1BD-6A0D-4120-BAD2-C73AD7B039EA}"/>
+              </a:ext>
+            </a:extLst>
+          </p:cNvPr>
+          <p:cNvSpPr/>
+          <p:nvPr/>
+        </p:nvSpPr>
+        <p:spPr>
+          <a:xfrm>
+            <a:off x="8588050" y="1690688"/>
+            <a:ext cx="1651519" cy="1621972"/>
+          </a:xfrm>
+          <a:prstGeom prst="ellipse">
+            <a:avLst/>
+          </a:prstGeom>
+        </p:spPr>
+        <p:style>
+          <a:lnRef idx="2">
+            <a:schemeClr val="accent4">
+              <a:shade val="50000"/>
+            </a:schemeClr>
+          </a:lnRef>
+          <a:fillRef idx="1">
+            <a:schemeClr val="accent4"/>
+          </a:fillRef>
+          <a:effectRef idx="0">
+            <a:schemeClr val="accent4"/>
+          </a:effectRef>
+          <a:fontRef idx="minor">
+            <a:schemeClr val="lt1"/>
+          </a:fontRef>
+        </p:style>
+        <p:txBody>
+          <a:bodyPr rtlCol="0" anchor="ctr"/>
+          <a:lstStyle/>
+          <a:p>
+            <a:pPr algn="ctr"/>
+            <a:r>
+              <a:rPr lang="en-US" dirty="0"/>
+              <a:t>AZ (us-east-1b)</a:t>
+            </a:r>
           </a:p>
         </p:txBody>
       </p:sp>
     </p:spTree>
     <p:extLst>
       <p:ext uri="{BB962C8B-B14F-4D97-AF65-F5344CB8AC3E}">
-        <p14:creationId xmlns:p14="http://schemas.microsoft.com/office/powerpoint/2010/main" val="3168048497"/>
+        <p14:creationId xmlns:p14="http://schemas.microsoft.com/office/powerpoint/2010/main" val="1976631391"/>
       </p:ext>
     </p:extLst>
   </p:cSld>
@@ -6426,7 +6785,7 @@
           <p:cNvPr id="2" name="Title 1">
             <a:extLst>
               <a:ext uri="{FF2B5EF4-FFF2-40B4-BE49-F238E27FC236}">
-                <a16:creationId xmlns:a16="http://schemas.microsoft.com/office/drawing/2014/main" id="{B621CF05-5EAD-43F3-8BBC-1EDDCD2C0250}"/>
+                <a16:creationId xmlns:a16="http://schemas.microsoft.com/office/drawing/2014/main" id="{0EC4895F-7133-49B2-B0E0-2D558D06378A}"/>
               </a:ext>
             </a:extLst>
           </p:cNvPr>
@@ -6444,7 +6803,7 @@
           <a:p>
             <a:r>
               <a:rPr lang="en-US" dirty="0"/>
-              <a:t>What we do not like</a:t>
+              <a:t>What we like</a:t>
             </a:r>
           </a:p>
         </p:txBody>
@@ -6454,7 +6813,7 @@
           <p:cNvPr id="3" name="Content Placeholder 2">
             <a:extLst>
               <a:ext uri="{FF2B5EF4-FFF2-40B4-BE49-F238E27FC236}">
-                <a16:creationId xmlns:a16="http://schemas.microsoft.com/office/drawing/2014/main" id="{D6959C29-231A-46E4-9493-47524C03CFAB}"/>
+                <a16:creationId xmlns:a16="http://schemas.microsoft.com/office/drawing/2014/main" id="{69AD2D4D-EB94-41C1-A6E7-701BF66125FD}"/>
               </a:ext>
             </a:extLst>
           </p:cNvPr>
@@ -6470,17 +6829,14 @@
           <a:bodyPr/>
           <a:lstStyle/>
           <a:p>
-            <a:r>
-              <a:rPr lang="en-US" dirty="0"/>
-              <a:t>Naming conventions (confusing)</a:t>
-            </a:r>
+            <a:endParaRPr lang="en-US"/>
           </a:p>
         </p:txBody>
       </p:sp>
     </p:spTree>
     <p:extLst>
       <p:ext uri="{BB962C8B-B14F-4D97-AF65-F5344CB8AC3E}">
-        <p14:creationId xmlns:p14="http://schemas.microsoft.com/office/powerpoint/2010/main" val="2839985100"/>
+        <p14:creationId xmlns:p14="http://schemas.microsoft.com/office/powerpoint/2010/main" val="3168048497"/>
       </p:ext>
     </p:extLst>
   </p:cSld>
@@ -6720,6 +7076,92 @@
     <p:extLst>
       <p:ext uri="{BB962C8B-B14F-4D97-AF65-F5344CB8AC3E}">
         <p14:creationId xmlns:p14="http://schemas.microsoft.com/office/powerpoint/2010/main" val="2014301704"/>
+      </p:ext>
+    </p:extLst>
+  </p:cSld>
+  <p:clrMapOvr>
+    <a:masterClrMapping/>
+  </p:clrMapOvr>
+</p:sld>
+</file>
+
+<file path=ppt/slides/slide20.xml><?xml version="1.0" encoding="utf-8"?>
+<p:sld xmlns:a="http://schemas.openxmlformats.org/drawingml/2006/main" xmlns:r="http://schemas.openxmlformats.org/officeDocument/2006/relationships" xmlns:p="http://schemas.openxmlformats.org/presentationml/2006/main">
+  <p:cSld>
+    <p:spTree>
+      <p:nvGrpSpPr>
+        <p:cNvPr id="1" name=""/>
+        <p:cNvGrpSpPr/>
+        <p:nvPr/>
+      </p:nvGrpSpPr>
+      <p:grpSpPr>
+        <a:xfrm>
+          <a:off x="0" y="0"/>
+          <a:ext cx="0" cy="0"/>
+          <a:chOff x="0" y="0"/>
+          <a:chExt cx="0" cy="0"/>
+        </a:xfrm>
+      </p:grpSpPr>
+      <p:sp>
+        <p:nvSpPr>
+          <p:cNvPr id="2" name="Title 1">
+            <a:extLst>
+              <a:ext uri="{FF2B5EF4-FFF2-40B4-BE49-F238E27FC236}">
+                <a16:creationId xmlns:a16="http://schemas.microsoft.com/office/drawing/2014/main" id="{B621CF05-5EAD-43F3-8BBC-1EDDCD2C0250}"/>
+              </a:ext>
+            </a:extLst>
+          </p:cNvPr>
+          <p:cNvSpPr>
+            <a:spLocks noGrp="1"/>
+          </p:cNvSpPr>
+          <p:nvPr>
+            <p:ph type="title"/>
+          </p:nvPr>
+        </p:nvSpPr>
+        <p:spPr/>
+        <p:txBody>
+          <a:bodyPr/>
+          <a:lstStyle/>
+          <a:p>
+            <a:r>
+              <a:rPr lang="en-US" dirty="0"/>
+              <a:t>What we do not like</a:t>
+            </a:r>
+          </a:p>
+        </p:txBody>
+      </p:sp>
+      <p:sp>
+        <p:nvSpPr>
+          <p:cNvPr id="3" name="Content Placeholder 2">
+            <a:extLst>
+              <a:ext uri="{FF2B5EF4-FFF2-40B4-BE49-F238E27FC236}">
+                <a16:creationId xmlns:a16="http://schemas.microsoft.com/office/drawing/2014/main" id="{D6959C29-231A-46E4-9493-47524C03CFAB}"/>
+              </a:ext>
+            </a:extLst>
+          </p:cNvPr>
+          <p:cNvSpPr>
+            <a:spLocks noGrp="1"/>
+          </p:cNvSpPr>
+          <p:nvPr>
+            <p:ph idx="1"/>
+          </p:nvPr>
+        </p:nvSpPr>
+        <p:spPr/>
+        <p:txBody>
+          <a:bodyPr/>
+          <a:lstStyle/>
+          <a:p>
+            <a:r>
+              <a:rPr lang="en-US" dirty="0"/>
+              <a:t>Naming conventions (confusing)</a:t>
+            </a:r>
+          </a:p>
+        </p:txBody>
+      </p:sp>
+    </p:spTree>
+    <p:extLst>
+      <p:ext uri="{BB962C8B-B14F-4D97-AF65-F5344CB8AC3E}">
+        <p14:creationId xmlns:p14="http://schemas.microsoft.com/office/powerpoint/2010/main" val="2839985100"/>
       </p:ext>
     </p:extLst>
   </p:cSld>

--- a/7Week-DevOps-AWS/7w-aws-devops.pptx
+++ b/7Week-DevOps-AWS/7w-aws-devops.pptx
@@ -16,15 +16,19 @@
     <p:sldId id="274" r:id="rId10"/>
     <p:sldId id="275" r:id="rId11"/>
     <p:sldId id="276" r:id="rId12"/>
-    <p:sldId id="273" r:id="rId13"/>
-    <p:sldId id="272" r:id="rId14"/>
-    <p:sldId id="267" r:id="rId15"/>
-    <p:sldId id="277" r:id="rId16"/>
-    <p:sldId id="268" r:id="rId17"/>
-    <p:sldId id="269" r:id="rId18"/>
-    <p:sldId id="270" r:id="rId19"/>
-    <p:sldId id="257" r:id="rId20"/>
-    <p:sldId id="258" r:id="rId21"/>
+    <p:sldId id="278" r:id="rId13"/>
+    <p:sldId id="273" r:id="rId14"/>
+    <p:sldId id="272" r:id="rId15"/>
+    <p:sldId id="267" r:id="rId16"/>
+    <p:sldId id="277" r:id="rId17"/>
+    <p:sldId id="268" r:id="rId18"/>
+    <p:sldId id="280" r:id="rId19"/>
+    <p:sldId id="269" r:id="rId20"/>
+    <p:sldId id="270" r:id="rId21"/>
+    <p:sldId id="279" r:id="rId22"/>
+    <p:sldId id="281" r:id="rId23"/>
+    <p:sldId id="257" r:id="rId24"/>
+    <p:sldId id="258" r:id="rId25"/>
   </p:sldIdLst>
   <p:sldSz cx="12192000" cy="6858000"/>
   <p:notesSz cx="6858000" cy="9144000"/>
@@ -278,7 +282,7 @@
           <a:p>
             <a:fld id="{1C64D3C1-9D59-4EAF-99C9-140065CB43E1}" type="datetimeFigureOut">
               <a:rPr lang="en-US" smtClean="0"/>
-              <a:t>10/1/2020</a:t>
+              <a:t>10/2/2020</a:t>
             </a:fld>
             <a:endParaRPr lang="en-US"/>
           </a:p>
@@ -476,7 +480,7 @@
           <a:p>
             <a:fld id="{1C64D3C1-9D59-4EAF-99C9-140065CB43E1}" type="datetimeFigureOut">
               <a:rPr lang="en-US" smtClean="0"/>
-              <a:t>10/1/2020</a:t>
+              <a:t>10/2/2020</a:t>
             </a:fld>
             <a:endParaRPr lang="en-US"/>
           </a:p>
@@ -684,7 +688,7 @@
           <a:p>
             <a:fld id="{1C64D3C1-9D59-4EAF-99C9-140065CB43E1}" type="datetimeFigureOut">
               <a:rPr lang="en-US" smtClean="0"/>
-              <a:t>10/1/2020</a:t>
+              <a:t>10/2/2020</a:t>
             </a:fld>
             <a:endParaRPr lang="en-US"/>
           </a:p>
@@ -882,7 +886,7 @@
           <a:p>
             <a:fld id="{1C64D3C1-9D59-4EAF-99C9-140065CB43E1}" type="datetimeFigureOut">
               <a:rPr lang="en-US" smtClean="0"/>
-              <a:t>10/1/2020</a:t>
+              <a:t>10/2/2020</a:t>
             </a:fld>
             <a:endParaRPr lang="en-US"/>
           </a:p>
@@ -1157,7 +1161,7 @@
           <a:p>
             <a:fld id="{1C64D3C1-9D59-4EAF-99C9-140065CB43E1}" type="datetimeFigureOut">
               <a:rPr lang="en-US" smtClean="0"/>
-              <a:t>10/1/2020</a:t>
+              <a:t>10/2/2020</a:t>
             </a:fld>
             <a:endParaRPr lang="en-US"/>
           </a:p>
@@ -1422,7 +1426,7 @@
           <a:p>
             <a:fld id="{1C64D3C1-9D59-4EAF-99C9-140065CB43E1}" type="datetimeFigureOut">
               <a:rPr lang="en-US" smtClean="0"/>
-              <a:t>10/1/2020</a:t>
+              <a:t>10/2/2020</a:t>
             </a:fld>
             <a:endParaRPr lang="en-US"/>
           </a:p>
@@ -1834,7 +1838,7 @@
           <a:p>
             <a:fld id="{1C64D3C1-9D59-4EAF-99C9-140065CB43E1}" type="datetimeFigureOut">
               <a:rPr lang="en-US" smtClean="0"/>
-              <a:t>10/1/2020</a:t>
+              <a:t>10/2/2020</a:t>
             </a:fld>
             <a:endParaRPr lang="en-US"/>
           </a:p>
@@ -1975,7 +1979,7 @@
           <a:p>
             <a:fld id="{1C64D3C1-9D59-4EAF-99C9-140065CB43E1}" type="datetimeFigureOut">
               <a:rPr lang="en-US" smtClean="0"/>
-              <a:t>10/1/2020</a:t>
+              <a:t>10/2/2020</a:t>
             </a:fld>
             <a:endParaRPr lang="en-US"/>
           </a:p>
@@ -2088,7 +2092,7 @@
           <a:p>
             <a:fld id="{1C64D3C1-9D59-4EAF-99C9-140065CB43E1}" type="datetimeFigureOut">
               <a:rPr lang="en-US" smtClean="0"/>
-              <a:t>10/1/2020</a:t>
+              <a:t>10/2/2020</a:t>
             </a:fld>
             <a:endParaRPr lang="en-US"/>
           </a:p>
@@ -2399,7 +2403,7 @@
           <a:p>
             <a:fld id="{1C64D3C1-9D59-4EAF-99C9-140065CB43E1}" type="datetimeFigureOut">
               <a:rPr lang="en-US" smtClean="0"/>
-              <a:t>10/1/2020</a:t>
+              <a:t>10/2/2020</a:t>
             </a:fld>
             <a:endParaRPr lang="en-US"/>
           </a:p>
@@ -2687,7 +2691,7 @@
           <a:p>
             <a:fld id="{1C64D3C1-9D59-4EAF-99C9-140065CB43E1}" type="datetimeFigureOut">
               <a:rPr lang="en-US" smtClean="0"/>
-              <a:t>10/1/2020</a:t>
+              <a:t>10/2/2020</a:t>
             </a:fld>
             <a:endParaRPr lang="en-US"/>
           </a:p>
@@ -2928,7 +2932,7 @@
           <a:p>
             <a:fld id="{1C64D3C1-9D59-4EAF-99C9-140065CB43E1}" type="datetimeFigureOut">
               <a:rPr lang="en-US" smtClean="0"/>
-              <a:t>10/1/2020</a:t>
+              <a:t>10/2/2020</a:t>
             </a:fld>
             <a:endParaRPr lang="en-US"/>
           </a:p>
@@ -4408,102 +4412,445 @@
           <a:chExt cx="0" cy="0"/>
         </a:xfrm>
       </p:grpSpPr>
-      <p:sp>
-        <p:nvSpPr>
-          <p:cNvPr id="2" name="Title 1">
-            <a:extLst>
-              <a:ext uri="{FF2B5EF4-FFF2-40B4-BE49-F238E27FC236}">
-                <a16:creationId xmlns:a16="http://schemas.microsoft.com/office/drawing/2014/main" id="{F2B94128-BD84-4FC4-B01A-3C8960FC5154}"/>
-              </a:ext>
-            </a:extLst>
-          </p:cNvPr>
-          <p:cNvSpPr>
-            <a:spLocks noGrp="1"/>
-          </p:cNvSpPr>
-          <p:nvPr>
-            <p:ph type="title"/>
-          </p:nvPr>
-        </p:nvSpPr>
-        <p:spPr/>
-        <p:txBody>
-          <a:bodyPr/>
-          <a:lstStyle/>
-          <a:p>
-            <a:r>
-              <a:rPr lang="en-US" dirty="0"/>
-              <a:t>DevOps</a:t>
-            </a:r>
-          </a:p>
-        </p:txBody>
-      </p:sp>
-      <p:sp>
-        <p:nvSpPr>
-          <p:cNvPr id="3" name="Content Placeholder 2">
-            <a:extLst>
-              <a:ext uri="{FF2B5EF4-FFF2-40B4-BE49-F238E27FC236}">
-                <a16:creationId xmlns:a16="http://schemas.microsoft.com/office/drawing/2014/main" id="{F73CE6F1-C89E-4682-A2DE-9D3B05CD53A3}"/>
-              </a:ext>
-            </a:extLst>
-          </p:cNvPr>
-          <p:cNvSpPr>
-            <a:spLocks noGrp="1"/>
-          </p:cNvSpPr>
-          <p:nvPr>
-            <p:ph idx="1"/>
-          </p:nvPr>
-        </p:nvSpPr>
-        <p:spPr/>
-        <p:txBody>
-          <a:bodyPr/>
-          <a:lstStyle/>
-          <a:p>
-            <a:r>
-              <a:rPr lang="en-US" dirty="0"/>
-              <a:t>CI (Continuous Integration)</a:t>
-            </a:r>
-          </a:p>
-          <a:p>
-            <a:pPr lvl="1"/>
-            <a:r>
-              <a:rPr lang="en-US" dirty="0"/>
-              <a:t>Practice of as frequently as possible merging your codebase</a:t>
-            </a:r>
-          </a:p>
-          <a:p>
-            <a:r>
-              <a:rPr lang="en-US" dirty="0"/>
-              <a:t>CD (Continuous Delivery)</a:t>
-            </a:r>
-          </a:p>
-          <a:p>
-            <a:pPr lvl="1"/>
-            <a:r>
-              <a:rPr lang="en-US" dirty="0"/>
-              <a:t>Automating your deployment to productions process such that your application can be released to production at the click of a button</a:t>
-            </a:r>
-          </a:p>
-          <a:p>
-            <a:r>
-              <a:rPr lang="en-US" dirty="0"/>
-              <a:t>CD (Continuous Deployment)</a:t>
-            </a:r>
-          </a:p>
-          <a:p>
-            <a:pPr lvl="1"/>
+      <p:pic>
+        <p:nvPicPr>
+          <p:cNvPr id="5" name="Graphic 4" descr="Server">
+            <a:extLst>
+              <a:ext uri="{FF2B5EF4-FFF2-40B4-BE49-F238E27FC236}">
+                <a16:creationId xmlns:a16="http://schemas.microsoft.com/office/drawing/2014/main" id="{6A53DDAF-91C0-4B4A-9689-D222E7E8F514}"/>
+              </a:ext>
+            </a:extLst>
+          </p:cNvPr>
+          <p:cNvPicPr>
+            <a:picLocks noChangeAspect="1"/>
+          </p:cNvPicPr>
+          <p:nvPr/>
+        </p:nvPicPr>
+        <p:blipFill>
+          <a:blip r:embed="rId2">
+            <a:extLst>
+              <a:ext uri="{28A0092B-C50C-407E-A947-70E740481C1C}">
+                <a14:useLocalDpi xmlns:a14="http://schemas.microsoft.com/office/drawing/2010/main" val="0"/>
+              </a:ext>
+              <a:ext uri="{96DAC541-7B7A-43D3-8B79-37D633B846F1}">
+                <asvg:svgBlip xmlns:asvg="http://schemas.microsoft.com/office/drawing/2016/SVG/main" r:embed="rId3"/>
+              </a:ext>
+            </a:extLst>
+          </a:blip>
+          <a:stretch>
+            <a:fillRect/>
+          </a:stretch>
+        </p:blipFill>
+        <p:spPr>
+          <a:xfrm>
+            <a:off x="5221356" y="2072302"/>
+            <a:ext cx="1749287" cy="1749287"/>
+          </a:xfrm>
+          <a:prstGeom prst="rect">
+            <a:avLst/>
+          </a:prstGeom>
+        </p:spPr>
+      </p:pic>
+      <p:pic>
+        <p:nvPicPr>
+          <p:cNvPr id="7" name="Picture 2" descr="Jenkins Build Pipeline project – DevOps eye">
+            <a:extLst>
+              <a:ext uri="{FF2B5EF4-FFF2-40B4-BE49-F238E27FC236}">
+                <a16:creationId xmlns:a16="http://schemas.microsoft.com/office/drawing/2014/main" id="{1051B101-9AA2-4F58-8B83-8DACFC589288}"/>
+              </a:ext>
+            </a:extLst>
+          </p:cNvPr>
+          <p:cNvPicPr>
+            <a:picLocks noChangeAspect="1" noChangeArrowheads="1"/>
+          </p:cNvPicPr>
+          <p:nvPr/>
+        </p:nvPicPr>
+        <p:blipFill>
+          <a:blip r:embed="rId4">
+            <a:extLst>
+              <a:ext uri="{28A0092B-C50C-407E-A947-70E740481C1C}">
+                <a14:useLocalDpi xmlns:a14="http://schemas.microsoft.com/office/drawing/2010/main" val="0"/>
+              </a:ext>
+            </a:extLst>
+          </a:blip>
+          <a:srcRect/>
+          <a:stretch>
+            <a:fillRect/>
+          </a:stretch>
+        </p:blipFill>
+        <p:spPr bwMode="auto">
+          <a:xfrm>
+            <a:off x="5751328" y="1649895"/>
+            <a:ext cx="689341" cy="689341"/>
+          </a:xfrm>
+          <a:prstGeom prst="rect">
+            <a:avLst/>
+          </a:prstGeom>
+          <a:noFill/>
+          <a:extLst>
+            <a:ext uri="{909E8E84-426E-40DD-AFC4-6F175D3DCCD1}">
+              <a14:hiddenFill xmlns:a14="http://schemas.microsoft.com/office/drawing/2010/main">
+                <a:solidFill>
+                  <a:srgbClr val="FFFFFF"/>
+                </a:solidFill>
+              </a14:hiddenFill>
+            </a:ext>
+          </a:extLst>
+        </p:spPr>
+      </p:pic>
+      <p:pic>
+        <p:nvPicPr>
+          <p:cNvPr id="9" name="Graphic 8" descr="Server">
+            <a:extLst>
+              <a:ext uri="{FF2B5EF4-FFF2-40B4-BE49-F238E27FC236}">
+                <a16:creationId xmlns:a16="http://schemas.microsoft.com/office/drawing/2014/main" id="{A312E1D8-76B9-4619-B7BB-A5EA86705702}"/>
+              </a:ext>
+            </a:extLst>
+          </p:cNvPr>
+          <p:cNvPicPr>
+            <a:picLocks noChangeAspect="1"/>
+          </p:cNvPicPr>
+          <p:nvPr/>
+        </p:nvPicPr>
+        <p:blipFill>
+          <a:blip r:embed="rId2">
+            <a:extLst>
+              <a:ext uri="{28A0092B-C50C-407E-A947-70E740481C1C}">
+                <a14:useLocalDpi xmlns:a14="http://schemas.microsoft.com/office/drawing/2010/main" val="0"/>
+              </a:ext>
+              <a:ext uri="{96DAC541-7B7A-43D3-8B79-37D633B846F1}">
+                <asvg:svgBlip xmlns:asvg="http://schemas.microsoft.com/office/drawing/2016/SVG/main" r:embed="rId3"/>
+              </a:ext>
+            </a:extLst>
+          </a:blip>
+          <a:stretch>
+            <a:fillRect/>
+          </a:stretch>
+        </p:blipFill>
+        <p:spPr>
+          <a:xfrm>
+            <a:off x="6625971" y="2072302"/>
+            <a:ext cx="1749287" cy="1749287"/>
+          </a:xfrm>
+          <a:prstGeom prst="rect">
+            <a:avLst/>
+          </a:prstGeom>
+        </p:spPr>
+      </p:pic>
+      <p:pic>
+        <p:nvPicPr>
+          <p:cNvPr id="11" name="Picture 2" descr="Jenkins Build Pipeline project – DevOps eye">
+            <a:extLst>
+              <a:ext uri="{FF2B5EF4-FFF2-40B4-BE49-F238E27FC236}">
+                <a16:creationId xmlns:a16="http://schemas.microsoft.com/office/drawing/2014/main" id="{FC842AB9-271C-489E-9D28-78F140D008DB}"/>
+              </a:ext>
+            </a:extLst>
+          </p:cNvPr>
+          <p:cNvPicPr>
+            <a:picLocks noChangeAspect="1" noChangeArrowheads="1"/>
+          </p:cNvPicPr>
+          <p:nvPr/>
+        </p:nvPicPr>
+        <p:blipFill>
+          <a:blip r:embed="rId4">
+            <a:extLst>
+              <a:ext uri="{28A0092B-C50C-407E-A947-70E740481C1C}">
+                <a14:useLocalDpi xmlns:a14="http://schemas.microsoft.com/office/drawing/2010/main" val="0"/>
+              </a:ext>
+            </a:extLst>
+          </a:blip>
+          <a:srcRect/>
+          <a:stretch>
+            <a:fillRect/>
+          </a:stretch>
+        </p:blipFill>
+        <p:spPr bwMode="auto">
+          <a:xfrm>
+            <a:off x="7155943" y="1649895"/>
+            <a:ext cx="689341" cy="689341"/>
+          </a:xfrm>
+          <a:prstGeom prst="rect">
+            <a:avLst/>
+          </a:prstGeom>
+          <a:noFill/>
+          <a:extLst>
+            <a:ext uri="{909E8E84-426E-40DD-AFC4-6F175D3DCCD1}">
+              <a14:hiddenFill xmlns:a14="http://schemas.microsoft.com/office/drawing/2010/main">
+                <a:solidFill>
+                  <a:srgbClr val="FFFFFF"/>
+                </a:solidFill>
+              </a14:hiddenFill>
+            </a:ext>
+          </a:extLst>
+        </p:spPr>
+      </p:pic>
+      <p:pic>
+        <p:nvPicPr>
+          <p:cNvPr id="21" name="Graphic 20" descr="Server">
+            <a:extLst>
+              <a:ext uri="{FF2B5EF4-FFF2-40B4-BE49-F238E27FC236}">
+                <a16:creationId xmlns:a16="http://schemas.microsoft.com/office/drawing/2014/main" id="{4EBEA3CD-2834-4631-BF04-556DF43B42C2}"/>
+              </a:ext>
+            </a:extLst>
+          </p:cNvPr>
+          <p:cNvPicPr>
+            <a:picLocks noChangeAspect="1"/>
+          </p:cNvPicPr>
+          <p:nvPr/>
+        </p:nvPicPr>
+        <p:blipFill>
+          <a:blip r:embed="rId2">
+            <a:extLst>
+              <a:ext uri="{28A0092B-C50C-407E-A947-70E740481C1C}">
+                <a14:useLocalDpi xmlns:a14="http://schemas.microsoft.com/office/drawing/2010/main" val="0"/>
+              </a:ext>
+              <a:ext uri="{96DAC541-7B7A-43D3-8B79-37D633B846F1}">
+                <asvg:svgBlip xmlns:asvg="http://schemas.microsoft.com/office/drawing/2016/SVG/main" r:embed="rId3"/>
+              </a:ext>
+            </a:extLst>
+          </a:blip>
+          <a:stretch>
+            <a:fillRect/>
+          </a:stretch>
+        </p:blipFill>
+        <p:spPr>
+          <a:xfrm>
+            <a:off x="2412125" y="2072302"/>
+            <a:ext cx="1749287" cy="1749287"/>
+          </a:xfrm>
+          <a:prstGeom prst="rect">
+            <a:avLst/>
+          </a:prstGeom>
+        </p:spPr>
+      </p:pic>
+      <p:pic>
+        <p:nvPicPr>
+          <p:cNvPr id="23" name="Graphic 22" descr="Server">
+            <a:extLst>
+              <a:ext uri="{FF2B5EF4-FFF2-40B4-BE49-F238E27FC236}">
+                <a16:creationId xmlns:a16="http://schemas.microsoft.com/office/drawing/2014/main" id="{ABD60E05-20F3-4C5D-A017-DA16B9CABAC0}"/>
+              </a:ext>
+            </a:extLst>
+          </p:cNvPr>
+          <p:cNvPicPr>
+            <a:picLocks noChangeAspect="1"/>
+          </p:cNvPicPr>
+          <p:nvPr/>
+        </p:nvPicPr>
+        <p:blipFill>
+          <a:blip r:embed="rId2">
+            <a:extLst>
+              <a:ext uri="{28A0092B-C50C-407E-A947-70E740481C1C}">
+                <a14:useLocalDpi xmlns:a14="http://schemas.microsoft.com/office/drawing/2010/main" val="0"/>
+              </a:ext>
+              <a:ext uri="{96DAC541-7B7A-43D3-8B79-37D633B846F1}">
+                <asvg:svgBlip xmlns:asvg="http://schemas.microsoft.com/office/drawing/2016/SVG/main" r:embed="rId3"/>
+              </a:ext>
+            </a:extLst>
+          </a:blip>
+          <a:stretch>
+            <a:fillRect/>
+          </a:stretch>
+        </p:blipFill>
+        <p:spPr>
+          <a:xfrm>
+            <a:off x="3816740" y="2072302"/>
+            <a:ext cx="1749287" cy="1749287"/>
+          </a:xfrm>
+          <a:prstGeom prst="rect">
+            <a:avLst/>
+          </a:prstGeom>
+        </p:spPr>
+      </p:pic>
+      <p:pic>
+        <p:nvPicPr>
+          <p:cNvPr id="25" name="Picture 2" descr="Jenkins Build Pipeline project – DevOps eye">
+            <a:extLst>
+              <a:ext uri="{FF2B5EF4-FFF2-40B4-BE49-F238E27FC236}">
+                <a16:creationId xmlns:a16="http://schemas.microsoft.com/office/drawing/2014/main" id="{C673F348-7552-45B9-8C4A-1BA16815CC50}"/>
+              </a:ext>
+            </a:extLst>
+          </p:cNvPr>
+          <p:cNvPicPr>
+            <a:picLocks noChangeAspect="1" noChangeArrowheads="1"/>
+          </p:cNvPicPr>
+          <p:nvPr/>
+        </p:nvPicPr>
+        <p:blipFill>
+          <a:blip r:embed="rId4">
+            <a:extLst>
+              <a:ext uri="{28A0092B-C50C-407E-A947-70E740481C1C}">
+                <a14:useLocalDpi xmlns:a14="http://schemas.microsoft.com/office/drawing/2010/main" val="0"/>
+              </a:ext>
+            </a:extLst>
+          </a:blip>
+          <a:srcRect/>
+          <a:stretch>
+            <a:fillRect/>
+          </a:stretch>
+        </p:blipFill>
+        <p:spPr bwMode="auto">
+          <a:xfrm>
+            <a:off x="4346712" y="1649895"/>
+            <a:ext cx="689341" cy="689341"/>
+          </a:xfrm>
+          <a:prstGeom prst="rect">
+            <a:avLst/>
+          </a:prstGeom>
+          <a:noFill/>
+          <a:extLst>
+            <a:ext uri="{909E8E84-426E-40DD-AFC4-6F175D3DCCD1}">
+              <a14:hiddenFill xmlns:a14="http://schemas.microsoft.com/office/drawing/2010/main">
+                <a:solidFill>
+                  <a:srgbClr val="FFFFFF"/>
+                </a:solidFill>
+              </a14:hiddenFill>
+            </a:ext>
+          </a:extLst>
+        </p:spPr>
+      </p:pic>
+      <p:pic>
+        <p:nvPicPr>
+          <p:cNvPr id="27" name="Picture 2" descr="Jenkins Build Pipeline project – DevOps eye">
+            <a:extLst>
+              <a:ext uri="{FF2B5EF4-FFF2-40B4-BE49-F238E27FC236}">
+                <a16:creationId xmlns:a16="http://schemas.microsoft.com/office/drawing/2014/main" id="{C6CAC816-3B71-4C52-98EB-6B45AFD541D5}"/>
+              </a:ext>
+            </a:extLst>
+          </p:cNvPr>
+          <p:cNvPicPr>
+            <a:picLocks noChangeAspect="1" noChangeArrowheads="1"/>
+          </p:cNvPicPr>
+          <p:nvPr/>
+        </p:nvPicPr>
+        <p:blipFill>
+          <a:blip r:embed="rId4">
+            <a:extLst>
+              <a:ext uri="{28A0092B-C50C-407E-A947-70E740481C1C}">
+                <a14:useLocalDpi xmlns:a14="http://schemas.microsoft.com/office/drawing/2010/main" val="0"/>
+              </a:ext>
+            </a:extLst>
+          </a:blip>
+          <a:srcRect/>
+          <a:stretch>
+            <a:fillRect/>
+          </a:stretch>
+        </p:blipFill>
+        <p:spPr bwMode="auto">
+          <a:xfrm>
+            <a:off x="2928215" y="1543878"/>
+            <a:ext cx="689341" cy="689341"/>
+          </a:xfrm>
+          <a:prstGeom prst="rect">
+            <a:avLst/>
+          </a:prstGeom>
+          <a:noFill/>
+          <a:extLst>
+            <a:ext uri="{909E8E84-426E-40DD-AFC4-6F175D3DCCD1}">
+              <a14:hiddenFill xmlns:a14="http://schemas.microsoft.com/office/drawing/2010/main">
+                <a:solidFill>
+                  <a:srgbClr val="FFFFFF"/>
+                </a:solidFill>
+              </a14:hiddenFill>
+            </a:ext>
+          </a:extLst>
+        </p:spPr>
+      </p:pic>
+      <p:sp>
+        <p:nvSpPr>
+          <p:cNvPr id="29" name="Rectangle 28">
+            <a:extLst>
+              <a:ext uri="{FF2B5EF4-FFF2-40B4-BE49-F238E27FC236}">
+                <a16:creationId xmlns:a16="http://schemas.microsoft.com/office/drawing/2014/main" id="{D0AA3C4B-55E2-4FFC-A223-CEA9C5DE709E}"/>
+              </a:ext>
+            </a:extLst>
+          </p:cNvPr>
+          <p:cNvSpPr/>
+          <p:nvPr/>
+        </p:nvSpPr>
+        <p:spPr>
+          <a:xfrm>
+            <a:off x="3968135" y="4806312"/>
+            <a:ext cx="2135835" cy="1622480"/>
+          </a:xfrm>
+          <a:prstGeom prst="rect">
+            <a:avLst/>
+          </a:prstGeom>
+        </p:spPr>
+        <p:style>
+          <a:lnRef idx="2">
+            <a:schemeClr val="accent5">
+              <a:shade val="50000"/>
+            </a:schemeClr>
+          </a:lnRef>
+          <a:fillRef idx="1">
+            <a:schemeClr val="accent5"/>
+          </a:fillRef>
+          <a:effectRef idx="0">
+            <a:schemeClr val="accent5"/>
+          </a:effectRef>
+          <a:fontRef idx="minor">
+            <a:schemeClr val="lt1"/>
+          </a:fontRef>
+        </p:style>
+        <p:txBody>
+          <a:bodyPr rtlCol="0" anchor="ctr"/>
+          <a:lstStyle/>
+          <a:p>
+            <a:pPr algn="ctr"/>
             <a:r>
               <a:rPr lang="en-US" dirty="0" err="1"/>
-              <a:t>Cont</a:t>
-            </a:r>
-            <a:r>
-              <a:rPr lang="en-US" dirty="0"/>
-              <a:t>  Delivery + not having to push the button</a:t>
-            </a:r>
-          </a:p>
-          <a:p>
-            <a:pPr lvl="1"/>
-            <a:r>
-              <a:rPr lang="en-US" dirty="0"/>
-              <a:t>No human intervention needed</a:t>
+              <a:t>Github</a:t>
+            </a:r>
+            <a:endParaRPr lang="en-US" dirty="0"/>
+          </a:p>
+        </p:txBody>
+      </p:sp>
+      <p:sp>
+        <p:nvSpPr>
+          <p:cNvPr id="31" name="Explosion: 8 Points 30">
+            <a:extLst>
+              <a:ext uri="{FF2B5EF4-FFF2-40B4-BE49-F238E27FC236}">
+                <a16:creationId xmlns:a16="http://schemas.microsoft.com/office/drawing/2014/main" id="{5D3C2EAC-04C0-4804-8884-D47EDA96CFBF}"/>
+              </a:ext>
+            </a:extLst>
+          </p:cNvPr>
+          <p:cNvSpPr/>
+          <p:nvPr/>
+        </p:nvSpPr>
+        <p:spPr>
+          <a:xfrm>
+            <a:off x="3312367" y="5085184"/>
+            <a:ext cx="1250302" cy="1147665"/>
+          </a:xfrm>
+          <a:prstGeom prst="irregularSeal1">
+            <a:avLst/>
+          </a:prstGeom>
+        </p:spPr>
+        <p:style>
+          <a:lnRef idx="2">
+            <a:schemeClr val="accent4">
+              <a:shade val="50000"/>
+            </a:schemeClr>
+          </a:lnRef>
+          <a:fillRef idx="1">
+            <a:schemeClr val="accent4"/>
+          </a:fillRef>
+          <a:effectRef idx="0">
+            <a:schemeClr val="accent4"/>
+          </a:effectRef>
+          <a:fontRef idx="minor">
+            <a:schemeClr val="lt1"/>
+          </a:fontRef>
+        </p:style>
+        <p:txBody>
+          <a:bodyPr rtlCol="0" anchor="ctr"/>
+          <a:lstStyle/>
+          <a:p>
+            <a:pPr algn="ctr"/>
+            <a:r>
+              <a:rPr lang="en-US" dirty="0"/>
+              <a:t>Webhook</a:t>
             </a:r>
           </a:p>
         </p:txBody>
@@ -4511,7 +4858,7 @@
     </p:spTree>
     <p:extLst>
       <p:ext uri="{BB962C8B-B14F-4D97-AF65-F5344CB8AC3E}">
-        <p14:creationId xmlns:p14="http://schemas.microsoft.com/office/powerpoint/2010/main" val="2712991913"/>
+        <p14:creationId xmlns:p14="http://schemas.microsoft.com/office/powerpoint/2010/main" val="2645117928"/>
       </p:ext>
     </p:extLst>
   </p:cSld>
@@ -4540,266 +4887,100 @@
       </p:grpSpPr>
       <p:sp>
         <p:nvSpPr>
-          <p:cNvPr id="4" name="Rectangle 3">
-            <a:extLst>
-              <a:ext uri="{FF2B5EF4-FFF2-40B4-BE49-F238E27FC236}">
-                <a16:creationId xmlns:a16="http://schemas.microsoft.com/office/drawing/2014/main" id="{D6883F69-3A6C-45CD-B746-17E0E6E8D154}"/>
-              </a:ext>
-            </a:extLst>
-          </p:cNvPr>
-          <p:cNvSpPr/>
-          <p:nvPr/>
-        </p:nvSpPr>
-        <p:spPr>
-          <a:xfrm>
-            <a:off x="1477347" y="5029199"/>
-            <a:ext cx="8304246" cy="1334278"/>
-          </a:xfrm>
-          <a:prstGeom prst="rect">
-            <a:avLst/>
-          </a:prstGeom>
-        </p:spPr>
-        <p:style>
-          <a:lnRef idx="2">
-            <a:schemeClr val="accent1">
-              <a:shade val="50000"/>
-            </a:schemeClr>
-          </a:lnRef>
-          <a:fillRef idx="1">
-            <a:schemeClr val="accent1"/>
-          </a:fillRef>
-          <a:effectRef idx="0">
-            <a:schemeClr val="accent1"/>
-          </a:effectRef>
-          <a:fontRef idx="minor">
-            <a:schemeClr val="lt1"/>
-          </a:fontRef>
-        </p:style>
-        <p:txBody>
-          <a:bodyPr rtlCol="0" anchor="ctr"/>
-          <a:lstStyle/>
-          <a:p>
-            <a:pPr algn="ctr"/>
-            <a:r>
-              <a:rPr lang="en-US" dirty="0"/>
-              <a:t>Underlying OS</a:t>
-            </a:r>
-          </a:p>
-        </p:txBody>
-      </p:sp>
-      <p:sp>
-        <p:nvSpPr>
-          <p:cNvPr id="6" name="Rectangle 5">
-            <a:extLst>
-              <a:ext uri="{FF2B5EF4-FFF2-40B4-BE49-F238E27FC236}">
-                <a16:creationId xmlns:a16="http://schemas.microsoft.com/office/drawing/2014/main" id="{8CFBABBE-20E1-4D7C-A454-AC4945E088E4}"/>
-              </a:ext>
-            </a:extLst>
-          </p:cNvPr>
-          <p:cNvSpPr/>
-          <p:nvPr/>
-        </p:nvSpPr>
-        <p:spPr>
-          <a:xfrm>
-            <a:off x="1477347" y="4282751"/>
-            <a:ext cx="8304246" cy="746448"/>
-          </a:xfrm>
-          <a:prstGeom prst="rect">
-            <a:avLst/>
-          </a:prstGeom>
-        </p:spPr>
-        <p:style>
-          <a:lnRef idx="2">
-            <a:schemeClr val="accent5">
-              <a:shade val="50000"/>
-            </a:schemeClr>
-          </a:lnRef>
-          <a:fillRef idx="1">
-            <a:schemeClr val="accent5"/>
-          </a:fillRef>
-          <a:effectRef idx="0">
-            <a:schemeClr val="accent5"/>
-          </a:effectRef>
-          <a:fontRef idx="minor">
-            <a:schemeClr val="lt1"/>
-          </a:fontRef>
-        </p:style>
-        <p:txBody>
-          <a:bodyPr rtlCol="0" anchor="ctr"/>
-          <a:lstStyle/>
-          <a:p>
-            <a:pPr algn="ctr"/>
-            <a:r>
-              <a:rPr lang="en-US" dirty="0"/>
-              <a:t>Hypervisor</a:t>
-            </a:r>
-          </a:p>
-        </p:txBody>
-      </p:sp>
-      <p:sp>
-        <p:nvSpPr>
-          <p:cNvPr id="7" name="Rectangle 6">
-            <a:extLst>
-              <a:ext uri="{FF2B5EF4-FFF2-40B4-BE49-F238E27FC236}">
-                <a16:creationId xmlns:a16="http://schemas.microsoft.com/office/drawing/2014/main" id="{39669AE2-C282-4801-A869-8102A4A08643}"/>
-              </a:ext>
-            </a:extLst>
-          </p:cNvPr>
-          <p:cNvSpPr/>
-          <p:nvPr/>
-        </p:nvSpPr>
-        <p:spPr>
-          <a:xfrm>
-            <a:off x="1477347" y="1530220"/>
-            <a:ext cx="2768082" cy="2752531"/>
-          </a:xfrm>
-          <a:prstGeom prst="rect">
-            <a:avLst/>
-          </a:prstGeom>
-        </p:spPr>
-        <p:style>
-          <a:lnRef idx="2">
-            <a:schemeClr val="accent4">
-              <a:shade val="50000"/>
-            </a:schemeClr>
-          </a:lnRef>
-          <a:fillRef idx="1">
-            <a:schemeClr val="accent4"/>
-          </a:fillRef>
-          <a:effectRef idx="0">
-            <a:schemeClr val="accent4"/>
-          </a:effectRef>
-          <a:fontRef idx="minor">
-            <a:schemeClr val="lt1"/>
-          </a:fontRef>
-        </p:style>
-        <p:txBody>
-          <a:bodyPr rtlCol="0" anchor="ctr"/>
-          <a:lstStyle/>
-          <a:p>
-            <a:pPr algn="ctr"/>
-            <a:r>
-              <a:rPr lang="en-US" dirty="0"/>
-              <a:t>Virtual machines</a:t>
-            </a:r>
-          </a:p>
-          <a:p>
-            <a:pPr algn="ctr"/>
-            <a:r>
-              <a:rPr lang="en-US" dirty="0"/>
-              <a:t>(Amazon Linux 2)</a:t>
-            </a:r>
-          </a:p>
-        </p:txBody>
-      </p:sp>
-      <p:sp>
-        <p:nvSpPr>
-          <p:cNvPr id="9" name="Rectangle 8">
-            <a:extLst>
-              <a:ext uri="{FF2B5EF4-FFF2-40B4-BE49-F238E27FC236}">
-                <a16:creationId xmlns:a16="http://schemas.microsoft.com/office/drawing/2014/main" id="{FB70792F-08C4-44C6-B373-C401C6C514A3}"/>
-              </a:ext>
-            </a:extLst>
-          </p:cNvPr>
-          <p:cNvSpPr/>
-          <p:nvPr/>
-        </p:nvSpPr>
-        <p:spPr>
-          <a:xfrm>
-            <a:off x="4245429" y="1530220"/>
-            <a:ext cx="2768082" cy="2752531"/>
-          </a:xfrm>
-          <a:prstGeom prst="rect">
-            <a:avLst/>
-          </a:prstGeom>
-        </p:spPr>
-        <p:style>
-          <a:lnRef idx="2">
-            <a:schemeClr val="accent4">
-              <a:shade val="50000"/>
-            </a:schemeClr>
-          </a:lnRef>
-          <a:fillRef idx="1">
-            <a:schemeClr val="accent4"/>
-          </a:fillRef>
-          <a:effectRef idx="0">
-            <a:schemeClr val="accent4"/>
-          </a:effectRef>
-          <a:fontRef idx="minor">
-            <a:schemeClr val="lt1"/>
-          </a:fontRef>
-        </p:style>
-        <p:txBody>
-          <a:bodyPr rtlCol="0" anchor="ctr"/>
-          <a:lstStyle/>
-          <a:p>
-            <a:pPr algn="ctr"/>
-            <a:r>
-              <a:rPr lang="en-US" dirty="0"/>
-              <a:t>Virtual machines</a:t>
-            </a:r>
-          </a:p>
-          <a:p>
-            <a:pPr algn="ctr"/>
-            <a:r>
-              <a:rPr lang="en-US" dirty="0"/>
-              <a:t>(Ubuntu)</a:t>
-            </a:r>
-          </a:p>
-        </p:txBody>
-      </p:sp>
-      <p:sp>
-        <p:nvSpPr>
-          <p:cNvPr id="11" name="Rectangle 10">
-            <a:extLst>
-              <a:ext uri="{FF2B5EF4-FFF2-40B4-BE49-F238E27FC236}">
-                <a16:creationId xmlns:a16="http://schemas.microsoft.com/office/drawing/2014/main" id="{C48441B6-DC15-49DA-8151-D8BF6272722D}"/>
-              </a:ext>
-            </a:extLst>
-          </p:cNvPr>
-          <p:cNvSpPr/>
-          <p:nvPr/>
-        </p:nvSpPr>
-        <p:spPr>
-          <a:xfrm>
-            <a:off x="7013511" y="1530219"/>
-            <a:ext cx="2768082" cy="2752531"/>
-          </a:xfrm>
-          <a:prstGeom prst="rect">
-            <a:avLst/>
-          </a:prstGeom>
-        </p:spPr>
-        <p:style>
-          <a:lnRef idx="2">
-            <a:schemeClr val="accent4">
-              <a:shade val="50000"/>
-            </a:schemeClr>
-          </a:lnRef>
-          <a:fillRef idx="1">
-            <a:schemeClr val="accent4"/>
-          </a:fillRef>
-          <a:effectRef idx="0">
-            <a:schemeClr val="accent4"/>
-          </a:effectRef>
-          <a:fontRef idx="minor">
-            <a:schemeClr val="lt1"/>
-          </a:fontRef>
-        </p:style>
-        <p:txBody>
-          <a:bodyPr rtlCol="0" anchor="ctr"/>
-          <a:lstStyle/>
-          <a:p>
-            <a:pPr algn="ctr"/>
-            <a:r>
-              <a:rPr lang="en-US" dirty="0"/>
-              <a:t>Virtual machines</a:t>
-            </a:r>
-          </a:p>
-          <a:p>
-            <a:pPr algn="ctr"/>
-            <a:r>
-              <a:rPr lang="en-US" dirty="0"/>
-              <a:t>(Windows)</a:t>
+          <p:cNvPr id="2" name="Title 1">
+            <a:extLst>
+              <a:ext uri="{FF2B5EF4-FFF2-40B4-BE49-F238E27FC236}">
+                <a16:creationId xmlns:a16="http://schemas.microsoft.com/office/drawing/2014/main" id="{F2B94128-BD84-4FC4-B01A-3C8960FC5154}"/>
+              </a:ext>
+            </a:extLst>
+          </p:cNvPr>
+          <p:cNvSpPr>
+            <a:spLocks noGrp="1"/>
+          </p:cNvSpPr>
+          <p:nvPr>
+            <p:ph type="title"/>
+          </p:nvPr>
+        </p:nvSpPr>
+        <p:spPr/>
+        <p:txBody>
+          <a:bodyPr/>
+          <a:lstStyle/>
+          <a:p>
+            <a:r>
+              <a:rPr lang="en-US" dirty="0"/>
+              <a:t>DevOps</a:t>
+            </a:r>
+          </a:p>
+        </p:txBody>
+      </p:sp>
+      <p:sp>
+        <p:nvSpPr>
+          <p:cNvPr id="3" name="Content Placeholder 2">
+            <a:extLst>
+              <a:ext uri="{FF2B5EF4-FFF2-40B4-BE49-F238E27FC236}">
+                <a16:creationId xmlns:a16="http://schemas.microsoft.com/office/drawing/2014/main" id="{F73CE6F1-C89E-4682-A2DE-9D3B05CD53A3}"/>
+              </a:ext>
+            </a:extLst>
+          </p:cNvPr>
+          <p:cNvSpPr>
+            <a:spLocks noGrp="1"/>
+          </p:cNvSpPr>
+          <p:nvPr>
+            <p:ph idx="1"/>
+          </p:nvPr>
+        </p:nvSpPr>
+        <p:spPr/>
+        <p:txBody>
+          <a:bodyPr/>
+          <a:lstStyle/>
+          <a:p>
+            <a:r>
+              <a:rPr lang="en-US" dirty="0"/>
+              <a:t>CI (Continuous Integration)</a:t>
+            </a:r>
+          </a:p>
+          <a:p>
+            <a:pPr lvl="1"/>
+            <a:r>
+              <a:rPr lang="en-US" dirty="0"/>
+              <a:t>Practice of as frequently as possible merging your codebase</a:t>
+            </a:r>
+          </a:p>
+          <a:p>
+            <a:r>
+              <a:rPr lang="en-US" dirty="0"/>
+              <a:t>CD (Continuous Delivery)</a:t>
+            </a:r>
+          </a:p>
+          <a:p>
+            <a:pPr lvl="1"/>
+            <a:r>
+              <a:rPr lang="en-US" dirty="0"/>
+              <a:t>Automating your deployment to productions process such that your application can be released to production at the click of a button</a:t>
+            </a:r>
+          </a:p>
+          <a:p>
+            <a:r>
+              <a:rPr lang="en-US" dirty="0"/>
+              <a:t>CD (Continuous Deployment)</a:t>
+            </a:r>
+          </a:p>
+          <a:p>
+            <a:pPr lvl="1"/>
+            <a:r>
+              <a:rPr lang="en-US" dirty="0" err="1"/>
+              <a:t>Cont</a:t>
+            </a:r>
+            <a:r>
+              <a:rPr lang="en-US" dirty="0"/>
+              <a:t>  Delivery + not having to push the button</a:t>
+            </a:r>
+          </a:p>
+          <a:p>
+            <a:pPr lvl="1"/>
+            <a:r>
+              <a:rPr lang="en-US" dirty="0"/>
+              <a:t>No human intervention needed</a:t>
             </a:r>
           </a:p>
         </p:txBody>
@@ -4807,7 +4988,7 @@
     </p:spTree>
     <p:extLst>
       <p:ext uri="{BB962C8B-B14F-4D97-AF65-F5344CB8AC3E}">
-        <p14:creationId xmlns:p14="http://schemas.microsoft.com/office/powerpoint/2010/main" val="262119260"/>
+        <p14:creationId xmlns:p14="http://schemas.microsoft.com/office/powerpoint/2010/main" val="2712991913"/>
       </p:ext>
     </p:extLst>
   </p:cSld>
@@ -4836,43 +5017,10 @@
       </p:grpSpPr>
       <p:sp>
         <p:nvSpPr>
-          <p:cNvPr id="2" name="Title 1">
-            <a:extLst>
-              <a:ext uri="{FF2B5EF4-FFF2-40B4-BE49-F238E27FC236}">
-                <a16:creationId xmlns:a16="http://schemas.microsoft.com/office/drawing/2014/main" id="{CE67CBA7-EB19-420D-B8B3-9B603709730F}"/>
-              </a:ext>
-            </a:extLst>
-          </p:cNvPr>
-          <p:cNvSpPr>
-            <a:spLocks noGrp="1"/>
-          </p:cNvSpPr>
-          <p:nvPr>
-            <p:ph type="title"/>
-          </p:nvPr>
-        </p:nvSpPr>
-        <p:spPr/>
-        <p:txBody>
-          <a:bodyPr/>
-          <a:lstStyle/>
-          <a:p>
-            <a:r>
-              <a:rPr lang="en-US" dirty="0"/>
-              <a:t>Maven…Jar…War…Tomcat….</a:t>
-            </a:r>
-            <a:r>
-              <a:rPr lang="en-US" dirty="0" err="1"/>
-              <a:t>etc</a:t>
-            </a:r>
-            <a:endParaRPr lang="en-US" dirty="0"/>
-          </a:p>
-        </p:txBody>
-      </p:sp>
-      <p:sp>
-        <p:nvSpPr>
-          <p:cNvPr id="5" name="Rectangle 4">
-            <a:extLst>
-              <a:ext uri="{FF2B5EF4-FFF2-40B4-BE49-F238E27FC236}">
-                <a16:creationId xmlns:a16="http://schemas.microsoft.com/office/drawing/2014/main" id="{5BC440DE-3800-405F-959F-643B8D98D759}"/>
+          <p:cNvPr id="4" name="Rectangle 3">
+            <a:extLst>
+              <a:ext uri="{FF2B5EF4-FFF2-40B4-BE49-F238E27FC236}">
+                <a16:creationId xmlns:a16="http://schemas.microsoft.com/office/drawing/2014/main" id="{D6883F69-3A6C-45CD-B746-17E0E6E8D154}"/>
               </a:ext>
             </a:extLst>
           </p:cNvPr>
@@ -4881,8 +5029,8 @@
         </p:nvSpPr>
         <p:spPr>
           <a:xfrm>
-            <a:off x="682341" y="1916594"/>
-            <a:ext cx="1394937" cy="1325563"/>
+            <a:off x="1477347" y="5029199"/>
+            <a:ext cx="8304246" cy="1334278"/>
           </a:xfrm>
           <a:prstGeom prst="rect">
             <a:avLst/>
@@ -4911,17 +5059,17 @@
             <a:pPr algn="ctr"/>
             <a:r>
               <a:rPr lang="en-US" dirty="0"/>
-              <a:t>app</a:t>
-            </a:r>
-          </a:p>
-        </p:txBody>
-      </p:sp>
-      <p:sp>
-        <p:nvSpPr>
-          <p:cNvPr id="7" name="Rectangle 6">
-            <a:extLst>
-              <a:ext uri="{FF2B5EF4-FFF2-40B4-BE49-F238E27FC236}">
-                <a16:creationId xmlns:a16="http://schemas.microsoft.com/office/drawing/2014/main" id="{1DE3E562-9149-4D81-8621-6A4E590B941E}"/>
+              <a:t>Underlying OS</a:t>
+            </a:r>
+          </a:p>
+        </p:txBody>
+      </p:sp>
+      <p:sp>
+        <p:nvSpPr>
+          <p:cNvPr id="6" name="Rectangle 5">
+            <a:extLst>
+              <a:ext uri="{FF2B5EF4-FFF2-40B4-BE49-F238E27FC236}">
+                <a16:creationId xmlns:a16="http://schemas.microsoft.com/office/drawing/2014/main" id="{8CFBABBE-20E1-4D7C-A454-AC4945E088E4}"/>
               </a:ext>
             </a:extLst>
           </p:cNvPr>
@@ -4930,8 +5078,8 @@
         </p:nvSpPr>
         <p:spPr>
           <a:xfrm>
-            <a:off x="1291942" y="1549811"/>
-            <a:ext cx="626311" cy="552660"/>
+            <a:off x="1477347" y="4282751"/>
+            <a:ext cx="8304246" cy="746448"/>
           </a:xfrm>
           <a:prstGeom prst="rect">
             <a:avLst/>
@@ -4939,15 +5087,15 @@
         </p:spPr>
         <p:style>
           <a:lnRef idx="2">
-            <a:schemeClr val="accent6">
+            <a:schemeClr val="accent5">
               <a:shade val="50000"/>
             </a:schemeClr>
           </a:lnRef>
           <a:fillRef idx="1">
-            <a:schemeClr val="accent6"/>
+            <a:schemeClr val="accent5"/>
           </a:fillRef>
           <a:effectRef idx="0">
-            <a:schemeClr val="accent6"/>
+            <a:schemeClr val="accent5"/>
           </a:effectRef>
           <a:fontRef idx="minor">
             <a:schemeClr val="lt1"/>
@@ -4960,17 +5108,17 @@
             <a:pPr algn="ctr"/>
             <a:r>
               <a:rPr lang="en-US" dirty="0"/>
-              <a:t>Jar</a:t>
-            </a:r>
-          </a:p>
-        </p:txBody>
-      </p:sp>
-      <p:sp>
-        <p:nvSpPr>
-          <p:cNvPr id="9" name="Rectangle 8">
-            <a:extLst>
-              <a:ext uri="{FF2B5EF4-FFF2-40B4-BE49-F238E27FC236}">
-                <a16:creationId xmlns:a16="http://schemas.microsoft.com/office/drawing/2014/main" id="{CB3E87E2-B9CF-4903-B231-DAC8FA94718B}"/>
+              <a:t>Hypervisor</a:t>
+            </a:r>
+          </a:p>
+        </p:txBody>
+      </p:sp>
+      <p:sp>
+        <p:nvSpPr>
+          <p:cNvPr id="7" name="Rectangle 6">
+            <a:extLst>
+              <a:ext uri="{FF2B5EF4-FFF2-40B4-BE49-F238E27FC236}">
+                <a16:creationId xmlns:a16="http://schemas.microsoft.com/office/drawing/2014/main" id="{39669AE2-C282-4801-A869-8102A4A08643}"/>
               </a:ext>
             </a:extLst>
           </p:cNvPr>
@@ -4979,253 +5127,8 @@
         </p:nvSpPr>
         <p:spPr>
           <a:xfrm>
-            <a:off x="1444342" y="1702211"/>
-            <a:ext cx="626311" cy="552660"/>
-          </a:xfrm>
-          <a:prstGeom prst="rect">
-            <a:avLst/>
-          </a:prstGeom>
-        </p:spPr>
-        <p:style>
-          <a:lnRef idx="2">
-            <a:schemeClr val="accent6">
-              <a:shade val="50000"/>
-            </a:schemeClr>
-          </a:lnRef>
-          <a:fillRef idx="1">
-            <a:schemeClr val="accent6"/>
-          </a:fillRef>
-          <a:effectRef idx="0">
-            <a:schemeClr val="accent6"/>
-          </a:effectRef>
-          <a:fontRef idx="minor">
-            <a:schemeClr val="lt1"/>
-          </a:fontRef>
-        </p:style>
-        <p:txBody>
-          <a:bodyPr rtlCol="0" anchor="ctr"/>
-          <a:lstStyle/>
-          <a:p>
-            <a:pPr algn="ctr"/>
-            <a:r>
-              <a:rPr lang="en-US" dirty="0"/>
-              <a:t>Jar</a:t>
-            </a:r>
-          </a:p>
-        </p:txBody>
-      </p:sp>
-      <p:sp>
-        <p:nvSpPr>
-          <p:cNvPr id="11" name="Rectangle 10">
-            <a:extLst>
-              <a:ext uri="{FF2B5EF4-FFF2-40B4-BE49-F238E27FC236}">
-                <a16:creationId xmlns:a16="http://schemas.microsoft.com/office/drawing/2014/main" id="{20096707-CB51-4263-866E-5CD8BF54DB1B}"/>
-              </a:ext>
-            </a:extLst>
-          </p:cNvPr>
-          <p:cNvSpPr/>
-          <p:nvPr/>
-        </p:nvSpPr>
-        <p:spPr>
-          <a:xfrm>
-            <a:off x="1596742" y="1854611"/>
-            <a:ext cx="626311" cy="552660"/>
-          </a:xfrm>
-          <a:prstGeom prst="rect">
-            <a:avLst/>
-          </a:prstGeom>
-        </p:spPr>
-        <p:style>
-          <a:lnRef idx="2">
-            <a:schemeClr val="accent6">
-              <a:shade val="50000"/>
-            </a:schemeClr>
-          </a:lnRef>
-          <a:fillRef idx="1">
-            <a:schemeClr val="accent6"/>
-          </a:fillRef>
-          <a:effectRef idx="0">
-            <a:schemeClr val="accent6"/>
-          </a:effectRef>
-          <a:fontRef idx="minor">
-            <a:schemeClr val="lt1"/>
-          </a:fontRef>
-        </p:style>
-        <p:txBody>
-          <a:bodyPr rtlCol="0" anchor="ctr"/>
-          <a:lstStyle/>
-          <a:p>
-            <a:pPr algn="ctr"/>
-            <a:r>
-              <a:rPr lang="en-US" dirty="0"/>
-              <a:t>Jar</a:t>
-            </a:r>
-          </a:p>
-        </p:txBody>
-      </p:sp>
-      <p:sp>
-        <p:nvSpPr>
-          <p:cNvPr id="13" name="Rectangle 12">
-            <a:extLst>
-              <a:ext uri="{FF2B5EF4-FFF2-40B4-BE49-F238E27FC236}">
-                <a16:creationId xmlns:a16="http://schemas.microsoft.com/office/drawing/2014/main" id="{526C2C41-CA5A-479F-B1CB-CAF44147C367}"/>
-              </a:ext>
-            </a:extLst>
-          </p:cNvPr>
-          <p:cNvSpPr/>
-          <p:nvPr/>
-        </p:nvSpPr>
-        <p:spPr>
-          <a:xfrm>
-            <a:off x="1749142" y="2007011"/>
-            <a:ext cx="626311" cy="552660"/>
-          </a:xfrm>
-          <a:prstGeom prst="rect">
-            <a:avLst/>
-          </a:prstGeom>
-        </p:spPr>
-        <p:style>
-          <a:lnRef idx="2">
-            <a:schemeClr val="accent6">
-              <a:shade val="50000"/>
-            </a:schemeClr>
-          </a:lnRef>
-          <a:fillRef idx="1">
-            <a:schemeClr val="accent6"/>
-          </a:fillRef>
-          <a:effectRef idx="0">
-            <a:schemeClr val="accent6"/>
-          </a:effectRef>
-          <a:fontRef idx="minor">
-            <a:schemeClr val="lt1"/>
-          </a:fontRef>
-        </p:style>
-        <p:txBody>
-          <a:bodyPr rtlCol="0" anchor="ctr"/>
-          <a:lstStyle/>
-          <a:p>
-            <a:pPr algn="ctr"/>
-            <a:r>
-              <a:rPr lang="en-US" dirty="0"/>
-              <a:t>Jar</a:t>
-            </a:r>
-          </a:p>
-        </p:txBody>
-      </p:sp>
-      <p:sp>
-        <p:nvSpPr>
-          <p:cNvPr id="15" name="Rectangle 14">
-            <a:extLst>
-              <a:ext uri="{FF2B5EF4-FFF2-40B4-BE49-F238E27FC236}">
-                <a16:creationId xmlns:a16="http://schemas.microsoft.com/office/drawing/2014/main" id="{3F61FF13-6C61-4EC8-AA6E-98E1E078C6D3}"/>
-              </a:ext>
-            </a:extLst>
-          </p:cNvPr>
-          <p:cNvSpPr/>
-          <p:nvPr/>
-        </p:nvSpPr>
-        <p:spPr>
-          <a:xfrm>
-            <a:off x="1901542" y="2159411"/>
-            <a:ext cx="626311" cy="552660"/>
-          </a:xfrm>
-          <a:prstGeom prst="rect">
-            <a:avLst/>
-          </a:prstGeom>
-        </p:spPr>
-        <p:style>
-          <a:lnRef idx="2">
-            <a:schemeClr val="accent6">
-              <a:shade val="50000"/>
-            </a:schemeClr>
-          </a:lnRef>
-          <a:fillRef idx="1">
-            <a:schemeClr val="accent6"/>
-          </a:fillRef>
-          <a:effectRef idx="0">
-            <a:schemeClr val="accent6"/>
-          </a:effectRef>
-          <a:fontRef idx="minor">
-            <a:schemeClr val="lt1"/>
-          </a:fontRef>
-        </p:style>
-        <p:txBody>
-          <a:bodyPr rtlCol="0" anchor="ctr"/>
-          <a:lstStyle/>
-          <a:p>
-            <a:pPr algn="ctr"/>
-            <a:r>
-              <a:rPr lang="en-US" dirty="0"/>
-              <a:t>Jar</a:t>
-            </a:r>
-          </a:p>
-        </p:txBody>
-      </p:sp>
-      <p:sp>
-        <p:nvSpPr>
-          <p:cNvPr id="17" name="Rectangle 16">
-            <a:extLst>
-              <a:ext uri="{FF2B5EF4-FFF2-40B4-BE49-F238E27FC236}">
-                <a16:creationId xmlns:a16="http://schemas.microsoft.com/office/drawing/2014/main" id="{237C2C5F-FB2D-4656-B12D-A1B75E9042B6}"/>
-              </a:ext>
-            </a:extLst>
-          </p:cNvPr>
-          <p:cNvSpPr/>
-          <p:nvPr/>
-        </p:nvSpPr>
-        <p:spPr>
-          <a:xfrm>
-            <a:off x="2791166" y="3679133"/>
-            <a:ext cx="1394937" cy="1325563"/>
-          </a:xfrm>
-          <a:prstGeom prst="rect">
-            <a:avLst/>
-          </a:prstGeom>
-        </p:spPr>
-        <p:style>
-          <a:lnRef idx="2">
-            <a:schemeClr val="accent3">
-              <a:shade val="50000"/>
-            </a:schemeClr>
-          </a:lnRef>
-          <a:fillRef idx="1">
-            <a:schemeClr val="accent3"/>
-          </a:fillRef>
-          <a:effectRef idx="0">
-            <a:schemeClr val="accent3"/>
-          </a:effectRef>
-          <a:fontRef idx="minor">
-            <a:schemeClr val="lt1"/>
-          </a:fontRef>
-        </p:style>
-        <p:txBody>
-          <a:bodyPr rtlCol="0" anchor="ctr"/>
-          <a:lstStyle/>
-          <a:p>
-            <a:pPr algn="ctr"/>
-            <a:r>
-              <a:rPr lang="en-US" dirty="0"/>
-              <a:t>Maven</a:t>
-            </a:r>
-          </a:p>
-        </p:txBody>
-      </p:sp>
-      <p:sp>
-        <p:nvSpPr>
-          <p:cNvPr id="19" name="Rectangle 18">
-            <a:extLst>
-              <a:ext uri="{FF2B5EF4-FFF2-40B4-BE49-F238E27FC236}">
-                <a16:creationId xmlns:a16="http://schemas.microsoft.com/office/drawing/2014/main" id="{94350543-1903-442E-93CD-86727806440E}"/>
-              </a:ext>
-            </a:extLst>
-          </p:cNvPr>
-          <p:cNvSpPr/>
-          <p:nvPr/>
-        </p:nvSpPr>
-        <p:spPr>
-          <a:xfrm>
-            <a:off x="9755039" y="1820168"/>
-            <a:ext cx="1598761" cy="1421989"/>
+            <a:off x="1477347" y="1530219"/>
+            <a:ext cx="2768082" cy="2752531"/>
           </a:xfrm>
           <a:prstGeom prst="rect">
             <a:avLst/>
@@ -5254,24 +5157,24 @@
             <a:pPr algn="ctr"/>
             <a:r>
               <a:rPr lang="en-US" dirty="0"/>
-              <a:t>Tomcat</a:t>
+              <a:t>Virtual machines</a:t>
             </a:r>
           </a:p>
           <a:p>
             <a:pPr algn="ctr"/>
             <a:r>
               <a:rPr lang="en-US" dirty="0"/>
-              <a:t>Server</a:t>
-            </a:r>
-          </a:p>
-        </p:txBody>
-      </p:sp>
-      <p:sp>
-        <p:nvSpPr>
-          <p:cNvPr id="20" name="Arrow: Right 19">
-            <a:extLst>
-              <a:ext uri="{FF2B5EF4-FFF2-40B4-BE49-F238E27FC236}">
-                <a16:creationId xmlns:a16="http://schemas.microsoft.com/office/drawing/2014/main" id="{0374C2C2-07C4-45C3-8253-392D1F2B6C4E}"/>
+              <a:t>(Amazon Linux 2)</a:t>
+            </a:r>
+          </a:p>
+        </p:txBody>
+      </p:sp>
+      <p:sp>
+        <p:nvSpPr>
+          <p:cNvPr id="9" name="Rectangle 8">
+            <a:extLst>
+              <a:ext uri="{FF2B5EF4-FFF2-40B4-BE49-F238E27FC236}">
+                <a16:creationId xmlns:a16="http://schemas.microsoft.com/office/drawing/2014/main" id="{FB70792F-08C4-44C6-B373-C401C6C514A3}"/>
               </a:ext>
             </a:extLst>
           </p:cNvPr>
@@ -5280,24 +5183,24 @@
         </p:nvSpPr>
         <p:spPr>
           <a:xfrm>
-            <a:off x="2915481" y="2193925"/>
-            <a:ext cx="1394937" cy="834886"/>
-          </a:xfrm>
-          <a:prstGeom prst="rightArrow">
+            <a:off x="4245429" y="1530220"/>
+            <a:ext cx="2768082" cy="2752531"/>
+          </a:xfrm>
+          <a:prstGeom prst="rect">
             <a:avLst/>
           </a:prstGeom>
         </p:spPr>
         <p:style>
           <a:lnRef idx="2">
-            <a:schemeClr val="accent2">
+            <a:schemeClr val="accent4">
               <a:shade val="50000"/>
             </a:schemeClr>
           </a:lnRef>
           <a:fillRef idx="1">
-            <a:schemeClr val="accent2"/>
+            <a:schemeClr val="accent4"/>
           </a:fillRef>
           <a:effectRef idx="0">
-            <a:schemeClr val="accent2"/>
+            <a:schemeClr val="accent4"/>
           </a:effectRef>
           <a:fontRef idx="minor">
             <a:schemeClr val="lt1"/>
@@ -5310,17 +5213,24 @@
             <a:pPr algn="ctr"/>
             <a:r>
               <a:rPr lang="en-US" dirty="0"/>
-              <a:t>package</a:t>
-            </a:r>
-          </a:p>
-        </p:txBody>
-      </p:sp>
-      <p:sp>
-        <p:nvSpPr>
-          <p:cNvPr id="22" name="Rectangle 21">
-            <a:extLst>
-              <a:ext uri="{FF2B5EF4-FFF2-40B4-BE49-F238E27FC236}">
-                <a16:creationId xmlns:a16="http://schemas.microsoft.com/office/drawing/2014/main" id="{9549A2F4-07EB-4761-BAEB-203D735807E8}"/>
+              <a:t>Virtual machines</a:t>
+            </a:r>
+          </a:p>
+          <a:p>
+            <a:pPr algn="ctr"/>
+            <a:r>
+              <a:rPr lang="en-US" dirty="0"/>
+              <a:t>(Ubuntu)</a:t>
+            </a:r>
+          </a:p>
+        </p:txBody>
+      </p:sp>
+      <p:sp>
+        <p:nvSpPr>
+          <p:cNvPr id="11" name="Rectangle 10">
+            <a:extLst>
+              <a:ext uri="{FF2B5EF4-FFF2-40B4-BE49-F238E27FC236}">
+                <a16:creationId xmlns:a16="http://schemas.microsoft.com/office/drawing/2014/main" id="{C48441B6-DC15-49DA-8151-D8BF6272722D}"/>
               </a:ext>
             </a:extLst>
           </p:cNvPr>
@@ -5329,8 +5239,8 @@
         </p:nvSpPr>
         <p:spPr>
           <a:xfrm>
-            <a:off x="4524533" y="2025578"/>
-            <a:ext cx="1394937" cy="1325563"/>
+            <a:off x="7013511" y="1530219"/>
+            <a:ext cx="2768082" cy="2752531"/>
           </a:xfrm>
           <a:prstGeom prst="rect">
             <a:avLst/>
@@ -5338,15 +5248,15 @@
         </p:spPr>
         <p:style>
           <a:lnRef idx="2">
-            <a:schemeClr val="accent1">
+            <a:schemeClr val="accent4">
               <a:shade val="50000"/>
             </a:schemeClr>
           </a:lnRef>
           <a:fillRef idx="1">
-            <a:schemeClr val="accent1"/>
+            <a:schemeClr val="accent4"/>
           </a:fillRef>
           <a:effectRef idx="0">
-            <a:schemeClr val="accent1"/>
+            <a:schemeClr val="accent4"/>
           </a:effectRef>
           <a:fontRef idx="minor">
             <a:schemeClr val="lt1"/>
@@ -5359,161 +5269,14 @@
             <a:pPr algn="ctr"/>
             <a:r>
               <a:rPr lang="en-US" dirty="0"/>
-              <a:t>WAR</a:t>
-            </a:r>
-          </a:p>
-        </p:txBody>
-      </p:sp>
-      <p:sp>
-        <p:nvSpPr>
-          <p:cNvPr id="24" name="Rectangle 23">
-            <a:extLst>
-              <a:ext uri="{FF2B5EF4-FFF2-40B4-BE49-F238E27FC236}">
-                <a16:creationId xmlns:a16="http://schemas.microsoft.com/office/drawing/2014/main" id="{C90679F6-34EC-46E4-BF6F-864E4C65933D}"/>
-              </a:ext>
-            </a:extLst>
-          </p:cNvPr>
-          <p:cNvSpPr/>
-          <p:nvPr/>
-        </p:nvSpPr>
-        <p:spPr>
-          <a:xfrm>
-            <a:off x="10287000" y="2910766"/>
-            <a:ext cx="738806" cy="662782"/>
-          </a:xfrm>
-          <a:prstGeom prst="rect">
-            <a:avLst/>
-          </a:prstGeom>
-        </p:spPr>
-        <p:style>
-          <a:lnRef idx="2">
-            <a:schemeClr val="accent1">
-              <a:shade val="50000"/>
-            </a:schemeClr>
-          </a:lnRef>
-          <a:fillRef idx="1">
-            <a:schemeClr val="accent1"/>
-          </a:fillRef>
-          <a:effectRef idx="0">
-            <a:schemeClr val="accent1"/>
-          </a:effectRef>
-          <a:fontRef idx="minor">
-            <a:schemeClr val="lt1"/>
-          </a:fontRef>
-        </p:style>
-        <p:txBody>
-          <a:bodyPr rtlCol="0" anchor="ctr"/>
-          <a:lstStyle/>
+              <a:t>Virtual machines</a:t>
+            </a:r>
+          </a:p>
           <a:p>
             <a:pPr algn="ctr"/>
             <a:r>
               <a:rPr lang="en-US" dirty="0"/>
-              <a:t>WAR</a:t>
-            </a:r>
-          </a:p>
-        </p:txBody>
-      </p:sp>
-      <p:sp>
-        <p:nvSpPr>
-          <p:cNvPr id="26" name="Arrow: Right 25">
-            <a:extLst>
-              <a:ext uri="{FF2B5EF4-FFF2-40B4-BE49-F238E27FC236}">
-                <a16:creationId xmlns:a16="http://schemas.microsoft.com/office/drawing/2014/main" id="{D4183197-64CA-4EE5-8AA6-A782D8172062}"/>
-              </a:ext>
-            </a:extLst>
-          </p:cNvPr>
-          <p:cNvSpPr/>
-          <p:nvPr/>
-        </p:nvSpPr>
-        <p:spPr>
-          <a:xfrm rot="3315978">
-            <a:off x="8963017" y="692762"/>
-            <a:ext cx="1394937" cy="1330433"/>
-          </a:xfrm>
-          <a:prstGeom prst="rightArrow">
-            <a:avLst/>
-          </a:prstGeom>
-        </p:spPr>
-        <p:style>
-          <a:lnRef idx="2">
-            <a:schemeClr val="accent2">
-              <a:shade val="50000"/>
-            </a:schemeClr>
-          </a:lnRef>
-          <a:fillRef idx="1">
-            <a:schemeClr val="accent2"/>
-          </a:fillRef>
-          <a:effectRef idx="0">
-            <a:schemeClr val="accent2"/>
-          </a:effectRef>
-          <a:fontRef idx="minor">
-            <a:schemeClr val="lt1"/>
-          </a:fontRef>
-        </p:style>
-        <p:txBody>
-          <a:bodyPr rtlCol="0" anchor="ctr"/>
-          <a:lstStyle/>
-          <a:p>
-            <a:pPr algn="ctr"/>
-            <a:r>
-              <a:rPr lang="en-US" dirty="0"/>
-              <a:t>http request</a:t>
-            </a:r>
-          </a:p>
-        </p:txBody>
-      </p:sp>
-      <p:sp>
-        <p:nvSpPr>
-          <p:cNvPr id="28" name="Arrow: Right 27">
-            <a:extLst>
-              <a:ext uri="{FF2B5EF4-FFF2-40B4-BE49-F238E27FC236}">
-                <a16:creationId xmlns:a16="http://schemas.microsoft.com/office/drawing/2014/main" id="{6798B911-F347-40D0-993C-B31E3E7F063F}"/>
-              </a:ext>
-            </a:extLst>
-          </p:cNvPr>
-          <p:cNvSpPr/>
-          <p:nvPr/>
-        </p:nvSpPr>
-        <p:spPr>
-          <a:xfrm>
-            <a:off x="6521213" y="2006045"/>
-            <a:ext cx="2905832" cy="1151886"/>
-          </a:xfrm>
-          <a:prstGeom prst="rightArrow">
-            <a:avLst/>
-          </a:prstGeom>
-        </p:spPr>
-        <p:style>
-          <a:lnRef idx="2">
-            <a:schemeClr val="accent2">
-              <a:shade val="50000"/>
-            </a:schemeClr>
-          </a:lnRef>
-          <a:fillRef idx="1">
-            <a:schemeClr val="accent2"/>
-          </a:fillRef>
-          <a:effectRef idx="0">
-            <a:schemeClr val="accent2"/>
-          </a:effectRef>
-          <a:fontRef idx="minor">
-            <a:schemeClr val="lt1"/>
-          </a:fontRef>
-        </p:style>
-        <p:txBody>
-          <a:bodyPr rtlCol="0" anchor="ctr"/>
-          <a:lstStyle/>
-          <a:p>
-            <a:pPr algn="ctr"/>
-            <a:r>
-              <a:rPr lang="en-US" dirty="0"/>
-              <a:t>Deploy </a:t>
-            </a:r>
-          </a:p>
-          <a:p>
-            <a:pPr algn="ctr"/>
-            <a:r>
-              <a:rPr lang="en-US" dirty="0"/>
-              <a:t>(not maven deploy)</a:t>
+              <a:t>(Windows)</a:t>
             </a:r>
           </a:p>
         </p:txBody>
@@ -5521,7 +5284,7 @@
     </p:spTree>
     <p:extLst>
       <p:ext uri="{BB962C8B-B14F-4D97-AF65-F5344CB8AC3E}">
-        <p14:creationId xmlns:p14="http://schemas.microsoft.com/office/powerpoint/2010/main" val="966824430"/>
+        <p14:creationId xmlns:p14="http://schemas.microsoft.com/office/powerpoint/2010/main" val="262119260"/>
       </p:ext>
     </p:extLst>
   </p:cSld>
@@ -5550,10 +5313,43 @@
       </p:grpSpPr>
       <p:sp>
         <p:nvSpPr>
+          <p:cNvPr id="2" name="Title 1">
+            <a:extLst>
+              <a:ext uri="{FF2B5EF4-FFF2-40B4-BE49-F238E27FC236}">
+                <a16:creationId xmlns:a16="http://schemas.microsoft.com/office/drawing/2014/main" id="{CE67CBA7-EB19-420D-B8B3-9B603709730F}"/>
+              </a:ext>
+            </a:extLst>
+          </p:cNvPr>
+          <p:cNvSpPr>
+            <a:spLocks noGrp="1"/>
+          </p:cNvSpPr>
+          <p:nvPr>
+            <p:ph type="title"/>
+          </p:nvPr>
+        </p:nvSpPr>
+        <p:spPr/>
+        <p:txBody>
+          <a:bodyPr/>
+          <a:lstStyle/>
+          <a:p>
+            <a:r>
+              <a:rPr lang="en-US" dirty="0"/>
+              <a:t>Maven…Jar…War…Tomcat….</a:t>
+            </a:r>
+            <a:r>
+              <a:rPr lang="en-US" dirty="0" err="1"/>
+              <a:t>etc</a:t>
+            </a:r>
+            <a:endParaRPr lang="en-US" dirty="0"/>
+          </a:p>
+        </p:txBody>
+      </p:sp>
+      <p:sp>
+        <p:nvSpPr>
           <p:cNvPr id="5" name="Rectangle 4">
             <a:extLst>
               <a:ext uri="{FF2B5EF4-FFF2-40B4-BE49-F238E27FC236}">
-                <a16:creationId xmlns:a16="http://schemas.microsoft.com/office/drawing/2014/main" id="{D42F90AC-AED1-4CF6-BBC8-725656E2A531}"/>
+                <a16:creationId xmlns:a16="http://schemas.microsoft.com/office/drawing/2014/main" id="{5BC440DE-3800-405F-959F-643B8D98D759}"/>
               </a:ext>
             </a:extLst>
           </p:cNvPr>
@@ -5562,7 +5358,350 @@
         </p:nvSpPr>
         <p:spPr>
           <a:xfrm>
-            <a:off x="9428154" y="1820168"/>
+            <a:off x="682341" y="1916594"/>
+            <a:ext cx="1394937" cy="1325563"/>
+          </a:xfrm>
+          <a:prstGeom prst="rect">
+            <a:avLst/>
+          </a:prstGeom>
+        </p:spPr>
+        <p:style>
+          <a:lnRef idx="2">
+            <a:schemeClr val="accent1">
+              <a:shade val="50000"/>
+            </a:schemeClr>
+          </a:lnRef>
+          <a:fillRef idx="1">
+            <a:schemeClr val="accent1"/>
+          </a:fillRef>
+          <a:effectRef idx="0">
+            <a:schemeClr val="accent1"/>
+          </a:effectRef>
+          <a:fontRef idx="minor">
+            <a:schemeClr val="lt1"/>
+          </a:fontRef>
+        </p:style>
+        <p:txBody>
+          <a:bodyPr rtlCol="0" anchor="ctr"/>
+          <a:lstStyle/>
+          <a:p>
+            <a:pPr algn="ctr"/>
+            <a:r>
+              <a:rPr lang="en-US" dirty="0"/>
+              <a:t>app</a:t>
+            </a:r>
+          </a:p>
+        </p:txBody>
+      </p:sp>
+      <p:sp>
+        <p:nvSpPr>
+          <p:cNvPr id="7" name="Rectangle 6">
+            <a:extLst>
+              <a:ext uri="{FF2B5EF4-FFF2-40B4-BE49-F238E27FC236}">
+                <a16:creationId xmlns:a16="http://schemas.microsoft.com/office/drawing/2014/main" id="{1DE3E562-9149-4D81-8621-6A4E590B941E}"/>
+              </a:ext>
+            </a:extLst>
+          </p:cNvPr>
+          <p:cNvSpPr/>
+          <p:nvPr/>
+        </p:nvSpPr>
+        <p:spPr>
+          <a:xfrm>
+            <a:off x="1291942" y="1549811"/>
+            <a:ext cx="626311" cy="552660"/>
+          </a:xfrm>
+          <a:prstGeom prst="rect">
+            <a:avLst/>
+          </a:prstGeom>
+        </p:spPr>
+        <p:style>
+          <a:lnRef idx="2">
+            <a:schemeClr val="accent6">
+              <a:shade val="50000"/>
+            </a:schemeClr>
+          </a:lnRef>
+          <a:fillRef idx="1">
+            <a:schemeClr val="accent6"/>
+          </a:fillRef>
+          <a:effectRef idx="0">
+            <a:schemeClr val="accent6"/>
+          </a:effectRef>
+          <a:fontRef idx="minor">
+            <a:schemeClr val="lt1"/>
+          </a:fontRef>
+        </p:style>
+        <p:txBody>
+          <a:bodyPr rtlCol="0" anchor="ctr"/>
+          <a:lstStyle/>
+          <a:p>
+            <a:pPr algn="ctr"/>
+            <a:r>
+              <a:rPr lang="en-US" dirty="0"/>
+              <a:t>Jar</a:t>
+            </a:r>
+          </a:p>
+        </p:txBody>
+      </p:sp>
+      <p:sp>
+        <p:nvSpPr>
+          <p:cNvPr id="9" name="Rectangle 8">
+            <a:extLst>
+              <a:ext uri="{FF2B5EF4-FFF2-40B4-BE49-F238E27FC236}">
+                <a16:creationId xmlns:a16="http://schemas.microsoft.com/office/drawing/2014/main" id="{CB3E87E2-B9CF-4903-B231-DAC8FA94718B}"/>
+              </a:ext>
+            </a:extLst>
+          </p:cNvPr>
+          <p:cNvSpPr/>
+          <p:nvPr/>
+        </p:nvSpPr>
+        <p:spPr>
+          <a:xfrm>
+            <a:off x="1444342" y="1702211"/>
+            <a:ext cx="626311" cy="552660"/>
+          </a:xfrm>
+          <a:prstGeom prst="rect">
+            <a:avLst/>
+          </a:prstGeom>
+        </p:spPr>
+        <p:style>
+          <a:lnRef idx="2">
+            <a:schemeClr val="accent6">
+              <a:shade val="50000"/>
+            </a:schemeClr>
+          </a:lnRef>
+          <a:fillRef idx="1">
+            <a:schemeClr val="accent6"/>
+          </a:fillRef>
+          <a:effectRef idx="0">
+            <a:schemeClr val="accent6"/>
+          </a:effectRef>
+          <a:fontRef idx="minor">
+            <a:schemeClr val="lt1"/>
+          </a:fontRef>
+        </p:style>
+        <p:txBody>
+          <a:bodyPr rtlCol="0" anchor="ctr"/>
+          <a:lstStyle/>
+          <a:p>
+            <a:pPr algn="ctr"/>
+            <a:r>
+              <a:rPr lang="en-US" dirty="0"/>
+              <a:t>Jar</a:t>
+            </a:r>
+          </a:p>
+        </p:txBody>
+      </p:sp>
+      <p:sp>
+        <p:nvSpPr>
+          <p:cNvPr id="11" name="Rectangle 10">
+            <a:extLst>
+              <a:ext uri="{FF2B5EF4-FFF2-40B4-BE49-F238E27FC236}">
+                <a16:creationId xmlns:a16="http://schemas.microsoft.com/office/drawing/2014/main" id="{20096707-CB51-4263-866E-5CD8BF54DB1B}"/>
+              </a:ext>
+            </a:extLst>
+          </p:cNvPr>
+          <p:cNvSpPr/>
+          <p:nvPr/>
+        </p:nvSpPr>
+        <p:spPr>
+          <a:xfrm>
+            <a:off x="1596742" y="1854611"/>
+            <a:ext cx="626311" cy="552660"/>
+          </a:xfrm>
+          <a:prstGeom prst="rect">
+            <a:avLst/>
+          </a:prstGeom>
+        </p:spPr>
+        <p:style>
+          <a:lnRef idx="2">
+            <a:schemeClr val="accent6">
+              <a:shade val="50000"/>
+            </a:schemeClr>
+          </a:lnRef>
+          <a:fillRef idx="1">
+            <a:schemeClr val="accent6"/>
+          </a:fillRef>
+          <a:effectRef idx="0">
+            <a:schemeClr val="accent6"/>
+          </a:effectRef>
+          <a:fontRef idx="minor">
+            <a:schemeClr val="lt1"/>
+          </a:fontRef>
+        </p:style>
+        <p:txBody>
+          <a:bodyPr rtlCol="0" anchor="ctr"/>
+          <a:lstStyle/>
+          <a:p>
+            <a:pPr algn="ctr"/>
+            <a:r>
+              <a:rPr lang="en-US" dirty="0"/>
+              <a:t>Jar</a:t>
+            </a:r>
+          </a:p>
+        </p:txBody>
+      </p:sp>
+      <p:sp>
+        <p:nvSpPr>
+          <p:cNvPr id="13" name="Rectangle 12">
+            <a:extLst>
+              <a:ext uri="{FF2B5EF4-FFF2-40B4-BE49-F238E27FC236}">
+                <a16:creationId xmlns:a16="http://schemas.microsoft.com/office/drawing/2014/main" id="{526C2C41-CA5A-479F-B1CB-CAF44147C367}"/>
+              </a:ext>
+            </a:extLst>
+          </p:cNvPr>
+          <p:cNvSpPr/>
+          <p:nvPr/>
+        </p:nvSpPr>
+        <p:spPr>
+          <a:xfrm>
+            <a:off x="1749142" y="2007011"/>
+            <a:ext cx="626311" cy="552660"/>
+          </a:xfrm>
+          <a:prstGeom prst="rect">
+            <a:avLst/>
+          </a:prstGeom>
+        </p:spPr>
+        <p:style>
+          <a:lnRef idx="2">
+            <a:schemeClr val="accent6">
+              <a:shade val="50000"/>
+            </a:schemeClr>
+          </a:lnRef>
+          <a:fillRef idx="1">
+            <a:schemeClr val="accent6"/>
+          </a:fillRef>
+          <a:effectRef idx="0">
+            <a:schemeClr val="accent6"/>
+          </a:effectRef>
+          <a:fontRef idx="minor">
+            <a:schemeClr val="lt1"/>
+          </a:fontRef>
+        </p:style>
+        <p:txBody>
+          <a:bodyPr rtlCol="0" anchor="ctr"/>
+          <a:lstStyle/>
+          <a:p>
+            <a:pPr algn="ctr"/>
+            <a:r>
+              <a:rPr lang="en-US" dirty="0"/>
+              <a:t>Jar</a:t>
+            </a:r>
+          </a:p>
+        </p:txBody>
+      </p:sp>
+      <p:sp>
+        <p:nvSpPr>
+          <p:cNvPr id="15" name="Rectangle 14">
+            <a:extLst>
+              <a:ext uri="{FF2B5EF4-FFF2-40B4-BE49-F238E27FC236}">
+                <a16:creationId xmlns:a16="http://schemas.microsoft.com/office/drawing/2014/main" id="{3F61FF13-6C61-4EC8-AA6E-98E1E078C6D3}"/>
+              </a:ext>
+            </a:extLst>
+          </p:cNvPr>
+          <p:cNvSpPr/>
+          <p:nvPr/>
+        </p:nvSpPr>
+        <p:spPr>
+          <a:xfrm>
+            <a:off x="1901542" y="2159411"/>
+            <a:ext cx="626311" cy="552660"/>
+          </a:xfrm>
+          <a:prstGeom prst="rect">
+            <a:avLst/>
+          </a:prstGeom>
+        </p:spPr>
+        <p:style>
+          <a:lnRef idx="2">
+            <a:schemeClr val="accent6">
+              <a:shade val="50000"/>
+            </a:schemeClr>
+          </a:lnRef>
+          <a:fillRef idx="1">
+            <a:schemeClr val="accent6"/>
+          </a:fillRef>
+          <a:effectRef idx="0">
+            <a:schemeClr val="accent6"/>
+          </a:effectRef>
+          <a:fontRef idx="minor">
+            <a:schemeClr val="lt1"/>
+          </a:fontRef>
+        </p:style>
+        <p:txBody>
+          <a:bodyPr rtlCol="0" anchor="ctr"/>
+          <a:lstStyle/>
+          <a:p>
+            <a:pPr algn="ctr"/>
+            <a:r>
+              <a:rPr lang="en-US" dirty="0"/>
+              <a:t>Jar</a:t>
+            </a:r>
+          </a:p>
+        </p:txBody>
+      </p:sp>
+      <p:sp>
+        <p:nvSpPr>
+          <p:cNvPr id="17" name="Rectangle 16">
+            <a:extLst>
+              <a:ext uri="{FF2B5EF4-FFF2-40B4-BE49-F238E27FC236}">
+                <a16:creationId xmlns:a16="http://schemas.microsoft.com/office/drawing/2014/main" id="{237C2C5F-FB2D-4656-B12D-A1B75E9042B6}"/>
+              </a:ext>
+            </a:extLst>
+          </p:cNvPr>
+          <p:cNvSpPr/>
+          <p:nvPr/>
+        </p:nvSpPr>
+        <p:spPr>
+          <a:xfrm>
+            <a:off x="2791166" y="3679133"/>
+            <a:ext cx="1394937" cy="1325563"/>
+          </a:xfrm>
+          <a:prstGeom prst="rect">
+            <a:avLst/>
+          </a:prstGeom>
+        </p:spPr>
+        <p:style>
+          <a:lnRef idx="2">
+            <a:schemeClr val="accent3">
+              <a:shade val="50000"/>
+            </a:schemeClr>
+          </a:lnRef>
+          <a:fillRef idx="1">
+            <a:schemeClr val="accent3"/>
+          </a:fillRef>
+          <a:effectRef idx="0">
+            <a:schemeClr val="accent3"/>
+          </a:effectRef>
+          <a:fontRef idx="minor">
+            <a:schemeClr val="lt1"/>
+          </a:fontRef>
+        </p:style>
+        <p:txBody>
+          <a:bodyPr rtlCol="0" anchor="ctr"/>
+          <a:lstStyle/>
+          <a:p>
+            <a:pPr algn="ctr"/>
+            <a:r>
+              <a:rPr lang="en-US" dirty="0"/>
+              <a:t>Maven</a:t>
+            </a:r>
+          </a:p>
+        </p:txBody>
+      </p:sp>
+      <p:sp>
+        <p:nvSpPr>
+          <p:cNvPr id="19" name="Rectangle 18">
+            <a:extLst>
+              <a:ext uri="{FF2B5EF4-FFF2-40B4-BE49-F238E27FC236}">
+                <a16:creationId xmlns:a16="http://schemas.microsoft.com/office/drawing/2014/main" id="{94350543-1903-442E-93CD-86727806440E}"/>
+              </a:ext>
+            </a:extLst>
+          </p:cNvPr>
+          <p:cNvSpPr/>
+          <p:nvPr/>
+        </p:nvSpPr>
+        <p:spPr>
+          <a:xfrm>
+            <a:off x="9755039" y="1820168"/>
             <a:ext cx="1598761" cy="1421989"/>
           </a:xfrm>
           <a:prstGeom prst="rect">
@@ -5606,10 +5745,10 @@
       </p:sp>
       <p:sp>
         <p:nvSpPr>
-          <p:cNvPr id="7" name="Rectangle 6">
-            <a:extLst>
-              <a:ext uri="{FF2B5EF4-FFF2-40B4-BE49-F238E27FC236}">
-                <a16:creationId xmlns:a16="http://schemas.microsoft.com/office/drawing/2014/main" id="{9391A718-96B3-468B-861A-F5CFC62A823D}"/>
+          <p:cNvPr id="20" name="Arrow: Right 19">
+            <a:extLst>
+              <a:ext uri="{FF2B5EF4-FFF2-40B4-BE49-F238E27FC236}">
+                <a16:creationId xmlns:a16="http://schemas.microsoft.com/office/drawing/2014/main" id="{0374C2C2-07C4-45C3-8253-392D1F2B6C4E}"/>
               </a:ext>
             </a:extLst>
           </p:cNvPr>
@@ -5618,8 +5757,57 @@
         </p:nvSpPr>
         <p:spPr>
           <a:xfrm>
-            <a:off x="10287000" y="2910766"/>
-            <a:ext cx="738806" cy="662782"/>
+            <a:off x="2915481" y="2193925"/>
+            <a:ext cx="1394937" cy="834886"/>
+          </a:xfrm>
+          <a:prstGeom prst="rightArrow">
+            <a:avLst/>
+          </a:prstGeom>
+        </p:spPr>
+        <p:style>
+          <a:lnRef idx="2">
+            <a:schemeClr val="accent2">
+              <a:shade val="50000"/>
+            </a:schemeClr>
+          </a:lnRef>
+          <a:fillRef idx="1">
+            <a:schemeClr val="accent2"/>
+          </a:fillRef>
+          <a:effectRef idx="0">
+            <a:schemeClr val="accent2"/>
+          </a:effectRef>
+          <a:fontRef idx="minor">
+            <a:schemeClr val="lt1"/>
+          </a:fontRef>
+        </p:style>
+        <p:txBody>
+          <a:bodyPr rtlCol="0" anchor="ctr"/>
+          <a:lstStyle/>
+          <a:p>
+            <a:pPr algn="ctr"/>
+            <a:r>
+              <a:rPr lang="en-US" dirty="0"/>
+              <a:t>package</a:t>
+            </a:r>
+          </a:p>
+        </p:txBody>
+      </p:sp>
+      <p:sp>
+        <p:nvSpPr>
+          <p:cNvPr id="22" name="Rectangle 21">
+            <a:extLst>
+              <a:ext uri="{FF2B5EF4-FFF2-40B4-BE49-F238E27FC236}">
+                <a16:creationId xmlns:a16="http://schemas.microsoft.com/office/drawing/2014/main" id="{9549A2F4-07EB-4761-BAEB-203D735807E8}"/>
+              </a:ext>
+            </a:extLst>
+          </p:cNvPr>
+          <p:cNvSpPr/>
+          <p:nvPr/>
+        </p:nvSpPr>
+        <p:spPr>
+          <a:xfrm>
+            <a:off x="4524533" y="2025578"/>
+            <a:ext cx="1394937" cy="1325563"/>
           </a:xfrm>
           <a:prstGeom prst="rect">
             <a:avLst/>
@@ -5647,19 +5835,18 @@
           <a:p>
             <a:pPr algn="ctr"/>
             <a:r>
-              <a:rPr lang="en-US" dirty="0" err="1"/>
-              <a:t>App.war</a:t>
-            </a:r>
-            <a:endParaRPr lang="en-US" dirty="0"/>
-          </a:p>
-        </p:txBody>
-      </p:sp>
-      <p:sp>
-        <p:nvSpPr>
-          <p:cNvPr id="13" name="Rectangle 12">
-            <a:extLst>
-              <a:ext uri="{FF2B5EF4-FFF2-40B4-BE49-F238E27FC236}">
-                <a16:creationId xmlns:a16="http://schemas.microsoft.com/office/drawing/2014/main" id="{AF9AD738-18BB-4CB6-AFE7-A1E4E802B0B9}"/>
+              <a:rPr lang="en-US" dirty="0"/>
+              <a:t>WAR</a:t>
+            </a:r>
+          </a:p>
+        </p:txBody>
+      </p:sp>
+      <p:sp>
+        <p:nvSpPr>
+          <p:cNvPr id="24" name="Rectangle 23">
+            <a:extLst>
+              <a:ext uri="{FF2B5EF4-FFF2-40B4-BE49-F238E27FC236}">
+                <a16:creationId xmlns:a16="http://schemas.microsoft.com/office/drawing/2014/main" id="{C90679F6-34EC-46E4-BF6F-864E4C65933D}"/>
               </a:ext>
             </a:extLst>
           </p:cNvPr>
@@ -5668,7 +5855,7 @@
         </p:nvSpPr>
         <p:spPr>
           <a:xfrm>
-            <a:off x="9385636" y="2924994"/>
+            <a:off x="10287000" y="2910766"/>
             <a:ext cx="738806" cy="662782"/>
           </a:xfrm>
           <a:prstGeom prst="rect">
@@ -5697,19 +5884,18 @@
           <a:p>
             <a:pPr algn="ctr"/>
             <a:r>
-              <a:rPr lang="en-US" sz="1200" dirty="0" err="1"/>
-              <a:t>Jenkins.war</a:t>
-            </a:r>
-            <a:endParaRPr lang="en-US" sz="1200" dirty="0"/>
-          </a:p>
-        </p:txBody>
-      </p:sp>
-      <p:sp>
-        <p:nvSpPr>
-          <p:cNvPr id="15" name="Rectangle 14">
-            <a:extLst>
-              <a:ext uri="{FF2B5EF4-FFF2-40B4-BE49-F238E27FC236}">
-                <a16:creationId xmlns:a16="http://schemas.microsoft.com/office/drawing/2014/main" id="{269799F9-3BAD-408C-9415-EC33F36E433E}"/>
+              <a:rPr lang="en-US" dirty="0"/>
+              <a:t>WAR</a:t>
+            </a:r>
+          </a:p>
+        </p:txBody>
+      </p:sp>
+      <p:sp>
+        <p:nvSpPr>
+          <p:cNvPr id="26" name="Arrow: Right 25">
+            <a:extLst>
+              <a:ext uri="{FF2B5EF4-FFF2-40B4-BE49-F238E27FC236}">
+                <a16:creationId xmlns:a16="http://schemas.microsoft.com/office/drawing/2014/main" id="{D4183197-64CA-4EE5-8AA6-A782D8172062}"/>
               </a:ext>
             </a:extLst>
           </p:cNvPr>
@@ -5717,25 +5903,25 @@
           <p:nvPr/>
         </p:nvSpPr>
         <p:spPr>
-          <a:xfrm>
-            <a:off x="825776" y="1935246"/>
-            <a:ext cx="1598761" cy="1421989"/>
-          </a:xfrm>
-          <a:prstGeom prst="rect">
+          <a:xfrm rot="3315978">
+            <a:off x="8963017" y="692762"/>
+            <a:ext cx="1394937" cy="1330433"/>
+          </a:xfrm>
+          <a:prstGeom prst="rightArrow">
             <a:avLst/>
           </a:prstGeom>
         </p:spPr>
         <p:style>
           <a:lnRef idx="2">
-            <a:schemeClr val="accent4">
+            <a:schemeClr val="accent2">
               <a:shade val="50000"/>
             </a:schemeClr>
           </a:lnRef>
           <a:fillRef idx="1">
-            <a:schemeClr val="accent4"/>
+            <a:schemeClr val="accent2"/>
           </a:fillRef>
           <a:effectRef idx="0">
-            <a:schemeClr val="accent4"/>
+            <a:schemeClr val="accent2"/>
           </a:effectRef>
           <a:fontRef idx="minor">
             <a:schemeClr val="lt1"/>
@@ -5748,24 +5934,17 @@
             <a:pPr algn="ctr"/>
             <a:r>
               <a:rPr lang="en-US" dirty="0"/>
-              <a:t>Jetty</a:t>
-            </a:r>
-          </a:p>
-          <a:p>
-            <a:pPr algn="ctr"/>
-            <a:r>
-              <a:rPr lang="en-US" dirty="0"/>
-              <a:t>Server</a:t>
-            </a:r>
-          </a:p>
-        </p:txBody>
-      </p:sp>
-      <p:sp>
-        <p:nvSpPr>
-          <p:cNvPr id="17" name="Rectangle 16">
-            <a:extLst>
-              <a:ext uri="{FF2B5EF4-FFF2-40B4-BE49-F238E27FC236}">
-                <a16:creationId xmlns:a16="http://schemas.microsoft.com/office/drawing/2014/main" id="{724A361E-BB8E-40AD-84FD-9336D44946D0}"/>
+              <a:t>http request</a:t>
+            </a:r>
+          </a:p>
+        </p:txBody>
+      </p:sp>
+      <p:sp>
+        <p:nvSpPr>
+          <p:cNvPr id="28" name="Arrow: Right 27">
+            <a:extLst>
+              <a:ext uri="{FF2B5EF4-FFF2-40B4-BE49-F238E27FC236}">
+                <a16:creationId xmlns:a16="http://schemas.microsoft.com/office/drawing/2014/main" id="{6798B911-F347-40D0-993C-B31E3E7F063F}"/>
               </a:ext>
             </a:extLst>
           </p:cNvPr>
@@ -5774,24 +5953,24 @@
         </p:nvSpPr>
         <p:spPr>
           <a:xfrm>
-            <a:off x="1255753" y="3025844"/>
-            <a:ext cx="738806" cy="662782"/>
-          </a:xfrm>
-          <a:prstGeom prst="rect">
+            <a:off x="6521213" y="2006045"/>
+            <a:ext cx="2905832" cy="1151886"/>
+          </a:xfrm>
+          <a:prstGeom prst="rightArrow">
             <a:avLst/>
           </a:prstGeom>
         </p:spPr>
         <p:style>
           <a:lnRef idx="2">
-            <a:schemeClr val="accent1">
+            <a:schemeClr val="accent2">
               <a:shade val="50000"/>
             </a:schemeClr>
           </a:lnRef>
           <a:fillRef idx="1">
-            <a:schemeClr val="accent1"/>
+            <a:schemeClr val="accent2"/>
           </a:fillRef>
           <a:effectRef idx="0">
-            <a:schemeClr val="accent1"/>
+            <a:schemeClr val="accent2"/>
           </a:effectRef>
           <a:fontRef idx="minor">
             <a:schemeClr val="lt1"/>
@@ -5803,202 +5982,15 @@
           <a:p>
             <a:pPr algn="ctr"/>
             <a:r>
-              <a:rPr lang="en-US" sz="1200" dirty="0" err="1"/>
-              <a:t>Jenkins.war</a:t>
-            </a:r>
-            <a:endParaRPr lang="en-US" sz="1200" dirty="0"/>
-          </a:p>
-        </p:txBody>
-      </p:sp>
-      <p:sp>
-        <p:nvSpPr>
-          <p:cNvPr id="19" name="Rectangle 18">
-            <a:extLst>
-              <a:ext uri="{FF2B5EF4-FFF2-40B4-BE49-F238E27FC236}">
-                <a16:creationId xmlns:a16="http://schemas.microsoft.com/office/drawing/2014/main" id="{3B4519CA-0E7E-4EFD-98EA-0449D59B74F4}"/>
-              </a:ext>
-            </a:extLst>
-          </p:cNvPr>
-          <p:cNvSpPr/>
-          <p:nvPr/>
-        </p:nvSpPr>
-        <p:spPr>
-          <a:xfrm>
-            <a:off x="1762716" y="4671141"/>
-            <a:ext cx="1717602" cy="1421989"/>
-          </a:xfrm>
-          <a:prstGeom prst="rect">
-            <a:avLst/>
-          </a:prstGeom>
-        </p:spPr>
-        <p:style>
-          <a:lnRef idx="2">
-            <a:schemeClr val="accent6">
-              <a:shade val="50000"/>
-            </a:schemeClr>
-          </a:lnRef>
-          <a:fillRef idx="1">
-            <a:schemeClr val="accent6"/>
-          </a:fillRef>
-          <a:effectRef idx="0">
-            <a:schemeClr val="accent6"/>
-          </a:effectRef>
-          <a:fontRef idx="minor">
-            <a:schemeClr val="lt1"/>
-          </a:fontRef>
-        </p:style>
-        <p:txBody>
-          <a:bodyPr rtlCol="0" anchor="ctr"/>
-          <a:lstStyle/>
+              <a:rPr lang="en-US" dirty="0"/>
+              <a:t>Deploy </a:t>
+            </a:r>
+          </a:p>
           <a:p>
             <a:pPr algn="ctr"/>
             <a:r>
-              <a:rPr lang="en-US" sz="2000" dirty="0"/>
-              <a:t>Spring boot jar</a:t>
-            </a:r>
-          </a:p>
-        </p:txBody>
-      </p:sp>
-      <p:sp>
-        <p:nvSpPr>
-          <p:cNvPr id="20" name="Arrow: Down 19">
-            <a:extLst>
-              <a:ext uri="{FF2B5EF4-FFF2-40B4-BE49-F238E27FC236}">
-                <a16:creationId xmlns:a16="http://schemas.microsoft.com/office/drawing/2014/main" id="{D7AD2CE4-7FDC-4F62-804A-DE20B7577F4E}"/>
-              </a:ext>
-            </a:extLst>
-          </p:cNvPr>
-          <p:cNvSpPr/>
-          <p:nvPr/>
-        </p:nvSpPr>
-        <p:spPr>
-          <a:xfrm>
-            <a:off x="2150321" y="3770230"/>
-            <a:ext cx="942392" cy="819307"/>
-          </a:xfrm>
-          <a:prstGeom prst="downArrow">
-            <a:avLst/>
-          </a:prstGeom>
-        </p:spPr>
-        <p:style>
-          <a:lnRef idx="2">
-            <a:schemeClr val="accent3">
-              <a:shade val="50000"/>
-            </a:schemeClr>
-          </a:lnRef>
-          <a:fillRef idx="1">
-            <a:schemeClr val="accent3"/>
-          </a:fillRef>
-          <a:effectRef idx="0">
-            <a:schemeClr val="accent3"/>
-          </a:effectRef>
-          <a:fontRef idx="minor">
-            <a:schemeClr val="lt1"/>
-          </a:fontRef>
-        </p:style>
-        <p:txBody>
-          <a:bodyPr rtlCol="0" anchor="ctr"/>
-          <a:lstStyle/>
-          <a:p>
-            <a:pPr algn="ctr"/>
-            <a:endParaRPr lang="en-US"/>
-          </a:p>
-        </p:txBody>
-      </p:sp>
-      <p:sp>
-        <p:nvSpPr>
-          <p:cNvPr id="21" name="Ribbon: Curved and Tilted Down 20">
-            <a:extLst>
-              <a:ext uri="{FF2B5EF4-FFF2-40B4-BE49-F238E27FC236}">
-                <a16:creationId xmlns:a16="http://schemas.microsoft.com/office/drawing/2014/main" id="{5E399F50-C435-4B43-ACF1-2EF50663305F}"/>
-              </a:ext>
-            </a:extLst>
-          </p:cNvPr>
-          <p:cNvSpPr/>
-          <p:nvPr/>
-        </p:nvSpPr>
-        <p:spPr>
-          <a:xfrm>
-            <a:off x="6643397" y="662473"/>
-            <a:ext cx="6652726" cy="1055058"/>
-          </a:xfrm>
-          <a:prstGeom prst="ellipseRibbon">
-            <a:avLst/>
-          </a:prstGeom>
-        </p:spPr>
-        <p:style>
-          <a:lnRef idx="2">
-            <a:schemeClr val="accent5">
-              <a:shade val="50000"/>
-            </a:schemeClr>
-          </a:lnRef>
-          <a:fillRef idx="1">
-            <a:schemeClr val="accent5"/>
-          </a:fillRef>
-          <a:effectRef idx="0">
-            <a:schemeClr val="accent5"/>
-          </a:effectRef>
-          <a:fontRef idx="minor">
-            <a:schemeClr val="lt1"/>
-          </a:fontRef>
-        </p:style>
-        <p:txBody>
-          <a:bodyPr rtlCol="0" anchor="ctr"/>
-          <a:lstStyle/>
-          <a:p>
-            <a:pPr algn="ctr"/>
-            <a:r>
-              <a:rPr lang="en-US" dirty="0"/>
-              <a:t>Architecture for app deployed as war</a:t>
-            </a:r>
-          </a:p>
-        </p:txBody>
-      </p:sp>
-      <p:sp>
-        <p:nvSpPr>
-          <p:cNvPr id="23" name="Ribbon: Curved and Tilted Down 22">
-            <a:extLst>
-              <a:ext uri="{FF2B5EF4-FFF2-40B4-BE49-F238E27FC236}">
-                <a16:creationId xmlns:a16="http://schemas.microsoft.com/office/drawing/2014/main" id="{7D5AAD3D-4253-41C4-B046-34EDBB19F81A}"/>
-              </a:ext>
-            </a:extLst>
-          </p:cNvPr>
-          <p:cNvSpPr/>
-          <p:nvPr/>
-        </p:nvSpPr>
-        <p:spPr>
-          <a:xfrm>
-            <a:off x="-1452464" y="546156"/>
-            <a:ext cx="6652726" cy="1055058"/>
-          </a:xfrm>
-          <a:prstGeom prst="ellipseRibbon">
-            <a:avLst/>
-          </a:prstGeom>
-        </p:spPr>
-        <p:style>
-          <a:lnRef idx="2">
-            <a:schemeClr val="accent5">
-              <a:shade val="50000"/>
-            </a:schemeClr>
-          </a:lnRef>
-          <a:fillRef idx="1">
-            <a:schemeClr val="accent5"/>
-          </a:fillRef>
-          <a:effectRef idx="0">
-            <a:schemeClr val="accent5"/>
-          </a:effectRef>
-          <a:fontRef idx="minor">
-            <a:schemeClr val="lt1"/>
-          </a:fontRef>
-        </p:style>
-        <p:txBody>
-          <a:bodyPr rtlCol="0" anchor="ctr"/>
-          <a:lstStyle/>
-          <a:p>
-            <a:pPr algn="ctr"/>
-            <a:r>
-              <a:rPr lang="en-US" dirty="0"/>
-              <a:t>Architecture for SB app</a:t>
+              <a:rPr lang="en-US" dirty="0"/>
+              <a:t>(not maven deploy)</a:t>
             </a:r>
           </a:p>
         </p:txBody>
@@ -6006,7 +5998,7 @@
     </p:spTree>
     <p:extLst>
       <p:ext uri="{BB962C8B-B14F-4D97-AF65-F5344CB8AC3E}">
-        <p14:creationId xmlns:p14="http://schemas.microsoft.com/office/powerpoint/2010/main" val="1321687337"/>
+        <p14:creationId xmlns:p14="http://schemas.microsoft.com/office/powerpoint/2010/main" val="966824430"/>
       </p:ext>
     </p:extLst>
   </p:cSld>
@@ -6035,80 +6027,455 @@
       </p:grpSpPr>
       <p:sp>
         <p:nvSpPr>
-          <p:cNvPr id="2" name="Title 1">
-            <a:extLst>
-              <a:ext uri="{FF2B5EF4-FFF2-40B4-BE49-F238E27FC236}">
-                <a16:creationId xmlns:a16="http://schemas.microsoft.com/office/drawing/2014/main" id="{A179260C-DD91-4D85-8C59-7E0CBF3A7F36}"/>
-              </a:ext>
-            </a:extLst>
-          </p:cNvPr>
-          <p:cNvSpPr>
-            <a:spLocks noGrp="1"/>
-          </p:cNvSpPr>
-          <p:nvPr>
-            <p:ph type="title"/>
-          </p:nvPr>
-        </p:nvSpPr>
-        <p:spPr/>
-        <p:txBody>
-          <a:bodyPr/>
-          <a:lstStyle/>
-          <a:p>
-            <a:r>
-              <a:rPr lang="en-US" dirty="0"/>
-              <a:t>AWS Services</a:t>
-            </a:r>
-          </a:p>
-        </p:txBody>
-      </p:sp>
-      <p:sp>
-        <p:nvSpPr>
-          <p:cNvPr id="3" name="Content Placeholder 2">
-            <a:extLst>
-              <a:ext uri="{FF2B5EF4-FFF2-40B4-BE49-F238E27FC236}">
-                <a16:creationId xmlns:a16="http://schemas.microsoft.com/office/drawing/2014/main" id="{D83F337F-917E-461D-A2FD-94889B0E677F}"/>
-              </a:ext>
-            </a:extLst>
-          </p:cNvPr>
-          <p:cNvSpPr>
-            <a:spLocks noGrp="1"/>
-          </p:cNvSpPr>
-          <p:nvPr>
-            <p:ph idx="1"/>
-          </p:nvPr>
-        </p:nvSpPr>
-        <p:spPr/>
-        <p:txBody>
-          <a:bodyPr/>
-          <a:lstStyle/>
-          <a:p>
-            <a:r>
-              <a:rPr lang="en-US" dirty="0"/>
-              <a:t>S3</a:t>
-            </a:r>
-          </a:p>
-          <a:p>
-            <a:r>
-              <a:rPr lang="en-US" dirty="0"/>
-              <a:t>EC2</a:t>
-            </a:r>
-          </a:p>
-          <a:p>
-            <a:r>
-              <a:rPr lang="en-US" dirty="0"/>
-              <a:t>AMI</a:t>
-            </a:r>
-          </a:p>
-          <a:p>
-            <a:r>
-              <a:rPr lang="en-US" dirty="0"/>
-              <a:t>EBS</a:t>
-            </a:r>
-          </a:p>
-          <a:p>
-            <a:r>
-              <a:rPr lang="en-US" dirty="0"/>
-              <a:t>Route 53</a:t>
+          <p:cNvPr id="5" name="Rectangle 4">
+            <a:extLst>
+              <a:ext uri="{FF2B5EF4-FFF2-40B4-BE49-F238E27FC236}">
+                <a16:creationId xmlns:a16="http://schemas.microsoft.com/office/drawing/2014/main" id="{D42F90AC-AED1-4CF6-BBC8-725656E2A531}"/>
+              </a:ext>
+            </a:extLst>
+          </p:cNvPr>
+          <p:cNvSpPr/>
+          <p:nvPr/>
+        </p:nvSpPr>
+        <p:spPr>
+          <a:xfrm>
+            <a:off x="9428154" y="1820168"/>
+            <a:ext cx="1598761" cy="1421989"/>
+          </a:xfrm>
+          <a:prstGeom prst="rect">
+            <a:avLst/>
+          </a:prstGeom>
+        </p:spPr>
+        <p:style>
+          <a:lnRef idx="2">
+            <a:schemeClr val="accent4">
+              <a:shade val="50000"/>
+            </a:schemeClr>
+          </a:lnRef>
+          <a:fillRef idx="1">
+            <a:schemeClr val="accent4"/>
+          </a:fillRef>
+          <a:effectRef idx="0">
+            <a:schemeClr val="accent4"/>
+          </a:effectRef>
+          <a:fontRef idx="minor">
+            <a:schemeClr val="lt1"/>
+          </a:fontRef>
+        </p:style>
+        <p:txBody>
+          <a:bodyPr rtlCol="0" anchor="ctr"/>
+          <a:lstStyle/>
+          <a:p>
+            <a:pPr algn="ctr"/>
+            <a:r>
+              <a:rPr lang="en-US" dirty="0"/>
+              <a:t>Tomcat</a:t>
+            </a:r>
+          </a:p>
+          <a:p>
+            <a:pPr algn="ctr"/>
+            <a:r>
+              <a:rPr lang="en-US" dirty="0"/>
+              <a:t>Server</a:t>
+            </a:r>
+          </a:p>
+        </p:txBody>
+      </p:sp>
+      <p:sp>
+        <p:nvSpPr>
+          <p:cNvPr id="7" name="Rectangle 6">
+            <a:extLst>
+              <a:ext uri="{FF2B5EF4-FFF2-40B4-BE49-F238E27FC236}">
+                <a16:creationId xmlns:a16="http://schemas.microsoft.com/office/drawing/2014/main" id="{9391A718-96B3-468B-861A-F5CFC62A823D}"/>
+              </a:ext>
+            </a:extLst>
+          </p:cNvPr>
+          <p:cNvSpPr/>
+          <p:nvPr/>
+        </p:nvSpPr>
+        <p:spPr>
+          <a:xfrm>
+            <a:off x="10287000" y="2910766"/>
+            <a:ext cx="738806" cy="662782"/>
+          </a:xfrm>
+          <a:prstGeom prst="rect">
+            <a:avLst/>
+          </a:prstGeom>
+        </p:spPr>
+        <p:style>
+          <a:lnRef idx="2">
+            <a:schemeClr val="accent1">
+              <a:shade val="50000"/>
+            </a:schemeClr>
+          </a:lnRef>
+          <a:fillRef idx="1">
+            <a:schemeClr val="accent1"/>
+          </a:fillRef>
+          <a:effectRef idx="0">
+            <a:schemeClr val="accent1"/>
+          </a:effectRef>
+          <a:fontRef idx="minor">
+            <a:schemeClr val="lt1"/>
+          </a:fontRef>
+        </p:style>
+        <p:txBody>
+          <a:bodyPr rtlCol="0" anchor="ctr"/>
+          <a:lstStyle/>
+          <a:p>
+            <a:pPr algn="ctr"/>
+            <a:r>
+              <a:rPr lang="en-US" dirty="0" err="1"/>
+              <a:t>App.war</a:t>
+            </a:r>
+            <a:endParaRPr lang="en-US" dirty="0"/>
+          </a:p>
+        </p:txBody>
+      </p:sp>
+      <p:sp>
+        <p:nvSpPr>
+          <p:cNvPr id="13" name="Rectangle 12">
+            <a:extLst>
+              <a:ext uri="{FF2B5EF4-FFF2-40B4-BE49-F238E27FC236}">
+                <a16:creationId xmlns:a16="http://schemas.microsoft.com/office/drawing/2014/main" id="{AF9AD738-18BB-4CB6-AFE7-A1E4E802B0B9}"/>
+              </a:ext>
+            </a:extLst>
+          </p:cNvPr>
+          <p:cNvSpPr/>
+          <p:nvPr/>
+        </p:nvSpPr>
+        <p:spPr>
+          <a:xfrm>
+            <a:off x="9385636" y="2924994"/>
+            <a:ext cx="738806" cy="662782"/>
+          </a:xfrm>
+          <a:prstGeom prst="rect">
+            <a:avLst/>
+          </a:prstGeom>
+        </p:spPr>
+        <p:style>
+          <a:lnRef idx="2">
+            <a:schemeClr val="accent1">
+              <a:shade val="50000"/>
+            </a:schemeClr>
+          </a:lnRef>
+          <a:fillRef idx="1">
+            <a:schemeClr val="accent1"/>
+          </a:fillRef>
+          <a:effectRef idx="0">
+            <a:schemeClr val="accent1"/>
+          </a:effectRef>
+          <a:fontRef idx="minor">
+            <a:schemeClr val="lt1"/>
+          </a:fontRef>
+        </p:style>
+        <p:txBody>
+          <a:bodyPr rtlCol="0" anchor="ctr"/>
+          <a:lstStyle/>
+          <a:p>
+            <a:pPr algn="ctr"/>
+            <a:r>
+              <a:rPr lang="en-US" sz="1200" dirty="0" err="1"/>
+              <a:t>Jenkins.war</a:t>
+            </a:r>
+            <a:endParaRPr lang="en-US" sz="1200" dirty="0"/>
+          </a:p>
+        </p:txBody>
+      </p:sp>
+      <p:sp>
+        <p:nvSpPr>
+          <p:cNvPr id="15" name="Rectangle 14">
+            <a:extLst>
+              <a:ext uri="{FF2B5EF4-FFF2-40B4-BE49-F238E27FC236}">
+                <a16:creationId xmlns:a16="http://schemas.microsoft.com/office/drawing/2014/main" id="{269799F9-3BAD-408C-9415-EC33F36E433E}"/>
+              </a:ext>
+            </a:extLst>
+          </p:cNvPr>
+          <p:cNvSpPr/>
+          <p:nvPr/>
+        </p:nvSpPr>
+        <p:spPr>
+          <a:xfrm>
+            <a:off x="825776" y="1935246"/>
+            <a:ext cx="1598761" cy="1421989"/>
+          </a:xfrm>
+          <a:prstGeom prst="rect">
+            <a:avLst/>
+          </a:prstGeom>
+        </p:spPr>
+        <p:style>
+          <a:lnRef idx="2">
+            <a:schemeClr val="accent4">
+              <a:shade val="50000"/>
+            </a:schemeClr>
+          </a:lnRef>
+          <a:fillRef idx="1">
+            <a:schemeClr val="accent4"/>
+          </a:fillRef>
+          <a:effectRef idx="0">
+            <a:schemeClr val="accent4"/>
+          </a:effectRef>
+          <a:fontRef idx="minor">
+            <a:schemeClr val="lt1"/>
+          </a:fontRef>
+        </p:style>
+        <p:txBody>
+          <a:bodyPr rtlCol="0" anchor="ctr"/>
+          <a:lstStyle/>
+          <a:p>
+            <a:pPr algn="ctr"/>
+            <a:r>
+              <a:rPr lang="en-US" dirty="0"/>
+              <a:t>Jetty</a:t>
+            </a:r>
+          </a:p>
+          <a:p>
+            <a:pPr algn="ctr"/>
+            <a:r>
+              <a:rPr lang="en-US" dirty="0"/>
+              <a:t>Server</a:t>
+            </a:r>
+          </a:p>
+        </p:txBody>
+      </p:sp>
+      <p:sp>
+        <p:nvSpPr>
+          <p:cNvPr id="17" name="Rectangle 16">
+            <a:extLst>
+              <a:ext uri="{FF2B5EF4-FFF2-40B4-BE49-F238E27FC236}">
+                <a16:creationId xmlns:a16="http://schemas.microsoft.com/office/drawing/2014/main" id="{724A361E-BB8E-40AD-84FD-9336D44946D0}"/>
+              </a:ext>
+            </a:extLst>
+          </p:cNvPr>
+          <p:cNvSpPr/>
+          <p:nvPr/>
+        </p:nvSpPr>
+        <p:spPr>
+          <a:xfrm>
+            <a:off x="1255753" y="3025844"/>
+            <a:ext cx="738806" cy="662782"/>
+          </a:xfrm>
+          <a:prstGeom prst="rect">
+            <a:avLst/>
+          </a:prstGeom>
+        </p:spPr>
+        <p:style>
+          <a:lnRef idx="2">
+            <a:schemeClr val="accent1">
+              <a:shade val="50000"/>
+            </a:schemeClr>
+          </a:lnRef>
+          <a:fillRef idx="1">
+            <a:schemeClr val="accent1"/>
+          </a:fillRef>
+          <a:effectRef idx="0">
+            <a:schemeClr val="accent1"/>
+          </a:effectRef>
+          <a:fontRef idx="minor">
+            <a:schemeClr val="lt1"/>
+          </a:fontRef>
+        </p:style>
+        <p:txBody>
+          <a:bodyPr rtlCol="0" anchor="ctr"/>
+          <a:lstStyle/>
+          <a:p>
+            <a:pPr algn="ctr"/>
+            <a:r>
+              <a:rPr lang="en-US" sz="1200" dirty="0" err="1"/>
+              <a:t>Jenkins.war</a:t>
+            </a:r>
+            <a:endParaRPr lang="en-US" sz="1200" dirty="0"/>
+          </a:p>
+        </p:txBody>
+      </p:sp>
+      <p:sp>
+        <p:nvSpPr>
+          <p:cNvPr id="19" name="Rectangle 18">
+            <a:extLst>
+              <a:ext uri="{FF2B5EF4-FFF2-40B4-BE49-F238E27FC236}">
+                <a16:creationId xmlns:a16="http://schemas.microsoft.com/office/drawing/2014/main" id="{3B4519CA-0E7E-4EFD-98EA-0449D59B74F4}"/>
+              </a:ext>
+            </a:extLst>
+          </p:cNvPr>
+          <p:cNvSpPr/>
+          <p:nvPr/>
+        </p:nvSpPr>
+        <p:spPr>
+          <a:xfrm>
+            <a:off x="1762716" y="4671141"/>
+            <a:ext cx="1717602" cy="1421989"/>
+          </a:xfrm>
+          <a:prstGeom prst="rect">
+            <a:avLst/>
+          </a:prstGeom>
+        </p:spPr>
+        <p:style>
+          <a:lnRef idx="2">
+            <a:schemeClr val="accent6">
+              <a:shade val="50000"/>
+            </a:schemeClr>
+          </a:lnRef>
+          <a:fillRef idx="1">
+            <a:schemeClr val="accent6"/>
+          </a:fillRef>
+          <a:effectRef idx="0">
+            <a:schemeClr val="accent6"/>
+          </a:effectRef>
+          <a:fontRef idx="minor">
+            <a:schemeClr val="lt1"/>
+          </a:fontRef>
+        </p:style>
+        <p:txBody>
+          <a:bodyPr rtlCol="0" anchor="ctr"/>
+          <a:lstStyle/>
+          <a:p>
+            <a:pPr algn="ctr"/>
+            <a:r>
+              <a:rPr lang="en-US" sz="2000" dirty="0"/>
+              <a:t>Spring boot jar</a:t>
+            </a:r>
+          </a:p>
+        </p:txBody>
+      </p:sp>
+      <p:sp>
+        <p:nvSpPr>
+          <p:cNvPr id="20" name="Arrow: Down 19">
+            <a:extLst>
+              <a:ext uri="{FF2B5EF4-FFF2-40B4-BE49-F238E27FC236}">
+                <a16:creationId xmlns:a16="http://schemas.microsoft.com/office/drawing/2014/main" id="{D7AD2CE4-7FDC-4F62-804A-DE20B7577F4E}"/>
+              </a:ext>
+            </a:extLst>
+          </p:cNvPr>
+          <p:cNvSpPr/>
+          <p:nvPr/>
+        </p:nvSpPr>
+        <p:spPr>
+          <a:xfrm>
+            <a:off x="2150321" y="3770230"/>
+            <a:ext cx="942392" cy="819307"/>
+          </a:xfrm>
+          <a:prstGeom prst="downArrow">
+            <a:avLst/>
+          </a:prstGeom>
+        </p:spPr>
+        <p:style>
+          <a:lnRef idx="2">
+            <a:schemeClr val="accent3">
+              <a:shade val="50000"/>
+            </a:schemeClr>
+          </a:lnRef>
+          <a:fillRef idx="1">
+            <a:schemeClr val="accent3"/>
+          </a:fillRef>
+          <a:effectRef idx="0">
+            <a:schemeClr val="accent3"/>
+          </a:effectRef>
+          <a:fontRef idx="minor">
+            <a:schemeClr val="lt1"/>
+          </a:fontRef>
+        </p:style>
+        <p:txBody>
+          <a:bodyPr rtlCol="0" anchor="ctr"/>
+          <a:lstStyle/>
+          <a:p>
+            <a:pPr algn="ctr"/>
+            <a:endParaRPr lang="en-US"/>
+          </a:p>
+        </p:txBody>
+      </p:sp>
+      <p:sp>
+        <p:nvSpPr>
+          <p:cNvPr id="21" name="Ribbon: Curved and Tilted Down 20">
+            <a:extLst>
+              <a:ext uri="{FF2B5EF4-FFF2-40B4-BE49-F238E27FC236}">
+                <a16:creationId xmlns:a16="http://schemas.microsoft.com/office/drawing/2014/main" id="{5E399F50-C435-4B43-ACF1-2EF50663305F}"/>
+              </a:ext>
+            </a:extLst>
+          </p:cNvPr>
+          <p:cNvSpPr/>
+          <p:nvPr/>
+        </p:nvSpPr>
+        <p:spPr>
+          <a:xfrm>
+            <a:off x="6643397" y="662473"/>
+            <a:ext cx="6652726" cy="1055058"/>
+          </a:xfrm>
+          <a:prstGeom prst="ellipseRibbon">
+            <a:avLst/>
+          </a:prstGeom>
+        </p:spPr>
+        <p:style>
+          <a:lnRef idx="2">
+            <a:schemeClr val="accent5">
+              <a:shade val="50000"/>
+            </a:schemeClr>
+          </a:lnRef>
+          <a:fillRef idx="1">
+            <a:schemeClr val="accent5"/>
+          </a:fillRef>
+          <a:effectRef idx="0">
+            <a:schemeClr val="accent5"/>
+          </a:effectRef>
+          <a:fontRef idx="minor">
+            <a:schemeClr val="lt1"/>
+          </a:fontRef>
+        </p:style>
+        <p:txBody>
+          <a:bodyPr rtlCol="0" anchor="ctr"/>
+          <a:lstStyle/>
+          <a:p>
+            <a:pPr algn="ctr"/>
+            <a:r>
+              <a:rPr lang="en-US" dirty="0"/>
+              <a:t>Architecture for app deployed as war</a:t>
+            </a:r>
+          </a:p>
+        </p:txBody>
+      </p:sp>
+      <p:sp>
+        <p:nvSpPr>
+          <p:cNvPr id="23" name="Ribbon: Curved and Tilted Down 22">
+            <a:extLst>
+              <a:ext uri="{FF2B5EF4-FFF2-40B4-BE49-F238E27FC236}">
+                <a16:creationId xmlns:a16="http://schemas.microsoft.com/office/drawing/2014/main" id="{7D5AAD3D-4253-41C4-B046-34EDBB19F81A}"/>
+              </a:ext>
+            </a:extLst>
+          </p:cNvPr>
+          <p:cNvSpPr/>
+          <p:nvPr/>
+        </p:nvSpPr>
+        <p:spPr>
+          <a:xfrm>
+            <a:off x="-1452464" y="546156"/>
+            <a:ext cx="6652726" cy="1055058"/>
+          </a:xfrm>
+          <a:prstGeom prst="ellipseRibbon">
+            <a:avLst/>
+          </a:prstGeom>
+        </p:spPr>
+        <p:style>
+          <a:lnRef idx="2">
+            <a:schemeClr val="accent5">
+              <a:shade val="50000"/>
+            </a:schemeClr>
+          </a:lnRef>
+          <a:fillRef idx="1">
+            <a:schemeClr val="accent5"/>
+          </a:fillRef>
+          <a:effectRef idx="0">
+            <a:schemeClr val="accent5"/>
+          </a:effectRef>
+          <a:fontRef idx="minor">
+            <a:schemeClr val="lt1"/>
+          </a:fontRef>
+        </p:style>
+        <p:txBody>
+          <a:bodyPr rtlCol="0" anchor="ctr"/>
+          <a:lstStyle/>
+          <a:p>
+            <a:pPr algn="ctr"/>
+            <a:r>
+              <a:rPr lang="en-US" dirty="0"/>
+              <a:t>Architecture for SB app</a:t>
             </a:r>
           </a:p>
         </p:txBody>
@@ -6116,7 +6483,7 @@
     </p:spTree>
     <p:extLst>
       <p:ext uri="{BB962C8B-B14F-4D97-AF65-F5344CB8AC3E}">
-        <p14:creationId xmlns:p14="http://schemas.microsoft.com/office/powerpoint/2010/main" val="1831061386"/>
+        <p14:creationId xmlns:p14="http://schemas.microsoft.com/office/powerpoint/2010/main" val="1321687337"/>
       </p:ext>
     </p:extLst>
   </p:cSld>
@@ -6148,7 +6515,7 @@
           <p:cNvPr id="2" name="Title 1">
             <a:extLst>
               <a:ext uri="{FF2B5EF4-FFF2-40B4-BE49-F238E27FC236}">
-                <a16:creationId xmlns:a16="http://schemas.microsoft.com/office/drawing/2014/main" id="{AE563304-5376-4678-B925-FF2DFC39F3BF}"/>
+                <a16:creationId xmlns:a16="http://schemas.microsoft.com/office/drawing/2014/main" id="{A179260C-DD91-4D85-8C59-7E0CBF3A7F36}"/>
               </a:ext>
             </a:extLst>
           </p:cNvPr>
@@ -6166,292 +6533,77 @@
           <a:p>
             <a:r>
               <a:rPr lang="en-US" dirty="0"/>
-              <a:t>EC2 and EBS</a:t>
-            </a:r>
-          </a:p>
-        </p:txBody>
-      </p:sp>
-      <p:sp>
-        <p:nvSpPr>
-          <p:cNvPr id="4" name="Rectangle 3">
-            <a:extLst>
-              <a:ext uri="{FF2B5EF4-FFF2-40B4-BE49-F238E27FC236}">
-                <a16:creationId xmlns:a16="http://schemas.microsoft.com/office/drawing/2014/main" id="{FC080E6E-4CEC-4CC4-B91C-466AF4AA9F6E}"/>
-              </a:ext>
-            </a:extLst>
-          </p:cNvPr>
-          <p:cNvSpPr/>
-          <p:nvPr/>
-        </p:nvSpPr>
-        <p:spPr>
-          <a:xfrm>
-            <a:off x="1490870" y="2027583"/>
-            <a:ext cx="2385391" cy="1908313"/>
-          </a:xfrm>
-          <a:prstGeom prst="rect">
-            <a:avLst/>
-          </a:prstGeom>
-        </p:spPr>
-        <p:style>
-          <a:lnRef idx="2">
-            <a:schemeClr val="accent1">
-              <a:shade val="50000"/>
-            </a:schemeClr>
-          </a:lnRef>
-          <a:fillRef idx="1">
-            <a:schemeClr val="accent1"/>
-          </a:fillRef>
-          <a:effectRef idx="0">
-            <a:schemeClr val="accent1"/>
-          </a:effectRef>
-          <a:fontRef idx="minor">
-            <a:schemeClr val="lt1"/>
-          </a:fontRef>
-        </p:style>
-        <p:txBody>
-          <a:bodyPr rtlCol="0" anchor="ctr"/>
-          <a:lstStyle/>
-          <a:p>
-            <a:pPr algn="ctr"/>
+              <a:t>AWS Services</a:t>
+            </a:r>
+          </a:p>
+        </p:txBody>
+      </p:sp>
+      <p:sp>
+        <p:nvSpPr>
+          <p:cNvPr id="3" name="Content Placeholder 2">
+            <a:extLst>
+              <a:ext uri="{FF2B5EF4-FFF2-40B4-BE49-F238E27FC236}">
+                <a16:creationId xmlns:a16="http://schemas.microsoft.com/office/drawing/2014/main" id="{D83F337F-917E-461D-A2FD-94889B0E677F}"/>
+              </a:ext>
+            </a:extLst>
+          </p:cNvPr>
+          <p:cNvSpPr>
+            <a:spLocks noGrp="1"/>
+          </p:cNvSpPr>
+          <p:nvPr>
+            <p:ph idx="1"/>
+          </p:nvPr>
+        </p:nvSpPr>
+        <p:spPr/>
+        <p:txBody>
+          <a:bodyPr/>
+          <a:lstStyle/>
+          <a:p>
+            <a:r>
+              <a:rPr lang="en-US" dirty="0"/>
+              <a:t>S3</a:t>
+            </a:r>
+          </a:p>
+          <a:p>
             <a:r>
               <a:rPr lang="en-US" dirty="0"/>
               <a:t>EC2</a:t>
             </a:r>
           </a:p>
-        </p:txBody>
-      </p:sp>
-      <p:sp>
-        <p:nvSpPr>
-          <p:cNvPr id="6" name="Rectangle 5">
-            <a:extLst>
-              <a:ext uri="{FF2B5EF4-FFF2-40B4-BE49-F238E27FC236}">
-                <a16:creationId xmlns:a16="http://schemas.microsoft.com/office/drawing/2014/main" id="{8ED83E3F-28BF-4AD8-9841-445039AA77ED}"/>
-              </a:ext>
-            </a:extLst>
-          </p:cNvPr>
-          <p:cNvSpPr/>
-          <p:nvPr/>
-        </p:nvSpPr>
-        <p:spPr>
-          <a:xfrm>
-            <a:off x="1669775" y="3210339"/>
-            <a:ext cx="2027583" cy="589722"/>
-          </a:xfrm>
-          <a:prstGeom prst="rect">
-            <a:avLst/>
-          </a:prstGeom>
-        </p:spPr>
-        <p:style>
-          <a:lnRef idx="2">
-            <a:schemeClr val="accent5">
-              <a:shade val="50000"/>
-            </a:schemeClr>
-          </a:lnRef>
-          <a:fillRef idx="1">
-            <a:schemeClr val="accent5"/>
-          </a:fillRef>
-          <a:effectRef idx="0">
-            <a:schemeClr val="accent5"/>
-          </a:effectRef>
-          <a:fontRef idx="minor">
-            <a:schemeClr val="lt1"/>
-          </a:fontRef>
-        </p:style>
-        <p:txBody>
-          <a:bodyPr rtlCol="0" anchor="ctr"/>
-          <a:lstStyle/>
-          <a:p>
-            <a:pPr algn="ctr"/>
-            <a:r>
-              <a:rPr lang="en-US" dirty="0"/>
-              <a:t>Root EBS</a:t>
-            </a:r>
-          </a:p>
-        </p:txBody>
-      </p:sp>
-      <p:sp>
-        <p:nvSpPr>
-          <p:cNvPr id="8" name="Rectangle 7">
-            <a:extLst>
-              <a:ext uri="{FF2B5EF4-FFF2-40B4-BE49-F238E27FC236}">
-                <a16:creationId xmlns:a16="http://schemas.microsoft.com/office/drawing/2014/main" id="{C3C0B3B8-73F9-4C71-8E3F-894804E70B98}"/>
-              </a:ext>
-            </a:extLst>
-          </p:cNvPr>
-          <p:cNvSpPr/>
-          <p:nvPr/>
-        </p:nvSpPr>
-        <p:spPr>
-          <a:xfrm>
-            <a:off x="4674705" y="2915478"/>
-            <a:ext cx="2027583" cy="589722"/>
-          </a:xfrm>
-          <a:prstGeom prst="rect">
-            <a:avLst/>
-          </a:prstGeom>
-        </p:spPr>
-        <p:style>
-          <a:lnRef idx="2">
-            <a:schemeClr val="accent5">
-              <a:shade val="50000"/>
-            </a:schemeClr>
-          </a:lnRef>
-          <a:fillRef idx="1">
-            <a:schemeClr val="accent5"/>
-          </a:fillRef>
-          <a:effectRef idx="0">
-            <a:schemeClr val="accent5"/>
-          </a:effectRef>
-          <a:fontRef idx="minor">
-            <a:schemeClr val="lt1"/>
-          </a:fontRef>
-        </p:style>
-        <p:txBody>
-          <a:bodyPr rtlCol="0" anchor="ctr"/>
-          <a:lstStyle/>
-          <a:p>
-            <a:pPr algn="ctr"/>
+          <a:p>
+            <a:r>
+              <a:rPr lang="en-US" dirty="0"/>
+              <a:t>AMI</a:t>
+            </a:r>
+          </a:p>
+          <a:p>
             <a:r>
               <a:rPr lang="en-US" dirty="0"/>
               <a:t>EBS</a:t>
             </a:r>
           </a:p>
-        </p:txBody>
-      </p:sp>
-      <p:cxnSp>
-        <p:nvCxnSpPr>
-          <p:cNvPr id="10" name="Straight Connector 9">
-            <a:extLst>
-              <a:ext uri="{FF2B5EF4-FFF2-40B4-BE49-F238E27FC236}">
-                <a16:creationId xmlns:a16="http://schemas.microsoft.com/office/drawing/2014/main" id="{BC4766D7-A4CE-481A-AB1C-9000D0E89F57}"/>
-              </a:ext>
-            </a:extLst>
-          </p:cNvPr>
-          <p:cNvCxnSpPr>
-            <a:cxnSpLocks/>
-            <a:stCxn id="8" idx="3"/>
-            <a:endCxn id="13" idx="1"/>
-          </p:cNvCxnSpPr>
-          <p:nvPr/>
-        </p:nvCxnSpPr>
-        <p:spPr>
-          <a:xfrm flipV="1">
-            <a:off x="6702288" y="2726636"/>
-            <a:ext cx="1987826" cy="483703"/>
-          </a:xfrm>
-          <a:prstGeom prst="line">
-            <a:avLst/>
-          </a:prstGeom>
-        </p:spPr>
-        <p:style>
-          <a:lnRef idx="1">
-            <a:schemeClr val="accent1"/>
-          </a:lnRef>
-          <a:fillRef idx="0">
-            <a:schemeClr val="accent1"/>
-          </a:fillRef>
-          <a:effectRef idx="0">
-            <a:schemeClr val="accent1"/>
-          </a:effectRef>
-          <a:fontRef idx="minor">
-            <a:schemeClr val="tx1"/>
-          </a:fontRef>
-        </p:style>
-      </p:cxnSp>
-      <p:sp>
-        <p:nvSpPr>
-          <p:cNvPr id="13" name="Rectangle 12">
-            <a:extLst>
-              <a:ext uri="{FF2B5EF4-FFF2-40B4-BE49-F238E27FC236}">
-                <a16:creationId xmlns:a16="http://schemas.microsoft.com/office/drawing/2014/main" id="{74DA5D5D-F99F-4AF2-97A8-02556A3043ED}"/>
-              </a:ext>
-            </a:extLst>
-          </p:cNvPr>
-          <p:cNvSpPr/>
-          <p:nvPr/>
-        </p:nvSpPr>
-        <p:spPr>
-          <a:xfrm>
-            <a:off x="8690114" y="1772479"/>
-            <a:ext cx="2385391" cy="1908313"/>
-          </a:xfrm>
-          <a:prstGeom prst="rect">
-            <a:avLst/>
-          </a:prstGeom>
-        </p:spPr>
-        <p:style>
-          <a:lnRef idx="2">
-            <a:schemeClr val="accent1">
-              <a:shade val="50000"/>
-            </a:schemeClr>
-          </a:lnRef>
-          <a:fillRef idx="1">
-            <a:schemeClr val="accent1"/>
-          </a:fillRef>
-          <a:effectRef idx="0">
-            <a:schemeClr val="accent1"/>
-          </a:effectRef>
-          <a:fontRef idx="minor">
-            <a:schemeClr val="lt1"/>
-          </a:fontRef>
-        </p:style>
-        <p:txBody>
-          <a:bodyPr rtlCol="0" anchor="ctr"/>
-          <a:lstStyle/>
-          <a:p>
-            <a:pPr algn="ctr"/>
-            <a:r>
-              <a:rPr lang="en-US" dirty="0"/>
-              <a:t>EC2</a:t>
-            </a:r>
-          </a:p>
-        </p:txBody>
-      </p:sp>
-      <p:sp>
-        <p:nvSpPr>
-          <p:cNvPr id="15" name="Rectangle 14">
-            <a:extLst>
-              <a:ext uri="{FF2B5EF4-FFF2-40B4-BE49-F238E27FC236}">
-                <a16:creationId xmlns:a16="http://schemas.microsoft.com/office/drawing/2014/main" id="{ACB06767-905D-4A02-9470-C5A7C691A01A}"/>
-              </a:ext>
-            </a:extLst>
-          </p:cNvPr>
-          <p:cNvSpPr/>
-          <p:nvPr/>
-        </p:nvSpPr>
-        <p:spPr>
-          <a:xfrm>
-            <a:off x="8869019" y="2955235"/>
-            <a:ext cx="2027583" cy="589722"/>
-          </a:xfrm>
-          <a:prstGeom prst="rect">
-            <a:avLst/>
-          </a:prstGeom>
-        </p:spPr>
-        <p:style>
-          <a:lnRef idx="2">
-            <a:schemeClr val="accent5">
-              <a:shade val="50000"/>
-            </a:schemeClr>
-          </a:lnRef>
-          <a:fillRef idx="1">
-            <a:schemeClr val="accent5"/>
-          </a:fillRef>
-          <a:effectRef idx="0">
-            <a:schemeClr val="accent5"/>
-          </a:effectRef>
-          <a:fontRef idx="minor">
-            <a:schemeClr val="lt1"/>
-          </a:fontRef>
-        </p:style>
-        <p:txBody>
-          <a:bodyPr rtlCol="0" anchor="ctr"/>
-          <a:lstStyle/>
-          <a:p>
-            <a:pPr algn="ctr"/>
-            <a:r>
-              <a:rPr lang="en-US" dirty="0"/>
-              <a:t>Root EBS</a:t>
+          <a:p>
+            <a:r>
+              <a:rPr lang="en-US" dirty="0"/>
+              <a:t>Route 53</a:t>
+            </a:r>
+          </a:p>
+          <a:p>
+            <a:r>
+              <a:rPr lang="en-US" dirty="0"/>
+              <a:t>EIP</a:t>
+            </a:r>
+          </a:p>
+          <a:p>
+            <a:r>
+              <a:rPr lang="en-US" dirty="0"/>
+              <a:t>ELB</a:t>
+            </a:r>
+          </a:p>
+          <a:p>
+            <a:r>
+              <a:rPr lang="en-US" dirty="0"/>
+              <a:t>API Gateway</a:t>
             </a:r>
           </a:p>
         </p:txBody>
@@ -6459,7 +6611,7 @@
     </p:spTree>
     <p:extLst>
       <p:ext uri="{BB962C8B-B14F-4D97-AF65-F5344CB8AC3E}">
-        <p14:creationId xmlns:p14="http://schemas.microsoft.com/office/powerpoint/2010/main" val="752696713"/>
+        <p14:creationId xmlns:p14="http://schemas.microsoft.com/office/powerpoint/2010/main" val="1831061386"/>
       </p:ext>
     </p:extLst>
   </p:cSld>
@@ -6488,78 +6640,10 @@
       </p:grpSpPr>
       <p:sp>
         <p:nvSpPr>
-          <p:cNvPr id="2" name="Title 1">
-            <a:extLst>
-              <a:ext uri="{FF2B5EF4-FFF2-40B4-BE49-F238E27FC236}">
-                <a16:creationId xmlns:a16="http://schemas.microsoft.com/office/drawing/2014/main" id="{41CB7181-93B9-4372-8177-3ED0B4548B24}"/>
-              </a:ext>
-            </a:extLst>
-          </p:cNvPr>
-          <p:cNvSpPr>
-            <a:spLocks noGrp="1"/>
-          </p:cNvSpPr>
-          <p:nvPr>
-            <p:ph type="title"/>
-          </p:nvPr>
-        </p:nvSpPr>
-        <p:spPr/>
-        <p:txBody>
-          <a:bodyPr/>
-          <a:lstStyle/>
-          <a:p>
-            <a:r>
-              <a:rPr lang="en-US" dirty="0"/>
-              <a:t>AWS Global Infrastructure</a:t>
-            </a:r>
-          </a:p>
-        </p:txBody>
-      </p:sp>
-      <p:sp>
-        <p:nvSpPr>
-          <p:cNvPr id="3" name="Content Placeholder 2">
-            <a:extLst>
-              <a:ext uri="{FF2B5EF4-FFF2-40B4-BE49-F238E27FC236}">
-                <a16:creationId xmlns:a16="http://schemas.microsoft.com/office/drawing/2014/main" id="{8D7A4442-E549-4FD2-AEAD-5AAF1EE6E78D}"/>
-              </a:ext>
-            </a:extLst>
-          </p:cNvPr>
-          <p:cNvSpPr>
-            <a:spLocks noGrp="1"/>
-          </p:cNvSpPr>
-          <p:nvPr>
-            <p:ph idx="1"/>
-          </p:nvPr>
-        </p:nvSpPr>
-        <p:spPr/>
-        <p:txBody>
-          <a:bodyPr/>
-          <a:lstStyle/>
-          <a:p>
-            <a:r>
-              <a:rPr lang="en-US" dirty="0"/>
-              <a:t>Regions</a:t>
-            </a:r>
-          </a:p>
-          <a:p>
-            <a:r>
-              <a:rPr lang="en-US" dirty="0"/>
-              <a:t>Availability Zones</a:t>
-            </a:r>
-          </a:p>
-          <a:p>
-            <a:r>
-              <a:rPr lang="en-US" dirty="0"/>
-              <a:t>Edge Locations</a:t>
-            </a:r>
-          </a:p>
-        </p:txBody>
-      </p:sp>
-      <p:sp>
-        <p:nvSpPr>
           <p:cNvPr id="4" name="Oval 3">
             <a:extLst>
               <a:ext uri="{FF2B5EF4-FFF2-40B4-BE49-F238E27FC236}">
-                <a16:creationId xmlns:a16="http://schemas.microsoft.com/office/drawing/2014/main" id="{3FEF0771-915F-43A3-B018-A0F932E7A755}"/>
+                <a16:creationId xmlns:a16="http://schemas.microsoft.com/office/drawing/2014/main" id="{8730BB3E-75E6-45C8-A124-AB8AFD386036}"/>
               </a:ext>
             </a:extLst>
           </p:cNvPr>
@@ -6568,8 +6652,8 @@
         </p:nvSpPr>
         <p:spPr>
           <a:xfrm>
-            <a:off x="7091265" y="2463282"/>
-            <a:ext cx="3685592" cy="3573624"/>
+            <a:off x="8938727" y="643812"/>
+            <a:ext cx="2071395" cy="1856792"/>
           </a:xfrm>
           <a:prstGeom prst="ellipse">
             <a:avLst/>
@@ -6598,17 +6682,58 @@
             <a:pPr algn="ctr"/>
             <a:r>
               <a:rPr lang="en-US" dirty="0"/>
-              <a:t>Region (us-east-1/ N. Virginia)</a:t>
-            </a:r>
-          </a:p>
-        </p:txBody>
-      </p:sp>
-      <p:sp>
-        <p:nvSpPr>
-          <p:cNvPr id="6" name="Oval 5">
-            <a:extLst>
-              <a:ext uri="{FF2B5EF4-FFF2-40B4-BE49-F238E27FC236}">
-                <a16:creationId xmlns:a16="http://schemas.microsoft.com/office/drawing/2014/main" id="{6324BFB7-76F1-4A3E-930C-726B1230981F}"/>
+              <a:t>External </a:t>
+            </a:r>
+            <a:r>
+              <a:rPr lang="en-US" dirty="0" err="1"/>
+              <a:t>api</a:t>
+            </a:r>
+            <a:endParaRPr lang="en-US" dirty="0"/>
+          </a:p>
+        </p:txBody>
+      </p:sp>
+      <p:pic>
+        <p:nvPicPr>
+          <p:cNvPr id="5" name="Graphic 18">
+            <a:extLst>
+              <a:ext uri="{FF2B5EF4-FFF2-40B4-BE49-F238E27FC236}">
+                <a16:creationId xmlns:a16="http://schemas.microsoft.com/office/drawing/2014/main" id="{F249C49B-0805-DA42-9A42-CFCC79AC1BB3}"/>
+              </a:ext>
+            </a:extLst>
+          </p:cNvPr>
+          <p:cNvPicPr>
+            <a:picLocks noChangeAspect="1"/>
+          </p:cNvPicPr>
+          <p:nvPr/>
+        </p:nvPicPr>
+        <p:blipFill>
+          <a:blip r:embed="rId2">
+            <a:extLst>
+              <a:ext uri="{96DAC541-7B7A-43D3-8B79-37D633B846F1}">
+                <asvg:svgBlip xmlns:asvg="http://schemas.microsoft.com/office/drawing/2016/SVG/main" r:embed="rId3"/>
+              </a:ext>
+            </a:extLst>
+          </a:blip>
+          <a:stretch>
+            <a:fillRect/>
+          </a:stretch>
+        </p:blipFill>
+        <p:spPr>
+          <a:xfrm>
+            <a:off x="4760169" y="1935065"/>
+            <a:ext cx="1976016" cy="1976016"/>
+          </a:xfrm>
+          <a:prstGeom prst="rect">
+            <a:avLst/>
+          </a:prstGeom>
+        </p:spPr>
+      </p:pic>
+      <p:sp>
+        <p:nvSpPr>
+          <p:cNvPr id="7" name="Oval 6">
+            <a:extLst>
+              <a:ext uri="{FF2B5EF4-FFF2-40B4-BE49-F238E27FC236}">
+                <a16:creationId xmlns:a16="http://schemas.microsoft.com/office/drawing/2014/main" id="{A7273466-FBBC-4B96-A3C1-536BFD143E26}"/>
               </a:ext>
             </a:extLst>
           </p:cNvPr>
@@ -6617,8 +6742,122 @@
         </p:nvSpPr>
         <p:spPr>
           <a:xfrm>
-            <a:off x="6926423" y="1807028"/>
-            <a:ext cx="1651519" cy="1621972"/>
+            <a:off x="8938726" y="2611016"/>
+            <a:ext cx="2071395" cy="1856792"/>
+          </a:xfrm>
+          <a:prstGeom prst="ellipse">
+            <a:avLst/>
+          </a:prstGeom>
+        </p:spPr>
+        <p:style>
+          <a:lnRef idx="2">
+            <a:schemeClr val="accent1">
+              <a:shade val="50000"/>
+            </a:schemeClr>
+          </a:lnRef>
+          <a:fillRef idx="1">
+            <a:schemeClr val="accent1"/>
+          </a:fillRef>
+          <a:effectRef idx="0">
+            <a:schemeClr val="accent1"/>
+          </a:effectRef>
+          <a:fontRef idx="minor">
+            <a:schemeClr val="lt1"/>
+          </a:fontRef>
+        </p:style>
+        <p:txBody>
+          <a:bodyPr rtlCol="0" anchor="ctr"/>
+          <a:lstStyle/>
+          <a:p>
+            <a:pPr algn="ctr"/>
+            <a:r>
+              <a:rPr lang="en-US" dirty="0"/>
+              <a:t>Your </a:t>
+            </a:r>
+            <a:r>
+              <a:rPr lang="en-US" dirty="0" err="1"/>
+              <a:t>api</a:t>
+            </a:r>
+            <a:r>
+              <a:rPr lang="en-US" dirty="0"/>
+              <a:t> #1</a:t>
+            </a:r>
+          </a:p>
+        </p:txBody>
+      </p:sp>
+      <p:sp>
+        <p:nvSpPr>
+          <p:cNvPr id="9" name="Oval 8">
+            <a:extLst>
+              <a:ext uri="{FF2B5EF4-FFF2-40B4-BE49-F238E27FC236}">
+                <a16:creationId xmlns:a16="http://schemas.microsoft.com/office/drawing/2014/main" id="{98F66EA3-8D3D-4FEC-B687-91F8FD1CBC6E}"/>
+              </a:ext>
+            </a:extLst>
+          </p:cNvPr>
+          <p:cNvSpPr/>
+          <p:nvPr/>
+        </p:nvSpPr>
+        <p:spPr>
+          <a:xfrm>
+            <a:off x="9022701" y="4578220"/>
+            <a:ext cx="2071395" cy="1856792"/>
+          </a:xfrm>
+          <a:prstGeom prst="ellipse">
+            <a:avLst/>
+          </a:prstGeom>
+        </p:spPr>
+        <p:style>
+          <a:lnRef idx="2">
+            <a:schemeClr val="accent1">
+              <a:shade val="50000"/>
+            </a:schemeClr>
+          </a:lnRef>
+          <a:fillRef idx="1">
+            <a:schemeClr val="accent1"/>
+          </a:fillRef>
+          <a:effectRef idx="0">
+            <a:schemeClr val="accent1"/>
+          </a:effectRef>
+          <a:fontRef idx="minor">
+            <a:schemeClr val="lt1"/>
+          </a:fontRef>
+        </p:style>
+        <p:txBody>
+          <a:bodyPr rtlCol="0" anchor="ctr"/>
+          <a:lstStyle/>
+          <a:p>
+            <a:pPr algn="ctr"/>
+            <a:r>
+              <a:rPr lang="en-US" dirty="0"/>
+              <a:t>Your </a:t>
+            </a:r>
+            <a:r>
+              <a:rPr lang="en-US" dirty="0" err="1"/>
+              <a:t>api</a:t>
+            </a:r>
+            <a:r>
+              <a:rPr lang="en-US" dirty="0"/>
+              <a:t> #2</a:t>
+            </a:r>
+          </a:p>
+        </p:txBody>
+      </p:sp>
+      <p:sp>
+        <p:nvSpPr>
+          <p:cNvPr id="13" name="Oval 12">
+            <a:extLst>
+              <a:ext uri="{FF2B5EF4-FFF2-40B4-BE49-F238E27FC236}">
+                <a16:creationId xmlns:a16="http://schemas.microsoft.com/office/drawing/2014/main" id="{0A4FFC9E-0744-49AC-82BC-28A22130056C}"/>
+              </a:ext>
+            </a:extLst>
+          </p:cNvPr>
+          <p:cNvSpPr/>
+          <p:nvPr/>
+        </p:nvSpPr>
+        <p:spPr>
+          <a:xfrm>
+            <a:off x="370113" y="4003868"/>
+            <a:ext cx="2071395" cy="1856792"/>
           </a:xfrm>
           <a:prstGeom prst="ellipse">
             <a:avLst/>
@@ -6647,105 +6886,211 @@
             <a:pPr algn="ctr"/>
             <a:r>
               <a:rPr lang="en-US" dirty="0"/>
-              <a:t>AZ (us-east-1a)</a:t>
-            </a:r>
-          </a:p>
-        </p:txBody>
-      </p:sp>
-      <p:sp>
-        <p:nvSpPr>
-          <p:cNvPr id="8" name="Oval 7">
-            <a:extLst>
-              <a:ext uri="{FF2B5EF4-FFF2-40B4-BE49-F238E27FC236}">
-                <a16:creationId xmlns:a16="http://schemas.microsoft.com/office/drawing/2014/main" id="{F8D7743A-BF08-4084-A12A-DCDABA628E66}"/>
-              </a:ext>
-            </a:extLst>
-          </p:cNvPr>
-          <p:cNvSpPr/>
-          <p:nvPr/>
-        </p:nvSpPr>
-        <p:spPr>
-          <a:xfrm>
-            <a:off x="10115939" y="2520271"/>
-            <a:ext cx="1651519" cy="1621972"/>
-          </a:xfrm>
-          <a:prstGeom prst="ellipse">
-            <a:avLst/>
-          </a:prstGeom>
+              <a:t>client</a:t>
+            </a:r>
+          </a:p>
+        </p:txBody>
+      </p:sp>
+      <p:cxnSp>
+        <p:nvCxnSpPr>
+          <p:cNvPr id="15" name="Straight Arrow Connector 14">
+            <a:extLst>
+              <a:ext uri="{FF2B5EF4-FFF2-40B4-BE49-F238E27FC236}">
+                <a16:creationId xmlns:a16="http://schemas.microsoft.com/office/drawing/2014/main" id="{FDB31C2D-5143-4BDF-9597-19662D52E101}"/>
+              </a:ext>
+            </a:extLst>
+          </p:cNvPr>
+          <p:cNvCxnSpPr>
+            <a:cxnSpLocks/>
+            <a:stCxn id="4" idx="2"/>
+          </p:cNvCxnSpPr>
+          <p:nvPr/>
+        </p:nvCxnSpPr>
+        <p:spPr>
+          <a:xfrm flipH="1">
+            <a:off x="6747589" y="1572208"/>
+            <a:ext cx="2191138" cy="1350865"/>
+          </a:xfrm>
+          <a:prstGeom prst="straightConnector1">
+            <a:avLst/>
+          </a:prstGeom>
+          <a:ln>
+            <a:tailEnd type="triangle"/>
+          </a:ln>
         </p:spPr>
         <p:style>
-          <a:lnRef idx="2">
-            <a:schemeClr val="accent4">
-              <a:shade val="50000"/>
-            </a:schemeClr>
+          <a:lnRef idx="1">
+            <a:schemeClr val="accent1"/>
           </a:lnRef>
-          <a:fillRef idx="1">
-            <a:schemeClr val="accent4"/>
+          <a:fillRef idx="0">
+            <a:schemeClr val="accent1"/>
           </a:fillRef>
           <a:effectRef idx="0">
-            <a:schemeClr val="accent4"/>
+            <a:schemeClr val="accent1"/>
           </a:effectRef>
           <a:fontRef idx="minor">
-            <a:schemeClr val="lt1"/>
+            <a:schemeClr val="tx1"/>
           </a:fontRef>
         </p:style>
-        <p:txBody>
-          <a:bodyPr rtlCol="0" anchor="ctr"/>
-          <a:lstStyle/>
-          <a:p>
-            <a:pPr algn="ctr"/>
-            <a:r>
-              <a:rPr lang="en-US" dirty="0"/>
-              <a:t>AZ (us-east-1c)</a:t>
-            </a:r>
-          </a:p>
-        </p:txBody>
-      </p:sp>
-      <p:sp>
-        <p:nvSpPr>
-          <p:cNvPr id="10" name="Oval 9">
-            <a:extLst>
-              <a:ext uri="{FF2B5EF4-FFF2-40B4-BE49-F238E27FC236}">
-                <a16:creationId xmlns:a16="http://schemas.microsoft.com/office/drawing/2014/main" id="{A943B1BD-6A0D-4120-BAD2-C73AD7B039EA}"/>
-              </a:ext>
-            </a:extLst>
-          </p:cNvPr>
-          <p:cNvSpPr/>
-          <p:nvPr/>
-        </p:nvSpPr>
-        <p:spPr>
-          <a:xfrm>
-            <a:off x="8588050" y="1690688"/>
-            <a:ext cx="1651519" cy="1621972"/>
-          </a:xfrm>
-          <a:prstGeom prst="ellipse">
-            <a:avLst/>
-          </a:prstGeom>
+      </p:cxnSp>
+      <p:cxnSp>
+        <p:nvCxnSpPr>
+          <p:cNvPr id="16" name="Straight Arrow Connector 15">
+            <a:extLst>
+              <a:ext uri="{FF2B5EF4-FFF2-40B4-BE49-F238E27FC236}">
+                <a16:creationId xmlns:a16="http://schemas.microsoft.com/office/drawing/2014/main" id="{ADBE6DBB-B5C8-4B4A-9F1F-E6C83002B2B2}"/>
+              </a:ext>
+            </a:extLst>
+          </p:cNvPr>
+          <p:cNvCxnSpPr>
+            <a:cxnSpLocks/>
+            <a:stCxn id="7" idx="2"/>
+          </p:cNvCxnSpPr>
+          <p:nvPr/>
+        </p:nvCxnSpPr>
+        <p:spPr>
+          <a:xfrm flipH="1" flipV="1">
+            <a:off x="6747589" y="2923073"/>
+            <a:ext cx="2191137" cy="616339"/>
+          </a:xfrm>
+          <a:prstGeom prst="straightConnector1">
+            <a:avLst/>
+          </a:prstGeom>
+          <a:ln>
+            <a:tailEnd type="triangle"/>
+          </a:ln>
         </p:spPr>
         <p:style>
-          <a:lnRef idx="2">
-            <a:schemeClr val="accent4">
-              <a:shade val="50000"/>
-            </a:schemeClr>
+          <a:lnRef idx="1">
+            <a:schemeClr val="accent1"/>
           </a:lnRef>
-          <a:fillRef idx="1">
-            <a:schemeClr val="accent4"/>
+          <a:fillRef idx="0">
+            <a:schemeClr val="accent1"/>
           </a:fillRef>
           <a:effectRef idx="0">
-            <a:schemeClr val="accent4"/>
+            <a:schemeClr val="accent1"/>
           </a:effectRef>
           <a:fontRef idx="minor">
-            <a:schemeClr val="lt1"/>
+            <a:schemeClr val="tx1"/>
           </a:fontRef>
         </p:style>
-        <p:txBody>
-          <a:bodyPr rtlCol="0" anchor="ctr"/>
-          <a:lstStyle/>
-          <a:p>
-            <a:pPr algn="ctr"/>
-            <a:r>
-              <a:rPr lang="en-US" dirty="0"/>
-              <a:t>AZ (us-east-1b)</a:t>
+      </p:cxnSp>
+      <p:cxnSp>
+        <p:nvCxnSpPr>
+          <p:cNvPr id="19" name="Straight Arrow Connector 18">
+            <a:extLst>
+              <a:ext uri="{FF2B5EF4-FFF2-40B4-BE49-F238E27FC236}">
+                <a16:creationId xmlns:a16="http://schemas.microsoft.com/office/drawing/2014/main" id="{126AFE37-6424-4671-A2C6-55196731F83C}"/>
+              </a:ext>
+            </a:extLst>
+          </p:cNvPr>
+          <p:cNvCxnSpPr>
+            <a:cxnSpLocks/>
+            <a:stCxn id="9" idx="2"/>
+          </p:cNvCxnSpPr>
+          <p:nvPr/>
+        </p:nvCxnSpPr>
+        <p:spPr>
+          <a:xfrm flipH="1" flipV="1">
+            <a:off x="6747589" y="2923073"/>
+            <a:ext cx="2275112" cy="2583543"/>
+          </a:xfrm>
+          <a:prstGeom prst="straightConnector1">
+            <a:avLst/>
+          </a:prstGeom>
+          <a:ln>
+            <a:tailEnd type="triangle"/>
+          </a:ln>
+        </p:spPr>
+        <p:style>
+          <a:lnRef idx="1">
+            <a:schemeClr val="accent1"/>
+          </a:lnRef>
+          <a:fillRef idx="0">
+            <a:schemeClr val="accent1"/>
+          </a:fillRef>
+          <a:effectRef idx="0">
+            <a:schemeClr val="accent1"/>
+          </a:effectRef>
+          <a:fontRef idx="minor">
+            <a:schemeClr val="tx1"/>
+          </a:fontRef>
+        </p:style>
+      </p:cxnSp>
+      <p:cxnSp>
+        <p:nvCxnSpPr>
+          <p:cNvPr id="23" name="Straight Arrow Connector 22">
+            <a:extLst>
+              <a:ext uri="{FF2B5EF4-FFF2-40B4-BE49-F238E27FC236}">
+                <a16:creationId xmlns:a16="http://schemas.microsoft.com/office/drawing/2014/main" id="{B70E40E5-A100-48E6-AAED-FA71AA1703BA}"/>
+              </a:ext>
+            </a:extLst>
+          </p:cNvPr>
+          <p:cNvCxnSpPr>
+            <a:cxnSpLocks/>
+            <a:stCxn id="5" idx="1"/>
+            <a:endCxn id="13" idx="6"/>
+          </p:cNvCxnSpPr>
+          <p:nvPr/>
+        </p:nvCxnSpPr>
+        <p:spPr>
+          <a:xfrm flipH="1">
+            <a:off x="2441508" y="2923073"/>
+            <a:ext cx="2318661" cy="2009191"/>
+          </a:xfrm>
+          <a:prstGeom prst="straightConnector1">
+            <a:avLst/>
+          </a:prstGeom>
+          <a:ln>
+            <a:tailEnd type="triangle"/>
+          </a:ln>
+        </p:spPr>
+        <p:style>
+          <a:lnRef idx="1">
+            <a:schemeClr val="accent1"/>
+          </a:lnRef>
+          <a:fillRef idx="0">
+            <a:schemeClr val="accent1"/>
+          </a:fillRef>
+          <a:effectRef idx="0">
+            <a:schemeClr val="accent1"/>
+          </a:effectRef>
+          <a:fontRef idx="minor">
+            <a:schemeClr val="tx1"/>
+          </a:fontRef>
+        </p:style>
+      </p:cxnSp>
+      <p:sp>
+        <p:nvSpPr>
+          <p:cNvPr id="30" name="TextBox 29">
+            <a:extLst>
+              <a:ext uri="{FF2B5EF4-FFF2-40B4-BE49-F238E27FC236}">
+                <a16:creationId xmlns:a16="http://schemas.microsoft.com/office/drawing/2014/main" id="{F3983E85-75BE-4BB2-AEDC-7FCAC04DA294}"/>
+              </a:ext>
+            </a:extLst>
+          </p:cNvPr>
+          <p:cNvSpPr txBox="1"/>
+          <p:nvPr/>
+        </p:nvSpPr>
+        <p:spPr>
+          <a:xfrm>
+            <a:off x="1670180" y="503853"/>
+            <a:ext cx="1363065" cy="369332"/>
+          </a:xfrm>
+          <a:prstGeom prst="rect">
+            <a:avLst/>
+          </a:prstGeom>
+          <a:noFill/>
+        </p:spPr>
+        <p:txBody>
+          <a:bodyPr wrap="none" rtlCol="0">
+            <a:spAutoFit/>
+          </a:bodyPr>
+          <a:lstStyle/>
+          <a:p>
+            <a:r>
+              <a:rPr lang="en-US" dirty="0"/>
+              <a:t>API Gateway</a:t>
             </a:r>
           </a:p>
         </p:txBody>
@@ -6753,7 +7098,7 @@
     </p:spTree>
     <p:extLst>
       <p:ext uri="{BB962C8B-B14F-4D97-AF65-F5344CB8AC3E}">
-        <p14:creationId xmlns:p14="http://schemas.microsoft.com/office/powerpoint/2010/main" val="1976631391"/>
+        <p14:creationId xmlns:p14="http://schemas.microsoft.com/office/powerpoint/2010/main" val="1149172809"/>
       </p:ext>
     </p:extLst>
   </p:cSld>
@@ -6785,7 +7130,7 @@
           <p:cNvPr id="2" name="Title 1">
             <a:extLst>
               <a:ext uri="{FF2B5EF4-FFF2-40B4-BE49-F238E27FC236}">
-                <a16:creationId xmlns:a16="http://schemas.microsoft.com/office/drawing/2014/main" id="{0EC4895F-7133-49B2-B0E0-2D558D06378A}"/>
+                <a16:creationId xmlns:a16="http://schemas.microsoft.com/office/drawing/2014/main" id="{AE563304-5376-4678-B925-FF2DFC39F3BF}"/>
               </a:ext>
             </a:extLst>
           </p:cNvPr>
@@ -6803,40 +7148,300 @@
           <a:p>
             <a:r>
               <a:rPr lang="en-US" dirty="0"/>
-              <a:t>What we like</a:t>
-            </a:r>
-          </a:p>
-        </p:txBody>
-      </p:sp>
-      <p:sp>
-        <p:nvSpPr>
-          <p:cNvPr id="3" name="Content Placeholder 2">
-            <a:extLst>
-              <a:ext uri="{FF2B5EF4-FFF2-40B4-BE49-F238E27FC236}">
-                <a16:creationId xmlns:a16="http://schemas.microsoft.com/office/drawing/2014/main" id="{69AD2D4D-EB94-41C1-A6E7-701BF66125FD}"/>
-              </a:ext>
-            </a:extLst>
-          </p:cNvPr>
-          <p:cNvSpPr>
-            <a:spLocks noGrp="1"/>
-          </p:cNvSpPr>
-          <p:nvPr>
-            <p:ph idx="1"/>
-          </p:nvPr>
-        </p:nvSpPr>
-        <p:spPr/>
-        <p:txBody>
-          <a:bodyPr/>
-          <a:lstStyle/>
-          <a:p>
-            <a:endParaRPr lang="en-US"/>
+              <a:t>EC2 and EBS</a:t>
+            </a:r>
+          </a:p>
+        </p:txBody>
+      </p:sp>
+      <p:sp>
+        <p:nvSpPr>
+          <p:cNvPr id="4" name="Rectangle 3">
+            <a:extLst>
+              <a:ext uri="{FF2B5EF4-FFF2-40B4-BE49-F238E27FC236}">
+                <a16:creationId xmlns:a16="http://schemas.microsoft.com/office/drawing/2014/main" id="{FC080E6E-4CEC-4CC4-B91C-466AF4AA9F6E}"/>
+              </a:ext>
+            </a:extLst>
+          </p:cNvPr>
+          <p:cNvSpPr/>
+          <p:nvPr/>
+        </p:nvSpPr>
+        <p:spPr>
+          <a:xfrm>
+            <a:off x="1490870" y="2027583"/>
+            <a:ext cx="2385391" cy="1908313"/>
+          </a:xfrm>
+          <a:prstGeom prst="rect">
+            <a:avLst/>
+          </a:prstGeom>
+        </p:spPr>
+        <p:style>
+          <a:lnRef idx="2">
+            <a:schemeClr val="accent1">
+              <a:shade val="50000"/>
+            </a:schemeClr>
+          </a:lnRef>
+          <a:fillRef idx="1">
+            <a:schemeClr val="accent1"/>
+          </a:fillRef>
+          <a:effectRef idx="0">
+            <a:schemeClr val="accent1"/>
+          </a:effectRef>
+          <a:fontRef idx="minor">
+            <a:schemeClr val="lt1"/>
+          </a:fontRef>
+        </p:style>
+        <p:txBody>
+          <a:bodyPr rtlCol="0" anchor="ctr"/>
+          <a:lstStyle/>
+          <a:p>
+            <a:pPr algn="ctr"/>
+            <a:r>
+              <a:rPr lang="en-US" dirty="0"/>
+              <a:t>EC2</a:t>
+            </a:r>
+          </a:p>
+        </p:txBody>
+      </p:sp>
+      <p:sp>
+        <p:nvSpPr>
+          <p:cNvPr id="6" name="Rectangle 5">
+            <a:extLst>
+              <a:ext uri="{FF2B5EF4-FFF2-40B4-BE49-F238E27FC236}">
+                <a16:creationId xmlns:a16="http://schemas.microsoft.com/office/drawing/2014/main" id="{8ED83E3F-28BF-4AD8-9841-445039AA77ED}"/>
+              </a:ext>
+            </a:extLst>
+          </p:cNvPr>
+          <p:cNvSpPr/>
+          <p:nvPr/>
+        </p:nvSpPr>
+        <p:spPr>
+          <a:xfrm>
+            <a:off x="1669775" y="3210339"/>
+            <a:ext cx="2027583" cy="589722"/>
+          </a:xfrm>
+          <a:prstGeom prst="rect">
+            <a:avLst/>
+          </a:prstGeom>
+        </p:spPr>
+        <p:style>
+          <a:lnRef idx="2">
+            <a:schemeClr val="accent5">
+              <a:shade val="50000"/>
+            </a:schemeClr>
+          </a:lnRef>
+          <a:fillRef idx="1">
+            <a:schemeClr val="accent5"/>
+          </a:fillRef>
+          <a:effectRef idx="0">
+            <a:schemeClr val="accent5"/>
+          </a:effectRef>
+          <a:fontRef idx="minor">
+            <a:schemeClr val="lt1"/>
+          </a:fontRef>
+        </p:style>
+        <p:txBody>
+          <a:bodyPr rtlCol="0" anchor="ctr"/>
+          <a:lstStyle/>
+          <a:p>
+            <a:pPr algn="ctr"/>
+            <a:r>
+              <a:rPr lang="en-US" dirty="0"/>
+              <a:t>Root EBS</a:t>
+            </a:r>
+          </a:p>
+        </p:txBody>
+      </p:sp>
+      <p:sp>
+        <p:nvSpPr>
+          <p:cNvPr id="8" name="Rectangle 7">
+            <a:extLst>
+              <a:ext uri="{FF2B5EF4-FFF2-40B4-BE49-F238E27FC236}">
+                <a16:creationId xmlns:a16="http://schemas.microsoft.com/office/drawing/2014/main" id="{C3C0B3B8-73F9-4C71-8E3F-894804E70B98}"/>
+              </a:ext>
+            </a:extLst>
+          </p:cNvPr>
+          <p:cNvSpPr/>
+          <p:nvPr/>
+        </p:nvSpPr>
+        <p:spPr>
+          <a:xfrm>
+            <a:off x="4674705" y="2915478"/>
+            <a:ext cx="2027583" cy="589722"/>
+          </a:xfrm>
+          <a:prstGeom prst="rect">
+            <a:avLst/>
+          </a:prstGeom>
+        </p:spPr>
+        <p:style>
+          <a:lnRef idx="2">
+            <a:schemeClr val="accent5">
+              <a:shade val="50000"/>
+            </a:schemeClr>
+          </a:lnRef>
+          <a:fillRef idx="1">
+            <a:schemeClr val="accent5"/>
+          </a:fillRef>
+          <a:effectRef idx="0">
+            <a:schemeClr val="accent5"/>
+          </a:effectRef>
+          <a:fontRef idx="minor">
+            <a:schemeClr val="lt1"/>
+          </a:fontRef>
+        </p:style>
+        <p:txBody>
+          <a:bodyPr rtlCol="0" anchor="ctr"/>
+          <a:lstStyle/>
+          <a:p>
+            <a:pPr algn="ctr"/>
+            <a:r>
+              <a:rPr lang="en-US" dirty="0"/>
+              <a:t>EBS</a:t>
+            </a:r>
+          </a:p>
+        </p:txBody>
+      </p:sp>
+      <p:cxnSp>
+        <p:nvCxnSpPr>
+          <p:cNvPr id="10" name="Straight Connector 9">
+            <a:extLst>
+              <a:ext uri="{FF2B5EF4-FFF2-40B4-BE49-F238E27FC236}">
+                <a16:creationId xmlns:a16="http://schemas.microsoft.com/office/drawing/2014/main" id="{BC4766D7-A4CE-481A-AB1C-9000D0E89F57}"/>
+              </a:ext>
+            </a:extLst>
+          </p:cNvPr>
+          <p:cNvCxnSpPr>
+            <a:cxnSpLocks/>
+            <a:stCxn id="8" idx="3"/>
+            <a:endCxn id="13" idx="1"/>
+          </p:cNvCxnSpPr>
+          <p:nvPr/>
+        </p:nvCxnSpPr>
+        <p:spPr>
+          <a:xfrm flipV="1">
+            <a:off x="6702288" y="2726636"/>
+            <a:ext cx="1987826" cy="483703"/>
+          </a:xfrm>
+          <a:prstGeom prst="line">
+            <a:avLst/>
+          </a:prstGeom>
+        </p:spPr>
+        <p:style>
+          <a:lnRef idx="1">
+            <a:schemeClr val="accent1"/>
+          </a:lnRef>
+          <a:fillRef idx="0">
+            <a:schemeClr val="accent1"/>
+          </a:fillRef>
+          <a:effectRef idx="0">
+            <a:schemeClr val="accent1"/>
+          </a:effectRef>
+          <a:fontRef idx="minor">
+            <a:schemeClr val="tx1"/>
+          </a:fontRef>
+        </p:style>
+      </p:cxnSp>
+      <p:sp>
+        <p:nvSpPr>
+          <p:cNvPr id="13" name="Rectangle 12">
+            <a:extLst>
+              <a:ext uri="{FF2B5EF4-FFF2-40B4-BE49-F238E27FC236}">
+                <a16:creationId xmlns:a16="http://schemas.microsoft.com/office/drawing/2014/main" id="{74DA5D5D-F99F-4AF2-97A8-02556A3043ED}"/>
+              </a:ext>
+            </a:extLst>
+          </p:cNvPr>
+          <p:cNvSpPr/>
+          <p:nvPr/>
+        </p:nvSpPr>
+        <p:spPr>
+          <a:xfrm>
+            <a:off x="8690114" y="1772479"/>
+            <a:ext cx="2385391" cy="1908313"/>
+          </a:xfrm>
+          <a:prstGeom prst="rect">
+            <a:avLst/>
+          </a:prstGeom>
+        </p:spPr>
+        <p:style>
+          <a:lnRef idx="2">
+            <a:schemeClr val="accent1">
+              <a:shade val="50000"/>
+            </a:schemeClr>
+          </a:lnRef>
+          <a:fillRef idx="1">
+            <a:schemeClr val="accent1"/>
+          </a:fillRef>
+          <a:effectRef idx="0">
+            <a:schemeClr val="accent1"/>
+          </a:effectRef>
+          <a:fontRef idx="minor">
+            <a:schemeClr val="lt1"/>
+          </a:fontRef>
+        </p:style>
+        <p:txBody>
+          <a:bodyPr rtlCol="0" anchor="ctr"/>
+          <a:lstStyle/>
+          <a:p>
+            <a:pPr algn="ctr"/>
+            <a:r>
+              <a:rPr lang="en-US" dirty="0"/>
+              <a:t>EC2</a:t>
+            </a:r>
+          </a:p>
+        </p:txBody>
+      </p:sp>
+      <p:sp>
+        <p:nvSpPr>
+          <p:cNvPr id="15" name="Rectangle 14">
+            <a:extLst>
+              <a:ext uri="{FF2B5EF4-FFF2-40B4-BE49-F238E27FC236}">
+                <a16:creationId xmlns:a16="http://schemas.microsoft.com/office/drawing/2014/main" id="{ACB06767-905D-4A02-9470-C5A7C691A01A}"/>
+              </a:ext>
+            </a:extLst>
+          </p:cNvPr>
+          <p:cNvSpPr/>
+          <p:nvPr/>
+        </p:nvSpPr>
+        <p:spPr>
+          <a:xfrm>
+            <a:off x="8869019" y="2955235"/>
+            <a:ext cx="2027583" cy="589722"/>
+          </a:xfrm>
+          <a:prstGeom prst="rect">
+            <a:avLst/>
+          </a:prstGeom>
+        </p:spPr>
+        <p:style>
+          <a:lnRef idx="2">
+            <a:schemeClr val="accent5">
+              <a:shade val="50000"/>
+            </a:schemeClr>
+          </a:lnRef>
+          <a:fillRef idx="1">
+            <a:schemeClr val="accent5"/>
+          </a:fillRef>
+          <a:effectRef idx="0">
+            <a:schemeClr val="accent5"/>
+          </a:effectRef>
+          <a:fontRef idx="minor">
+            <a:schemeClr val="lt1"/>
+          </a:fontRef>
+        </p:style>
+        <p:txBody>
+          <a:bodyPr rtlCol="0" anchor="ctr"/>
+          <a:lstStyle/>
+          <a:p>
+            <a:pPr algn="ctr"/>
+            <a:r>
+              <a:rPr lang="en-US" dirty="0"/>
+              <a:t>Root EBS</a:t>
+            </a:r>
           </a:p>
         </p:txBody>
       </p:sp>
     </p:spTree>
     <p:extLst>
       <p:ext uri="{BB962C8B-B14F-4D97-AF65-F5344CB8AC3E}">
-        <p14:creationId xmlns:p14="http://schemas.microsoft.com/office/powerpoint/2010/main" val="3168048497"/>
+        <p14:creationId xmlns:p14="http://schemas.microsoft.com/office/powerpoint/2010/main" val="752696713"/>
       </p:ext>
     </p:extLst>
   </p:cSld>
@@ -7107,7 +7712,7 @@
           <p:cNvPr id="2" name="Title 1">
             <a:extLst>
               <a:ext uri="{FF2B5EF4-FFF2-40B4-BE49-F238E27FC236}">
-                <a16:creationId xmlns:a16="http://schemas.microsoft.com/office/drawing/2014/main" id="{B621CF05-5EAD-43F3-8BBC-1EDDCD2C0250}"/>
+                <a16:creationId xmlns:a16="http://schemas.microsoft.com/office/drawing/2014/main" id="{41CB7181-93B9-4372-8177-3ED0B4548B24}"/>
               </a:ext>
             </a:extLst>
           </p:cNvPr>
@@ -7125,7 +7730,7 @@
           <a:p>
             <a:r>
               <a:rPr lang="en-US" dirty="0"/>
-              <a:t>What we do not like</a:t>
+              <a:t>AWS Global Infrastructure</a:t>
             </a:r>
           </a:p>
         </p:txBody>
@@ -7135,7 +7740,7 @@
           <p:cNvPr id="3" name="Content Placeholder 2">
             <a:extLst>
               <a:ext uri="{FF2B5EF4-FFF2-40B4-BE49-F238E27FC236}">
-                <a16:creationId xmlns:a16="http://schemas.microsoft.com/office/drawing/2014/main" id="{D6959C29-231A-46E4-9493-47524C03CFAB}"/>
+                <a16:creationId xmlns:a16="http://schemas.microsoft.com/office/drawing/2014/main" id="{8D7A4442-E549-4FD2-AEAD-5AAF1EE6E78D}"/>
               </a:ext>
             </a:extLst>
           </p:cNvPr>
@@ -7153,7 +7758,1348 @@
           <a:p>
             <a:r>
               <a:rPr lang="en-US" dirty="0"/>
+              <a:t>Regions</a:t>
+            </a:r>
+          </a:p>
+          <a:p>
+            <a:r>
+              <a:rPr lang="en-US" dirty="0"/>
+              <a:t>Availability Zones</a:t>
+            </a:r>
+          </a:p>
+          <a:p>
+            <a:r>
+              <a:rPr lang="en-US" dirty="0"/>
+              <a:t>Edge Locations</a:t>
+            </a:r>
+          </a:p>
+        </p:txBody>
+      </p:sp>
+      <p:sp>
+        <p:nvSpPr>
+          <p:cNvPr id="4" name="Oval 3">
+            <a:extLst>
+              <a:ext uri="{FF2B5EF4-FFF2-40B4-BE49-F238E27FC236}">
+                <a16:creationId xmlns:a16="http://schemas.microsoft.com/office/drawing/2014/main" id="{3FEF0771-915F-43A3-B018-A0F932E7A755}"/>
+              </a:ext>
+            </a:extLst>
+          </p:cNvPr>
+          <p:cNvSpPr/>
+          <p:nvPr/>
+        </p:nvSpPr>
+        <p:spPr>
+          <a:xfrm>
+            <a:off x="7091265" y="2463282"/>
+            <a:ext cx="3685592" cy="3573624"/>
+          </a:xfrm>
+          <a:prstGeom prst="ellipse">
+            <a:avLst/>
+          </a:prstGeom>
+        </p:spPr>
+        <p:style>
+          <a:lnRef idx="2">
+            <a:schemeClr val="accent1">
+              <a:shade val="50000"/>
+            </a:schemeClr>
+          </a:lnRef>
+          <a:fillRef idx="1">
+            <a:schemeClr val="accent1"/>
+          </a:fillRef>
+          <a:effectRef idx="0">
+            <a:schemeClr val="accent1"/>
+          </a:effectRef>
+          <a:fontRef idx="minor">
+            <a:schemeClr val="lt1"/>
+          </a:fontRef>
+        </p:style>
+        <p:txBody>
+          <a:bodyPr rtlCol="0" anchor="ctr"/>
+          <a:lstStyle/>
+          <a:p>
+            <a:pPr algn="ctr"/>
+            <a:r>
+              <a:rPr lang="en-US" dirty="0"/>
+              <a:t>Region (us-east-1/ N. Virginia)</a:t>
+            </a:r>
+          </a:p>
+        </p:txBody>
+      </p:sp>
+      <p:sp>
+        <p:nvSpPr>
+          <p:cNvPr id="6" name="Oval 5">
+            <a:extLst>
+              <a:ext uri="{FF2B5EF4-FFF2-40B4-BE49-F238E27FC236}">
+                <a16:creationId xmlns:a16="http://schemas.microsoft.com/office/drawing/2014/main" id="{6324BFB7-76F1-4A3E-930C-726B1230981F}"/>
+              </a:ext>
+            </a:extLst>
+          </p:cNvPr>
+          <p:cNvSpPr/>
+          <p:nvPr/>
+        </p:nvSpPr>
+        <p:spPr>
+          <a:xfrm>
+            <a:off x="6926423" y="1807028"/>
+            <a:ext cx="1651519" cy="1621972"/>
+          </a:xfrm>
+          <a:prstGeom prst="ellipse">
+            <a:avLst/>
+          </a:prstGeom>
+        </p:spPr>
+        <p:style>
+          <a:lnRef idx="2">
+            <a:schemeClr val="accent4">
+              <a:shade val="50000"/>
+            </a:schemeClr>
+          </a:lnRef>
+          <a:fillRef idx="1">
+            <a:schemeClr val="accent4"/>
+          </a:fillRef>
+          <a:effectRef idx="0">
+            <a:schemeClr val="accent4"/>
+          </a:effectRef>
+          <a:fontRef idx="minor">
+            <a:schemeClr val="lt1"/>
+          </a:fontRef>
+        </p:style>
+        <p:txBody>
+          <a:bodyPr rtlCol="0" anchor="ctr"/>
+          <a:lstStyle/>
+          <a:p>
+            <a:pPr algn="ctr"/>
+            <a:r>
+              <a:rPr lang="en-US" dirty="0"/>
+              <a:t>AZ (us-east-1a)</a:t>
+            </a:r>
+          </a:p>
+        </p:txBody>
+      </p:sp>
+      <p:sp>
+        <p:nvSpPr>
+          <p:cNvPr id="8" name="Oval 7">
+            <a:extLst>
+              <a:ext uri="{FF2B5EF4-FFF2-40B4-BE49-F238E27FC236}">
+                <a16:creationId xmlns:a16="http://schemas.microsoft.com/office/drawing/2014/main" id="{F8D7743A-BF08-4084-A12A-DCDABA628E66}"/>
+              </a:ext>
+            </a:extLst>
+          </p:cNvPr>
+          <p:cNvSpPr/>
+          <p:nvPr/>
+        </p:nvSpPr>
+        <p:spPr>
+          <a:xfrm>
+            <a:off x="10115939" y="2520271"/>
+            <a:ext cx="1651519" cy="1621972"/>
+          </a:xfrm>
+          <a:prstGeom prst="ellipse">
+            <a:avLst/>
+          </a:prstGeom>
+        </p:spPr>
+        <p:style>
+          <a:lnRef idx="2">
+            <a:schemeClr val="accent4">
+              <a:shade val="50000"/>
+            </a:schemeClr>
+          </a:lnRef>
+          <a:fillRef idx="1">
+            <a:schemeClr val="accent4"/>
+          </a:fillRef>
+          <a:effectRef idx="0">
+            <a:schemeClr val="accent4"/>
+          </a:effectRef>
+          <a:fontRef idx="minor">
+            <a:schemeClr val="lt1"/>
+          </a:fontRef>
+        </p:style>
+        <p:txBody>
+          <a:bodyPr rtlCol="0" anchor="ctr"/>
+          <a:lstStyle/>
+          <a:p>
+            <a:pPr algn="ctr"/>
+            <a:r>
+              <a:rPr lang="en-US" dirty="0"/>
+              <a:t>AZ (us-east-1c)</a:t>
+            </a:r>
+          </a:p>
+        </p:txBody>
+      </p:sp>
+      <p:sp>
+        <p:nvSpPr>
+          <p:cNvPr id="10" name="Oval 9">
+            <a:extLst>
+              <a:ext uri="{FF2B5EF4-FFF2-40B4-BE49-F238E27FC236}">
+                <a16:creationId xmlns:a16="http://schemas.microsoft.com/office/drawing/2014/main" id="{A943B1BD-6A0D-4120-BAD2-C73AD7B039EA}"/>
+              </a:ext>
+            </a:extLst>
+          </p:cNvPr>
+          <p:cNvSpPr/>
+          <p:nvPr/>
+        </p:nvSpPr>
+        <p:spPr>
+          <a:xfrm>
+            <a:off x="8588050" y="1690688"/>
+            <a:ext cx="1651519" cy="1621972"/>
+          </a:xfrm>
+          <a:prstGeom prst="ellipse">
+            <a:avLst/>
+          </a:prstGeom>
+        </p:spPr>
+        <p:style>
+          <a:lnRef idx="2">
+            <a:schemeClr val="accent4">
+              <a:shade val="50000"/>
+            </a:schemeClr>
+          </a:lnRef>
+          <a:fillRef idx="1">
+            <a:schemeClr val="accent4"/>
+          </a:fillRef>
+          <a:effectRef idx="0">
+            <a:schemeClr val="accent4"/>
+          </a:effectRef>
+          <a:fontRef idx="minor">
+            <a:schemeClr val="lt1"/>
+          </a:fontRef>
+        </p:style>
+        <p:txBody>
+          <a:bodyPr rtlCol="0" anchor="ctr"/>
+          <a:lstStyle/>
+          <a:p>
+            <a:pPr algn="ctr"/>
+            <a:r>
+              <a:rPr lang="en-US" dirty="0"/>
+              <a:t>AZ (us-east-1b)</a:t>
+            </a:r>
+          </a:p>
+        </p:txBody>
+      </p:sp>
+    </p:spTree>
+    <p:extLst>
+      <p:ext uri="{BB962C8B-B14F-4D97-AF65-F5344CB8AC3E}">
+        <p14:creationId xmlns:p14="http://schemas.microsoft.com/office/powerpoint/2010/main" val="1976631391"/>
+      </p:ext>
+    </p:extLst>
+  </p:cSld>
+  <p:clrMapOvr>
+    <a:masterClrMapping/>
+  </p:clrMapOvr>
+</p:sld>
+</file>
+
+<file path=ppt/slides/slide21.xml><?xml version="1.0" encoding="utf-8"?>
+<p:sld xmlns:a="http://schemas.openxmlformats.org/drawingml/2006/main" xmlns:r="http://schemas.openxmlformats.org/officeDocument/2006/relationships" xmlns:p="http://schemas.openxmlformats.org/presentationml/2006/main">
+  <p:cSld>
+    <p:spTree>
+      <p:nvGrpSpPr>
+        <p:cNvPr id="1" name=""/>
+        <p:cNvGrpSpPr/>
+        <p:nvPr/>
+      </p:nvGrpSpPr>
+      <p:grpSpPr>
+        <a:xfrm>
+          <a:off x="0" y="0"/>
+          <a:ext cx="0" cy="0"/>
+          <a:chOff x="0" y="0"/>
+          <a:chExt cx="0" cy="0"/>
+        </a:xfrm>
+      </p:grpSpPr>
+      <p:sp>
+        <p:nvSpPr>
+          <p:cNvPr id="2" name="Title 1">
+            <a:extLst>
+              <a:ext uri="{FF2B5EF4-FFF2-40B4-BE49-F238E27FC236}">
+                <a16:creationId xmlns:a16="http://schemas.microsoft.com/office/drawing/2014/main" id="{B68C8AD8-D6C8-427A-AC35-BD2B9AFA6F5F}"/>
+              </a:ext>
+            </a:extLst>
+          </p:cNvPr>
+          <p:cNvSpPr>
+            <a:spLocks noGrp="1"/>
+          </p:cNvSpPr>
+          <p:nvPr>
+            <p:ph type="title"/>
+          </p:nvPr>
+        </p:nvSpPr>
+        <p:spPr/>
+        <p:txBody>
+          <a:bodyPr/>
+          <a:lstStyle/>
+          <a:p>
+            <a:r>
+              <a:rPr lang="en-US" dirty="0"/>
+              <a:t>Load Balancing</a:t>
+            </a:r>
+          </a:p>
+        </p:txBody>
+      </p:sp>
+      <p:sp>
+        <p:nvSpPr>
+          <p:cNvPr id="4" name="Oval 3">
+            <a:extLst>
+              <a:ext uri="{FF2B5EF4-FFF2-40B4-BE49-F238E27FC236}">
+                <a16:creationId xmlns:a16="http://schemas.microsoft.com/office/drawing/2014/main" id="{819C7B33-6398-4F2B-86C0-99F9C09ECF81}"/>
+              </a:ext>
+            </a:extLst>
+          </p:cNvPr>
+          <p:cNvSpPr/>
+          <p:nvPr/>
+        </p:nvSpPr>
+        <p:spPr>
+          <a:xfrm>
+            <a:off x="3470988" y="2146040"/>
+            <a:ext cx="2528596" cy="1959429"/>
+          </a:xfrm>
+          <a:prstGeom prst="ellipse">
+            <a:avLst/>
+          </a:prstGeom>
+        </p:spPr>
+        <p:style>
+          <a:lnRef idx="2">
+            <a:schemeClr val="accent1">
+              <a:shade val="50000"/>
+            </a:schemeClr>
+          </a:lnRef>
+          <a:fillRef idx="1">
+            <a:schemeClr val="accent1"/>
+          </a:fillRef>
+          <a:effectRef idx="0">
+            <a:schemeClr val="accent1"/>
+          </a:effectRef>
+          <a:fontRef idx="minor">
+            <a:schemeClr val="lt1"/>
+          </a:fontRef>
+        </p:style>
+        <p:txBody>
+          <a:bodyPr rtlCol="0" anchor="ctr"/>
+          <a:lstStyle/>
+          <a:p>
+            <a:pPr algn="ctr"/>
+            <a:r>
+              <a:rPr lang="en-US" dirty="0"/>
+              <a:t>Load Balancer</a:t>
+            </a:r>
+          </a:p>
+        </p:txBody>
+      </p:sp>
+      <p:sp>
+        <p:nvSpPr>
+          <p:cNvPr id="6" name="Oval 5">
+            <a:extLst>
+              <a:ext uri="{FF2B5EF4-FFF2-40B4-BE49-F238E27FC236}">
+                <a16:creationId xmlns:a16="http://schemas.microsoft.com/office/drawing/2014/main" id="{EE23C450-CF29-4990-A84C-7860687A4645}"/>
+              </a:ext>
+            </a:extLst>
+          </p:cNvPr>
+          <p:cNvSpPr/>
+          <p:nvPr/>
+        </p:nvSpPr>
+        <p:spPr>
+          <a:xfrm>
+            <a:off x="6515877" y="0"/>
+            <a:ext cx="2528596" cy="1959429"/>
+          </a:xfrm>
+          <a:prstGeom prst="ellipse">
+            <a:avLst/>
+          </a:prstGeom>
+        </p:spPr>
+        <p:style>
+          <a:lnRef idx="2">
+            <a:schemeClr val="accent2">
+              <a:shade val="50000"/>
+            </a:schemeClr>
+          </a:lnRef>
+          <a:fillRef idx="1">
+            <a:schemeClr val="accent2"/>
+          </a:fillRef>
+          <a:effectRef idx="0">
+            <a:schemeClr val="accent2"/>
+          </a:effectRef>
+          <a:fontRef idx="minor">
+            <a:schemeClr val="lt1"/>
+          </a:fontRef>
+        </p:style>
+        <p:txBody>
+          <a:bodyPr rtlCol="0" anchor="ctr"/>
+          <a:lstStyle/>
+          <a:p>
+            <a:pPr algn="ctr"/>
+            <a:r>
+              <a:rPr lang="en-US" dirty="0"/>
+              <a:t>App</a:t>
+            </a:r>
+          </a:p>
+        </p:txBody>
+      </p:sp>
+      <p:sp>
+        <p:nvSpPr>
+          <p:cNvPr id="10" name="Oval 9">
+            <a:extLst>
+              <a:ext uri="{FF2B5EF4-FFF2-40B4-BE49-F238E27FC236}">
+                <a16:creationId xmlns:a16="http://schemas.microsoft.com/office/drawing/2014/main" id="{AB329B1E-477D-4200-B99B-04416EC1682B}"/>
+              </a:ext>
+            </a:extLst>
+          </p:cNvPr>
+          <p:cNvSpPr/>
+          <p:nvPr/>
+        </p:nvSpPr>
+        <p:spPr>
+          <a:xfrm>
+            <a:off x="6923314" y="2136708"/>
+            <a:ext cx="2528596" cy="1959429"/>
+          </a:xfrm>
+          <a:prstGeom prst="ellipse">
+            <a:avLst/>
+          </a:prstGeom>
+        </p:spPr>
+        <p:style>
+          <a:lnRef idx="2">
+            <a:schemeClr val="accent2">
+              <a:shade val="50000"/>
+            </a:schemeClr>
+          </a:lnRef>
+          <a:fillRef idx="1">
+            <a:schemeClr val="accent2"/>
+          </a:fillRef>
+          <a:effectRef idx="0">
+            <a:schemeClr val="accent2"/>
+          </a:effectRef>
+          <a:fontRef idx="minor">
+            <a:schemeClr val="lt1"/>
+          </a:fontRef>
+        </p:style>
+        <p:txBody>
+          <a:bodyPr rtlCol="0" anchor="ctr"/>
+          <a:lstStyle/>
+          <a:p>
+            <a:pPr algn="ctr"/>
+            <a:r>
+              <a:rPr lang="en-US" dirty="0"/>
+              <a:t>App</a:t>
+            </a:r>
+          </a:p>
+        </p:txBody>
+      </p:sp>
+      <p:sp>
+        <p:nvSpPr>
+          <p:cNvPr id="12" name="Oval 11">
+            <a:extLst>
+              <a:ext uri="{FF2B5EF4-FFF2-40B4-BE49-F238E27FC236}">
+                <a16:creationId xmlns:a16="http://schemas.microsoft.com/office/drawing/2014/main" id="{67F5E412-B695-421C-A968-EEE04583935D}"/>
+              </a:ext>
+            </a:extLst>
+          </p:cNvPr>
+          <p:cNvSpPr/>
+          <p:nvPr/>
+        </p:nvSpPr>
+        <p:spPr>
+          <a:xfrm>
+            <a:off x="6400800" y="4180114"/>
+            <a:ext cx="2528596" cy="1959429"/>
+          </a:xfrm>
+          <a:prstGeom prst="ellipse">
+            <a:avLst/>
+          </a:prstGeom>
+        </p:spPr>
+        <p:style>
+          <a:lnRef idx="2">
+            <a:schemeClr val="accent2">
+              <a:shade val="50000"/>
+            </a:schemeClr>
+          </a:lnRef>
+          <a:fillRef idx="1">
+            <a:schemeClr val="accent2"/>
+          </a:fillRef>
+          <a:effectRef idx="0">
+            <a:schemeClr val="accent2"/>
+          </a:effectRef>
+          <a:fontRef idx="minor">
+            <a:schemeClr val="lt1"/>
+          </a:fontRef>
+        </p:style>
+        <p:txBody>
+          <a:bodyPr rtlCol="0" anchor="ctr"/>
+          <a:lstStyle/>
+          <a:p>
+            <a:pPr algn="ctr"/>
+            <a:r>
+              <a:rPr lang="en-US" dirty="0"/>
+              <a:t>App</a:t>
+            </a:r>
+          </a:p>
+        </p:txBody>
+      </p:sp>
+      <p:cxnSp>
+        <p:nvCxnSpPr>
+          <p:cNvPr id="14" name="Straight Arrow Connector 13">
+            <a:extLst>
+              <a:ext uri="{FF2B5EF4-FFF2-40B4-BE49-F238E27FC236}">
+                <a16:creationId xmlns:a16="http://schemas.microsoft.com/office/drawing/2014/main" id="{A2509CA1-0672-4A23-9A0C-68520CA74547}"/>
+              </a:ext>
+            </a:extLst>
+          </p:cNvPr>
+          <p:cNvCxnSpPr>
+            <a:stCxn id="4" idx="6"/>
+            <a:endCxn id="6" idx="2"/>
+          </p:cNvCxnSpPr>
+          <p:nvPr/>
+        </p:nvCxnSpPr>
+        <p:spPr>
+          <a:xfrm flipV="1">
+            <a:off x="5999584" y="979715"/>
+            <a:ext cx="516293" cy="2146040"/>
+          </a:xfrm>
+          <a:prstGeom prst="straightConnector1">
+            <a:avLst/>
+          </a:prstGeom>
+          <a:ln>
+            <a:tailEnd type="triangle"/>
+          </a:ln>
+        </p:spPr>
+        <p:style>
+          <a:lnRef idx="1">
+            <a:schemeClr val="accent1"/>
+          </a:lnRef>
+          <a:fillRef idx="0">
+            <a:schemeClr val="accent1"/>
+          </a:fillRef>
+          <a:effectRef idx="0">
+            <a:schemeClr val="accent1"/>
+          </a:effectRef>
+          <a:fontRef idx="minor">
+            <a:schemeClr val="tx1"/>
+          </a:fontRef>
+        </p:style>
+      </p:cxnSp>
+      <p:cxnSp>
+        <p:nvCxnSpPr>
+          <p:cNvPr id="18" name="Straight Arrow Connector 17">
+            <a:extLst>
+              <a:ext uri="{FF2B5EF4-FFF2-40B4-BE49-F238E27FC236}">
+                <a16:creationId xmlns:a16="http://schemas.microsoft.com/office/drawing/2014/main" id="{088F13A0-C48E-435E-9E27-457AD92E80F3}"/>
+              </a:ext>
+            </a:extLst>
+          </p:cNvPr>
+          <p:cNvCxnSpPr>
+            <a:stCxn id="4" idx="6"/>
+            <a:endCxn id="12" idx="2"/>
+          </p:cNvCxnSpPr>
+          <p:nvPr/>
+        </p:nvCxnSpPr>
+        <p:spPr>
+          <a:xfrm>
+            <a:off x="5999584" y="3125755"/>
+            <a:ext cx="401216" cy="2034074"/>
+          </a:xfrm>
+          <a:prstGeom prst="straightConnector1">
+            <a:avLst/>
+          </a:prstGeom>
+          <a:ln>
+            <a:tailEnd type="triangle"/>
+          </a:ln>
+        </p:spPr>
+        <p:style>
+          <a:lnRef idx="1">
+            <a:schemeClr val="accent1"/>
+          </a:lnRef>
+          <a:fillRef idx="0">
+            <a:schemeClr val="accent1"/>
+          </a:fillRef>
+          <a:effectRef idx="0">
+            <a:schemeClr val="accent1"/>
+          </a:effectRef>
+          <a:fontRef idx="minor">
+            <a:schemeClr val="tx1"/>
+          </a:fontRef>
+        </p:style>
+      </p:cxnSp>
+      <p:sp>
+        <p:nvSpPr>
+          <p:cNvPr id="23" name="Oval 22">
+            <a:extLst>
+              <a:ext uri="{FF2B5EF4-FFF2-40B4-BE49-F238E27FC236}">
+                <a16:creationId xmlns:a16="http://schemas.microsoft.com/office/drawing/2014/main" id="{885B66AE-99C8-4FB4-A404-E8EAFC82333A}"/>
+              </a:ext>
+            </a:extLst>
+          </p:cNvPr>
+          <p:cNvSpPr/>
+          <p:nvPr/>
+        </p:nvSpPr>
+        <p:spPr>
+          <a:xfrm>
+            <a:off x="77755" y="2606350"/>
+            <a:ext cx="2528596" cy="1959429"/>
+          </a:xfrm>
+          <a:prstGeom prst="ellipse">
+            <a:avLst/>
+          </a:prstGeom>
+        </p:spPr>
+        <p:style>
+          <a:lnRef idx="2">
+            <a:schemeClr val="accent6">
+              <a:shade val="50000"/>
+            </a:schemeClr>
+          </a:lnRef>
+          <a:fillRef idx="1">
+            <a:schemeClr val="accent6"/>
+          </a:fillRef>
+          <a:effectRef idx="0">
+            <a:schemeClr val="accent6"/>
+          </a:effectRef>
+          <a:fontRef idx="minor">
+            <a:schemeClr val="lt1"/>
+          </a:fontRef>
+        </p:style>
+        <p:txBody>
+          <a:bodyPr rtlCol="0" anchor="ctr"/>
+          <a:lstStyle/>
+          <a:p>
+            <a:pPr algn="ctr"/>
+            <a:r>
+              <a:rPr lang="en-US" dirty="0"/>
+              <a:t>Client</a:t>
+            </a:r>
+          </a:p>
+        </p:txBody>
+      </p:sp>
+      <p:cxnSp>
+        <p:nvCxnSpPr>
+          <p:cNvPr id="25" name="Straight Arrow Connector 24">
+            <a:extLst>
+              <a:ext uri="{FF2B5EF4-FFF2-40B4-BE49-F238E27FC236}">
+                <a16:creationId xmlns:a16="http://schemas.microsoft.com/office/drawing/2014/main" id="{1D881B94-6B7E-4CF2-9B34-C6AF646DC3E3}"/>
+              </a:ext>
+            </a:extLst>
+          </p:cNvPr>
+          <p:cNvCxnSpPr>
+            <a:cxnSpLocks/>
+            <a:stCxn id="23" idx="6"/>
+            <a:endCxn id="4" idx="2"/>
+          </p:cNvCxnSpPr>
+          <p:nvPr/>
+        </p:nvCxnSpPr>
+        <p:spPr>
+          <a:xfrm flipV="1">
+            <a:off x="2606351" y="3125755"/>
+            <a:ext cx="864637" cy="460310"/>
+          </a:xfrm>
+          <a:prstGeom prst="straightConnector1">
+            <a:avLst/>
+          </a:prstGeom>
+          <a:ln>
+            <a:tailEnd type="triangle"/>
+          </a:ln>
+        </p:spPr>
+        <p:style>
+          <a:lnRef idx="1">
+            <a:schemeClr val="accent1"/>
+          </a:lnRef>
+          <a:fillRef idx="0">
+            <a:schemeClr val="accent1"/>
+          </a:fillRef>
+          <a:effectRef idx="0">
+            <a:schemeClr val="accent1"/>
+          </a:effectRef>
+          <a:fontRef idx="minor">
+            <a:schemeClr val="tx1"/>
+          </a:fontRef>
+        </p:style>
+      </p:cxnSp>
+      <p:sp>
+        <p:nvSpPr>
+          <p:cNvPr id="30" name="&quot;Not Allowed&quot; Symbol 29">
+            <a:extLst>
+              <a:ext uri="{FF2B5EF4-FFF2-40B4-BE49-F238E27FC236}">
+                <a16:creationId xmlns:a16="http://schemas.microsoft.com/office/drawing/2014/main" id="{34166F63-3E0E-4C0E-B6A5-25B519FF4AE0}"/>
+              </a:ext>
+            </a:extLst>
+          </p:cNvPr>
+          <p:cNvSpPr/>
+          <p:nvPr/>
+        </p:nvSpPr>
+        <p:spPr>
+          <a:xfrm>
+            <a:off x="6400800" y="2052735"/>
+            <a:ext cx="3573624" cy="2127377"/>
+          </a:xfrm>
+          <a:prstGeom prst="noSmoking">
+            <a:avLst/>
+          </a:prstGeom>
+          <a:solidFill>
+            <a:srgbClr val="FF0000"/>
+          </a:solidFill>
+        </p:spPr>
+        <p:style>
+          <a:lnRef idx="2">
+            <a:schemeClr val="accent4">
+              <a:shade val="50000"/>
+            </a:schemeClr>
+          </a:lnRef>
+          <a:fillRef idx="1">
+            <a:schemeClr val="accent4"/>
+          </a:fillRef>
+          <a:effectRef idx="0">
+            <a:schemeClr val="accent4"/>
+          </a:effectRef>
+          <a:fontRef idx="minor">
+            <a:schemeClr val="lt1"/>
+          </a:fontRef>
+        </p:style>
+        <p:txBody>
+          <a:bodyPr rtlCol="0" anchor="ctr"/>
+          <a:lstStyle/>
+          <a:p>
+            <a:pPr algn="ctr"/>
+            <a:endParaRPr lang="en-US">
+              <a:solidFill>
+                <a:schemeClr val="tx1"/>
+              </a:solidFill>
+            </a:endParaRPr>
+          </a:p>
+        </p:txBody>
+      </p:sp>
+    </p:spTree>
+    <p:extLst>
+      <p:ext uri="{BB962C8B-B14F-4D97-AF65-F5344CB8AC3E}">
+        <p14:creationId xmlns:p14="http://schemas.microsoft.com/office/powerpoint/2010/main" val="698063820"/>
+      </p:ext>
+    </p:extLst>
+  </p:cSld>
+  <p:clrMapOvr>
+    <a:masterClrMapping/>
+  </p:clrMapOvr>
+</p:sld>
+</file>
+
+<file path=ppt/slides/slide22.xml><?xml version="1.0" encoding="utf-8"?>
+<p:sld xmlns:a="http://schemas.openxmlformats.org/drawingml/2006/main" xmlns:r="http://schemas.openxmlformats.org/officeDocument/2006/relationships" xmlns:p="http://schemas.openxmlformats.org/presentationml/2006/main">
+  <p:cSld>
+    <p:spTree>
+      <p:nvGrpSpPr>
+        <p:cNvPr id="1" name=""/>
+        <p:cNvGrpSpPr/>
+        <p:nvPr/>
+      </p:nvGrpSpPr>
+      <p:grpSpPr>
+        <a:xfrm>
+          <a:off x="0" y="0"/>
+          <a:ext cx="0" cy="0"/>
+          <a:chOff x="0" y="0"/>
+          <a:chExt cx="0" cy="0"/>
+        </a:xfrm>
+      </p:grpSpPr>
+      <p:sp>
+        <p:nvSpPr>
+          <p:cNvPr id="8" name="Rectangle 7">
+            <a:extLst>
+              <a:ext uri="{FF2B5EF4-FFF2-40B4-BE49-F238E27FC236}">
+                <a16:creationId xmlns:a16="http://schemas.microsoft.com/office/drawing/2014/main" id="{C1BC38A9-21BD-4507-B8C3-055AC6D03696}"/>
+              </a:ext>
+            </a:extLst>
+          </p:cNvPr>
+          <p:cNvSpPr/>
+          <p:nvPr/>
+        </p:nvSpPr>
+        <p:spPr>
+          <a:xfrm>
+            <a:off x="106144" y="1548883"/>
+            <a:ext cx="10038945" cy="4824919"/>
+          </a:xfrm>
+          <a:prstGeom prst="rect">
+            <a:avLst/>
+          </a:prstGeom>
+        </p:spPr>
+        <p:style>
+          <a:lnRef idx="2">
+            <a:schemeClr val="accent1">
+              <a:shade val="50000"/>
+            </a:schemeClr>
+          </a:lnRef>
+          <a:fillRef idx="1">
+            <a:schemeClr val="accent1"/>
+          </a:fillRef>
+          <a:effectRef idx="0">
+            <a:schemeClr val="accent1"/>
+          </a:effectRef>
+          <a:fontRef idx="minor">
+            <a:schemeClr val="lt1"/>
+          </a:fontRef>
+        </p:style>
+        <p:txBody>
+          <a:bodyPr rtlCol="0" anchor="ctr"/>
+          <a:lstStyle/>
+          <a:p>
+            <a:pPr algn="ctr"/>
+            <a:endParaRPr lang="en-US" dirty="0">
+              <a:noFill/>
+            </a:endParaRPr>
+          </a:p>
+        </p:txBody>
+      </p:sp>
+      <p:sp>
+        <p:nvSpPr>
+          <p:cNvPr id="2" name="Title 1">
+            <a:extLst>
+              <a:ext uri="{FF2B5EF4-FFF2-40B4-BE49-F238E27FC236}">
+                <a16:creationId xmlns:a16="http://schemas.microsoft.com/office/drawing/2014/main" id="{B68C8AD8-D6C8-427A-AC35-BD2B9AFA6F5F}"/>
+              </a:ext>
+            </a:extLst>
+          </p:cNvPr>
+          <p:cNvSpPr>
+            <a:spLocks noGrp="1"/>
+          </p:cNvSpPr>
+          <p:nvPr>
+            <p:ph type="title"/>
+          </p:nvPr>
+        </p:nvSpPr>
+        <p:spPr/>
+        <p:txBody>
+          <a:bodyPr/>
+          <a:lstStyle/>
+          <a:p>
+            <a:r>
+              <a:rPr lang="en-US" dirty="0"/>
+              <a:t>Auto Scaling Groups</a:t>
+            </a:r>
+          </a:p>
+        </p:txBody>
+      </p:sp>
+      <p:sp>
+        <p:nvSpPr>
+          <p:cNvPr id="10" name="Oval 9">
+            <a:extLst>
+              <a:ext uri="{FF2B5EF4-FFF2-40B4-BE49-F238E27FC236}">
+                <a16:creationId xmlns:a16="http://schemas.microsoft.com/office/drawing/2014/main" id="{AB329B1E-477D-4200-B99B-04416EC1682B}"/>
+              </a:ext>
+            </a:extLst>
+          </p:cNvPr>
+          <p:cNvSpPr/>
+          <p:nvPr/>
+        </p:nvSpPr>
+        <p:spPr>
+          <a:xfrm>
+            <a:off x="6516274" y="4079262"/>
+            <a:ext cx="2528596" cy="1959429"/>
+          </a:xfrm>
+          <a:prstGeom prst="ellipse">
+            <a:avLst/>
+          </a:prstGeom>
+        </p:spPr>
+        <p:style>
+          <a:lnRef idx="2">
+            <a:schemeClr val="accent2">
+              <a:shade val="50000"/>
+            </a:schemeClr>
+          </a:lnRef>
+          <a:fillRef idx="1">
+            <a:schemeClr val="accent2"/>
+          </a:fillRef>
+          <a:effectRef idx="0">
+            <a:schemeClr val="accent2"/>
+          </a:effectRef>
+          <a:fontRef idx="minor">
+            <a:schemeClr val="lt1"/>
+          </a:fontRef>
+        </p:style>
+        <p:txBody>
+          <a:bodyPr rtlCol="0" anchor="ctr"/>
+          <a:lstStyle/>
+          <a:p>
+            <a:pPr algn="ctr"/>
+            <a:r>
+              <a:rPr lang="en-US" dirty="0"/>
+              <a:t>Apps</a:t>
+            </a:r>
+          </a:p>
+        </p:txBody>
+      </p:sp>
+      <p:sp>
+        <p:nvSpPr>
+          <p:cNvPr id="30" name="&quot;Not Allowed&quot; Symbol 29">
+            <a:extLst>
+              <a:ext uri="{FF2B5EF4-FFF2-40B4-BE49-F238E27FC236}">
+                <a16:creationId xmlns:a16="http://schemas.microsoft.com/office/drawing/2014/main" id="{34166F63-3E0E-4C0E-B6A5-25B519FF4AE0}"/>
+              </a:ext>
+            </a:extLst>
+          </p:cNvPr>
+          <p:cNvSpPr/>
+          <p:nvPr/>
+        </p:nvSpPr>
+        <p:spPr>
+          <a:xfrm>
+            <a:off x="5986962" y="3934650"/>
+            <a:ext cx="3573624" cy="2127377"/>
+          </a:xfrm>
+          <a:prstGeom prst="noSmoking">
+            <a:avLst/>
+          </a:prstGeom>
+          <a:solidFill>
+            <a:srgbClr val="FF0000"/>
+          </a:solidFill>
+        </p:spPr>
+        <p:style>
+          <a:lnRef idx="2">
+            <a:schemeClr val="accent4">
+              <a:shade val="50000"/>
+            </a:schemeClr>
+          </a:lnRef>
+          <a:fillRef idx="1">
+            <a:schemeClr val="accent4"/>
+          </a:fillRef>
+          <a:effectRef idx="0">
+            <a:schemeClr val="accent4"/>
+          </a:effectRef>
+          <a:fontRef idx="minor">
+            <a:schemeClr val="lt1"/>
+          </a:fontRef>
+        </p:style>
+        <p:txBody>
+          <a:bodyPr rtlCol="0" anchor="ctr"/>
+          <a:lstStyle/>
+          <a:p>
+            <a:pPr algn="ctr"/>
+            <a:endParaRPr lang="en-US">
+              <a:solidFill>
+                <a:schemeClr val="tx1"/>
+              </a:solidFill>
+            </a:endParaRPr>
+          </a:p>
+        </p:txBody>
+      </p:sp>
+      <p:sp>
+        <p:nvSpPr>
+          <p:cNvPr id="3" name="Oval 2">
+            <a:extLst>
+              <a:ext uri="{FF2B5EF4-FFF2-40B4-BE49-F238E27FC236}">
+                <a16:creationId xmlns:a16="http://schemas.microsoft.com/office/drawing/2014/main" id="{DBEC54B7-AB6E-42A3-8453-6BBBB092727B}"/>
+              </a:ext>
+            </a:extLst>
+          </p:cNvPr>
+          <p:cNvSpPr/>
+          <p:nvPr/>
+        </p:nvSpPr>
+        <p:spPr>
+          <a:xfrm>
+            <a:off x="2046911" y="4329402"/>
+            <a:ext cx="2528596" cy="1959429"/>
+          </a:xfrm>
+          <a:prstGeom prst="ellipse">
+            <a:avLst/>
+          </a:prstGeom>
+        </p:spPr>
+        <p:style>
+          <a:lnRef idx="2">
+            <a:schemeClr val="accent2">
+              <a:shade val="50000"/>
+            </a:schemeClr>
+          </a:lnRef>
+          <a:fillRef idx="1">
+            <a:schemeClr val="accent2"/>
+          </a:fillRef>
+          <a:effectRef idx="0">
+            <a:schemeClr val="accent2"/>
+          </a:effectRef>
+          <a:fontRef idx="minor">
+            <a:schemeClr val="lt1"/>
+          </a:fontRef>
+        </p:style>
+        <p:txBody>
+          <a:bodyPr rtlCol="0" anchor="ctr"/>
+          <a:lstStyle/>
+          <a:p>
+            <a:pPr algn="ctr"/>
+            <a:r>
+              <a:rPr lang="en-US" dirty="0"/>
+              <a:t>Apps</a:t>
+            </a:r>
+          </a:p>
+        </p:txBody>
+      </p:sp>
+      <p:sp>
+        <p:nvSpPr>
+          <p:cNvPr id="5" name="Oval 4">
+            <a:extLst>
+              <a:ext uri="{FF2B5EF4-FFF2-40B4-BE49-F238E27FC236}">
+                <a16:creationId xmlns:a16="http://schemas.microsoft.com/office/drawing/2014/main" id="{096AB679-7202-4552-8674-2AA612C913DE}"/>
+              </a:ext>
+            </a:extLst>
+          </p:cNvPr>
+          <p:cNvSpPr/>
+          <p:nvPr/>
+        </p:nvSpPr>
+        <p:spPr>
+          <a:xfrm>
+            <a:off x="4111657" y="2764436"/>
+            <a:ext cx="2528596" cy="1959429"/>
+          </a:xfrm>
+          <a:prstGeom prst="ellipse">
+            <a:avLst/>
+          </a:prstGeom>
+        </p:spPr>
+        <p:style>
+          <a:lnRef idx="2">
+            <a:schemeClr val="accent2">
+              <a:shade val="50000"/>
+            </a:schemeClr>
+          </a:lnRef>
+          <a:fillRef idx="1">
+            <a:schemeClr val="accent2"/>
+          </a:fillRef>
+          <a:effectRef idx="0">
+            <a:schemeClr val="accent2"/>
+          </a:effectRef>
+          <a:fontRef idx="minor">
+            <a:schemeClr val="lt1"/>
+          </a:fontRef>
+        </p:style>
+        <p:txBody>
+          <a:bodyPr rtlCol="0" anchor="ctr"/>
+          <a:lstStyle/>
+          <a:p>
+            <a:pPr algn="ctr"/>
+            <a:r>
+              <a:rPr lang="en-US" dirty="0"/>
+              <a:t>Apps</a:t>
+            </a:r>
+          </a:p>
+        </p:txBody>
+      </p:sp>
+      <p:sp>
+        <p:nvSpPr>
+          <p:cNvPr id="7" name="Oval 6">
+            <a:extLst>
+              <a:ext uri="{FF2B5EF4-FFF2-40B4-BE49-F238E27FC236}">
+                <a16:creationId xmlns:a16="http://schemas.microsoft.com/office/drawing/2014/main" id="{36E4D821-B787-4233-82CE-E39904F8FAC9}"/>
+              </a:ext>
+            </a:extLst>
+          </p:cNvPr>
+          <p:cNvSpPr/>
+          <p:nvPr/>
+        </p:nvSpPr>
+        <p:spPr>
+          <a:xfrm>
+            <a:off x="373227" y="2494260"/>
+            <a:ext cx="2528596" cy="1959429"/>
+          </a:xfrm>
+          <a:prstGeom prst="ellipse">
+            <a:avLst/>
+          </a:prstGeom>
+        </p:spPr>
+        <p:style>
+          <a:lnRef idx="2">
+            <a:schemeClr val="accent2">
+              <a:shade val="50000"/>
+            </a:schemeClr>
+          </a:lnRef>
+          <a:fillRef idx="1">
+            <a:schemeClr val="accent2"/>
+          </a:fillRef>
+          <a:effectRef idx="0">
+            <a:schemeClr val="accent2"/>
+          </a:effectRef>
+          <a:fontRef idx="minor">
+            <a:schemeClr val="lt1"/>
+          </a:fontRef>
+        </p:style>
+        <p:txBody>
+          <a:bodyPr rtlCol="0" anchor="ctr"/>
+          <a:lstStyle/>
+          <a:p>
+            <a:pPr algn="ctr"/>
+            <a:r>
+              <a:rPr lang="en-US" dirty="0"/>
+              <a:t>Apps</a:t>
+            </a:r>
+          </a:p>
+        </p:txBody>
+      </p:sp>
+      <p:sp>
+        <p:nvSpPr>
+          <p:cNvPr id="9" name="TextBox 8">
+            <a:extLst>
+              <a:ext uri="{FF2B5EF4-FFF2-40B4-BE49-F238E27FC236}">
+                <a16:creationId xmlns:a16="http://schemas.microsoft.com/office/drawing/2014/main" id="{07CE08EB-66A9-4C58-AFB4-F9687C7CBEFF}"/>
+              </a:ext>
+            </a:extLst>
+          </p:cNvPr>
+          <p:cNvSpPr txBox="1"/>
+          <p:nvPr/>
+        </p:nvSpPr>
+        <p:spPr>
+          <a:xfrm>
+            <a:off x="3754877" y="2120630"/>
+            <a:ext cx="2908570" cy="369332"/>
+          </a:xfrm>
+          <a:prstGeom prst="rect">
+            <a:avLst/>
+          </a:prstGeom>
+          <a:noFill/>
+        </p:spPr>
+        <p:txBody>
+          <a:bodyPr wrap="square" rtlCol="0">
+            <a:spAutoFit/>
+          </a:bodyPr>
+          <a:lstStyle/>
+          <a:p>
+            <a:r>
+              <a:rPr lang="en-US" dirty="0"/>
+              <a:t>Autoscaling Group</a:t>
+            </a:r>
+          </a:p>
+        </p:txBody>
+      </p:sp>
+      <p:sp>
+        <p:nvSpPr>
+          <p:cNvPr id="11" name="Oval 10">
+            <a:extLst>
+              <a:ext uri="{FF2B5EF4-FFF2-40B4-BE49-F238E27FC236}">
+                <a16:creationId xmlns:a16="http://schemas.microsoft.com/office/drawing/2014/main" id="{B43A6420-E548-4A56-A44E-BF45C792C014}"/>
+              </a:ext>
+            </a:extLst>
+          </p:cNvPr>
+          <p:cNvSpPr/>
+          <p:nvPr/>
+        </p:nvSpPr>
+        <p:spPr>
+          <a:xfrm>
+            <a:off x="7154282" y="1609532"/>
+            <a:ext cx="2528596" cy="1959429"/>
+          </a:xfrm>
+          <a:prstGeom prst="ellipse">
+            <a:avLst/>
+          </a:prstGeom>
+        </p:spPr>
+        <p:style>
+          <a:lnRef idx="2">
+            <a:schemeClr val="accent2">
+              <a:shade val="50000"/>
+            </a:schemeClr>
+          </a:lnRef>
+          <a:fillRef idx="1">
+            <a:schemeClr val="accent2"/>
+          </a:fillRef>
+          <a:effectRef idx="0">
+            <a:schemeClr val="accent2"/>
+          </a:effectRef>
+          <a:fontRef idx="minor">
+            <a:schemeClr val="lt1"/>
+          </a:fontRef>
+        </p:style>
+        <p:txBody>
+          <a:bodyPr rtlCol="0" anchor="ctr"/>
+          <a:lstStyle/>
+          <a:p>
+            <a:pPr algn="ctr"/>
+            <a:r>
+              <a:rPr lang="en-US" dirty="0"/>
+              <a:t>Apps</a:t>
+            </a:r>
+          </a:p>
+        </p:txBody>
+      </p:sp>
+    </p:spTree>
+    <p:extLst>
+      <p:ext uri="{BB962C8B-B14F-4D97-AF65-F5344CB8AC3E}">
+        <p14:creationId xmlns:p14="http://schemas.microsoft.com/office/powerpoint/2010/main" val="1307984689"/>
+      </p:ext>
+    </p:extLst>
+  </p:cSld>
+  <p:clrMapOvr>
+    <a:masterClrMapping/>
+  </p:clrMapOvr>
+</p:sld>
+</file>
+
+<file path=ppt/slides/slide23.xml><?xml version="1.0" encoding="utf-8"?>
+<p:sld xmlns:a="http://schemas.openxmlformats.org/drawingml/2006/main" xmlns:r="http://schemas.openxmlformats.org/officeDocument/2006/relationships" xmlns:p="http://schemas.openxmlformats.org/presentationml/2006/main">
+  <p:cSld>
+    <p:spTree>
+      <p:nvGrpSpPr>
+        <p:cNvPr id="1" name=""/>
+        <p:cNvGrpSpPr/>
+        <p:nvPr/>
+      </p:nvGrpSpPr>
+      <p:grpSpPr>
+        <a:xfrm>
+          <a:off x="0" y="0"/>
+          <a:ext cx="0" cy="0"/>
+          <a:chOff x="0" y="0"/>
+          <a:chExt cx="0" cy="0"/>
+        </a:xfrm>
+      </p:grpSpPr>
+      <p:sp>
+        <p:nvSpPr>
+          <p:cNvPr id="2" name="Title 1">
+            <a:extLst>
+              <a:ext uri="{FF2B5EF4-FFF2-40B4-BE49-F238E27FC236}">
+                <a16:creationId xmlns:a16="http://schemas.microsoft.com/office/drawing/2014/main" id="{0EC4895F-7133-49B2-B0E0-2D558D06378A}"/>
+              </a:ext>
+            </a:extLst>
+          </p:cNvPr>
+          <p:cNvSpPr>
+            <a:spLocks noGrp="1"/>
+          </p:cNvSpPr>
+          <p:nvPr>
+            <p:ph type="title"/>
+          </p:nvPr>
+        </p:nvSpPr>
+        <p:spPr/>
+        <p:txBody>
+          <a:bodyPr/>
+          <a:lstStyle/>
+          <a:p>
+            <a:r>
+              <a:rPr lang="en-US" dirty="0"/>
+              <a:t>What we like</a:t>
+            </a:r>
+          </a:p>
+        </p:txBody>
+      </p:sp>
+      <p:sp>
+        <p:nvSpPr>
+          <p:cNvPr id="3" name="Content Placeholder 2">
+            <a:extLst>
+              <a:ext uri="{FF2B5EF4-FFF2-40B4-BE49-F238E27FC236}">
+                <a16:creationId xmlns:a16="http://schemas.microsoft.com/office/drawing/2014/main" id="{69AD2D4D-EB94-41C1-A6E7-701BF66125FD}"/>
+              </a:ext>
+            </a:extLst>
+          </p:cNvPr>
+          <p:cNvSpPr>
+            <a:spLocks noGrp="1"/>
+          </p:cNvSpPr>
+          <p:nvPr>
+            <p:ph idx="1"/>
+          </p:nvPr>
+        </p:nvSpPr>
+        <p:spPr/>
+        <p:txBody>
+          <a:bodyPr/>
+          <a:lstStyle/>
+          <a:p>
+            <a:r>
+              <a:rPr lang="en-US" dirty="0"/>
+              <a:t>Like how much automation Jenkins does for us</a:t>
+            </a:r>
+          </a:p>
+          <a:p>
+            <a:pPr lvl="1"/>
+            <a:r>
+              <a:rPr lang="en-US" dirty="0"/>
+              <a:t>Jenkins can potentially save a lot of time</a:t>
+            </a:r>
+          </a:p>
+          <a:p>
+            <a:r>
+              <a:rPr lang="en-US" dirty="0"/>
+              <a:t>AWS CLI (faster and makes automation possible)</a:t>
+            </a:r>
+          </a:p>
+          <a:p>
+            <a:r>
+              <a:rPr lang="en-US" dirty="0"/>
+              <a:t>Tomcat is easy to use (easy deployments)</a:t>
+            </a:r>
+          </a:p>
+        </p:txBody>
+      </p:sp>
+    </p:spTree>
+    <p:extLst>
+      <p:ext uri="{BB962C8B-B14F-4D97-AF65-F5344CB8AC3E}">
+        <p14:creationId xmlns:p14="http://schemas.microsoft.com/office/powerpoint/2010/main" val="3168048497"/>
+      </p:ext>
+    </p:extLst>
+  </p:cSld>
+  <p:clrMapOvr>
+    <a:masterClrMapping/>
+  </p:clrMapOvr>
+</p:sld>
+</file>
+
+<file path=ppt/slides/slide24.xml><?xml version="1.0" encoding="utf-8"?>
+<p:sld xmlns:a="http://schemas.openxmlformats.org/drawingml/2006/main" xmlns:r="http://schemas.openxmlformats.org/officeDocument/2006/relationships" xmlns:p="http://schemas.openxmlformats.org/presentationml/2006/main">
+  <p:cSld>
+    <p:spTree>
+      <p:nvGrpSpPr>
+        <p:cNvPr id="1" name=""/>
+        <p:cNvGrpSpPr/>
+        <p:nvPr/>
+      </p:nvGrpSpPr>
+      <p:grpSpPr>
+        <a:xfrm>
+          <a:off x="0" y="0"/>
+          <a:ext cx="0" cy="0"/>
+          <a:chOff x="0" y="0"/>
+          <a:chExt cx="0" cy="0"/>
+        </a:xfrm>
+      </p:grpSpPr>
+      <p:sp>
+        <p:nvSpPr>
+          <p:cNvPr id="2" name="Title 1">
+            <a:extLst>
+              <a:ext uri="{FF2B5EF4-FFF2-40B4-BE49-F238E27FC236}">
+                <a16:creationId xmlns:a16="http://schemas.microsoft.com/office/drawing/2014/main" id="{B621CF05-5EAD-43F3-8BBC-1EDDCD2C0250}"/>
+              </a:ext>
+            </a:extLst>
+          </p:cNvPr>
+          <p:cNvSpPr>
+            <a:spLocks noGrp="1"/>
+          </p:cNvSpPr>
+          <p:nvPr>
+            <p:ph type="title"/>
+          </p:nvPr>
+        </p:nvSpPr>
+        <p:spPr/>
+        <p:txBody>
+          <a:bodyPr/>
+          <a:lstStyle/>
+          <a:p>
+            <a:r>
+              <a:rPr lang="en-US" dirty="0"/>
+              <a:t>What we do not like</a:t>
+            </a:r>
+          </a:p>
+        </p:txBody>
+      </p:sp>
+      <p:sp>
+        <p:nvSpPr>
+          <p:cNvPr id="3" name="Content Placeholder 2">
+            <a:extLst>
+              <a:ext uri="{FF2B5EF4-FFF2-40B4-BE49-F238E27FC236}">
+                <a16:creationId xmlns:a16="http://schemas.microsoft.com/office/drawing/2014/main" id="{D6959C29-231A-46E4-9493-47524C03CFAB}"/>
+              </a:ext>
+            </a:extLst>
+          </p:cNvPr>
+          <p:cNvSpPr>
+            <a:spLocks noGrp="1"/>
+          </p:cNvSpPr>
+          <p:nvPr>
+            <p:ph idx="1"/>
+          </p:nvPr>
+        </p:nvSpPr>
+        <p:spPr/>
+        <p:txBody>
+          <a:bodyPr/>
+          <a:lstStyle/>
+          <a:p>
+            <a:r>
+              <a:rPr lang="en-US" dirty="0"/>
               <a:t>Naming conventions (confusing)</a:t>
+            </a:r>
+          </a:p>
+          <a:p>
+            <a:r>
+              <a:rPr lang="en-US" dirty="0"/>
+              <a:t>We don’t like </a:t>
+            </a:r>
+            <a:r>
+              <a:rPr lang="en-US" dirty="0" err="1"/>
+              <a:t>ssh-ing</a:t>
+            </a:r>
+            <a:r>
+              <a:rPr lang="en-US" dirty="0"/>
+              <a:t> because of intricacy (addition set of skills)</a:t>
+            </a:r>
+          </a:p>
+          <a:p>
+            <a:r>
+              <a:rPr lang="en-US" dirty="0"/>
+              <a:t>Confusing hidden fees (they tell you about it….so it’s your fault)</a:t>
             </a:r>
           </a:p>
         </p:txBody>
